--- a/Poster.pptx
+++ b/Poster.pptx
@@ -288,7 +288,7 @@
           <a:p>
             <a:fld id="{3228AFC0-98A4-1C4D-BE3A-0DB27C21F4C5}" type="datetimeFigureOut">
               <a:rPr lang="en-US" smtClean="0"/>
-              <a:t>12/6/15</a:t>
+              <a:t>12/7/15</a:t>
             </a:fld>
             <a:endParaRPr lang="en-US"/>
           </a:p>
@@ -458,7 +458,7 @@
           <a:p>
             <a:fld id="{3228AFC0-98A4-1C4D-BE3A-0DB27C21F4C5}" type="datetimeFigureOut">
               <a:rPr lang="en-US" smtClean="0"/>
-              <a:t>12/6/15</a:t>
+              <a:t>12/7/15</a:t>
             </a:fld>
             <a:endParaRPr lang="en-US"/>
           </a:p>
@@ -638,7 +638,7 @@
           <a:p>
             <a:fld id="{3228AFC0-98A4-1C4D-BE3A-0DB27C21F4C5}" type="datetimeFigureOut">
               <a:rPr lang="en-US" smtClean="0"/>
-              <a:t>12/6/15</a:t>
+              <a:t>12/7/15</a:t>
             </a:fld>
             <a:endParaRPr lang="en-US"/>
           </a:p>
@@ -808,7 +808,7 @@
           <a:p>
             <a:fld id="{3228AFC0-98A4-1C4D-BE3A-0DB27C21F4C5}" type="datetimeFigureOut">
               <a:rPr lang="en-US" smtClean="0"/>
-              <a:t>12/6/15</a:t>
+              <a:t>12/7/15</a:t>
             </a:fld>
             <a:endParaRPr lang="en-US"/>
           </a:p>
@@ -1054,7 +1054,7 @@
           <a:p>
             <a:fld id="{3228AFC0-98A4-1C4D-BE3A-0DB27C21F4C5}" type="datetimeFigureOut">
               <a:rPr lang="en-US" smtClean="0"/>
-              <a:t>12/6/15</a:t>
+              <a:t>12/7/15</a:t>
             </a:fld>
             <a:endParaRPr lang="en-US"/>
           </a:p>
@@ -1342,7 +1342,7 @@
           <a:p>
             <a:fld id="{3228AFC0-98A4-1C4D-BE3A-0DB27C21F4C5}" type="datetimeFigureOut">
               <a:rPr lang="en-US" smtClean="0"/>
-              <a:t>12/6/15</a:t>
+              <a:t>12/7/15</a:t>
             </a:fld>
             <a:endParaRPr lang="en-US"/>
           </a:p>
@@ -1769,7 +1769,7 @@
           <a:p>
             <a:fld id="{3228AFC0-98A4-1C4D-BE3A-0DB27C21F4C5}" type="datetimeFigureOut">
               <a:rPr lang="en-US" smtClean="0"/>
-              <a:t>12/6/15</a:t>
+              <a:t>12/7/15</a:t>
             </a:fld>
             <a:endParaRPr lang="en-US"/>
           </a:p>
@@ -1887,7 +1887,7 @@
           <a:p>
             <a:fld id="{3228AFC0-98A4-1C4D-BE3A-0DB27C21F4C5}" type="datetimeFigureOut">
               <a:rPr lang="en-US" smtClean="0"/>
-              <a:t>12/6/15</a:t>
+              <a:t>12/7/15</a:t>
             </a:fld>
             <a:endParaRPr lang="en-US"/>
           </a:p>
@@ -1982,7 +1982,7 @@
           <a:p>
             <a:fld id="{3228AFC0-98A4-1C4D-BE3A-0DB27C21F4C5}" type="datetimeFigureOut">
               <a:rPr lang="en-US" smtClean="0"/>
-              <a:t>12/6/15</a:t>
+              <a:t>12/7/15</a:t>
             </a:fld>
             <a:endParaRPr lang="en-US"/>
           </a:p>
@@ -2259,7 +2259,7 @@
           <a:p>
             <a:fld id="{3228AFC0-98A4-1C4D-BE3A-0DB27C21F4C5}" type="datetimeFigureOut">
               <a:rPr lang="en-US" smtClean="0"/>
-              <a:t>12/6/15</a:t>
+              <a:t>12/7/15</a:t>
             </a:fld>
             <a:endParaRPr lang="en-US"/>
           </a:p>
@@ -2512,7 +2512,7 @@
           <a:p>
             <a:fld id="{3228AFC0-98A4-1C4D-BE3A-0DB27C21F4C5}" type="datetimeFigureOut">
               <a:rPr lang="en-US" smtClean="0"/>
-              <a:t>12/6/15</a:t>
+              <a:t>12/7/15</a:t>
             </a:fld>
             <a:endParaRPr lang="en-US"/>
           </a:p>
@@ -2725,7 +2725,7 @@
           <a:p>
             <a:fld id="{3228AFC0-98A4-1C4D-BE3A-0DB27C21F4C5}" type="datetimeFigureOut">
               <a:rPr lang="en-US" smtClean="0"/>
-              <a:t>12/6/15</a:t>
+              <a:t>12/7/15</a:t>
             </a:fld>
             <a:endParaRPr lang="en-US"/>
           </a:p>
@@ -3399,20 +3399,9 @@
             <a:endParaRPr lang="en-US" sz="3000" dirty="0" smtClean="0"/>
           </a:p>
           <a:p>
-            <a:pPr marL="685800" indent="-685800">
-              <a:buFont typeface="Arial"/>
-              <a:buChar char="•"/>
-            </a:pPr>
-            <a:r>
-              <a:rPr lang="en-US" sz="3000" dirty="0" smtClean="0"/>
-              <a:t>TODO One very nice graph.</a:t>
-            </a:r>
-          </a:p>
-          <a:p>
-            <a:pPr marL="685800" indent="-685800">
-              <a:buFont typeface="Arial"/>
-              <a:buChar char="•"/>
-            </a:pPr>
+            <a:endParaRPr lang="en-US" sz="3000" dirty="0" smtClean="0"/>
+          </a:p>
+          <a:p>
             <a:endParaRPr lang="en-US" sz="3000" dirty="0"/>
           </a:p>
           <a:p>
@@ -3520,7 +3509,6 @@
               <a:rPr lang="en-US" sz="3000" dirty="0" smtClean="0"/>
               <a:t> sites’ generic user-specific reputation scores.</a:t>
             </a:r>
-            <a:endParaRPr lang="en-US" sz="3000" dirty="0" smtClean="0"/>
           </a:p>
         </p:txBody>
       </p:sp>
@@ -3533,6 +3521,63 @@
         <p:spPr>
           <a:xfrm>
             <a:off x="10949202" y="11242387"/>
+            <a:ext cx="10501419" cy="3908762"/>
+          </a:xfrm>
+          <a:prstGeom prst="rect">
+            <a:avLst/>
+          </a:prstGeom>
+        </p:spPr>
+        <p:txBody>
+          <a:bodyPr wrap="square">
+            <a:spAutoFit/>
+          </a:bodyPr>
+          <a:lstStyle/>
+          <a:p>
+            <a:pPr algn="ctr"/>
+            <a:r>
+              <a:rPr lang="en-US" sz="3800" dirty="0" smtClean="0"/>
+              <a:t>3.2. </a:t>
+            </a:r>
+            <a:r>
+              <a:rPr lang="en-US" sz="3800" dirty="0" smtClean="0"/>
+              <a:t>Clustering</a:t>
+            </a:r>
+          </a:p>
+          <a:p>
+            <a:pPr algn="ctr"/>
+            <a:r>
+              <a:rPr lang="en-US" sz="3000" dirty="0" smtClean="0"/>
+              <a:t>In order to identify particular network traits to different personas of people in </a:t>
+            </a:r>
+            <a:r>
+              <a:rPr lang="en-US" sz="3000" dirty="0" err="1" smtClean="0"/>
+              <a:t>StackOverflow</a:t>
+            </a:r>
+            <a:r>
+              <a:rPr lang="en-US" sz="3000" dirty="0" smtClean="0"/>
+              <a:t>, </a:t>
+            </a:r>
+            <a:r>
+              <a:rPr lang="en-US" sz="3000" i="1" dirty="0" smtClean="0"/>
+              <a:t>k-</a:t>
+            </a:r>
+            <a:r>
+              <a:rPr lang="en-US" sz="3000" dirty="0" smtClean="0"/>
+              <a:t>means clustering was done using the following features: views, down votes, up votes, out degree, in degree, closeness centrality, eigenvector centrality, and PageRank centrality. Given the silhouette values of 0.973 for 2 clusters, 0.959 for 3 cluster, 0.911 for 4 clusters, and 0.887 for 5 clusters, the peak clustering number is at 2 clusters. </a:t>
+            </a:r>
+            <a:endParaRPr lang="en-US" sz="3000" dirty="0" smtClean="0"/>
+          </a:p>
+        </p:txBody>
+      </p:sp>
+      <p:sp>
+        <p:nvSpPr>
+          <p:cNvPr id="12" name="Rectangle 11"/>
+          <p:cNvSpPr/>
+          <p:nvPr/>
+        </p:nvSpPr>
+        <p:spPr>
+          <a:xfrm>
+            <a:off x="447783" y="20043513"/>
             <a:ext cx="10501419" cy="3447098"/>
           </a:xfrm>
           <a:prstGeom prst="rect">
@@ -3548,7 +3593,7 @@
             <a:pPr algn="ctr"/>
             <a:r>
               <a:rPr lang="en-US" sz="3800" dirty="0" smtClean="0"/>
-              <a:t>3.2. Clustering</a:t>
+              <a:t>3.3. Heuristic Approaches to Ranking</a:t>
             </a:r>
           </a:p>
           <a:p>
@@ -3564,19 +3609,18 @@
               <a:rPr lang="en-US" sz="3000" dirty="0" smtClean="0"/>
               <a:t> sites’ generic user-specific reputation scores.</a:t>
             </a:r>
-            <a:endParaRPr lang="en-US" sz="3000" dirty="0" smtClean="0"/>
-          </a:p>
-        </p:txBody>
-      </p:sp>
-      <p:sp>
-        <p:nvSpPr>
-          <p:cNvPr id="12" name="Rectangle 11"/>
+          </a:p>
+        </p:txBody>
+      </p:sp>
+      <p:sp>
+        <p:nvSpPr>
+          <p:cNvPr id="13" name="Rectangle 12"/>
           <p:cNvSpPr/>
           <p:nvPr/>
         </p:nvSpPr>
         <p:spPr>
           <a:xfrm>
-            <a:off x="461312" y="17504772"/>
+            <a:off x="10949202" y="19941900"/>
             <a:ext cx="10501419" cy="3447098"/>
           </a:xfrm>
           <a:prstGeom prst="rect">
@@ -3592,13 +3636,8 @@
             <a:pPr algn="ctr"/>
             <a:r>
               <a:rPr lang="en-US" sz="3800" dirty="0" smtClean="0"/>
-              <a:t>3.3. Heuristic Approaches </a:t>
-            </a:r>
-            <a:r>
-              <a:rPr lang="en-US" sz="3800" smtClean="0"/>
-              <a:t>to Ranking</a:t>
-            </a:r>
-            <a:endParaRPr lang="en-US" sz="3800" dirty="0" smtClean="0"/>
+              <a:t>3.4. Supervised Learning</a:t>
+            </a:r>
           </a:p>
           <a:p>
             <a:r>
@@ -3613,55 +3652,81 @@
               <a:rPr lang="en-US" sz="3000" dirty="0" smtClean="0"/>
               <a:t> sites’ generic user-specific reputation scores.</a:t>
             </a:r>
-            <a:endParaRPr lang="en-US" sz="3000" dirty="0" smtClean="0"/>
-          </a:p>
-        </p:txBody>
-      </p:sp>
-      <p:sp>
-        <p:nvSpPr>
-          <p:cNvPr id="13" name="Rectangle 12"/>
-          <p:cNvSpPr/>
+          </a:p>
+        </p:txBody>
+      </p:sp>
+      <p:pic>
+        <p:nvPicPr>
+          <p:cNvPr id="2" name="Picture 1"/>
+          <p:cNvPicPr>
+            <a:picLocks noChangeAspect="1"/>
+          </p:cNvPicPr>
           <p:nvPr/>
-        </p:nvSpPr>
+        </p:nvPicPr>
+        <p:blipFill>
+          <a:blip r:embed="rId2"/>
+          <a:stretch>
+            <a:fillRect/>
+          </a:stretch>
+        </p:blipFill>
         <p:spPr>
           <a:xfrm>
-            <a:off x="10949202" y="17504772"/>
-            <a:ext cx="10501419" cy="3447098"/>
+            <a:off x="10774033" y="15515242"/>
+            <a:ext cx="5049110" cy="3885559"/>
           </a:xfrm>
           <a:prstGeom prst="rect">
             <a:avLst/>
           </a:prstGeom>
         </p:spPr>
-        <p:txBody>
-          <a:bodyPr wrap="square">
-            <a:spAutoFit/>
-          </a:bodyPr>
-          <a:lstStyle/>
-          <a:p>
-            <a:pPr algn="ctr"/>
-            <a:r>
-              <a:rPr lang="en-US" sz="3800" dirty="0" smtClean="0"/>
-              <a:t>3.4. Supervised Learning</a:t>
-            </a:r>
-            <a:endParaRPr lang="en-US" sz="3800" dirty="0" smtClean="0"/>
-          </a:p>
-          <a:p>
-            <a:r>
-              <a:rPr lang="en-US" sz="3000" dirty="0" smtClean="0"/>
-              <a:t>experts are and what it means to be an expert, especially in a particularly granular field, would allow knowledge to be managed and distributed more judiciously throughout the community. Rating the reputation of users through the use of network properties would create a credibility system that supersedes the </a:t>
-            </a:r>
-            <a:r>
-              <a:rPr lang="en-US" sz="3000" dirty="0" err="1" smtClean="0"/>
-              <a:t>StackExchange</a:t>
-            </a:r>
-            <a:r>
-              <a:rPr lang="en-US" sz="3000" dirty="0" smtClean="0"/>
-              <a:t> sites’ generic user-specific reputation scores.</a:t>
-            </a:r>
-            <a:endParaRPr lang="en-US" sz="3000" dirty="0" smtClean="0"/>
-          </a:p>
-        </p:txBody>
-      </p:sp>
+      </p:pic>
+      <p:pic>
+        <p:nvPicPr>
+          <p:cNvPr id="3" name="Picture 2"/>
+          <p:cNvPicPr>
+            <a:picLocks noChangeAspect="1"/>
+          </p:cNvPicPr>
+          <p:nvPr/>
+        </p:nvPicPr>
+        <p:blipFill>
+          <a:blip r:embed="rId3"/>
+          <a:stretch>
+            <a:fillRect/>
+          </a:stretch>
+        </p:blipFill>
+        <p:spPr>
+          <a:xfrm>
+            <a:off x="13033476" y="4428023"/>
+            <a:ext cx="4081386" cy="3569880"/>
+          </a:xfrm>
+          <a:prstGeom prst="rect">
+            <a:avLst/>
+          </a:prstGeom>
+        </p:spPr>
+      </p:pic>
+      <p:pic>
+        <p:nvPicPr>
+          <p:cNvPr id="15" name="Picture 14"/>
+          <p:cNvPicPr>
+            <a:picLocks noChangeAspect="1"/>
+          </p:cNvPicPr>
+          <p:nvPr/>
+        </p:nvPicPr>
+        <p:blipFill>
+          <a:blip r:embed="rId4"/>
+          <a:stretch>
+            <a:fillRect/>
+          </a:stretch>
+        </p:blipFill>
+        <p:spPr>
+          <a:xfrm>
+            <a:off x="16142810" y="15515242"/>
+            <a:ext cx="5307811" cy="3848939"/>
+          </a:xfrm>
+          <a:prstGeom prst="rect">
+            <a:avLst/>
+          </a:prstGeom>
+        </p:spPr>
+      </p:pic>
     </p:spTree>
     <p:extLst>
       <p:ext uri="{BB962C8B-B14F-4D97-AF65-F5344CB8AC3E}">

--- a/Poster.pptx
+++ b/Poster.pptx
@@ -3536,11 +3536,7 @@
             <a:pPr algn="ctr"/>
             <a:r>
               <a:rPr lang="en-US" sz="3800" dirty="0" smtClean="0"/>
-              <a:t>3.2. </a:t>
-            </a:r>
-            <a:r>
-              <a:rPr lang="en-US" sz="3800" dirty="0" smtClean="0"/>
-              <a:t>Clustering</a:t>
+              <a:t>3.2. Clustering</a:t>
             </a:r>
           </a:p>
           <a:p>
@@ -3565,7 +3561,6 @@
               <a:rPr lang="en-US" sz="3000" dirty="0" smtClean="0"/>
               <a:t>means clustering was done using the following features: views, down votes, up votes, out degree, in degree, closeness centrality, eigenvector centrality, and PageRank centrality. Given the silhouette values of 0.973 for 2 clusters, 0.959 for 3 cluster, 0.911 for 4 clusters, and 0.887 for 5 clusters, the peak clustering number is at 2 clusters. </a:t>
             </a:r>
-            <a:endParaRPr lang="en-US" sz="3000" dirty="0" smtClean="0"/>
           </a:p>
         </p:txBody>
       </p:sp>
@@ -3578,7 +3573,7 @@
         <p:spPr>
           <a:xfrm>
             <a:off x="447783" y="20043513"/>
-            <a:ext cx="10501419" cy="3447098"/>
+            <a:ext cx="10501419" cy="1661993"/>
           </a:xfrm>
           <a:prstGeom prst="rect">
             <a:avLst/>
@@ -3598,17 +3593,18 @@
           </a:p>
           <a:p>
             <a:r>
-              <a:rPr lang="en-US" sz="3000" dirty="0" smtClean="0"/>
-              <a:t>experts are and what it means to be an expert, especially in a particularly granular field, would allow knowledge to be managed and distributed more judiciously throughout the community. Rating the reputation of users through the use of network properties would create a credibility system that supersedes the </a:t>
-            </a:r>
-            <a:r>
-              <a:rPr lang="en-US" sz="3000" dirty="0" err="1" smtClean="0"/>
+              <a:rPr lang="en-US" sz="3200" dirty="0"/>
+              <a:t>Heuristic functions successfully prioritize domain expertise over total </a:t>
+            </a:r>
+            <a:r>
+              <a:rPr lang="en-US" sz="3200" dirty="0" err="1"/>
               <a:t>StackExchange</a:t>
             </a:r>
             <a:r>
-              <a:rPr lang="en-US" sz="3000" dirty="0" smtClean="0"/>
-              <a:t> sites’ generic user-specific reputation scores.</a:t>
-            </a:r>
+              <a:rPr lang="en-US" sz="3200" dirty="0"/>
+              <a:t> reputation.</a:t>
+            </a:r>
+            <a:endParaRPr lang="en-US" sz="3000" dirty="0" smtClean="0"/>
           </a:p>
         </p:txBody>
       </p:sp>
@@ -3727,6 +3723,1239 @@
           </a:prstGeom>
         </p:spPr>
       </p:pic>
+      <p:graphicFrame>
+        <p:nvGraphicFramePr>
+          <p:cNvPr id="16" name="Table 15"/>
+          <p:cNvGraphicFramePr>
+            <a:graphicFrameLocks noGrp="1"/>
+          </p:cNvGraphicFramePr>
+          <p:nvPr>
+            <p:extLst>
+              <p:ext uri="{D42A27DB-BD31-4B8C-83A1-F6EECF244321}">
+                <p14:modId xmlns:p14="http://schemas.microsoft.com/office/powerpoint/2010/main" val="4124312004"/>
+              </p:ext>
+            </p:extLst>
+          </p:nvPr>
+        </p:nvGraphicFramePr>
+        <p:xfrm>
+          <a:off x="104548" y="22277417"/>
+          <a:ext cx="10844654" cy="7279432"/>
+        </p:xfrm>
+        <a:graphic>
+          <a:graphicData uri="http://schemas.openxmlformats.org/drawingml/2006/table">
+            <a:tbl>
+              <a:tblPr firstRow="1" bandRow="1">
+                <a:tableStyleId>{5C22544A-7EE6-4342-B048-85BDC9FD1C3A}</a:tableStyleId>
+              </a:tblPr>
+              <a:tblGrid>
+                <a:gridCol w="506285"/>
+                <a:gridCol w="1741551"/>
+                <a:gridCol w="1342445"/>
+                <a:gridCol w="2031809"/>
+                <a:gridCol w="1922963"/>
+                <a:gridCol w="1750365"/>
+                <a:gridCol w="1549236"/>
+              </a:tblGrid>
+              <a:tr h="720840">
+                <a:tc>
+                  <a:txBody>
+                    <a:bodyPr/>
+                    <a:lstStyle/>
+                    <a:p>
+                      <a:endParaRPr lang="en-US" sz="2000" dirty="0"/>
+                    </a:p>
+                  </a:txBody>
+                  <a:tcPr/>
+                </a:tc>
+                <a:tc>
+                  <a:txBody>
+                    <a:bodyPr/>
+                    <a:lstStyle/>
+                    <a:p>
+                      <a:r>
+                        <a:rPr lang="en-US" sz="2000" dirty="0" smtClean="0"/>
+                        <a:t>1. Reputation</a:t>
+                      </a:r>
+                      <a:endParaRPr lang="en-US" sz="2000" dirty="0"/>
+                    </a:p>
+                  </a:txBody>
+                  <a:tcPr/>
+                </a:tc>
+                <a:tc>
+                  <a:txBody>
+                    <a:bodyPr/>
+                    <a:lstStyle/>
+                    <a:p>
+                      <a:r>
+                        <a:rPr lang="en-US" sz="2000" dirty="0" smtClean="0"/>
+                        <a:t>2. Degree</a:t>
+                      </a:r>
+                      <a:endParaRPr lang="en-US" sz="2000" dirty="0"/>
+                    </a:p>
+                  </a:txBody>
+                  <a:tcPr/>
+                </a:tc>
+                <a:tc>
+                  <a:txBody>
+                    <a:bodyPr/>
+                    <a:lstStyle/>
+                    <a:p>
+                      <a:r>
+                        <a:rPr lang="en-US" sz="2000" dirty="0" smtClean="0"/>
+                        <a:t>3. Degree*Votes</a:t>
+                      </a:r>
+                      <a:endParaRPr lang="en-US" sz="2000" dirty="0"/>
+                    </a:p>
+                  </a:txBody>
+                  <a:tcPr/>
+                </a:tc>
+                <a:tc>
+                  <a:txBody>
+                    <a:bodyPr/>
+                    <a:lstStyle/>
+                    <a:p>
+                      <a:r>
+                        <a:rPr lang="en-US" sz="2000" dirty="0" smtClean="0"/>
+                        <a:t>4.Betweenness</a:t>
+                      </a:r>
+                      <a:endParaRPr lang="en-US" sz="2000" dirty="0"/>
+                    </a:p>
+                  </a:txBody>
+                  <a:tcPr/>
+                </a:tc>
+                <a:tc>
+                  <a:txBody>
+                    <a:bodyPr/>
+                    <a:lstStyle/>
+                    <a:p>
+                      <a:r>
+                        <a:rPr lang="en-US" sz="2000" dirty="0" smtClean="0"/>
+                        <a:t>5.EigenVector</a:t>
+                      </a:r>
+                      <a:endParaRPr lang="en-US" sz="2000" dirty="0"/>
+                    </a:p>
+                  </a:txBody>
+                  <a:tcPr/>
+                </a:tc>
+                <a:tc>
+                  <a:txBody>
+                    <a:bodyPr/>
+                    <a:lstStyle/>
+                    <a:p>
+                      <a:r>
+                        <a:rPr lang="en-US" sz="2000" dirty="0" smtClean="0"/>
+                        <a:t>6.PageRank</a:t>
+                      </a:r>
+                      <a:endParaRPr lang="en-US" sz="2000" dirty="0"/>
+                    </a:p>
+                  </a:txBody>
+                  <a:tcPr/>
+                </a:tc>
+              </a:tr>
+              <a:tr h="523553">
+                <a:tc>
+                  <a:txBody>
+                    <a:bodyPr/>
+                    <a:lstStyle/>
+                    <a:p>
+                      <a:r>
+                        <a:rPr lang="en-US" sz="2000" dirty="0" smtClean="0"/>
+                        <a:t>1</a:t>
+                      </a:r>
+                      <a:endParaRPr lang="en-US" sz="2000" dirty="0"/>
+                    </a:p>
+                  </a:txBody>
+                  <a:tcPr/>
+                </a:tc>
+                <a:tc>
+                  <a:txBody>
+                    <a:bodyPr/>
+                    <a:lstStyle/>
+                    <a:p>
+                      <a:r>
+                        <a:rPr lang="en-US" sz="1800" dirty="0" smtClean="0"/>
+                        <a:t>Andre’ Nicolas</a:t>
+                      </a:r>
+                      <a:endParaRPr lang="en-US" sz="1800" dirty="0"/>
+                    </a:p>
+                  </a:txBody>
+                  <a:tcPr/>
+                </a:tc>
+                <a:tc>
+                  <a:txBody>
+                    <a:bodyPr/>
+                    <a:lstStyle/>
+                    <a:p>
+                      <a:r>
+                        <a:rPr lang="en-US" sz="1800" dirty="0" err="1" smtClean="0"/>
+                        <a:t>MvG</a:t>
+                      </a:r>
+                      <a:endParaRPr lang="en-US" sz="1800" dirty="0"/>
+                    </a:p>
+                  </a:txBody>
+                  <a:tcPr/>
+                </a:tc>
+                <a:tc>
+                  <a:txBody>
+                    <a:bodyPr/>
+                    <a:lstStyle/>
+                    <a:p>
+                      <a:r>
+                        <a:rPr lang="en-US" sz="1800" dirty="0" smtClean="0"/>
+                        <a:t>Ross Millikan</a:t>
+                      </a:r>
+                      <a:endParaRPr lang="en-US" sz="1800" dirty="0"/>
+                    </a:p>
+                  </a:txBody>
+                  <a:tcPr/>
+                </a:tc>
+                <a:tc>
+                  <a:txBody>
+                    <a:bodyPr/>
+                    <a:lstStyle/>
+                    <a:p>
+                      <a:r>
+                        <a:rPr lang="en-US" sz="1800" dirty="0" err="1" smtClean="0"/>
+                        <a:t>MvG</a:t>
+                      </a:r>
+                      <a:endParaRPr lang="en-US" sz="1800" dirty="0"/>
+                    </a:p>
+                  </a:txBody>
+                  <a:tcPr/>
+                </a:tc>
+                <a:tc>
+                  <a:txBody>
+                    <a:bodyPr/>
+                    <a:lstStyle/>
+                    <a:p>
+                      <a:r>
+                        <a:rPr lang="en-US" sz="1800" dirty="0" err="1" smtClean="0"/>
+                        <a:t>MvG</a:t>
+                      </a:r>
+                      <a:endParaRPr lang="en-US" sz="1800" dirty="0"/>
+                    </a:p>
+                  </a:txBody>
+                  <a:tcPr/>
+                </a:tc>
+                <a:tc>
+                  <a:txBody>
+                    <a:bodyPr/>
+                    <a:lstStyle/>
+                    <a:p>
+                      <a:r>
+                        <a:rPr lang="en-US" sz="1800" dirty="0" smtClean="0"/>
+                        <a:t>Henning </a:t>
+                      </a:r>
+                      <a:r>
+                        <a:rPr lang="en-US" sz="1800" dirty="0" err="1" smtClean="0"/>
+                        <a:t>Makholm</a:t>
+                      </a:r>
+                      <a:endParaRPr lang="en-US" sz="1800" dirty="0"/>
+                    </a:p>
+                  </a:txBody>
+                  <a:tcPr/>
+                </a:tc>
+              </a:tr>
+              <a:tr h="523553">
+                <a:tc>
+                  <a:txBody>
+                    <a:bodyPr/>
+                    <a:lstStyle/>
+                    <a:p>
+                      <a:r>
+                        <a:rPr lang="en-US" sz="2000" dirty="0" smtClean="0"/>
+                        <a:t>2</a:t>
+                      </a:r>
+                      <a:endParaRPr lang="en-US" sz="2000" dirty="0"/>
+                    </a:p>
+                  </a:txBody>
+                  <a:tcPr/>
+                </a:tc>
+                <a:tc>
+                  <a:txBody>
+                    <a:bodyPr/>
+                    <a:lstStyle/>
+                    <a:p>
+                      <a:r>
+                        <a:rPr lang="en-US" sz="1800" dirty="0" smtClean="0"/>
+                        <a:t>Brian M. Scott</a:t>
+                      </a:r>
+                      <a:endParaRPr lang="en-US" sz="1800" dirty="0"/>
+                    </a:p>
+                  </a:txBody>
+                  <a:tcPr/>
+                </a:tc>
+                <a:tc>
+                  <a:txBody>
+                    <a:bodyPr/>
+                    <a:lstStyle/>
+                    <a:p>
+                      <a:r>
+                        <a:rPr lang="en-US" sz="1800" dirty="0" smtClean="0"/>
+                        <a:t>Ross Millikan</a:t>
+                      </a:r>
+                      <a:endParaRPr lang="en-US" sz="1800" dirty="0"/>
+                    </a:p>
+                  </a:txBody>
+                  <a:tcPr/>
+                </a:tc>
+                <a:tc>
+                  <a:txBody>
+                    <a:bodyPr/>
+                    <a:lstStyle/>
+                    <a:p>
+                      <a:r>
+                        <a:rPr lang="en-US" sz="1800" dirty="0" smtClean="0"/>
+                        <a:t>Andre/ Nicolas</a:t>
+                      </a:r>
+                      <a:endParaRPr lang="en-US" sz="1800" dirty="0"/>
+                    </a:p>
+                  </a:txBody>
+                  <a:tcPr/>
+                </a:tc>
+                <a:tc>
+                  <a:txBody>
+                    <a:bodyPr/>
+                    <a:lstStyle/>
+                    <a:p>
+                      <a:r>
+                        <a:rPr lang="en-US" sz="1800" dirty="0" smtClean="0"/>
+                        <a:t>Ross Millikan</a:t>
+                      </a:r>
+                      <a:endParaRPr lang="en-US" sz="1800" dirty="0"/>
+                    </a:p>
+                  </a:txBody>
+                  <a:tcPr/>
+                </a:tc>
+                <a:tc>
+                  <a:txBody>
+                    <a:bodyPr/>
+                    <a:lstStyle/>
+                    <a:p>
+                      <a:r>
+                        <a:rPr lang="en-US" sz="1800" dirty="0" smtClean="0"/>
+                        <a:t>Ross Millikan</a:t>
+                      </a:r>
+                      <a:endParaRPr lang="en-US" sz="1800" dirty="0"/>
+                    </a:p>
+                  </a:txBody>
+                  <a:tcPr/>
+                </a:tc>
+                <a:tc>
+                  <a:txBody>
+                    <a:bodyPr/>
+                    <a:lstStyle/>
+                    <a:p>
+                      <a:r>
+                        <a:rPr lang="en-US" sz="1800" dirty="0" smtClean="0"/>
+                        <a:t>Andre’ Nicolas</a:t>
+                      </a:r>
+                      <a:endParaRPr lang="en-US" sz="1800" dirty="0"/>
+                    </a:p>
+                  </a:txBody>
+                  <a:tcPr/>
+                </a:tc>
+              </a:tr>
+              <a:tr h="523553">
+                <a:tc>
+                  <a:txBody>
+                    <a:bodyPr/>
+                    <a:lstStyle/>
+                    <a:p>
+                      <a:r>
+                        <a:rPr lang="en-US" sz="2000" dirty="0" smtClean="0"/>
+                        <a:t>3</a:t>
+                      </a:r>
+                      <a:endParaRPr lang="en-US" sz="2000" dirty="0"/>
+                    </a:p>
+                  </a:txBody>
+                  <a:tcPr/>
+                </a:tc>
+                <a:tc>
+                  <a:txBody>
+                    <a:bodyPr/>
+                    <a:lstStyle/>
+                    <a:p>
+                      <a:r>
+                        <a:rPr lang="en-US" sz="1800" dirty="0" err="1" smtClean="0"/>
+                        <a:t>Asaf</a:t>
+                      </a:r>
+                      <a:r>
+                        <a:rPr lang="en-US" sz="1800" dirty="0" smtClean="0"/>
+                        <a:t> </a:t>
+                      </a:r>
+                      <a:r>
+                        <a:rPr lang="en-US" sz="1800" dirty="0" err="1" smtClean="0"/>
+                        <a:t>Karagila</a:t>
+                      </a:r>
+                      <a:endParaRPr lang="en-US" sz="1800" dirty="0"/>
+                    </a:p>
+                  </a:txBody>
+                  <a:tcPr/>
+                </a:tc>
+                <a:tc>
+                  <a:txBody>
+                    <a:bodyPr/>
+                    <a:lstStyle/>
+                    <a:p>
+                      <a:r>
+                        <a:rPr lang="en-US" sz="1800" dirty="0" smtClean="0"/>
+                        <a:t>Andre’ Nicolas</a:t>
+                      </a:r>
+                      <a:endParaRPr lang="en-US" sz="1800" dirty="0"/>
+                    </a:p>
+                  </a:txBody>
+                  <a:tcPr/>
+                </a:tc>
+                <a:tc>
+                  <a:txBody>
+                    <a:bodyPr/>
+                    <a:lstStyle/>
+                    <a:p>
+                      <a:r>
+                        <a:rPr lang="en-US" sz="1800" dirty="0" err="1" smtClean="0"/>
+                        <a:t>amWhy</a:t>
+                      </a:r>
+                      <a:endParaRPr lang="en-US" sz="1800" dirty="0"/>
+                    </a:p>
+                  </a:txBody>
+                  <a:tcPr/>
+                </a:tc>
+                <a:tc>
+                  <a:txBody>
+                    <a:bodyPr/>
+                    <a:lstStyle/>
+                    <a:p>
+                      <a:r>
+                        <a:rPr lang="en-US" sz="1800" dirty="0" smtClean="0"/>
+                        <a:t>Blue</a:t>
+                      </a:r>
+                      <a:endParaRPr lang="en-US" sz="1800" dirty="0"/>
+                    </a:p>
+                  </a:txBody>
+                  <a:tcPr/>
+                </a:tc>
+                <a:tc>
+                  <a:txBody>
+                    <a:bodyPr/>
+                    <a:lstStyle/>
+                    <a:p>
+                      <a:r>
+                        <a:rPr lang="en-US" sz="1800" dirty="0" smtClean="0"/>
+                        <a:t>Blue</a:t>
+                      </a:r>
+                      <a:endParaRPr lang="en-US" sz="1800" dirty="0"/>
+                    </a:p>
+                  </a:txBody>
+                  <a:tcPr/>
+                </a:tc>
+                <a:tc>
+                  <a:txBody>
+                    <a:bodyPr/>
+                    <a:lstStyle/>
+                    <a:p>
+                      <a:r>
+                        <a:rPr lang="en-US" sz="1800" dirty="0" smtClean="0"/>
+                        <a:t>Ross Millikan</a:t>
+                      </a:r>
+                      <a:endParaRPr lang="en-US" sz="1800" dirty="0"/>
+                    </a:p>
+                  </a:txBody>
+                  <a:tcPr/>
+                </a:tc>
+              </a:tr>
+              <a:tr h="523553">
+                <a:tc>
+                  <a:txBody>
+                    <a:bodyPr/>
+                    <a:lstStyle/>
+                    <a:p>
+                      <a:r>
+                        <a:rPr lang="en-US" sz="2000" dirty="0" smtClean="0"/>
+                        <a:t>4</a:t>
+                      </a:r>
+                      <a:endParaRPr lang="en-US" sz="2000" dirty="0"/>
+                    </a:p>
+                  </a:txBody>
+                  <a:tcPr/>
+                </a:tc>
+                <a:tc>
+                  <a:txBody>
+                    <a:bodyPr/>
+                    <a:lstStyle/>
+                    <a:p>
+                      <a:r>
+                        <a:rPr lang="en-US" sz="1800" dirty="0" smtClean="0"/>
+                        <a:t>Did</a:t>
+                      </a:r>
+                      <a:endParaRPr lang="en-US" sz="1800" dirty="0"/>
+                    </a:p>
+                  </a:txBody>
+                  <a:tcPr/>
+                </a:tc>
+                <a:tc>
+                  <a:txBody>
+                    <a:bodyPr/>
+                    <a:lstStyle/>
+                    <a:p>
+                      <a:r>
+                        <a:rPr lang="en-US" sz="1800" dirty="0" smtClean="0"/>
+                        <a:t>Blue</a:t>
+                      </a:r>
+                      <a:endParaRPr lang="en-US" sz="1800" dirty="0"/>
+                    </a:p>
+                  </a:txBody>
+                  <a:tcPr/>
+                </a:tc>
+                <a:tc>
+                  <a:txBody>
+                    <a:bodyPr/>
+                    <a:lstStyle/>
+                    <a:p>
+                      <a:r>
+                        <a:rPr lang="en-US" sz="1800" dirty="0" smtClean="0"/>
+                        <a:t>Michael Hardy</a:t>
+                      </a:r>
+                      <a:endParaRPr lang="en-US" sz="1800" dirty="0"/>
+                    </a:p>
+                  </a:txBody>
+                  <a:tcPr/>
+                </a:tc>
+                <a:tc>
+                  <a:txBody>
+                    <a:bodyPr/>
+                    <a:lstStyle/>
+                    <a:p>
+                      <a:r>
+                        <a:rPr lang="en-US" sz="1800" dirty="0" smtClean="0"/>
+                        <a:t>Andre’ Nicolas</a:t>
+                      </a:r>
+                      <a:endParaRPr lang="en-US" sz="1800" dirty="0"/>
+                    </a:p>
+                  </a:txBody>
+                  <a:tcPr/>
+                </a:tc>
+                <a:tc>
+                  <a:txBody>
+                    <a:bodyPr/>
+                    <a:lstStyle/>
+                    <a:p>
+                      <a:r>
+                        <a:rPr lang="en-US" sz="1800" dirty="0" smtClean="0"/>
+                        <a:t>Christian </a:t>
+                      </a:r>
+                      <a:r>
+                        <a:rPr lang="en-US" sz="1800" dirty="0" err="1" smtClean="0"/>
+                        <a:t>Blatter</a:t>
+                      </a:r>
+                      <a:endParaRPr lang="en-US" sz="1800" dirty="0"/>
+                    </a:p>
+                  </a:txBody>
+                  <a:tcPr/>
+                </a:tc>
+                <a:tc>
+                  <a:txBody>
+                    <a:bodyPr/>
+                    <a:lstStyle/>
+                    <a:p>
+                      <a:r>
+                        <a:rPr lang="en-US" sz="1800" dirty="0" smtClean="0"/>
+                        <a:t>Hagen von </a:t>
+                      </a:r>
+                      <a:r>
+                        <a:rPr lang="en-US" sz="1800" dirty="0" err="1" smtClean="0"/>
+                        <a:t>Eitzen</a:t>
+                      </a:r>
+                      <a:endParaRPr lang="en-US" sz="1800" dirty="0"/>
+                    </a:p>
+                  </a:txBody>
+                  <a:tcPr/>
+                </a:tc>
+              </a:tr>
+              <a:tr h="0">
+                <a:tc>
+                  <a:txBody>
+                    <a:bodyPr/>
+                    <a:lstStyle/>
+                    <a:p>
+                      <a:r>
+                        <a:rPr lang="en-US" sz="2000" dirty="0" smtClean="0"/>
+                        <a:t>5</a:t>
+                      </a:r>
+                      <a:endParaRPr lang="en-US" sz="2000" dirty="0"/>
+                    </a:p>
+                  </a:txBody>
+                  <a:tcPr/>
+                </a:tc>
+                <a:tc>
+                  <a:txBody>
+                    <a:bodyPr/>
+                    <a:lstStyle/>
+                    <a:p>
+                      <a:r>
+                        <a:rPr lang="en-US" sz="1800" dirty="0" smtClean="0"/>
+                        <a:t>Arturo </a:t>
+                      </a:r>
+                      <a:r>
+                        <a:rPr lang="en-US" sz="1800" dirty="0" err="1" smtClean="0"/>
+                        <a:t>Magidin</a:t>
+                      </a:r>
+                      <a:endParaRPr lang="en-US" sz="1800" dirty="0"/>
+                    </a:p>
+                  </a:txBody>
+                  <a:tcPr/>
+                </a:tc>
+                <a:tc>
+                  <a:txBody>
+                    <a:bodyPr/>
+                    <a:lstStyle/>
+                    <a:p>
+                      <a:r>
+                        <a:rPr lang="en-US" sz="1800" dirty="0" smtClean="0"/>
+                        <a:t>Christian</a:t>
+                      </a:r>
+                      <a:r>
+                        <a:rPr lang="en-US" sz="1800" baseline="0" dirty="0" smtClean="0"/>
+                        <a:t> </a:t>
+                      </a:r>
+                      <a:r>
+                        <a:rPr lang="en-US" sz="1800" dirty="0" smtClean="0"/>
+                        <a:t> </a:t>
+                      </a:r>
+                      <a:r>
+                        <a:rPr lang="en-US" sz="1800" dirty="0" err="1" smtClean="0"/>
+                        <a:t>Blatter</a:t>
+                      </a:r>
+                      <a:endParaRPr lang="en-US" sz="1800" dirty="0"/>
+                    </a:p>
+                  </a:txBody>
+                  <a:tcPr/>
+                </a:tc>
+                <a:tc>
+                  <a:txBody>
+                    <a:bodyPr/>
+                    <a:lstStyle/>
+                    <a:p>
+                      <a:r>
+                        <a:rPr lang="en-US" sz="1800" dirty="0" err="1" smtClean="0"/>
+                        <a:t>Ihf</a:t>
+                      </a:r>
+                      <a:endParaRPr lang="en-US" sz="1800" dirty="0"/>
+                    </a:p>
+                  </a:txBody>
+                  <a:tcPr/>
+                </a:tc>
+                <a:tc>
+                  <a:txBody>
+                    <a:bodyPr/>
+                    <a:lstStyle/>
+                    <a:p>
+                      <a:r>
+                        <a:rPr lang="en-US" sz="1800" dirty="0" smtClean="0"/>
+                        <a:t>Christian </a:t>
+                      </a:r>
+                      <a:r>
+                        <a:rPr lang="en-US" sz="1800" dirty="0" err="1" smtClean="0"/>
+                        <a:t>Blatter</a:t>
+                      </a:r>
+                      <a:endParaRPr lang="en-US" sz="1800" dirty="0"/>
+                    </a:p>
+                  </a:txBody>
+                  <a:tcPr/>
+                </a:tc>
+                <a:tc>
+                  <a:txBody>
+                    <a:bodyPr/>
+                    <a:lstStyle/>
+                    <a:p>
+                      <a:r>
+                        <a:rPr lang="en-US" sz="1800" dirty="0" smtClean="0"/>
+                        <a:t>Andre’ Nicolas</a:t>
+                      </a:r>
+                      <a:endParaRPr lang="en-US" sz="1800" dirty="0"/>
+                    </a:p>
+                  </a:txBody>
+                  <a:tcPr/>
+                </a:tc>
+                <a:tc>
+                  <a:txBody>
+                    <a:bodyPr/>
+                    <a:lstStyle/>
+                    <a:p>
+                      <a:r>
+                        <a:rPr lang="en-US" sz="1800" dirty="0" err="1" smtClean="0"/>
+                        <a:t>robkohn</a:t>
+                      </a:r>
+                      <a:endParaRPr lang="en-US" sz="1800" dirty="0"/>
+                    </a:p>
+                  </a:txBody>
+                  <a:tcPr/>
+                </a:tc>
+              </a:tr>
+              <a:tr h="523553">
+                <a:tc>
+                  <a:txBody>
+                    <a:bodyPr/>
+                    <a:lstStyle/>
+                    <a:p>
+                      <a:r>
+                        <a:rPr lang="en-US" sz="2000" dirty="0" smtClean="0"/>
+                        <a:t>6</a:t>
+                      </a:r>
+                      <a:endParaRPr lang="en-US" sz="2000" dirty="0"/>
+                    </a:p>
+                  </a:txBody>
+                  <a:tcPr/>
+                </a:tc>
+                <a:tc>
+                  <a:txBody>
+                    <a:bodyPr/>
+                    <a:lstStyle/>
+                    <a:p>
+                      <a:r>
+                        <a:rPr lang="en-US" sz="1800" dirty="0" err="1" smtClean="0"/>
+                        <a:t>Qiaochu</a:t>
+                      </a:r>
+                      <a:r>
+                        <a:rPr lang="en-US" sz="1800" dirty="0" smtClean="0"/>
+                        <a:t> Yuan</a:t>
+                      </a:r>
+                      <a:endParaRPr lang="en-US" sz="1800" dirty="0"/>
+                    </a:p>
+                  </a:txBody>
+                  <a:tcPr/>
+                </a:tc>
+                <a:tc>
+                  <a:txBody>
+                    <a:bodyPr/>
+                    <a:lstStyle/>
+                    <a:p>
+                      <a:r>
+                        <a:rPr lang="en-US" sz="1800" dirty="0" smtClean="0"/>
+                        <a:t>Hagen von </a:t>
+                      </a:r>
+                      <a:r>
+                        <a:rPr lang="en-US" sz="1800" dirty="0" err="1" smtClean="0"/>
+                        <a:t>Eitzen</a:t>
+                      </a:r>
+                      <a:endParaRPr lang="en-US" sz="1800" dirty="0"/>
+                    </a:p>
+                  </a:txBody>
+                  <a:tcPr/>
+                </a:tc>
+                <a:tc>
+                  <a:txBody>
+                    <a:bodyPr/>
+                    <a:lstStyle/>
+                    <a:p>
+                      <a:r>
+                        <a:rPr lang="en-US" sz="1800" dirty="0" err="1" smtClean="0"/>
+                        <a:t>Robjohn</a:t>
+                      </a:r>
+                      <a:endParaRPr lang="en-US" sz="1800" dirty="0"/>
+                    </a:p>
+                  </a:txBody>
+                  <a:tcPr/>
+                </a:tc>
+                <a:tc>
+                  <a:txBody>
+                    <a:bodyPr/>
+                    <a:lstStyle/>
+                    <a:p>
+                      <a:r>
+                        <a:rPr lang="en-US" sz="1800" dirty="0" smtClean="0"/>
+                        <a:t>Mick</a:t>
+                      </a:r>
+                      <a:endParaRPr lang="en-US" sz="1800" dirty="0"/>
+                    </a:p>
+                  </a:txBody>
+                  <a:tcPr/>
+                </a:tc>
+                <a:tc>
+                  <a:txBody>
+                    <a:bodyPr/>
+                    <a:lstStyle/>
+                    <a:p>
+                      <a:r>
+                        <a:rPr lang="en-US" sz="1800" dirty="0" smtClean="0"/>
+                        <a:t>Mick</a:t>
+                      </a:r>
+                      <a:endParaRPr lang="en-US" sz="1800" dirty="0"/>
+                    </a:p>
+                  </a:txBody>
+                  <a:tcPr/>
+                </a:tc>
+                <a:tc>
+                  <a:txBody>
+                    <a:bodyPr/>
+                    <a:lstStyle/>
+                    <a:p>
+                      <a:r>
+                        <a:rPr lang="en-US" sz="1800" dirty="0" err="1" smtClean="0"/>
+                        <a:t>joriki</a:t>
+                      </a:r>
+                      <a:endParaRPr lang="en-US" sz="1800" dirty="0"/>
+                    </a:p>
+                  </a:txBody>
+                  <a:tcPr/>
+                </a:tc>
+              </a:tr>
+              <a:tr h="523553">
+                <a:tc>
+                  <a:txBody>
+                    <a:bodyPr/>
+                    <a:lstStyle/>
+                    <a:p>
+                      <a:r>
+                        <a:rPr lang="en-US" sz="2000" dirty="0" smtClean="0"/>
+                        <a:t>7</a:t>
+                      </a:r>
+                      <a:endParaRPr lang="en-US" sz="2000" dirty="0"/>
+                    </a:p>
+                  </a:txBody>
+                  <a:tcPr/>
+                </a:tc>
+                <a:tc>
+                  <a:txBody>
+                    <a:bodyPr/>
+                    <a:lstStyle/>
+                    <a:p>
+                      <a:r>
+                        <a:rPr lang="en-US" sz="1800" dirty="0" smtClean="0"/>
+                        <a:t>Robert </a:t>
+                      </a:r>
+                      <a:r>
+                        <a:rPr lang="en-US" sz="1800" dirty="0" err="1" smtClean="0"/>
+                        <a:t>Isreal</a:t>
+                      </a:r>
+                      <a:endParaRPr lang="en-US" sz="1800" dirty="0"/>
+                    </a:p>
+                  </a:txBody>
+                  <a:tcPr/>
+                </a:tc>
+                <a:tc>
+                  <a:txBody>
+                    <a:bodyPr/>
+                    <a:lstStyle/>
+                    <a:p>
+                      <a:r>
+                        <a:rPr lang="en-US" sz="1800" dirty="0" smtClean="0"/>
+                        <a:t>Jack </a:t>
+                      </a:r>
+                      <a:r>
+                        <a:rPr lang="en-US" sz="1800" dirty="0" err="1" smtClean="0"/>
+                        <a:t>D’Aurizio</a:t>
+                      </a:r>
+                      <a:endParaRPr lang="en-US" sz="1800" dirty="0"/>
+                    </a:p>
+                  </a:txBody>
+                  <a:tcPr/>
+                </a:tc>
+                <a:tc>
+                  <a:txBody>
+                    <a:bodyPr/>
+                    <a:lstStyle/>
+                    <a:p>
+                      <a:r>
+                        <a:rPr lang="en-US" sz="1800" dirty="0" smtClean="0"/>
+                        <a:t>Hagen von </a:t>
+                      </a:r>
+                      <a:r>
+                        <a:rPr lang="en-US" sz="1800" dirty="0" err="1" smtClean="0"/>
+                        <a:t>Eitzen</a:t>
+                      </a:r>
+                      <a:endParaRPr lang="en-US" sz="1800" dirty="0"/>
+                    </a:p>
+                  </a:txBody>
+                  <a:tcPr/>
+                </a:tc>
+                <a:tc>
+                  <a:txBody>
+                    <a:bodyPr/>
+                    <a:lstStyle/>
+                    <a:p>
+                      <a:r>
+                        <a:rPr lang="en-US" sz="1800" dirty="0" smtClean="0"/>
+                        <a:t>Hagen von </a:t>
+                      </a:r>
+                      <a:r>
+                        <a:rPr lang="en-US" sz="1800" dirty="0" err="1" smtClean="0"/>
+                        <a:t>Eitzen</a:t>
+                      </a:r>
+                      <a:endParaRPr lang="en-US" sz="1800" dirty="0"/>
+                    </a:p>
+                  </a:txBody>
+                  <a:tcPr/>
+                </a:tc>
+                <a:tc>
+                  <a:txBody>
+                    <a:bodyPr/>
+                    <a:lstStyle/>
+                    <a:p>
+                      <a:r>
+                        <a:rPr lang="en-US" sz="1800" dirty="0" smtClean="0"/>
+                        <a:t>Jack </a:t>
+                      </a:r>
+                      <a:r>
+                        <a:rPr lang="en-US" sz="1800" dirty="0" err="1" smtClean="0"/>
+                        <a:t>D’Aurizio</a:t>
+                      </a:r>
+                      <a:endParaRPr lang="en-US" sz="1800" dirty="0"/>
+                    </a:p>
+                  </a:txBody>
+                  <a:tcPr/>
+                </a:tc>
+                <a:tc>
+                  <a:txBody>
+                    <a:bodyPr/>
+                    <a:lstStyle/>
+                    <a:p>
+                      <a:r>
+                        <a:rPr lang="en-US" sz="1800" dirty="0" smtClean="0"/>
+                        <a:t>Blue</a:t>
+                      </a:r>
+                      <a:endParaRPr lang="en-US" sz="1800" dirty="0"/>
+                    </a:p>
+                  </a:txBody>
+                  <a:tcPr/>
+                </a:tc>
+              </a:tr>
+              <a:tr h="523553">
+                <a:tc>
+                  <a:txBody>
+                    <a:bodyPr/>
+                    <a:lstStyle/>
+                    <a:p>
+                      <a:r>
+                        <a:rPr lang="en-US" sz="2000" dirty="0" smtClean="0"/>
+                        <a:t>8</a:t>
+                      </a:r>
+                      <a:endParaRPr lang="en-US" sz="2000" dirty="0"/>
+                    </a:p>
+                  </a:txBody>
+                  <a:tcPr/>
+                </a:tc>
+                <a:tc>
+                  <a:txBody>
+                    <a:bodyPr/>
+                    <a:lstStyle/>
+                    <a:p>
+                      <a:r>
+                        <a:rPr lang="en-US" sz="1800" dirty="0" err="1" smtClean="0"/>
+                        <a:t>Robjohn</a:t>
+                      </a:r>
+                      <a:endParaRPr lang="en-US" sz="1800" dirty="0"/>
+                    </a:p>
+                  </a:txBody>
+                  <a:tcPr/>
+                </a:tc>
+                <a:tc>
+                  <a:txBody>
+                    <a:bodyPr/>
+                    <a:lstStyle/>
+                    <a:p>
+                      <a:r>
+                        <a:rPr lang="en-US" sz="1800" dirty="0" err="1" smtClean="0"/>
+                        <a:t>Joriki</a:t>
+                      </a:r>
+                      <a:endParaRPr lang="en-US" sz="1800" dirty="0"/>
+                    </a:p>
+                  </a:txBody>
+                  <a:tcPr/>
+                </a:tc>
+                <a:tc>
+                  <a:txBody>
+                    <a:bodyPr/>
+                    <a:lstStyle/>
+                    <a:p>
+                      <a:r>
+                        <a:rPr lang="en-US" sz="1800" dirty="0" smtClean="0"/>
+                        <a:t>Gerry Myerson</a:t>
+                      </a:r>
+                      <a:endParaRPr lang="en-US" sz="1800" dirty="0"/>
+                    </a:p>
+                  </a:txBody>
+                  <a:tcPr/>
+                </a:tc>
+                <a:tc>
+                  <a:txBody>
+                    <a:bodyPr/>
+                    <a:lstStyle/>
+                    <a:p>
+                      <a:r>
+                        <a:rPr lang="en-US" sz="1800" dirty="0" smtClean="0"/>
+                        <a:t>Joseph O’Rourke</a:t>
+                      </a:r>
+                      <a:endParaRPr lang="en-US" sz="1800" dirty="0"/>
+                    </a:p>
+                  </a:txBody>
+                  <a:tcPr/>
+                </a:tc>
+                <a:tc>
+                  <a:txBody>
+                    <a:bodyPr/>
+                    <a:lstStyle/>
+                    <a:p>
+                      <a:r>
+                        <a:rPr lang="en-US" sz="1800" dirty="0" smtClean="0"/>
+                        <a:t>Hagen von </a:t>
+                      </a:r>
+                      <a:r>
+                        <a:rPr lang="en-US" sz="1800" dirty="0" err="1" smtClean="0"/>
+                        <a:t>Eitzen</a:t>
+                      </a:r>
+                      <a:endParaRPr lang="en-US" sz="1800" dirty="0"/>
+                    </a:p>
+                  </a:txBody>
+                  <a:tcPr/>
+                </a:tc>
+                <a:tc>
+                  <a:txBody>
+                    <a:bodyPr/>
+                    <a:lstStyle/>
+                    <a:p>
+                      <a:r>
+                        <a:rPr lang="en-US" sz="1800" dirty="0" smtClean="0"/>
+                        <a:t>Jack </a:t>
+                      </a:r>
+                      <a:r>
+                        <a:rPr lang="en-US" sz="1800" dirty="0" err="1" smtClean="0"/>
+                        <a:t>D’Aurisio</a:t>
+                      </a:r>
+                      <a:endParaRPr lang="en-US" sz="1800" dirty="0"/>
+                    </a:p>
+                  </a:txBody>
+                  <a:tcPr/>
+                </a:tc>
+              </a:tr>
+              <a:tr h="523553">
+                <a:tc>
+                  <a:txBody>
+                    <a:bodyPr/>
+                    <a:lstStyle/>
+                    <a:p>
+                      <a:r>
+                        <a:rPr lang="en-US" sz="2000" dirty="0" smtClean="0"/>
+                        <a:t>9</a:t>
+                      </a:r>
+                      <a:endParaRPr lang="en-US" sz="2000" dirty="0"/>
+                    </a:p>
+                  </a:txBody>
+                  <a:tcPr/>
+                </a:tc>
+                <a:tc>
+                  <a:txBody>
+                    <a:bodyPr/>
+                    <a:lstStyle/>
+                    <a:p>
+                      <a:r>
+                        <a:rPr lang="en-US" sz="1800" dirty="0" smtClean="0"/>
+                        <a:t>Ross Millikan</a:t>
+                      </a:r>
+                      <a:endParaRPr lang="en-US" sz="1800" dirty="0"/>
+                    </a:p>
+                  </a:txBody>
+                  <a:tcPr/>
+                </a:tc>
+                <a:tc>
+                  <a:txBody>
+                    <a:bodyPr/>
+                    <a:lstStyle/>
+                    <a:p>
+                      <a:r>
+                        <a:rPr lang="en-US" sz="1800" dirty="0" smtClean="0"/>
+                        <a:t>Mick</a:t>
+                      </a:r>
+                      <a:endParaRPr lang="en-US" sz="1800" dirty="0"/>
+                    </a:p>
+                  </a:txBody>
+                  <a:tcPr/>
+                </a:tc>
+                <a:tc>
+                  <a:txBody>
+                    <a:bodyPr/>
+                    <a:lstStyle/>
+                    <a:p>
+                      <a:r>
+                        <a:rPr lang="en-US" sz="1800" dirty="0" smtClean="0"/>
+                        <a:t>Guess who it is.</a:t>
+                      </a:r>
+                      <a:endParaRPr lang="en-US" sz="1800" dirty="0"/>
+                    </a:p>
+                  </a:txBody>
+                  <a:tcPr/>
+                </a:tc>
+                <a:tc>
+                  <a:txBody>
+                    <a:bodyPr/>
+                    <a:lstStyle/>
+                    <a:p>
+                      <a:r>
+                        <a:rPr lang="en-US" sz="1800" dirty="0" smtClean="0"/>
+                        <a:t>Bubba</a:t>
+                      </a:r>
+                      <a:endParaRPr lang="en-US" sz="1800" dirty="0"/>
+                    </a:p>
+                  </a:txBody>
+                  <a:tcPr/>
+                </a:tc>
+                <a:tc>
+                  <a:txBody>
+                    <a:bodyPr/>
+                    <a:lstStyle/>
+                    <a:p>
+                      <a:r>
+                        <a:rPr lang="en-US" sz="1800" dirty="0" smtClean="0"/>
+                        <a:t>Bubba</a:t>
+                      </a:r>
+                      <a:endParaRPr lang="en-US" sz="1800" dirty="0"/>
+                    </a:p>
+                  </a:txBody>
+                  <a:tcPr/>
+                </a:tc>
+                <a:tc>
+                  <a:txBody>
+                    <a:bodyPr/>
+                    <a:lstStyle/>
+                    <a:p>
+                      <a:r>
+                        <a:rPr lang="en-US" sz="1800" dirty="0" err="1" smtClean="0"/>
+                        <a:t>MvG</a:t>
+                      </a:r>
+                      <a:endParaRPr lang="en-US" sz="1800" dirty="0"/>
+                    </a:p>
+                  </a:txBody>
+                  <a:tcPr/>
+                </a:tc>
+              </a:tr>
+              <a:tr h="583823">
+                <a:tc>
+                  <a:txBody>
+                    <a:bodyPr/>
+                    <a:lstStyle/>
+                    <a:p>
+                      <a:r>
+                        <a:rPr lang="en-US" sz="2000" dirty="0" smtClean="0"/>
+                        <a:t>10</a:t>
+                      </a:r>
+                      <a:endParaRPr lang="en-US" sz="2000" dirty="0"/>
+                    </a:p>
+                  </a:txBody>
+                  <a:tcPr/>
+                </a:tc>
+                <a:tc>
+                  <a:txBody>
+                    <a:bodyPr/>
+                    <a:lstStyle/>
+                    <a:p>
+                      <a:r>
+                        <a:rPr lang="en-US" sz="1800" dirty="0" smtClean="0"/>
+                        <a:t>Bill Dubuque</a:t>
+                      </a:r>
+                      <a:endParaRPr lang="en-US" sz="1800" dirty="0"/>
+                    </a:p>
+                  </a:txBody>
+                  <a:tcPr/>
+                </a:tc>
+                <a:tc>
+                  <a:txBody>
+                    <a:bodyPr/>
+                    <a:lstStyle/>
+                    <a:p>
+                      <a:r>
+                        <a:rPr lang="en-US" sz="1800" dirty="0" smtClean="0"/>
+                        <a:t>Lab</a:t>
+                      </a:r>
+                      <a:r>
+                        <a:rPr lang="en-US" sz="1800" baseline="0" dirty="0" smtClean="0"/>
+                        <a:t> </a:t>
+                      </a:r>
+                      <a:r>
+                        <a:rPr lang="en-US" sz="1800" baseline="0" dirty="0" err="1" smtClean="0"/>
+                        <a:t>bhattacharjee</a:t>
+                      </a:r>
+                      <a:endParaRPr lang="en-US" sz="1800" dirty="0"/>
+                    </a:p>
+                  </a:txBody>
+                  <a:tcPr/>
+                </a:tc>
+                <a:tc>
+                  <a:txBody>
+                    <a:bodyPr/>
+                    <a:lstStyle/>
+                    <a:p>
+                      <a:r>
+                        <a:rPr lang="en-US" sz="1800" dirty="0" smtClean="0"/>
+                        <a:t>Christia</a:t>
+                      </a:r>
+                      <a:r>
+                        <a:rPr lang="en-US" sz="1800" baseline="0" dirty="0" smtClean="0"/>
+                        <a:t>n </a:t>
+                      </a:r>
+                      <a:r>
+                        <a:rPr lang="en-US" sz="1800" baseline="0" dirty="0" err="1" smtClean="0"/>
+                        <a:t>Blatter</a:t>
+                      </a:r>
+                      <a:endParaRPr lang="en-US" sz="1800" dirty="0"/>
+                    </a:p>
+                  </a:txBody>
+                  <a:tcPr/>
+                </a:tc>
+                <a:tc>
+                  <a:txBody>
+                    <a:bodyPr/>
+                    <a:lstStyle/>
+                    <a:p>
+                      <a:r>
+                        <a:rPr lang="en-US" sz="1800" dirty="0" smtClean="0"/>
+                        <a:t>Jack D/</a:t>
+                      </a:r>
+                      <a:r>
+                        <a:rPr lang="en-US" sz="1800" dirty="0" err="1" smtClean="0"/>
+                        <a:t>Aurizio</a:t>
+                      </a:r>
+                      <a:endParaRPr lang="en-US" sz="1800" dirty="0"/>
+                    </a:p>
+                  </a:txBody>
+                  <a:tcPr/>
+                </a:tc>
+                <a:tc>
+                  <a:txBody>
+                    <a:bodyPr/>
+                    <a:lstStyle/>
+                    <a:p>
+                      <a:r>
+                        <a:rPr lang="en-US" sz="1800" dirty="0" err="1" smtClean="0"/>
+                        <a:t>Harasimham</a:t>
+                      </a:r>
+                      <a:endParaRPr lang="en-US" sz="1800" dirty="0"/>
+                    </a:p>
+                  </a:txBody>
+                  <a:tcPr/>
+                </a:tc>
+                <a:tc>
+                  <a:txBody>
+                    <a:bodyPr/>
+                    <a:lstStyle/>
+                    <a:p>
+                      <a:r>
+                        <a:rPr lang="en-US" sz="1800" dirty="0" smtClean="0"/>
+                        <a:t>Robert </a:t>
+                      </a:r>
+                      <a:r>
+                        <a:rPr lang="en-US" sz="1800" dirty="0" err="1" smtClean="0"/>
+                        <a:t>Isreal</a:t>
+                      </a:r>
+                      <a:endParaRPr lang="en-US" sz="1800" dirty="0"/>
+                    </a:p>
+                  </a:txBody>
+                  <a:tcPr/>
+                </a:tc>
+              </a:tr>
+            </a:tbl>
+          </a:graphicData>
+        </a:graphic>
+      </p:graphicFrame>
     </p:spTree>
     <p:extLst>
       <p:ext uri="{BB962C8B-B14F-4D97-AF65-F5344CB8AC3E}">

--- a/Poster.pptx
+++ b/Poster.pptx
@@ -2,13 +2,13 @@
 <file path=ppt/presentation.xml><?xml version="1.0" encoding="utf-8"?>
 <p:presentation xmlns:a="http://schemas.openxmlformats.org/drawingml/2006/main" xmlns:r="http://schemas.openxmlformats.org/officeDocument/2006/relationships" xmlns:p="http://schemas.openxmlformats.org/presentationml/2006/main">
   <p:sldMasterIdLst>
-    <p:sldMasterId id="2147483648" r:id="rId5"/>
+    <p:sldMasterId id="2147483648" r:id="rId1"/>
   </p:sldMasterIdLst>
   <p:notesMasterIdLst>
-    <p:notesMasterId r:id="rId7"/>
+    <p:notesMasterId r:id="rId3"/>
   </p:notesMasterIdLst>
   <p:sldIdLst>
-    <p:sldId id="256" r:id="rId8"/>
+    <p:sldId id="256" r:id="rId2"/>
   </p:sldIdLst>
   <p:sldSz cx="21945600" cy="32918400"/>
   <p:notesSz cx="6858000" cy="9144000"/>
@@ -28,7 +28,7 @@
       <a:buFontTx/>
       <a:buNone/>
       <a:tabLst/>
-      <a:defRPr b="0" baseline="0" cap="none" i="0" spc="0" strike="noStrike" sz="1800" u="none" kumimoji="0" normalizeH="0">
+      <a:defRPr kumimoji="0" sz="1800" b="0" i="0" u="none" strike="noStrike" cap="none" spc="0" normalizeH="0" baseline="0">
         <a:ln>
           <a:noFill/>
         </a:ln>
@@ -54,7 +54,7 @@
       <a:buFontTx/>
       <a:buNone/>
       <a:tabLst/>
-      <a:defRPr b="0" baseline="0" cap="none" i="0" spc="0" strike="noStrike" sz="6100" u="none" kumimoji="0" normalizeH="0">
+      <a:defRPr kumimoji="0" sz="6100" b="0" i="0" u="none" strike="noStrike" cap="none" spc="0" normalizeH="0" baseline="0">
         <a:ln>
           <a:noFill/>
         </a:ln>
@@ -84,7 +84,7 @@
       <a:buFontTx/>
       <a:buNone/>
       <a:tabLst/>
-      <a:defRPr b="0" baseline="0" cap="none" i="0" spc="0" strike="noStrike" sz="6100" u="none" kumimoji="0" normalizeH="0">
+      <a:defRPr kumimoji="0" sz="6100" b="0" i="0" u="none" strike="noStrike" cap="none" spc="0" normalizeH="0" baseline="0">
         <a:ln>
           <a:noFill/>
         </a:ln>
@@ -114,7 +114,7 @@
       <a:buFontTx/>
       <a:buNone/>
       <a:tabLst/>
-      <a:defRPr b="0" baseline="0" cap="none" i="0" spc="0" strike="noStrike" sz="6100" u="none" kumimoji="0" normalizeH="0">
+      <a:defRPr kumimoji="0" sz="6100" b="0" i="0" u="none" strike="noStrike" cap="none" spc="0" normalizeH="0" baseline="0">
         <a:ln>
           <a:noFill/>
         </a:ln>
@@ -144,7 +144,7 @@
       <a:buFontTx/>
       <a:buNone/>
       <a:tabLst/>
-      <a:defRPr b="0" baseline="0" cap="none" i="0" spc="0" strike="noStrike" sz="6100" u="none" kumimoji="0" normalizeH="0">
+      <a:defRPr kumimoji="0" sz="6100" b="0" i="0" u="none" strike="noStrike" cap="none" spc="0" normalizeH="0" baseline="0">
         <a:ln>
           <a:noFill/>
         </a:ln>
@@ -174,7 +174,7 @@
       <a:buFontTx/>
       <a:buNone/>
       <a:tabLst/>
-      <a:defRPr b="0" baseline="0" cap="none" i="0" spc="0" strike="noStrike" sz="6100" u="none" kumimoji="0" normalizeH="0">
+      <a:defRPr kumimoji="0" sz="6100" b="0" i="0" u="none" strike="noStrike" cap="none" spc="0" normalizeH="0" baseline="0">
         <a:ln>
           <a:noFill/>
         </a:ln>
@@ -204,7 +204,7 @@
       <a:buFontTx/>
       <a:buNone/>
       <a:tabLst/>
-      <a:defRPr b="0" baseline="0" cap="none" i="0" spc="0" strike="noStrike" sz="6100" u="none" kumimoji="0" normalizeH="0">
+      <a:defRPr kumimoji="0" sz="6100" b="0" i="0" u="none" strike="noStrike" cap="none" spc="0" normalizeH="0" baseline="0">
         <a:ln>
           <a:noFill/>
         </a:ln>
@@ -234,7 +234,7 @@
       <a:buFontTx/>
       <a:buNone/>
       <a:tabLst/>
-      <a:defRPr b="0" baseline="0" cap="none" i="0" spc="0" strike="noStrike" sz="6100" u="none" kumimoji="0" normalizeH="0">
+      <a:defRPr kumimoji="0" sz="6100" b="0" i="0" u="none" strike="noStrike" cap="none" spc="0" normalizeH="0" baseline="0">
         <a:ln>
           <a:noFill/>
         </a:ln>
@@ -264,7 +264,7 @@
       <a:buFontTx/>
       <a:buNone/>
       <a:tabLst/>
-      <a:defRPr b="0" baseline="0" cap="none" i="0" spc="0" strike="noStrike" sz="6100" u="none" kumimoji="0" normalizeH="0">
+      <a:defRPr kumimoji="0" sz="6100" b="0" i="0" u="none" strike="noStrike" cap="none" spc="0" normalizeH="0" baseline="0">
         <a:ln>
           <a:noFill/>
         </a:ln>
@@ -294,7 +294,7 @@
       <a:buFontTx/>
       <a:buNone/>
       <a:tabLst/>
-      <a:defRPr b="0" baseline="0" cap="none" i="0" spc="0" strike="noStrike" sz="6100" u="none" kumimoji="0" normalizeH="0">
+      <a:defRPr kumimoji="0" sz="6100" b="0" i="0" u="none" strike="noStrike" cap="none" spc="0" normalizeH="0" baseline="0">
         <a:ln>
           <a:noFill/>
         </a:ln>
@@ -313,13 +313,14 @@
 </p:presentation>
 </file>
 
-<file path=ppt/commentAuthors.xml><?xml version="1.0" encoding="utf-8"?>
-<p:cmAuthorLst xmlns:a="http://schemas.openxmlformats.org/drawingml/2006/main" xmlns:r="http://schemas.openxmlformats.org/officeDocument/2006/relationships" xmlns:p="http://schemas.openxmlformats.org/presentationml/2006/main"/>
-</file>
-
 <file path=ppt/notesMasters/notesMaster1.xml><?xml version="1.0" encoding="utf-8"?>
 <p:notesMaster xmlns:a="http://schemas.openxmlformats.org/drawingml/2006/main" xmlns:r="http://schemas.openxmlformats.org/officeDocument/2006/relationships" xmlns:p="http://schemas.openxmlformats.org/presentationml/2006/main">
   <p:cSld>
+    <p:bg>
+      <p:bgRef idx="1001">
+        <a:schemeClr val="bg1"/>
+      </p:bgRef>
+    </p:bg>
     <p:spTree>
       <p:nvGrpSpPr>
         <p:cNvPr id="1" name=""/>
@@ -337,7 +338,9 @@
       <p:sp>
         <p:nvSpPr>
           <p:cNvPr id="106" name="Shape 106"/>
-          <p:cNvSpPr/>
+          <p:cNvSpPr>
+            <a:spLocks noGrp="1" noRot="1" noChangeAspect="1"/>
+          </p:cNvSpPr>
           <p:nvPr>
             <p:ph type="sldImg"/>
           </p:nvPr>
@@ -355,14 +358,16 @@
           <a:bodyPr/>
           <a:lstStyle/>
           <a:p>
-            <a:pPr/>
+            <a:endParaRPr/>
           </a:p>
         </p:txBody>
       </p:sp>
       <p:sp>
         <p:nvSpPr>
           <p:cNvPr id="107" name="Shape 107"/>
-          <p:cNvSpPr/>
+          <p:cNvSpPr>
+            <a:spLocks noGrp="1"/>
+          </p:cNvSpPr>
           <p:nvPr>
             <p:ph type="body" sz="quarter" idx="1"/>
           </p:nvPr>
@@ -380,11 +385,16 @@
           <a:bodyPr/>
           <a:lstStyle/>
           <a:p>
-            <a:pPr/>
+            <a:endParaRPr/>
           </a:p>
         </p:txBody>
       </p:sp>
     </p:spTree>
+    <p:extLst>
+      <p:ext uri="{BB962C8B-B14F-4D97-AF65-F5344CB8AC3E}">
+        <p14:creationId xmlns:p14="http://schemas.microsoft.com/office/powerpoint/2010/main" val="3433737599"/>
+      </p:ext>
+    </p:extLst>
   </p:cSld>
   <p:clrMap bg1="lt1" tx1="dk1" bg2="lt2" tx2="dk2" accent1="accent1" accent2="accent2" accent3="accent3" accent4="accent4" accent5="accent5" accent6="accent6" hlink="hlink" folHlink="folHlink"/>
   <p:notesStyle>
@@ -465,7 +475,7 @@
 </file>
 
 <file path=ppt/slideLayouts/slideLayout1.xml><?xml version="1.0" encoding="utf-8"?>
-<p:sldLayout xmlns:a="http://schemas.openxmlformats.org/drawingml/2006/main" xmlns:r="http://schemas.openxmlformats.org/officeDocument/2006/relationships" xmlns:p="http://schemas.openxmlformats.org/presentationml/2006/main" type="title" showMasterSp="1" showMasterPhAnim="1">
+<p:sldLayout xmlns:a="http://schemas.openxmlformats.org/drawingml/2006/main" xmlns:r="http://schemas.openxmlformats.org/officeDocument/2006/relationships" xmlns:p="http://schemas.openxmlformats.org/presentationml/2006/main" type="title">
   <p:cSld name="Title Slide">
     <p:spTree>
       <p:nvGrpSpPr>
@@ -484,7 +494,9 @@
       <p:sp>
         <p:nvSpPr>
           <p:cNvPr id="11" name="Shape 11"/>
-          <p:cNvSpPr/>
+          <p:cNvSpPr>
+            <a:spLocks noGrp="1"/>
+          </p:cNvSpPr>
           <p:nvPr>
             <p:ph type="title"/>
           </p:nvPr>
@@ -502,7 +514,6 @@
           <a:bodyPr/>
           <a:lstStyle/>
           <a:p>
-            <a:pPr/>
             <a:r>
               <a:t>Click to edit Master title style</a:t>
             </a:r>
@@ -512,7 +523,9 @@
       <p:sp>
         <p:nvSpPr>
           <p:cNvPr id="12" name="Shape 12"/>
-          <p:cNvSpPr/>
+          <p:cNvSpPr>
+            <a:spLocks noGrp="1"/>
+          </p:cNvSpPr>
           <p:nvPr>
             <p:ph type="body" sz="quarter" idx="1"/>
           </p:nvPr>
@@ -541,7 +554,6 @@
             </a:lvl1pPr>
           </a:lstStyle>
           <a:p>
-            <a:pPr/>
             <a:r>
               <a:t>Click to edit Master subtitle style</a:t>
             </a:r>
@@ -551,7 +563,9 @@
       <p:sp>
         <p:nvSpPr>
           <p:cNvPr id="13" name="Shape 13"/>
-          <p:cNvSpPr/>
+          <p:cNvSpPr>
+            <a:spLocks noGrp="1"/>
+          </p:cNvSpPr>
           <p:nvPr>
             <p:ph type="sldNum" sz="quarter" idx="2"/>
           </p:nvPr>
@@ -565,8 +579,10 @@
           <a:bodyPr/>
           <a:lstStyle/>
           <a:p>
-            <a:pPr/>
-            <a:fld id="{86CB4B4D-7CA3-9044-876B-883B54F8677D}" type="slidenum"/>
+            <a:fld id="{86CB4B4D-7CA3-9044-876B-883B54F8677D}" type="slidenum">
+              <a:t>‹#›</a:t>
+            </a:fld>
+            <a:endParaRPr/>
           </a:p>
         </p:txBody>
       </p:sp>
@@ -575,12 +591,12 @@
   <p:clrMapOvr>
     <a:masterClrMapping/>
   </p:clrMapOvr>
-  <p:transition xmlns:p14="http://schemas.microsoft.com/office/powerpoint/2010/main" spd="med" advClick="1"/>
+  <p:transition xmlns:p14="http://schemas.microsoft.com/office/powerpoint/2010/main" spd="med"/>
 </p:sldLayout>
 </file>
 
 <file path=ppt/slideLayouts/slideLayout10.xml><?xml version="1.0" encoding="utf-8"?>
-<p:sldLayout xmlns:a="http://schemas.openxmlformats.org/drawingml/2006/main" xmlns:r="http://schemas.openxmlformats.org/officeDocument/2006/relationships" xmlns:p="http://schemas.openxmlformats.org/presentationml/2006/main" type="tx" showMasterSp="1" showMasterPhAnim="1">
+<p:sldLayout xmlns:a="http://schemas.openxmlformats.org/drawingml/2006/main" xmlns:r="http://schemas.openxmlformats.org/officeDocument/2006/relationships" xmlns:p="http://schemas.openxmlformats.org/presentationml/2006/main" type="tx">
   <p:cSld name="Title and Vertical Text">
     <p:spTree>
       <p:nvGrpSpPr>
@@ -599,7 +615,9 @@
       <p:sp>
         <p:nvSpPr>
           <p:cNvPr id="91" name="Shape 91"/>
-          <p:cNvSpPr/>
+          <p:cNvSpPr>
+            <a:spLocks noGrp="1"/>
+          </p:cNvSpPr>
           <p:nvPr>
             <p:ph type="title"/>
           </p:nvPr>
@@ -613,7 +631,6 @@
           <a:bodyPr/>
           <a:lstStyle/>
           <a:p>
-            <a:pPr/>
             <a:r>
               <a:t>Click to edit Master title style</a:t>
             </a:r>
@@ -623,7 +640,9 @@
       <p:sp>
         <p:nvSpPr>
           <p:cNvPr id="92" name="Shape 92"/>
-          <p:cNvSpPr/>
+          <p:cNvSpPr>
+            <a:spLocks noGrp="1"/>
+          </p:cNvSpPr>
           <p:nvPr>
             <p:ph type="body" idx="1"/>
           </p:nvPr>
@@ -637,7 +656,6 @@
           <a:bodyPr/>
           <a:lstStyle/>
           <a:p>
-            <a:pPr/>
             <a:r>
               <a:t>Click to edit Master text styles</a:t>
             </a:r>
@@ -671,7 +689,9 @@
       <p:sp>
         <p:nvSpPr>
           <p:cNvPr id="93" name="Shape 93"/>
-          <p:cNvSpPr/>
+          <p:cNvSpPr>
+            <a:spLocks noGrp="1"/>
+          </p:cNvSpPr>
           <p:nvPr>
             <p:ph type="sldNum" sz="quarter" idx="2"/>
           </p:nvPr>
@@ -685,8 +705,10 @@
           <a:bodyPr/>
           <a:lstStyle/>
           <a:p>
-            <a:pPr/>
-            <a:fld id="{86CB4B4D-7CA3-9044-876B-883B54F8677D}" type="slidenum"/>
+            <a:fld id="{86CB4B4D-7CA3-9044-876B-883B54F8677D}" type="slidenum">
+              <a:t>‹#›</a:t>
+            </a:fld>
+            <a:endParaRPr/>
           </a:p>
         </p:txBody>
       </p:sp>
@@ -695,12 +717,12 @@
   <p:clrMapOvr>
     <a:masterClrMapping/>
   </p:clrMapOvr>
-  <p:transition xmlns:p14="http://schemas.microsoft.com/office/powerpoint/2010/main" spd="med" advClick="1"/>
+  <p:transition xmlns:p14="http://schemas.microsoft.com/office/powerpoint/2010/main" spd="med"/>
 </p:sldLayout>
 </file>
 
 <file path=ppt/slideLayouts/slideLayout11.xml><?xml version="1.0" encoding="utf-8"?>
-<p:sldLayout xmlns:a="http://schemas.openxmlformats.org/drawingml/2006/main" xmlns:r="http://schemas.openxmlformats.org/officeDocument/2006/relationships" xmlns:p="http://schemas.openxmlformats.org/presentationml/2006/main" type="tx" showMasterSp="1" showMasterPhAnim="1">
+<p:sldLayout xmlns:a="http://schemas.openxmlformats.org/drawingml/2006/main" xmlns:r="http://schemas.openxmlformats.org/officeDocument/2006/relationships" xmlns:p="http://schemas.openxmlformats.org/presentationml/2006/main" type="tx">
   <p:cSld name="Vertical Title and Text">
     <p:spTree>
       <p:nvGrpSpPr>
@@ -719,7 +741,9 @@
       <p:sp>
         <p:nvSpPr>
           <p:cNvPr id="100" name="Shape 100"/>
-          <p:cNvSpPr/>
+          <p:cNvSpPr>
+            <a:spLocks noGrp="1"/>
+          </p:cNvSpPr>
           <p:nvPr>
             <p:ph type="sldNum" sz="quarter" idx="2"/>
           </p:nvPr>
@@ -733,8 +757,10 @@
           <a:bodyPr/>
           <a:lstStyle/>
           <a:p>
-            <a:pPr/>
-            <a:fld id="{86CB4B4D-7CA3-9044-876B-883B54F8677D}" type="slidenum"/>
+            <a:fld id="{86CB4B4D-7CA3-9044-876B-883B54F8677D}" type="slidenum">
+              <a:t>‹#›</a:t>
+            </a:fld>
+            <a:endParaRPr/>
           </a:p>
         </p:txBody>
       </p:sp>
@@ -743,12 +769,12 @@
   <p:clrMapOvr>
     <a:masterClrMapping/>
   </p:clrMapOvr>
-  <p:transition xmlns:p14="http://schemas.microsoft.com/office/powerpoint/2010/main" spd="med" advClick="1"/>
+  <p:transition xmlns:p14="http://schemas.microsoft.com/office/powerpoint/2010/main" spd="med"/>
 </p:sldLayout>
 </file>
 
 <file path=ppt/slideLayouts/slideLayout2.xml><?xml version="1.0" encoding="utf-8"?>
-<p:sldLayout xmlns:a="http://schemas.openxmlformats.org/drawingml/2006/main" xmlns:r="http://schemas.openxmlformats.org/officeDocument/2006/relationships" xmlns:p="http://schemas.openxmlformats.org/presentationml/2006/main" type="tx" showMasterSp="1" showMasterPhAnim="1">
+<p:sldLayout xmlns:a="http://schemas.openxmlformats.org/drawingml/2006/main" xmlns:r="http://schemas.openxmlformats.org/officeDocument/2006/relationships" xmlns:p="http://schemas.openxmlformats.org/presentationml/2006/main" type="tx">
   <p:cSld name="Title and Content">
     <p:spTree>
       <p:nvGrpSpPr>
@@ -767,7 +793,9 @@
       <p:sp>
         <p:nvSpPr>
           <p:cNvPr id="20" name="Shape 20"/>
-          <p:cNvSpPr/>
+          <p:cNvSpPr>
+            <a:spLocks noGrp="1"/>
+          </p:cNvSpPr>
           <p:nvPr>
             <p:ph type="title"/>
           </p:nvPr>
@@ -781,7 +809,6 @@
           <a:bodyPr/>
           <a:lstStyle/>
           <a:p>
-            <a:pPr/>
             <a:r>
               <a:t>Click to edit Master title style</a:t>
             </a:r>
@@ -791,7 +818,9 @@
       <p:sp>
         <p:nvSpPr>
           <p:cNvPr id="21" name="Shape 21"/>
-          <p:cNvSpPr/>
+          <p:cNvSpPr>
+            <a:spLocks noGrp="1"/>
+          </p:cNvSpPr>
           <p:nvPr>
             <p:ph type="body" idx="1"/>
           </p:nvPr>
@@ -805,7 +834,6 @@
           <a:bodyPr/>
           <a:lstStyle/>
           <a:p>
-            <a:pPr/>
             <a:r>
               <a:t>Click to edit Master text styles</a:t>
             </a:r>
@@ -839,7 +867,9 @@
       <p:sp>
         <p:nvSpPr>
           <p:cNvPr id="22" name="Shape 22"/>
-          <p:cNvSpPr/>
+          <p:cNvSpPr>
+            <a:spLocks noGrp="1"/>
+          </p:cNvSpPr>
           <p:nvPr>
             <p:ph type="sldNum" sz="quarter" idx="2"/>
           </p:nvPr>
@@ -853,8 +883,10 @@
           <a:bodyPr/>
           <a:lstStyle/>
           <a:p>
-            <a:pPr/>
-            <a:fld id="{86CB4B4D-7CA3-9044-876B-883B54F8677D}" type="slidenum"/>
+            <a:fld id="{86CB4B4D-7CA3-9044-876B-883B54F8677D}" type="slidenum">
+              <a:t>‹#›</a:t>
+            </a:fld>
+            <a:endParaRPr/>
           </a:p>
         </p:txBody>
       </p:sp>
@@ -863,12 +895,12 @@
   <p:clrMapOvr>
     <a:masterClrMapping/>
   </p:clrMapOvr>
-  <p:transition xmlns:p14="http://schemas.microsoft.com/office/powerpoint/2010/main" spd="med" advClick="1"/>
+  <p:transition xmlns:p14="http://schemas.microsoft.com/office/powerpoint/2010/main" spd="med"/>
 </p:sldLayout>
 </file>
 
 <file path=ppt/slideLayouts/slideLayout3.xml><?xml version="1.0" encoding="utf-8"?>
-<p:sldLayout xmlns:a="http://schemas.openxmlformats.org/drawingml/2006/main" xmlns:r="http://schemas.openxmlformats.org/officeDocument/2006/relationships" xmlns:p="http://schemas.openxmlformats.org/presentationml/2006/main" type="tx" showMasterSp="1" showMasterPhAnim="1">
+<p:sldLayout xmlns:a="http://schemas.openxmlformats.org/drawingml/2006/main" xmlns:r="http://schemas.openxmlformats.org/officeDocument/2006/relationships" xmlns:p="http://schemas.openxmlformats.org/presentationml/2006/main" type="tx">
   <p:cSld name="Section Header">
     <p:spTree>
       <p:nvGrpSpPr>
@@ -887,7 +919,9 @@
       <p:sp>
         <p:nvSpPr>
           <p:cNvPr id="29" name="Shape 29"/>
-          <p:cNvSpPr/>
+          <p:cNvSpPr>
+            <a:spLocks noGrp="1"/>
+          </p:cNvSpPr>
           <p:nvPr>
             <p:ph type="title"/>
           </p:nvPr>
@@ -905,11 +939,10 @@
           <a:bodyPr anchor="t"/>
           <a:lstStyle>
             <a:lvl1pPr algn="l">
-              <a:defRPr b="1" cap="all" sz="13700"/>
+              <a:defRPr sz="13700" b="1" cap="all"/>
             </a:lvl1pPr>
           </a:lstStyle>
           <a:p>
-            <a:pPr/>
             <a:r>
               <a:t>Click to edit Master title style</a:t>
             </a:r>
@@ -919,7 +952,9 @@
       <p:sp>
         <p:nvSpPr>
           <p:cNvPr id="30" name="Shape 30"/>
-          <p:cNvSpPr/>
+          <p:cNvSpPr>
+            <a:spLocks noGrp="1"/>
+          </p:cNvSpPr>
           <p:nvPr>
             <p:ph type="body" sz="quarter" idx="1"/>
           </p:nvPr>
@@ -951,7 +986,6 @@
             </a:lvl1pPr>
           </a:lstStyle>
           <a:p>
-            <a:pPr/>
             <a:r>
               <a:t>Click to edit Master text styles</a:t>
             </a:r>
@@ -961,7 +995,9 @@
       <p:sp>
         <p:nvSpPr>
           <p:cNvPr id="31" name="Shape 31"/>
-          <p:cNvSpPr/>
+          <p:cNvSpPr>
+            <a:spLocks noGrp="1"/>
+          </p:cNvSpPr>
           <p:nvPr>
             <p:ph type="sldNum" sz="quarter" idx="2"/>
           </p:nvPr>
@@ -975,8 +1011,10 @@
           <a:bodyPr/>
           <a:lstStyle/>
           <a:p>
-            <a:pPr/>
-            <a:fld id="{86CB4B4D-7CA3-9044-876B-883B54F8677D}" type="slidenum"/>
+            <a:fld id="{86CB4B4D-7CA3-9044-876B-883B54F8677D}" type="slidenum">
+              <a:t>‹#›</a:t>
+            </a:fld>
+            <a:endParaRPr/>
           </a:p>
         </p:txBody>
       </p:sp>
@@ -985,12 +1023,12 @@
   <p:clrMapOvr>
     <a:masterClrMapping/>
   </p:clrMapOvr>
-  <p:transition xmlns:p14="http://schemas.microsoft.com/office/powerpoint/2010/main" spd="med" advClick="1"/>
+  <p:transition xmlns:p14="http://schemas.microsoft.com/office/powerpoint/2010/main" spd="med"/>
 </p:sldLayout>
 </file>
 
 <file path=ppt/slideLayouts/slideLayout4.xml><?xml version="1.0" encoding="utf-8"?>
-<p:sldLayout xmlns:a="http://schemas.openxmlformats.org/drawingml/2006/main" xmlns:r="http://schemas.openxmlformats.org/officeDocument/2006/relationships" xmlns:p="http://schemas.openxmlformats.org/presentationml/2006/main" type="tx" showMasterSp="1" showMasterPhAnim="1">
+<p:sldLayout xmlns:a="http://schemas.openxmlformats.org/drawingml/2006/main" xmlns:r="http://schemas.openxmlformats.org/officeDocument/2006/relationships" xmlns:p="http://schemas.openxmlformats.org/presentationml/2006/main" type="tx">
   <p:cSld name="Two Content">
     <p:spTree>
       <p:nvGrpSpPr>
@@ -1009,7 +1047,9 @@
       <p:sp>
         <p:nvSpPr>
           <p:cNvPr id="38" name="Shape 38"/>
-          <p:cNvSpPr/>
+          <p:cNvSpPr>
+            <a:spLocks noGrp="1"/>
+          </p:cNvSpPr>
           <p:nvPr>
             <p:ph type="title"/>
           </p:nvPr>
@@ -1023,7 +1063,6 @@
           <a:bodyPr/>
           <a:lstStyle/>
           <a:p>
-            <a:pPr/>
             <a:r>
               <a:t>Click to edit Master title style</a:t>
             </a:r>
@@ -1033,7 +1072,9 @@
       <p:sp>
         <p:nvSpPr>
           <p:cNvPr id="39" name="Shape 39"/>
-          <p:cNvSpPr/>
+          <p:cNvSpPr>
+            <a:spLocks noGrp="1"/>
+          </p:cNvSpPr>
           <p:nvPr>
             <p:ph type="sldNum" sz="quarter" idx="2"/>
           </p:nvPr>
@@ -1047,8 +1088,10 @@
           <a:bodyPr/>
           <a:lstStyle/>
           <a:p>
-            <a:pPr/>
-            <a:fld id="{86CB4B4D-7CA3-9044-876B-883B54F8677D}" type="slidenum"/>
+            <a:fld id="{86CB4B4D-7CA3-9044-876B-883B54F8677D}" type="slidenum">
+              <a:t>‹#›</a:t>
+            </a:fld>
+            <a:endParaRPr/>
           </a:p>
         </p:txBody>
       </p:sp>
@@ -1057,12 +1100,12 @@
   <p:clrMapOvr>
     <a:masterClrMapping/>
   </p:clrMapOvr>
-  <p:transition xmlns:p14="http://schemas.microsoft.com/office/powerpoint/2010/main" spd="med" advClick="1"/>
+  <p:transition xmlns:p14="http://schemas.microsoft.com/office/powerpoint/2010/main" spd="med"/>
 </p:sldLayout>
 </file>
 
 <file path=ppt/slideLayouts/slideLayout5.xml><?xml version="1.0" encoding="utf-8"?>
-<p:sldLayout xmlns:a="http://schemas.openxmlformats.org/drawingml/2006/main" xmlns:r="http://schemas.openxmlformats.org/officeDocument/2006/relationships" xmlns:p="http://schemas.openxmlformats.org/presentationml/2006/main" type="tx" showMasterSp="1" showMasterPhAnim="1">
+<p:sldLayout xmlns:a="http://schemas.openxmlformats.org/drawingml/2006/main" xmlns:r="http://schemas.openxmlformats.org/officeDocument/2006/relationships" xmlns:p="http://schemas.openxmlformats.org/presentationml/2006/main" type="tx">
   <p:cSld name="Comparison">
     <p:spTree>
       <p:nvGrpSpPr>
@@ -1081,7 +1124,9 @@
       <p:sp>
         <p:nvSpPr>
           <p:cNvPr id="46" name="Shape 46"/>
-          <p:cNvSpPr/>
+          <p:cNvSpPr>
+            <a:spLocks noGrp="1"/>
+          </p:cNvSpPr>
           <p:nvPr>
             <p:ph type="title"/>
           </p:nvPr>
@@ -1095,7 +1140,6 @@
           <a:bodyPr/>
           <a:lstStyle/>
           <a:p>
-            <a:pPr/>
             <a:r>
               <a:t>Click to edit Master title style</a:t>
             </a:r>
@@ -1105,7 +1149,9 @@
       <p:sp>
         <p:nvSpPr>
           <p:cNvPr id="47" name="Shape 47"/>
-          <p:cNvSpPr/>
+          <p:cNvSpPr>
+            <a:spLocks noGrp="1"/>
+          </p:cNvSpPr>
           <p:nvPr>
             <p:ph type="body" sz="quarter" idx="1"/>
           </p:nvPr>
@@ -1129,11 +1175,10 @@
               <a:buSzTx/>
               <a:buFontTx/>
               <a:buNone/>
-              <a:defRPr b="1" sz="8300"/>
+              <a:defRPr sz="8300" b="1"/>
             </a:lvl1pPr>
           </a:lstStyle>
           <a:p>
-            <a:pPr/>
             <a:r>
               <a:t>Click to edit Master text styles</a:t>
             </a:r>
@@ -1143,7 +1188,9 @@
       <p:sp>
         <p:nvSpPr>
           <p:cNvPr id="48" name="Shape 48"/>
-          <p:cNvSpPr/>
+          <p:cNvSpPr>
+            <a:spLocks noGrp="1"/>
+          </p:cNvSpPr>
           <p:nvPr>
             <p:ph type="body" sz="quarter" idx="13"/>
           </p:nvPr>
@@ -1168,15 +1215,18 @@
               <a:buSzTx/>
               <a:buFontTx/>
               <a:buNone/>
-              <a:defRPr b="1" sz="8300"/>
-            </a:pPr>
+              <a:defRPr sz="8300" b="1"/>
+            </a:pPr>
+            <a:endParaRPr/>
           </a:p>
         </p:txBody>
       </p:sp>
       <p:sp>
         <p:nvSpPr>
           <p:cNvPr id="49" name="Shape 49"/>
-          <p:cNvSpPr/>
+          <p:cNvSpPr>
+            <a:spLocks noGrp="1"/>
+          </p:cNvSpPr>
           <p:nvPr>
             <p:ph type="sldNum" sz="quarter" idx="2"/>
           </p:nvPr>
@@ -1190,8 +1240,10 @@
           <a:bodyPr/>
           <a:lstStyle/>
           <a:p>
-            <a:pPr/>
-            <a:fld id="{86CB4B4D-7CA3-9044-876B-883B54F8677D}" type="slidenum"/>
+            <a:fld id="{86CB4B4D-7CA3-9044-876B-883B54F8677D}" type="slidenum">
+              <a:t>‹#›</a:t>
+            </a:fld>
+            <a:endParaRPr/>
           </a:p>
         </p:txBody>
       </p:sp>
@@ -1200,12 +1252,12 @@
   <p:clrMapOvr>
     <a:masterClrMapping/>
   </p:clrMapOvr>
-  <p:transition xmlns:p14="http://schemas.microsoft.com/office/powerpoint/2010/main" spd="med" advClick="1"/>
+  <p:transition xmlns:p14="http://schemas.microsoft.com/office/powerpoint/2010/main" spd="med"/>
 </p:sldLayout>
 </file>
 
 <file path=ppt/slideLayouts/slideLayout6.xml><?xml version="1.0" encoding="utf-8"?>
-<p:sldLayout xmlns:a="http://schemas.openxmlformats.org/drawingml/2006/main" xmlns:r="http://schemas.openxmlformats.org/officeDocument/2006/relationships" xmlns:p="http://schemas.openxmlformats.org/presentationml/2006/main" type="tx" showMasterSp="1" showMasterPhAnim="1">
+<p:sldLayout xmlns:a="http://schemas.openxmlformats.org/drawingml/2006/main" xmlns:r="http://schemas.openxmlformats.org/officeDocument/2006/relationships" xmlns:p="http://schemas.openxmlformats.org/presentationml/2006/main" type="tx">
   <p:cSld name="Title Only">
     <p:spTree>
       <p:nvGrpSpPr>
@@ -1224,7 +1276,9 @@
       <p:sp>
         <p:nvSpPr>
           <p:cNvPr id="56" name="Shape 56"/>
-          <p:cNvSpPr/>
+          <p:cNvSpPr>
+            <a:spLocks noGrp="1"/>
+          </p:cNvSpPr>
           <p:nvPr>
             <p:ph type="title"/>
           </p:nvPr>
@@ -1238,7 +1292,6 @@
           <a:bodyPr/>
           <a:lstStyle/>
           <a:p>
-            <a:pPr/>
             <a:r>
               <a:t>Click to edit Master title style</a:t>
             </a:r>
@@ -1248,7 +1301,9 @@
       <p:sp>
         <p:nvSpPr>
           <p:cNvPr id="57" name="Shape 57"/>
-          <p:cNvSpPr/>
+          <p:cNvSpPr>
+            <a:spLocks noGrp="1"/>
+          </p:cNvSpPr>
           <p:nvPr>
             <p:ph type="sldNum" sz="quarter" idx="2"/>
           </p:nvPr>
@@ -1262,8 +1317,10 @@
           <a:bodyPr/>
           <a:lstStyle/>
           <a:p>
-            <a:pPr/>
-            <a:fld id="{86CB4B4D-7CA3-9044-876B-883B54F8677D}" type="slidenum"/>
+            <a:fld id="{86CB4B4D-7CA3-9044-876B-883B54F8677D}" type="slidenum">
+              <a:t>‹#›</a:t>
+            </a:fld>
+            <a:endParaRPr/>
           </a:p>
         </p:txBody>
       </p:sp>
@@ -1272,12 +1329,12 @@
   <p:clrMapOvr>
     <a:masterClrMapping/>
   </p:clrMapOvr>
-  <p:transition xmlns:p14="http://schemas.microsoft.com/office/powerpoint/2010/main" spd="med" advClick="1"/>
+  <p:transition xmlns:p14="http://schemas.microsoft.com/office/powerpoint/2010/main" spd="med"/>
 </p:sldLayout>
 </file>
 
 <file path=ppt/slideLayouts/slideLayout7.xml><?xml version="1.0" encoding="utf-8"?>
-<p:sldLayout xmlns:a="http://schemas.openxmlformats.org/drawingml/2006/main" xmlns:r="http://schemas.openxmlformats.org/officeDocument/2006/relationships" xmlns:p="http://schemas.openxmlformats.org/presentationml/2006/main" type="tx" showMasterSp="1" showMasterPhAnim="1">
+<p:sldLayout xmlns:a="http://schemas.openxmlformats.org/drawingml/2006/main" xmlns:r="http://schemas.openxmlformats.org/officeDocument/2006/relationships" xmlns:p="http://schemas.openxmlformats.org/presentationml/2006/main" type="tx">
   <p:cSld name="Blank">
     <p:spTree>
       <p:nvGrpSpPr>
@@ -1296,7 +1353,9 @@
       <p:sp>
         <p:nvSpPr>
           <p:cNvPr id="64" name="Shape 64"/>
-          <p:cNvSpPr/>
+          <p:cNvSpPr>
+            <a:spLocks noGrp="1"/>
+          </p:cNvSpPr>
           <p:nvPr>
             <p:ph type="sldNum" sz="quarter" idx="2"/>
           </p:nvPr>
@@ -1310,8 +1369,10 @@
           <a:bodyPr/>
           <a:lstStyle/>
           <a:p>
-            <a:pPr/>
-            <a:fld id="{86CB4B4D-7CA3-9044-876B-883B54F8677D}" type="slidenum"/>
+            <a:fld id="{86CB4B4D-7CA3-9044-876B-883B54F8677D}" type="slidenum">
+              <a:t>‹#›</a:t>
+            </a:fld>
+            <a:endParaRPr/>
           </a:p>
         </p:txBody>
       </p:sp>
@@ -1320,12 +1381,12 @@
   <p:clrMapOvr>
     <a:masterClrMapping/>
   </p:clrMapOvr>
-  <p:transition xmlns:p14="http://schemas.microsoft.com/office/powerpoint/2010/main" spd="med" advClick="1"/>
+  <p:transition xmlns:p14="http://schemas.microsoft.com/office/powerpoint/2010/main" spd="med"/>
 </p:sldLayout>
 </file>
 
 <file path=ppt/slideLayouts/slideLayout8.xml><?xml version="1.0" encoding="utf-8"?>
-<p:sldLayout xmlns:a="http://schemas.openxmlformats.org/drawingml/2006/main" xmlns:r="http://schemas.openxmlformats.org/officeDocument/2006/relationships" xmlns:p="http://schemas.openxmlformats.org/presentationml/2006/main" type="tx" showMasterSp="1" showMasterPhAnim="1">
+<p:sldLayout xmlns:a="http://schemas.openxmlformats.org/drawingml/2006/main" xmlns:r="http://schemas.openxmlformats.org/officeDocument/2006/relationships" xmlns:p="http://schemas.openxmlformats.org/presentationml/2006/main" type="tx">
   <p:cSld name="Content with Caption">
     <p:spTree>
       <p:nvGrpSpPr>
@@ -1344,7 +1405,9 @@
       <p:sp>
         <p:nvSpPr>
           <p:cNvPr id="71" name="Shape 71"/>
-          <p:cNvSpPr/>
+          <p:cNvSpPr>
+            <a:spLocks noGrp="1"/>
+          </p:cNvSpPr>
           <p:nvPr>
             <p:ph type="title"/>
           </p:nvPr>
@@ -1362,11 +1425,10 @@
           <a:bodyPr anchor="b"/>
           <a:lstStyle>
             <a:lvl1pPr algn="l">
-              <a:defRPr b="1" sz="6800"/>
+              <a:defRPr sz="6800" b="1"/>
             </a:lvl1pPr>
           </a:lstStyle>
           <a:p>
-            <a:pPr/>
             <a:r>
               <a:t>Click to edit Master title style</a:t>
             </a:r>
@@ -1376,7 +1438,9 @@
       <p:sp>
         <p:nvSpPr>
           <p:cNvPr id="72" name="Shape 72"/>
-          <p:cNvSpPr/>
+          <p:cNvSpPr>
+            <a:spLocks noGrp="1"/>
+          </p:cNvSpPr>
           <p:nvPr>
             <p:ph type="body" idx="1"/>
           </p:nvPr>
@@ -1394,7 +1458,6 @@
           <a:bodyPr/>
           <a:lstStyle/>
           <a:p>
-            <a:pPr/>
             <a:r>
               <a:t>Click to edit Master text styles</a:t>
             </a:r>
@@ -1428,7 +1491,9 @@
       <p:sp>
         <p:nvSpPr>
           <p:cNvPr id="73" name="Shape 73"/>
-          <p:cNvSpPr/>
+          <p:cNvSpPr>
+            <a:spLocks noGrp="1"/>
+          </p:cNvSpPr>
           <p:nvPr>
             <p:ph type="body" sz="half" idx="13"/>
           </p:nvPr>
@@ -1455,13 +1520,16 @@
               <a:buNone/>
               <a:defRPr sz="4800"/>
             </a:pPr>
+            <a:endParaRPr/>
           </a:p>
         </p:txBody>
       </p:sp>
       <p:sp>
         <p:nvSpPr>
           <p:cNvPr id="74" name="Shape 74"/>
-          <p:cNvSpPr/>
+          <p:cNvSpPr>
+            <a:spLocks noGrp="1"/>
+          </p:cNvSpPr>
           <p:nvPr>
             <p:ph type="sldNum" sz="quarter" idx="2"/>
           </p:nvPr>
@@ -1475,8 +1543,10 @@
           <a:bodyPr/>
           <a:lstStyle/>
           <a:p>
-            <a:pPr/>
-            <a:fld id="{86CB4B4D-7CA3-9044-876B-883B54F8677D}" type="slidenum"/>
+            <a:fld id="{86CB4B4D-7CA3-9044-876B-883B54F8677D}" type="slidenum">
+              <a:t>‹#›</a:t>
+            </a:fld>
+            <a:endParaRPr/>
           </a:p>
         </p:txBody>
       </p:sp>
@@ -1485,12 +1555,12 @@
   <p:clrMapOvr>
     <a:masterClrMapping/>
   </p:clrMapOvr>
-  <p:transition xmlns:p14="http://schemas.microsoft.com/office/powerpoint/2010/main" spd="med" advClick="1"/>
+  <p:transition xmlns:p14="http://schemas.microsoft.com/office/powerpoint/2010/main" spd="med"/>
 </p:sldLayout>
 </file>
 
 <file path=ppt/slideLayouts/slideLayout9.xml><?xml version="1.0" encoding="utf-8"?>
-<p:sldLayout xmlns:a="http://schemas.openxmlformats.org/drawingml/2006/main" xmlns:r="http://schemas.openxmlformats.org/officeDocument/2006/relationships" xmlns:p="http://schemas.openxmlformats.org/presentationml/2006/main" type="tx" showMasterSp="1" showMasterPhAnim="1">
+<p:sldLayout xmlns:a="http://schemas.openxmlformats.org/drawingml/2006/main" xmlns:r="http://schemas.openxmlformats.org/officeDocument/2006/relationships" xmlns:p="http://schemas.openxmlformats.org/presentationml/2006/main" type="tx">
   <p:cSld name="Picture with Caption">
     <p:spTree>
       <p:nvGrpSpPr>
@@ -1509,7 +1579,9 @@
       <p:sp>
         <p:nvSpPr>
           <p:cNvPr id="81" name="Shape 81"/>
-          <p:cNvSpPr/>
+          <p:cNvSpPr>
+            <a:spLocks noGrp="1"/>
+          </p:cNvSpPr>
           <p:nvPr>
             <p:ph type="title"/>
           </p:nvPr>
@@ -1527,11 +1599,10 @@
           <a:bodyPr anchor="b"/>
           <a:lstStyle>
             <a:lvl1pPr algn="l">
-              <a:defRPr b="1" sz="6800"/>
+              <a:defRPr sz="6800" b="1"/>
             </a:lvl1pPr>
           </a:lstStyle>
           <a:p>
-            <a:pPr/>
             <a:r>
               <a:t>Click to edit Master title style</a:t>
             </a:r>
@@ -1541,7 +1612,9 @@
       <p:sp>
         <p:nvSpPr>
           <p:cNvPr id="82" name="Shape 82"/>
-          <p:cNvSpPr/>
+          <p:cNvSpPr>
+            <a:spLocks noGrp="1"/>
+          </p:cNvSpPr>
           <p:nvPr>
             <p:ph type="pic" sz="half" idx="13"/>
           </p:nvPr>
@@ -1561,14 +1634,16 @@
           </a:bodyPr>
           <a:lstStyle/>
           <a:p>
-            <a:pPr/>
+            <a:endParaRPr/>
           </a:p>
         </p:txBody>
       </p:sp>
       <p:sp>
         <p:nvSpPr>
           <p:cNvPr id="83" name="Shape 83"/>
-          <p:cNvSpPr/>
+          <p:cNvSpPr>
+            <a:spLocks noGrp="1"/>
+          </p:cNvSpPr>
           <p:nvPr>
             <p:ph type="body" sz="quarter" idx="1"/>
           </p:nvPr>
@@ -1596,7 +1671,6 @@
             </a:lvl1pPr>
           </a:lstStyle>
           <a:p>
-            <a:pPr/>
             <a:r>
               <a:t>Click to edit Master text styles</a:t>
             </a:r>
@@ -1606,7 +1680,9 @@
       <p:sp>
         <p:nvSpPr>
           <p:cNvPr id="84" name="Shape 84"/>
-          <p:cNvSpPr/>
+          <p:cNvSpPr>
+            <a:spLocks noGrp="1"/>
+          </p:cNvSpPr>
           <p:nvPr>
             <p:ph type="sldNum" sz="quarter" idx="2"/>
           </p:nvPr>
@@ -1620,8 +1696,10 @@
           <a:bodyPr/>
           <a:lstStyle/>
           <a:p>
-            <a:pPr/>
-            <a:fld id="{86CB4B4D-7CA3-9044-876B-883B54F8677D}" type="slidenum"/>
+            <a:fld id="{86CB4B4D-7CA3-9044-876B-883B54F8677D}" type="slidenum">
+              <a:t>‹#›</a:t>
+            </a:fld>
+            <a:endParaRPr/>
           </a:p>
         </p:txBody>
       </p:sp>
@@ -1630,7 +1708,7 @@
   <p:clrMapOvr>
     <a:masterClrMapping/>
   </p:clrMapOvr>
-  <p:transition xmlns:p14="http://schemas.microsoft.com/office/powerpoint/2010/main" spd="med" advClick="1"/>
+  <p:transition xmlns:p14="http://schemas.microsoft.com/office/powerpoint/2010/main" spd="med"/>
 </p:sldLayout>
 </file>
 
@@ -1642,6 +1720,7 @@
         <a:solidFill>
           <a:srgbClr val="FFFFFF"/>
         </a:solidFill>
+        <a:effectLst/>
       </p:bgPr>
     </p:bg>
     <p:spTree>
@@ -1661,7 +1740,9 @@
       <p:sp>
         <p:nvSpPr>
           <p:cNvPr id="2" name="Shape 2"/>
-          <p:cNvSpPr/>
+          <p:cNvSpPr>
+            <a:spLocks noGrp="1"/>
+          </p:cNvSpPr>
           <p:nvPr>
             <p:ph type="title"/>
           </p:nvPr>
@@ -1685,11 +1766,10 @@
         </p:spPr>
         <p:txBody>
           <a:bodyPr lIns="156751" tIns="156751" rIns="156751" bIns="156751" anchor="ctr">
-            <a:normAutofit fontScale="100000" lnSpcReduction="0"/>
+            <a:normAutofit/>
           </a:bodyPr>
           <a:lstStyle/>
           <a:p>
-            <a:pPr/>
             <a:r>
               <a:t>Click to edit Master title style</a:t>
             </a:r>
@@ -1699,7 +1779,9 @@
       <p:sp>
         <p:nvSpPr>
           <p:cNvPr id="3" name="Shape 3"/>
-          <p:cNvSpPr/>
+          <p:cNvSpPr>
+            <a:spLocks noGrp="1"/>
+          </p:cNvSpPr>
           <p:nvPr>
             <p:ph type="body" idx="1"/>
           </p:nvPr>
@@ -1723,11 +1805,10 @@
         </p:spPr>
         <p:txBody>
           <a:bodyPr lIns="156751" tIns="156751" rIns="156751" bIns="156751">
-            <a:normAutofit fontScale="100000" lnSpcReduction="0"/>
+            <a:normAutofit/>
           </a:bodyPr>
           <a:lstStyle/>
           <a:p>
-            <a:pPr/>
             <a:r>
               <a:t>Click to edit Master text styles</a:t>
             </a:r>
@@ -1761,7 +1842,9 @@
       <p:sp>
         <p:nvSpPr>
           <p:cNvPr id="4" name="Shape 4"/>
-          <p:cNvSpPr/>
+          <p:cNvSpPr>
+            <a:spLocks noGrp="1"/>
+          </p:cNvSpPr>
           <p:nvPr>
             <p:ph type="sldNum" sz="quarter" idx="2"/>
           </p:nvPr>
@@ -1792,8 +1875,10 @@
             </a:lvl1pPr>
           </a:lstStyle>
           <a:p>
-            <a:pPr/>
-            <a:fld id="{86CB4B4D-7CA3-9044-876B-883B54F8677D}" type="slidenum"/>
+            <a:fld id="{86CB4B4D-7CA3-9044-876B-883B54F8677D}" type="slidenum">
+              <a:t>‹#›</a:t>
+            </a:fld>
+            <a:endParaRPr/>
           </a:p>
         </p:txBody>
       </p:sp>
@@ -1801,19 +1886,19 @@
   </p:cSld>
   <p:clrMap bg1="lt1" tx1="dk1" bg2="lt2" tx2="dk2" accent1="accent1" accent2="accent2" accent3="accent3" accent4="accent4" accent5="accent5" accent6="accent6" hlink="hlink" folHlink="folHlink"/>
   <p:sldLayoutIdLst>
-    <p:sldLayoutId id="2147483649" r:id="rId2"/>
-    <p:sldLayoutId id="2147483650" r:id="rId3"/>
-    <p:sldLayoutId id="2147483651" r:id="rId4"/>
-    <p:sldLayoutId id="2147483652" r:id="rId5"/>
-    <p:sldLayoutId id="2147483653" r:id="rId6"/>
-    <p:sldLayoutId id="2147483654" r:id="rId7"/>
-    <p:sldLayoutId id="2147483655" r:id="rId8"/>
-    <p:sldLayoutId id="2147483656" r:id="rId9"/>
-    <p:sldLayoutId id="2147483657" r:id="rId10"/>
-    <p:sldLayoutId id="2147483658" r:id="rId11"/>
-    <p:sldLayoutId id="2147483659" r:id="rId12"/>
+    <p:sldLayoutId id="2147483649" r:id="rId1"/>
+    <p:sldLayoutId id="2147483650" r:id="rId2"/>
+    <p:sldLayoutId id="2147483651" r:id="rId3"/>
+    <p:sldLayoutId id="2147483652" r:id="rId4"/>
+    <p:sldLayoutId id="2147483653" r:id="rId5"/>
+    <p:sldLayoutId id="2147483654" r:id="rId6"/>
+    <p:sldLayoutId id="2147483655" r:id="rId7"/>
+    <p:sldLayoutId id="2147483656" r:id="rId8"/>
+    <p:sldLayoutId id="2147483657" r:id="rId9"/>
+    <p:sldLayoutId id="2147483658" r:id="rId10"/>
+    <p:sldLayoutId id="2147483659" r:id="rId11"/>
   </p:sldLayoutIdLst>
-  <p:transition xmlns:p14="http://schemas.microsoft.com/office/powerpoint/2010/main" spd="med" advClick="1"/>
+  <p:transition xmlns:p14="http://schemas.microsoft.com/office/powerpoint/2010/main" spd="med"/>
   <p:txStyles>
     <p:titleStyle>
       <a:lvl1pPr marL="0" marR="0" indent="0" algn="ctr" defTabSz="1567518" rtl="0" latinLnBrk="0">
@@ -1831,7 +1916,7 @@
         <a:buFontTx/>
         <a:buNone/>
         <a:tabLst/>
-        <a:defRPr b="0" baseline="0" cap="none" i="0" spc="0" strike="noStrike" sz="15100" u="none">
+        <a:defRPr sz="15100" b="0" i="0" u="none" strike="noStrike" cap="none" spc="0" baseline="0">
           <a:ln>
             <a:noFill/>
           </a:ln>
@@ -1860,7 +1945,7 @@
         <a:buFontTx/>
         <a:buNone/>
         <a:tabLst/>
-        <a:defRPr b="0" baseline="0" cap="none" i="0" spc="0" strike="noStrike" sz="15100" u="none">
+        <a:defRPr sz="15100" b="0" i="0" u="none" strike="noStrike" cap="none" spc="0" baseline="0">
           <a:ln>
             <a:noFill/>
           </a:ln>
@@ -1889,7 +1974,7 @@
         <a:buFontTx/>
         <a:buNone/>
         <a:tabLst/>
-        <a:defRPr b="0" baseline="0" cap="none" i="0" spc="0" strike="noStrike" sz="15100" u="none">
+        <a:defRPr sz="15100" b="0" i="0" u="none" strike="noStrike" cap="none" spc="0" baseline="0">
           <a:ln>
             <a:noFill/>
           </a:ln>
@@ -1918,7 +2003,7 @@
         <a:buFontTx/>
         <a:buNone/>
         <a:tabLst/>
-        <a:defRPr b="0" baseline="0" cap="none" i="0" spc="0" strike="noStrike" sz="15100" u="none">
+        <a:defRPr sz="15100" b="0" i="0" u="none" strike="noStrike" cap="none" spc="0" baseline="0">
           <a:ln>
             <a:noFill/>
           </a:ln>
@@ -1947,7 +2032,7 @@
         <a:buFontTx/>
         <a:buNone/>
         <a:tabLst/>
-        <a:defRPr b="0" baseline="0" cap="none" i="0" spc="0" strike="noStrike" sz="15100" u="none">
+        <a:defRPr sz="15100" b="0" i="0" u="none" strike="noStrike" cap="none" spc="0" baseline="0">
           <a:ln>
             <a:noFill/>
           </a:ln>
@@ -1976,7 +2061,7 @@
         <a:buFontTx/>
         <a:buNone/>
         <a:tabLst/>
-        <a:defRPr b="0" baseline="0" cap="none" i="0" spc="0" strike="noStrike" sz="15100" u="none">
+        <a:defRPr sz="15100" b="0" i="0" u="none" strike="noStrike" cap="none" spc="0" baseline="0">
           <a:ln>
             <a:noFill/>
           </a:ln>
@@ -2005,7 +2090,7 @@
         <a:buFontTx/>
         <a:buNone/>
         <a:tabLst/>
-        <a:defRPr b="0" baseline="0" cap="none" i="0" spc="0" strike="noStrike" sz="15100" u="none">
+        <a:defRPr sz="15100" b="0" i="0" u="none" strike="noStrike" cap="none" spc="0" baseline="0">
           <a:ln>
             <a:noFill/>
           </a:ln>
@@ -2034,7 +2119,7 @@
         <a:buFontTx/>
         <a:buNone/>
         <a:tabLst/>
-        <a:defRPr b="0" baseline="0" cap="none" i="0" spc="0" strike="noStrike" sz="15100" u="none">
+        <a:defRPr sz="15100" b="0" i="0" u="none" strike="noStrike" cap="none" spc="0" baseline="0">
           <a:ln>
             <a:noFill/>
           </a:ln>
@@ -2063,7 +2148,7 @@
         <a:buFontTx/>
         <a:buNone/>
         <a:tabLst/>
-        <a:defRPr b="0" baseline="0" cap="none" i="0" spc="0" strike="noStrike" sz="15100" u="none">
+        <a:defRPr sz="15100" b="0" i="0" u="none" strike="noStrike" cap="none" spc="0" baseline="0">
           <a:ln>
             <a:noFill/>
           </a:ln>
@@ -2094,7 +2179,7 @@
         <a:buFont typeface="Arial"/>
         <a:buChar char="•"/>
         <a:tabLst/>
-        <a:defRPr b="0" baseline="0" cap="none" i="0" spc="0" strike="noStrike" sz="10900" u="none">
+        <a:defRPr sz="10900" b="0" i="0" u="none" strike="noStrike" cap="none" spc="0" baseline="0">
           <a:ln>
             <a:noFill/>
           </a:ln>
@@ -2123,7 +2208,7 @@
         <a:buFont typeface="Arial"/>
         <a:buChar char="–"/>
         <a:tabLst/>
-        <a:defRPr b="0" baseline="0" cap="none" i="0" spc="0" strike="noStrike" sz="10900" u="none">
+        <a:defRPr sz="10900" b="0" i="0" u="none" strike="noStrike" cap="none" spc="0" baseline="0">
           <a:ln>
             <a:noFill/>
           </a:ln>
@@ -2152,7 +2237,7 @@
         <a:buFont typeface="Arial"/>
         <a:buChar char="•"/>
         <a:tabLst/>
-        <a:defRPr b="0" baseline="0" cap="none" i="0" spc="0" strike="noStrike" sz="10900" u="none">
+        <a:defRPr sz="10900" b="0" i="0" u="none" strike="noStrike" cap="none" spc="0" baseline="0">
           <a:ln>
             <a:noFill/>
           </a:ln>
@@ -2181,7 +2266,7 @@
         <a:buFont typeface="Arial"/>
         <a:buChar char="–"/>
         <a:tabLst/>
-        <a:defRPr b="0" baseline="0" cap="none" i="0" spc="0" strike="noStrike" sz="10900" u="none">
+        <a:defRPr sz="10900" b="0" i="0" u="none" strike="noStrike" cap="none" spc="0" baseline="0">
           <a:ln>
             <a:noFill/>
           </a:ln>
@@ -2210,7 +2295,7 @@
         <a:buFont typeface="Arial"/>
         <a:buChar char="»"/>
         <a:tabLst/>
-        <a:defRPr b="0" baseline="0" cap="none" i="0" spc="0" strike="noStrike" sz="10900" u="none">
+        <a:defRPr sz="10900" b="0" i="0" u="none" strike="noStrike" cap="none" spc="0" baseline="0">
           <a:ln>
             <a:noFill/>
           </a:ln>
@@ -2239,7 +2324,7 @@
         <a:buFont typeface="Arial"/>
         <a:buChar char="•"/>
         <a:tabLst/>
-        <a:defRPr b="0" baseline="0" cap="none" i="0" spc="0" strike="noStrike" sz="10900" u="none">
+        <a:defRPr sz="10900" b="0" i="0" u="none" strike="noStrike" cap="none" spc="0" baseline="0">
           <a:ln>
             <a:noFill/>
           </a:ln>
@@ -2268,7 +2353,7 @@
         <a:buFont typeface="Arial"/>
         <a:buChar char="•"/>
         <a:tabLst/>
-        <a:defRPr b="0" baseline="0" cap="none" i="0" spc="0" strike="noStrike" sz="10900" u="none">
+        <a:defRPr sz="10900" b="0" i="0" u="none" strike="noStrike" cap="none" spc="0" baseline="0">
           <a:ln>
             <a:noFill/>
           </a:ln>
@@ -2297,7 +2382,7 @@
         <a:buFont typeface="Arial"/>
         <a:buChar char="•"/>
         <a:tabLst/>
-        <a:defRPr b="0" baseline="0" cap="none" i="0" spc="0" strike="noStrike" sz="10900" u="none">
+        <a:defRPr sz="10900" b="0" i="0" u="none" strike="noStrike" cap="none" spc="0" baseline="0">
           <a:ln>
             <a:noFill/>
           </a:ln>
@@ -2326,7 +2411,7 @@
         <a:buFont typeface="Arial"/>
         <a:buChar char="•"/>
         <a:tabLst/>
-        <a:defRPr b="0" baseline="0" cap="none" i="0" spc="0" strike="noStrike" sz="10900" u="none">
+        <a:defRPr sz="10900" b="0" i="0" u="none" strike="noStrike" cap="none" spc="0" baseline="0">
           <a:ln>
             <a:noFill/>
           </a:ln>
@@ -2357,7 +2442,7 @@
         <a:buFontTx/>
         <a:buNone/>
         <a:tabLst/>
-        <a:defRPr b="0" baseline="0" cap="none" i="0" spc="0" strike="noStrike" sz="4100" u="none">
+        <a:defRPr sz="4100" b="0" i="0" u="none" strike="noStrike" cap="none" spc="0" baseline="0">
           <a:ln>
             <a:noFill/>
           </a:ln>
@@ -2386,7 +2471,7 @@
         <a:buFontTx/>
         <a:buNone/>
         <a:tabLst/>
-        <a:defRPr b="0" baseline="0" cap="none" i="0" spc="0" strike="noStrike" sz="4100" u="none">
+        <a:defRPr sz="4100" b="0" i="0" u="none" strike="noStrike" cap="none" spc="0" baseline="0">
           <a:ln>
             <a:noFill/>
           </a:ln>
@@ -2415,7 +2500,7 @@
         <a:buFontTx/>
         <a:buNone/>
         <a:tabLst/>
-        <a:defRPr b="0" baseline="0" cap="none" i="0" spc="0" strike="noStrike" sz="4100" u="none">
+        <a:defRPr sz="4100" b="0" i="0" u="none" strike="noStrike" cap="none" spc="0" baseline="0">
           <a:ln>
             <a:noFill/>
           </a:ln>
@@ -2444,7 +2529,7 @@
         <a:buFontTx/>
         <a:buNone/>
         <a:tabLst/>
-        <a:defRPr b="0" baseline="0" cap="none" i="0" spc="0" strike="noStrike" sz="4100" u="none">
+        <a:defRPr sz="4100" b="0" i="0" u="none" strike="noStrike" cap="none" spc="0" baseline="0">
           <a:ln>
             <a:noFill/>
           </a:ln>
@@ -2473,7 +2558,7 @@
         <a:buFontTx/>
         <a:buNone/>
         <a:tabLst/>
-        <a:defRPr b="0" baseline="0" cap="none" i="0" spc="0" strike="noStrike" sz="4100" u="none">
+        <a:defRPr sz="4100" b="0" i="0" u="none" strike="noStrike" cap="none" spc="0" baseline="0">
           <a:ln>
             <a:noFill/>
           </a:ln>
@@ -2502,7 +2587,7 @@
         <a:buFontTx/>
         <a:buNone/>
         <a:tabLst/>
-        <a:defRPr b="0" baseline="0" cap="none" i="0" spc="0" strike="noStrike" sz="4100" u="none">
+        <a:defRPr sz="4100" b="0" i="0" u="none" strike="noStrike" cap="none" spc="0" baseline="0">
           <a:ln>
             <a:noFill/>
           </a:ln>
@@ -2531,7 +2616,7 @@
         <a:buFontTx/>
         <a:buNone/>
         <a:tabLst/>
-        <a:defRPr b="0" baseline="0" cap="none" i="0" spc="0" strike="noStrike" sz="4100" u="none">
+        <a:defRPr sz="4100" b="0" i="0" u="none" strike="noStrike" cap="none" spc="0" baseline="0">
           <a:ln>
             <a:noFill/>
           </a:ln>
@@ -2560,7 +2645,7 @@
         <a:buFontTx/>
         <a:buNone/>
         <a:tabLst/>
-        <a:defRPr b="0" baseline="0" cap="none" i="0" spc="0" strike="noStrike" sz="4100" u="none">
+        <a:defRPr sz="4100" b="0" i="0" u="none" strike="noStrike" cap="none" spc="0" baseline="0">
           <a:ln>
             <a:noFill/>
           </a:ln>
@@ -2589,7 +2674,7 @@
         <a:buFontTx/>
         <a:buNone/>
         <a:tabLst/>
-        <a:defRPr b="0" baseline="0" cap="none" i="0" spc="0" strike="noStrike" sz="4100" u="none">
+        <a:defRPr sz="4100" b="0" i="0" u="none" strike="noStrike" cap="none" spc="0" baseline="0">
           <a:ln>
             <a:noFill/>
           </a:ln>
@@ -2609,8 +2694,16 @@
 </file>
 
 <file path=ppt/slides/slide1.xml><?xml version="1.0" encoding="utf-8"?>
-<p:sld xmlns:a="http://schemas.openxmlformats.org/drawingml/2006/main" xmlns:r="http://schemas.openxmlformats.org/officeDocument/2006/relationships" xmlns:p="http://schemas.openxmlformats.org/presentationml/2006/main" showMasterSp="1" showMasterPhAnim="1">
+<p:sld xmlns:a="http://schemas.openxmlformats.org/drawingml/2006/main" xmlns:r="http://schemas.openxmlformats.org/officeDocument/2006/relationships" xmlns:p="http://schemas.openxmlformats.org/presentationml/2006/main">
   <p:cSld>
+    <p:bg>
+      <p:bgPr>
+        <a:solidFill>
+          <a:srgbClr val="B5D3E5"/>
+        </a:solidFill>
+        <a:effectLst/>
+      </p:bgPr>
+    </p:bg>
     <p:spTree>
       <p:nvGrpSpPr>
         <p:cNvPr id="1" name=""/>
@@ -2627,14 +2720,331 @@
       </p:grpSpPr>
       <p:sp>
         <p:nvSpPr>
-          <p:cNvPr id="109" name="Shape 109"/>
+          <p:cNvPr id="43" name="Shape 112"/>
           <p:cNvSpPr/>
           <p:nvPr/>
         </p:nvSpPr>
         <p:spPr>
           <a:xfrm>
-            <a:off x="0" y="312782"/>
-            <a:ext cx="21945600" cy="993141"/>
+            <a:off x="213937" y="9237040"/>
+            <a:ext cx="21393448" cy="17543268"/>
+          </a:xfrm>
+          <a:prstGeom prst="rect">
+            <a:avLst/>
+          </a:prstGeom>
+          <a:solidFill>
+            <a:srgbClr val="FFFFFF"/>
+          </a:solidFill>
+          <a:ln w="76200" cmpd="sng">
+            <a:solidFill>
+              <a:schemeClr val="accent1"/>
+            </a:solidFill>
+            <a:miter lim="400000"/>
+          </a:ln>
+          <a:extLst>
+            <a:ext uri="{C572A759-6A51-4108-AA02-DFA0A04FC94B}">
+              <ma14:wrappingTextBoxFlag xmlns:ma14="http://schemas.microsoft.com/office/mac/drawingml/2011/main" val="1"/>
+            </a:ext>
+          </a:extLst>
+        </p:spPr>
+        <p:txBody>
+          <a:bodyPr wrap="square" lIns="45719" rIns="45719">
+            <a:spAutoFit/>
+          </a:bodyPr>
+          <a:lstStyle/>
+          <a:p>
+            <a:pPr algn="ctr">
+              <a:defRPr sz="4200" u="sng"/>
+            </a:pPr>
+            <a:endParaRPr lang="en-US" dirty="0" smtClean="0"/>
+          </a:p>
+          <a:p>
+            <a:pPr algn="ctr">
+              <a:defRPr sz="4200" u="sng"/>
+            </a:pPr>
+            <a:endParaRPr lang="en-US" dirty="0"/>
+          </a:p>
+          <a:p>
+            <a:pPr algn="ctr">
+              <a:defRPr sz="4200" u="sng"/>
+            </a:pPr>
+            <a:endParaRPr lang="en-US" dirty="0" smtClean="0"/>
+          </a:p>
+          <a:p>
+            <a:pPr algn="ctr">
+              <a:defRPr sz="4200" u="sng"/>
+            </a:pPr>
+            <a:endParaRPr lang="en-US" dirty="0"/>
+          </a:p>
+          <a:p>
+            <a:pPr algn="ctr">
+              <a:defRPr sz="4200" u="sng"/>
+            </a:pPr>
+            <a:endParaRPr lang="en-US" dirty="0" smtClean="0"/>
+          </a:p>
+          <a:p>
+            <a:pPr algn="ctr">
+              <a:defRPr sz="4200" u="sng"/>
+            </a:pPr>
+            <a:endParaRPr lang="en-US" dirty="0"/>
+          </a:p>
+          <a:p>
+            <a:pPr algn="ctr">
+              <a:defRPr sz="4200" u="sng"/>
+            </a:pPr>
+            <a:endParaRPr lang="en-US" dirty="0" smtClean="0"/>
+          </a:p>
+          <a:p>
+            <a:pPr algn="ctr">
+              <a:defRPr sz="4200" u="sng"/>
+            </a:pPr>
+            <a:endParaRPr lang="en-US" dirty="0"/>
+          </a:p>
+          <a:p>
+            <a:pPr algn="ctr">
+              <a:defRPr sz="4200" u="sng"/>
+            </a:pPr>
+            <a:endParaRPr lang="en-US" dirty="0" smtClean="0"/>
+          </a:p>
+          <a:p>
+            <a:pPr algn="ctr">
+              <a:defRPr sz="4200" u="sng"/>
+            </a:pPr>
+            <a:endParaRPr lang="en-US" dirty="0"/>
+          </a:p>
+          <a:p>
+            <a:pPr algn="ctr">
+              <a:defRPr sz="4200" u="sng"/>
+            </a:pPr>
+            <a:endParaRPr lang="en-US" dirty="0" smtClean="0"/>
+          </a:p>
+          <a:p>
+            <a:pPr algn="ctr">
+              <a:defRPr sz="4200" u="sng"/>
+            </a:pPr>
+            <a:endParaRPr lang="en-US" dirty="0"/>
+          </a:p>
+          <a:p>
+            <a:pPr algn="ctr">
+              <a:defRPr sz="4200" u="sng"/>
+            </a:pPr>
+            <a:endParaRPr lang="en-US" dirty="0" smtClean="0"/>
+          </a:p>
+          <a:p>
+            <a:pPr algn="ctr">
+              <a:defRPr sz="4200" u="sng"/>
+            </a:pPr>
+            <a:endParaRPr lang="en-US" dirty="0"/>
+          </a:p>
+          <a:p>
+            <a:pPr algn="ctr">
+              <a:defRPr sz="4200" u="sng"/>
+            </a:pPr>
+            <a:endParaRPr lang="en-US" dirty="0" smtClean="0"/>
+          </a:p>
+          <a:p>
+            <a:pPr algn="ctr">
+              <a:defRPr sz="4200" u="sng"/>
+            </a:pPr>
+            <a:endParaRPr lang="en-US" dirty="0"/>
+          </a:p>
+          <a:p>
+            <a:pPr algn="ctr">
+              <a:defRPr sz="4200" u="sng"/>
+            </a:pPr>
+            <a:endParaRPr lang="en-US" dirty="0" smtClean="0"/>
+          </a:p>
+          <a:p>
+            <a:pPr algn="ctr">
+              <a:defRPr sz="4200" u="sng"/>
+            </a:pPr>
+            <a:endParaRPr lang="en-US" dirty="0"/>
+          </a:p>
+          <a:p>
+            <a:pPr algn="ctr">
+              <a:defRPr sz="4200" u="sng"/>
+            </a:pPr>
+            <a:endParaRPr lang="en-US" dirty="0" smtClean="0"/>
+          </a:p>
+          <a:p>
+            <a:pPr algn="ctr">
+              <a:defRPr sz="4200" u="sng"/>
+            </a:pPr>
+            <a:endParaRPr lang="en-US" dirty="0"/>
+          </a:p>
+          <a:p>
+            <a:pPr algn="ctr">
+              <a:defRPr sz="4200" u="sng"/>
+            </a:pPr>
+            <a:endParaRPr lang="en-US" dirty="0" smtClean="0"/>
+          </a:p>
+          <a:p>
+            <a:pPr algn="ctr">
+              <a:defRPr sz="4200" u="sng"/>
+            </a:pPr>
+            <a:endParaRPr lang="en-US" dirty="0"/>
+          </a:p>
+          <a:p>
+            <a:pPr algn="ctr">
+              <a:defRPr sz="4200" u="sng"/>
+            </a:pPr>
+            <a:endParaRPr lang="en-US" dirty="0" smtClean="0"/>
+          </a:p>
+          <a:p>
+            <a:pPr algn="ctr">
+              <a:defRPr sz="4200" u="sng"/>
+            </a:pPr>
+            <a:endParaRPr lang="en-US" dirty="0"/>
+          </a:p>
+          <a:p>
+            <a:pPr algn="ctr">
+              <a:defRPr sz="4200" u="sng"/>
+            </a:pPr>
+            <a:endParaRPr lang="en-US" dirty="0" smtClean="0"/>
+          </a:p>
+          <a:p>
+            <a:pPr algn="ctr">
+              <a:defRPr sz="4200" u="sng"/>
+            </a:pPr>
+            <a:endParaRPr lang="en-US" dirty="0"/>
+          </a:p>
+          <a:p>
+            <a:pPr algn="ctr">
+              <a:defRPr sz="4200" u="sng"/>
+            </a:pPr>
+            <a:endParaRPr lang="en-US" dirty="0"/>
+          </a:p>
+        </p:txBody>
+      </p:sp>
+      <p:sp>
+        <p:nvSpPr>
+          <p:cNvPr id="111" name="Shape 111"/>
+          <p:cNvSpPr/>
+          <p:nvPr/>
+        </p:nvSpPr>
+        <p:spPr>
+          <a:xfrm>
+            <a:off x="0" y="0"/>
+            <a:ext cx="21945600" cy="2163162"/>
+          </a:xfrm>
+          <a:prstGeom prst="rect">
+            <a:avLst/>
+          </a:prstGeom>
+          <a:solidFill>
+            <a:srgbClr val="FFFFFF"/>
+          </a:solidFill>
+          <a:ln w="76200">
+            <a:solidFill>
+              <a:schemeClr val="accent1"/>
+            </a:solidFill>
+          </a:ln>
+        </p:spPr>
+        <p:txBody>
+          <a:bodyPr lIns="45719" rIns="45719"/>
+          <a:lstStyle/>
+          <a:p>
+            <a:endParaRPr/>
+          </a:p>
+        </p:txBody>
+      </p:sp>
+      <p:sp>
+        <p:nvSpPr>
+          <p:cNvPr id="114" name="Shape 114"/>
+          <p:cNvSpPr/>
+          <p:nvPr/>
+        </p:nvSpPr>
+        <p:spPr>
+          <a:xfrm>
+            <a:off x="7407464" y="9313175"/>
+            <a:ext cx="6542489" cy="738664"/>
+          </a:xfrm>
+          <a:prstGeom prst="rect">
+            <a:avLst/>
+          </a:prstGeom>
+          <a:ln w="12700">
+            <a:miter lim="400000"/>
+          </a:ln>
+          <a:extLst>
+            <a:ext uri="{C572A759-6A51-4108-AA02-DFA0A04FC94B}">
+              <ma14:wrappingTextBoxFlag xmlns:ma14="http://schemas.microsoft.com/office/mac/drawingml/2011/main" val="1"/>
+            </a:ext>
+          </a:extLst>
+        </p:spPr>
+        <p:txBody>
+          <a:bodyPr wrap="none" lIns="45719" rIns="45719">
+            <a:spAutoFit/>
+          </a:bodyPr>
+          <a:lstStyle>
+            <a:lvl1pPr>
+              <a:defRPr sz="4200" u="sng"/>
+            </a:lvl1pPr>
+          </a:lstStyle>
+          <a:p>
+            <a:r>
+              <a:rPr dirty="0"/>
+              <a:t>3. Methods, Models, Findings</a:t>
+            </a:r>
+          </a:p>
+        </p:txBody>
+      </p:sp>
+      <p:sp>
+        <p:nvSpPr>
+          <p:cNvPr id="115" name="Shape 115"/>
+          <p:cNvSpPr/>
+          <p:nvPr/>
+        </p:nvSpPr>
+        <p:spPr>
+          <a:xfrm>
+            <a:off x="502743" y="10007535"/>
+            <a:ext cx="10002401" cy="3416320"/>
+          </a:xfrm>
+          <a:prstGeom prst="rect">
+            <a:avLst/>
+          </a:prstGeom>
+          <a:ln w="12700">
+            <a:miter lim="400000"/>
+          </a:ln>
+          <a:extLst>
+            <a:ext uri="{C572A759-6A51-4108-AA02-DFA0A04FC94B}">
+              <ma14:wrappingTextBoxFlag xmlns:ma14="http://schemas.microsoft.com/office/mac/drawingml/2011/main" val="1"/>
+            </a:ext>
+          </a:extLst>
+        </p:spPr>
+        <p:txBody>
+          <a:bodyPr wrap="square" lIns="45719" rIns="45719">
+            <a:spAutoFit/>
+          </a:bodyPr>
+          <a:lstStyle/>
+          <a:p>
+            <a:pPr algn="ctr"/>
+            <a:r>
+              <a:rPr lang="en-US" sz="3600" dirty="0" smtClean="0"/>
+              <a:t>3.1. Micro-level Structure</a:t>
+            </a:r>
+            <a:endParaRPr lang="en-US" sz="3600" dirty="0"/>
+          </a:p>
+          <a:p>
+            <a:pPr>
+              <a:defRPr sz="3000"/>
+            </a:pPr>
+            <a:r>
+              <a:rPr lang="en-US" dirty="0" smtClean="0"/>
+              <a:t>To gain insight in how users interact in a micro setting, we do a Triad Frequency Analysis. This is performed on the User Graph with Geometry tag. The frequency of all possible Triads are tallied up. Triad id38 is very common and maps usually to a highly reputable user shining light on to novice users who are discussing.</a:t>
+            </a:r>
+            <a:endParaRPr dirty="0"/>
+          </a:p>
+        </p:txBody>
+      </p:sp>
+      <p:sp>
+        <p:nvSpPr>
+          <p:cNvPr id="116" name="Shape 116"/>
+          <p:cNvSpPr/>
+          <p:nvPr/>
+        </p:nvSpPr>
+        <p:spPr>
+          <a:xfrm>
+            <a:off x="10949201" y="10032870"/>
+            <a:ext cx="10501421" cy="2985433"/>
           </a:xfrm>
           <a:prstGeom prst="rect">
             <a:avLst/>
@@ -2652,22 +3062,2219 @@
           <a:bodyPr lIns="45719" rIns="45719">
             <a:spAutoFit/>
           </a:bodyPr>
-          <a:lstStyle>
-            <a:lvl1pPr algn="ctr">
-              <a:defRPr u="sng"/>
-            </a:lvl1pPr>
-          </a:lstStyle>
-          <a:p>
-            <a:pPr/>
-            <a:r>
-              <a:t>Expertise &amp; Network Properties in StackExchange Sites</a:t>
-            </a:r>
+          <a:lstStyle/>
+          <a:p>
+            <a:pPr algn="ctr"/>
+            <a:r>
+              <a:rPr lang="en-US" sz="3600" dirty="0" smtClean="0"/>
+              <a:t>3.2. Clustering</a:t>
+            </a:r>
+            <a:endParaRPr lang="en-US" sz="3600" dirty="0"/>
+          </a:p>
+          <a:p>
+            <a:pPr>
+              <a:defRPr sz="3000"/>
+            </a:pPr>
+            <a:r>
+              <a:rPr dirty="0" smtClean="0"/>
+              <a:t>In </a:t>
+            </a:r>
+            <a:r>
+              <a:rPr dirty="0"/>
+              <a:t>order to identify particular network traits to different personas of people, </a:t>
+            </a:r>
+            <a:r>
+              <a:rPr i="1" dirty="0"/>
+              <a:t>k-</a:t>
+            </a:r>
+            <a:r>
+              <a:rPr dirty="0"/>
+              <a:t>means clustering was done using the following features: views, up/down votes, in/out degree, and closeness/eigenvector/PageRank </a:t>
+            </a:r>
+            <a:r>
+              <a:rPr dirty="0" smtClean="0"/>
+              <a:t>centrality</a:t>
+            </a:r>
+            <a:r>
+              <a:rPr lang="en-US" dirty="0" smtClean="0"/>
+              <a:t>. TODO what graph are we clustering?</a:t>
+            </a:r>
+            <a:endParaRPr dirty="0"/>
           </a:p>
         </p:txBody>
       </p:sp>
       <p:sp>
         <p:nvSpPr>
-          <p:cNvPr id="110" name="Shape 110"/>
+          <p:cNvPr id="117" name="Shape 117"/>
+          <p:cNvSpPr/>
+          <p:nvPr/>
+        </p:nvSpPr>
+        <p:spPr>
+          <a:xfrm>
+            <a:off x="378244" y="18112043"/>
+            <a:ext cx="10501421" cy="2523768"/>
+          </a:xfrm>
+          <a:prstGeom prst="rect">
+            <a:avLst/>
+          </a:prstGeom>
+          <a:ln w="12700">
+            <a:miter lim="400000"/>
+          </a:ln>
+          <a:extLst>
+            <a:ext uri="{C572A759-6A51-4108-AA02-DFA0A04FC94B}">
+              <ma14:wrappingTextBoxFlag xmlns:ma14="http://schemas.microsoft.com/office/mac/drawingml/2011/main" val="1"/>
+            </a:ext>
+          </a:extLst>
+        </p:spPr>
+        <p:txBody>
+          <a:bodyPr lIns="45719" rIns="45719">
+            <a:spAutoFit/>
+          </a:bodyPr>
+          <a:lstStyle/>
+          <a:p>
+            <a:pPr algn="ctr"/>
+            <a:r>
+              <a:rPr lang="en-US" sz="3600" dirty="0" smtClean="0"/>
+              <a:t>3.3. Heuristic Approaches to Ranking</a:t>
+            </a:r>
+          </a:p>
+          <a:p>
+            <a:pPr>
+              <a:defRPr sz="3000"/>
+            </a:pPr>
+            <a:r>
+              <a:rPr dirty="0" smtClean="0"/>
+              <a:t>A series of increasingly complex heuristic functions successfully prioritize domain expertise over total StackExchange reputation, making these function valid replacements for generic reputation scores.</a:t>
+            </a:r>
+            <a:endParaRPr dirty="0"/>
+          </a:p>
+        </p:txBody>
+      </p:sp>
+      <p:pic>
+        <p:nvPicPr>
+          <p:cNvPr id="119" name="image1.png"/>
+          <p:cNvPicPr>
+            <a:picLocks noChangeAspect="1"/>
+          </p:cNvPicPr>
+          <p:nvPr/>
+        </p:nvPicPr>
+        <p:blipFill>
+          <a:blip r:embed="rId2">
+            <a:extLst/>
+          </a:blip>
+          <a:stretch>
+            <a:fillRect/>
+          </a:stretch>
+        </p:blipFill>
+        <p:spPr>
+          <a:xfrm>
+            <a:off x="10789127" y="13207739"/>
+            <a:ext cx="5441267" cy="4187344"/>
+          </a:xfrm>
+          <a:prstGeom prst="rect">
+            <a:avLst/>
+          </a:prstGeom>
+          <a:ln w="12700">
+            <a:miter lim="400000"/>
+          </a:ln>
+        </p:spPr>
+      </p:pic>
+      <p:pic>
+        <p:nvPicPr>
+          <p:cNvPr id="120" name="image3.png"/>
+          <p:cNvPicPr>
+            <a:picLocks noChangeAspect="1"/>
+          </p:cNvPicPr>
+          <p:nvPr/>
+        </p:nvPicPr>
+        <p:blipFill>
+          <a:blip r:embed="rId3">
+            <a:extLst/>
+          </a:blip>
+          <a:stretch>
+            <a:fillRect/>
+          </a:stretch>
+        </p:blipFill>
+        <p:spPr>
+          <a:xfrm>
+            <a:off x="15763724" y="13207739"/>
+            <a:ext cx="5774482" cy="4187344"/>
+          </a:xfrm>
+          <a:prstGeom prst="rect">
+            <a:avLst/>
+          </a:prstGeom>
+          <a:ln w="12700">
+            <a:miter lim="400000"/>
+          </a:ln>
+        </p:spPr>
+      </p:pic>
+      <p:graphicFrame>
+        <p:nvGraphicFramePr>
+          <p:cNvPr id="121" name="Table 121"/>
+          <p:cNvGraphicFramePr/>
+          <p:nvPr>
+            <p:extLst>
+              <p:ext uri="{D42A27DB-BD31-4B8C-83A1-F6EECF244321}">
+                <p14:modId xmlns:p14="http://schemas.microsoft.com/office/powerpoint/2010/main" val="1993393696"/>
+              </p:ext>
+            </p:extLst>
+          </p:nvPr>
+        </p:nvGraphicFramePr>
+        <p:xfrm>
+          <a:off x="381175" y="20704867"/>
+          <a:ext cx="10495557" cy="4557695"/>
+        </p:xfrm>
+        <a:graphic>
+          <a:graphicData uri="http://schemas.openxmlformats.org/drawingml/2006/table">
+            <a:tbl>
+              <a:tblPr firstRow="1" bandRow="1">
+                <a:tableStyleId>{69CF1AB2-1976-4502-BF36-3FF5EA218861}</a:tableStyleId>
+              </a:tblPr>
+              <a:tblGrid>
+                <a:gridCol w="317500"/>
+                <a:gridCol w="1447800"/>
+                <a:gridCol w="1676400"/>
+                <a:gridCol w="1676400"/>
+                <a:gridCol w="1694788"/>
+                <a:gridCol w="1682353"/>
+                <a:gridCol w="2000316"/>
+              </a:tblGrid>
+              <a:tr h="389555">
+                <a:tc>
+                  <a:txBody>
+                    <a:bodyPr/>
+                    <a:lstStyle/>
+                    <a:p>
+                      <a:pPr algn="l">
+                        <a:defRPr sz="1600" u="sng"/>
+                      </a:pPr>
+                      <a:endParaRPr/>
+                    </a:p>
+                  </a:txBody>
+                  <a:tcPr marL="45720" marR="45720" horzOverflow="overflow"/>
+                </a:tc>
+                <a:tc>
+                  <a:txBody>
+                    <a:bodyPr/>
+                    <a:lstStyle/>
+                    <a:p>
+                      <a:pPr algn="l">
+                        <a:defRPr sz="1800" b="0">
+                          <a:solidFill>
+                            <a:srgbClr val="000000"/>
+                          </a:solidFill>
+                        </a:defRPr>
+                      </a:pPr>
+                      <a:r>
+                        <a:rPr sz="1600" b="1" u="none" dirty="0"/>
+                        <a:t>Reputation</a:t>
+                      </a:r>
+                      <a:endParaRPr sz="1600" b="1" u="none" dirty="0">
+                        <a:solidFill>
+                          <a:srgbClr val="FFFFFF"/>
+                        </a:solidFill>
+                      </a:endParaRPr>
+                    </a:p>
+                  </a:txBody>
+                  <a:tcPr marL="45720" marR="45720" horzOverflow="overflow"/>
+                </a:tc>
+                <a:tc>
+                  <a:txBody>
+                    <a:bodyPr/>
+                    <a:lstStyle/>
+                    <a:p>
+                      <a:pPr algn="l">
+                        <a:defRPr sz="1800" b="0">
+                          <a:solidFill>
+                            <a:srgbClr val="000000"/>
+                          </a:solidFill>
+                        </a:defRPr>
+                      </a:pPr>
+                      <a:r>
+                        <a:rPr sz="1600" b="1" u="none" dirty="0"/>
+                        <a:t>Degree</a:t>
+                      </a:r>
+                      <a:endParaRPr sz="1600" b="1" u="none" dirty="0">
+                        <a:solidFill>
+                          <a:srgbClr val="FFFFFF"/>
+                        </a:solidFill>
+                      </a:endParaRPr>
+                    </a:p>
+                  </a:txBody>
+                  <a:tcPr marL="45720" marR="45720" horzOverflow="overflow"/>
+                </a:tc>
+                <a:tc>
+                  <a:txBody>
+                    <a:bodyPr/>
+                    <a:lstStyle/>
+                    <a:p>
+                      <a:pPr algn="l">
+                        <a:defRPr sz="1800" b="0">
+                          <a:solidFill>
+                            <a:srgbClr val="000000"/>
+                          </a:solidFill>
+                        </a:defRPr>
+                      </a:pPr>
+                      <a:r>
+                        <a:rPr sz="1600" b="1" u="none" dirty="0"/>
+                        <a:t>Degree * Votes</a:t>
+                      </a:r>
+                      <a:endParaRPr sz="1600" b="1" u="none" dirty="0">
+                        <a:solidFill>
+                          <a:srgbClr val="FFFFFF"/>
+                        </a:solidFill>
+                      </a:endParaRPr>
+                    </a:p>
+                  </a:txBody>
+                  <a:tcPr marL="45720" marR="45720" horzOverflow="overflow"/>
+                </a:tc>
+                <a:tc>
+                  <a:txBody>
+                    <a:bodyPr/>
+                    <a:lstStyle/>
+                    <a:p>
+                      <a:pPr algn="l">
+                        <a:defRPr sz="1800" b="0">
+                          <a:solidFill>
+                            <a:srgbClr val="000000"/>
+                          </a:solidFill>
+                        </a:defRPr>
+                      </a:pPr>
+                      <a:r>
+                        <a:rPr sz="1600" b="1" u="none" dirty="0"/>
+                        <a:t>Betweenness</a:t>
+                      </a:r>
+                      <a:endParaRPr sz="1600" b="1" u="none" dirty="0">
+                        <a:solidFill>
+                          <a:srgbClr val="FFFFFF"/>
+                        </a:solidFill>
+                      </a:endParaRPr>
+                    </a:p>
+                  </a:txBody>
+                  <a:tcPr marL="45720" marR="45720" horzOverflow="overflow"/>
+                </a:tc>
+                <a:tc>
+                  <a:txBody>
+                    <a:bodyPr/>
+                    <a:lstStyle/>
+                    <a:p>
+                      <a:pPr algn="l">
+                        <a:defRPr sz="1800" b="0">
+                          <a:solidFill>
+                            <a:srgbClr val="000000"/>
+                          </a:solidFill>
+                        </a:defRPr>
+                      </a:pPr>
+                      <a:r>
+                        <a:rPr sz="1600" b="1" u="none" dirty="0"/>
+                        <a:t>Eigenvector</a:t>
+                      </a:r>
+                      <a:endParaRPr sz="1600" b="1" u="none" dirty="0">
+                        <a:solidFill>
+                          <a:srgbClr val="FFFFFF"/>
+                        </a:solidFill>
+                      </a:endParaRPr>
+                    </a:p>
+                  </a:txBody>
+                  <a:tcPr marL="45720" marR="45720" horzOverflow="overflow"/>
+                </a:tc>
+                <a:tc>
+                  <a:txBody>
+                    <a:bodyPr/>
+                    <a:lstStyle/>
+                    <a:p>
+                      <a:pPr algn="l">
+                        <a:defRPr sz="1800" b="0">
+                          <a:solidFill>
+                            <a:srgbClr val="000000"/>
+                          </a:solidFill>
+                        </a:defRPr>
+                      </a:pPr>
+                      <a:r>
+                        <a:rPr sz="1600" b="1" u="none" dirty="0"/>
+                        <a:t>PageRank * Badges</a:t>
+                      </a:r>
+                      <a:endParaRPr sz="1600" b="1" u="none" dirty="0">
+                        <a:solidFill>
+                          <a:srgbClr val="FFFFFF"/>
+                        </a:solidFill>
+                      </a:endParaRPr>
+                    </a:p>
+                  </a:txBody>
+                  <a:tcPr marL="45720" marR="45720" horzOverflow="overflow"/>
+                </a:tc>
+              </a:tr>
+              <a:tr h="358140">
+                <a:tc>
+                  <a:txBody>
+                    <a:bodyPr/>
+                    <a:lstStyle/>
+                    <a:p>
+                      <a:pPr algn="l">
+                        <a:defRPr sz="1800"/>
+                      </a:pPr>
+                      <a:r>
+                        <a:rPr sz="1600"/>
+                        <a:t>1</a:t>
+                      </a:r>
+                    </a:p>
+                  </a:txBody>
+                  <a:tcPr marL="45720" marR="45720" horzOverflow="overflow"/>
+                </a:tc>
+                <a:tc>
+                  <a:txBody>
+                    <a:bodyPr/>
+                    <a:lstStyle/>
+                    <a:p>
+                      <a:pPr algn="l">
+                        <a:defRPr sz="1800"/>
+                      </a:pPr>
+                      <a:r>
+                        <a:rPr sz="1600" dirty="0"/>
+                        <a:t>Andre’ Nicolas</a:t>
+                      </a:r>
+                    </a:p>
+                  </a:txBody>
+                  <a:tcPr marL="45720" marR="45720" horzOverflow="overflow"/>
+                </a:tc>
+                <a:tc>
+                  <a:txBody>
+                    <a:bodyPr/>
+                    <a:lstStyle/>
+                    <a:p>
+                      <a:pPr algn="l">
+                        <a:defRPr sz="1800"/>
+                      </a:pPr>
+                      <a:r>
+                        <a:rPr sz="1600" dirty="0"/>
+                        <a:t>MvG</a:t>
+                      </a:r>
+                    </a:p>
+                  </a:txBody>
+                  <a:tcPr marL="45720" marR="45720" horzOverflow="overflow"/>
+                </a:tc>
+                <a:tc>
+                  <a:txBody>
+                    <a:bodyPr/>
+                    <a:lstStyle/>
+                    <a:p>
+                      <a:pPr algn="l">
+                        <a:defRPr sz="1800"/>
+                      </a:pPr>
+                      <a:r>
+                        <a:rPr sz="1600" dirty="0"/>
+                        <a:t>Ross Millikan</a:t>
+                      </a:r>
+                    </a:p>
+                  </a:txBody>
+                  <a:tcPr marL="45720" marR="45720" horzOverflow="overflow"/>
+                </a:tc>
+                <a:tc>
+                  <a:txBody>
+                    <a:bodyPr/>
+                    <a:lstStyle/>
+                    <a:p>
+                      <a:pPr algn="l">
+                        <a:defRPr sz="1800"/>
+                      </a:pPr>
+                      <a:r>
+                        <a:rPr sz="1600" dirty="0"/>
+                        <a:t>MvG</a:t>
+                      </a:r>
+                    </a:p>
+                  </a:txBody>
+                  <a:tcPr marL="45720" marR="45720" horzOverflow="overflow"/>
+                </a:tc>
+                <a:tc>
+                  <a:txBody>
+                    <a:bodyPr/>
+                    <a:lstStyle/>
+                    <a:p>
+                      <a:pPr algn="l">
+                        <a:defRPr sz="1800"/>
+                      </a:pPr>
+                      <a:r>
+                        <a:rPr sz="1600" dirty="0"/>
+                        <a:t>MvG</a:t>
+                      </a:r>
+                    </a:p>
+                  </a:txBody>
+                  <a:tcPr marL="45720" marR="45720" horzOverflow="overflow"/>
+                </a:tc>
+                <a:tc>
+                  <a:txBody>
+                    <a:bodyPr/>
+                    <a:lstStyle/>
+                    <a:p>
+                      <a:pPr algn="l">
+                        <a:defRPr sz="1800"/>
+                      </a:pPr>
+                      <a:r>
+                        <a:rPr sz="1600" dirty="0"/>
+                        <a:t>Henning Makholm</a:t>
+                      </a:r>
+                    </a:p>
+                  </a:txBody>
+                  <a:tcPr marL="45720" marR="45720" horzOverflow="overflow"/>
+                </a:tc>
+              </a:tr>
+              <a:tr h="345440">
+                <a:tc>
+                  <a:txBody>
+                    <a:bodyPr/>
+                    <a:lstStyle/>
+                    <a:p>
+                      <a:pPr algn="l">
+                        <a:defRPr sz="1800"/>
+                      </a:pPr>
+                      <a:r>
+                        <a:rPr sz="1600"/>
+                        <a:t>2</a:t>
+                      </a:r>
+                    </a:p>
+                  </a:txBody>
+                  <a:tcPr marL="45720" marR="45720" horzOverflow="overflow"/>
+                </a:tc>
+                <a:tc>
+                  <a:txBody>
+                    <a:bodyPr/>
+                    <a:lstStyle/>
+                    <a:p>
+                      <a:pPr algn="l">
+                        <a:defRPr sz="1800"/>
+                      </a:pPr>
+                      <a:r>
+                        <a:rPr sz="1600"/>
+                        <a:t>Brian M. Scott</a:t>
+                      </a:r>
+                    </a:p>
+                  </a:txBody>
+                  <a:tcPr marL="45720" marR="45720" horzOverflow="overflow"/>
+                </a:tc>
+                <a:tc>
+                  <a:txBody>
+                    <a:bodyPr/>
+                    <a:lstStyle/>
+                    <a:p>
+                      <a:pPr algn="l">
+                        <a:defRPr sz="1800"/>
+                      </a:pPr>
+                      <a:r>
+                        <a:rPr sz="1600"/>
+                        <a:t>Ross Millikan</a:t>
+                      </a:r>
+                    </a:p>
+                  </a:txBody>
+                  <a:tcPr marL="45720" marR="45720" horzOverflow="overflow"/>
+                </a:tc>
+                <a:tc>
+                  <a:txBody>
+                    <a:bodyPr/>
+                    <a:lstStyle/>
+                    <a:p>
+                      <a:pPr algn="l">
+                        <a:defRPr sz="1800"/>
+                      </a:pPr>
+                      <a:r>
+                        <a:rPr sz="1600" dirty="0"/>
+                        <a:t>Andre/ Nicolas</a:t>
+                      </a:r>
+                    </a:p>
+                  </a:txBody>
+                  <a:tcPr marL="45720" marR="45720" horzOverflow="overflow"/>
+                </a:tc>
+                <a:tc>
+                  <a:txBody>
+                    <a:bodyPr/>
+                    <a:lstStyle/>
+                    <a:p>
+                      <a:pPr algn="l">
+                        <a:defRPr sz="1800"/>
+                      </a:pPr>
+                      <a:r>
+                        <a:rPr sz="1600"/>
+                        <a:t>Ross Millikan</a:t>
+                      </a:r>
+                    </a:p>
+                  </a:txBody>
+                  <a:tcPr marL="45720" marR="45720" horzOverflow="overflow"/>
+                </a:tc>
+                <a:tc>
+                  <a:txBody>
+                    <a:bodyPr/>
+                    <a:lstStyle/>
+                    <a:p>
+                      <a:pPr algn="l">
+                        <a:defRPr sz="1800"/>
+                      </a:pPr>
+                      <a:r>
+                        <a:rPr sz="1600"/>
+                        <a:t>Ross Millikan</a:t>
+                      </a:r>
+                    </a:p>
+                  </a:txBody>
+                  <a:tcPr marL="45720" marR="45720" horzOverflow="overflow"/>
+                </a:tc>
+                <a:tc>
+                  <a:txBody>
+                    <a:bodyPr/>
+                    <a:lstStyle/>
+                    <a:p>
+                      <a:pPr algn="l">
+                        <a:defRPr sz="1800"/>
+                      </a:pPr>
+                      <a:r>
+                        <a:rPr sz="1600"/>
+                        <a:t>Andre’ Nicolas</a:t>
+                      </a:r>
+                    </a:p>
+                  </a:txBody>
+                  <a:tcPr marL="45720" marR="45720" horzOverflow="overflow"/>
+                </a:tc>
+              </a:tr>
+              <a:tr h="345440">
+                <a:tc>
+                  <a:txBody>
+                    <a:bodyPr/>
+                    <a:lstStyle/>
+                    <a:p>
+                      <a:pPr algn="l">
+                        <a:defRPr sz="1800"/>
+                      </a:pPr>
+                      <a:r>
+                        <a:rPr sz="1600"/>
+                        <a:t>3</a:t>
+                      </a:r>
+                    </a:p>
+                  </a:txBody>
+                  <a:tcPr marL="45720" marR="45720" horzOverflow="overflow"/>
+                </a:tc>
+                <a:tc>
+                  <a:txBody>
+                    <a:bodyPr/>
+                    <a:lstStyle/>
+                    <a:p>
+                      <a:pPr algn="l">
+                        <a:defRPr sz="1800"/>
+                      </a:pPr>
+                      <a:r>
+                        <a:rPr sz="1600"/>
+                        <a:t>Asaf Karagila</a:t>
+                      </a:r>
+                    </a:p>
+                  </a:txBody>
+                  <a:tcPr marL="45720" marR="45720" horzOverflow="overflow"/>
+                </a:tc>
+                <a:tc>
+                  <a:txBody>
+                    <a:bodyPr/>
+                    <a:lstStyle/>
+                    <a:p>
+                      <a:pPr algn="l">
+                        <a:defRPr sz="1800"/>
+                      </a:pPr>
+                      <a:r>
+                        <a:rPr sz="1600"/>
+                        <a:t>Andre’ Nicolas</a:t>
+                      </a:r>
+                    </a:p>
+                  </a:txBody>
+                  <a:tcPr marL="45720" marR="45720" horzOverflow="overflow"/>
+                </a:tc>
+                <a:tc>
+                  <a:txBody>
+                    <a:bodyPr/>
+                    <a:lstStyle/>
+                    <a:p>
+                      <a:pPr algn="l">
+                        <a:defRPr sz="1800"/>
+                      </a:pPr>
+                      <a:r>
+                        <a:rPr sz="1600"/>
+                        <a:t>amWhy</a:t>
+                      </a:r>
+                    </a:p>
+                  </a:txBody>
+                  <a:tcPr marL="45720" marR="45720" horzOverflow="overflow"/>
+                </a:tc>
+                <a:tc>
+                  <a:txBody>
+                    <a:bodyPr/>
+                    <a:lstStyle/>
+                    <a:p>
+                      <a:pPr algn="l">
+                        <a:defRPr sz="1800"/>
+                      </a:pPr>
+                      <a:r>
+                        <a:rPr sz="1600"/>
+                        <a:t>Blue</a:t>
+                      </a:r>
+                    </a:p>
+                  </a:txBody>
+                  <a:tcPr marL="45720" marR="45720" horzOverflow="overflow"/>
+                </a:tc>
+                <a:tc>
+                  <a:txBody>
+                    <a:bodyPr/>
+                    <a:lstStyle/>
+                    <a:p>
+                      <a:pPr algn="l">
+                        <a:defRPr sz="1800"/>
+                      </a:pPr>
+                      <a:r>
+                        <a:rPr sz="1600" dirty="0"/>
+                        <a:t>Blue</a:t>
+                      </a:r>
+                    </a:p>
+                  </a:txBody>
+                  <a:tcPr marL="45720" marR="45720" horzOverflow="overflow"/>
+                </a:tc>
+                <a:tc>
+                  <a:txBody>
+                    <a:bodyPr/>
+                    <a:lstStyle/>
+                    <a:p>
+                      <a:pPr algn="l">
+                        <a:defRPr sz="1800"/>
+                      </a:pPr>
+                      <a:r>
+                        <a:rPr sz="1600"/>
+                        <a:t>Ross Millikan</a:t>
+                      </a:r>
+                    </a:p>
+                  </a:txBody>
+                  <a:tcPr marL="45720" marR="45720" horzOverflow="overflow"/>
+                </a:tc>
+              </a:tr>
+              <a:tr h="345440">
+                <a:tc>
+                  <a:txBody>
+                    <a:bodyPr/>
+                    <a:lstStyle/>
+                    <a:p>
+                      <a:pPr algn="l">
+                        <a:defRPr sz="1800"/>
+                      </a:pPr>
+                      <a:r>
+                        <a:rPr sz="1600"/>
+                        <a:t>4</a:t>
+                      </a:r>
+                    </a:p>
+                  </a:txBody>
+                  <a:tcPr marL="45720" marR="45720" horzOverflow="overflow"/>
+                </a:tc>
+                <a:tc>
+                  <a:txBody>
+                    <a:bodyPr/>
+                    <a:lstStyle/>
+                    <a:p>
+                      <a:pPr algn="l">
+                        <a:defRPr sz="1800"/>
+                      </a:pPr>
+                      <a:r>
+                        <a:rPr sz="1600"/>
+                        <a:t>Did</a:t>
+                      </a:r>
+                    </a:p>
+                  </a:txBody>
+                  <a:tcPr marL="45720" marR="45720" horzOverflow="overflow"/>
+                </a:tc>
+                <a:tc>
+                  <a:txBody>
+                    <a:bodyPr/>
+                    <a:lstStyle/>
+                    <a:p>
+                      <a:pPr algn="l">
+                        <a:defRPr sz="1800"/>
+                      </a:pPr>
+                      <a:r>
+                        <a:rPr sz="1600"/>
+                        <a:t>Blue</a:t>
+                      </a:r>
+                    </a:p>
+                  </a:txBody>
+                  <a:tcPr marL="45720" marR="45720" horzOverflow="overflow"/>
+                </a:tc>
+                <a:tc>
+                  <a:txBody>
+                    <a:bodyPr/>
+                    <a:lstStyle/>
+                    <a:p>
+                      <a:pPr algn="l">
+                        <a:defRPr sz="1800"/>
+                      </a:pPr>
+                      <a:r>
+                        <a:rPr sz="1600"/>
+                        <a:t>Michael Hardy</a:t>
+                      </a:r>
+                    </a:p>
+                  </a:txBody>
+                  <a:tcPr marL="45720" marR="45720" horzOverflow="overflow"/>
+                </a:tc>
+                <a:tc>
+                  <a:txBody>
+                    <a:bodyPr/>
+                    <a:lstStyle/>
+                    <a:p>
+                      <a:pPr algn="l">
+                        <a:defRPr sz="1800"/>
+                      </a:pPr>
+                      <a:r>
+                        <a:rPr sz="1600" dirty="0"/>
+                        <a:t>Andre’ Nicolas</a:t>
+                      </a:r>
+                    </a:p>
+                  </a:txBody>
+                  <a:tcPr marL="45720" marR="45720" horzOverflow="overflow"/>
+                </a:tc>
+                <a:tc>
+                  <a:txBody>
+                    <a:bodyPr/>
+                    <a:lstStyle/>
+                    <a:p>
+                      <a:pPr algn="l">
+                        <a:defRPr sz="1800"/>
+                      </a:pPr>
+                      <a:r>
+                        <a:rPr sz="1600" dirty="0"/>
+                        <a:t>Christian Blatter</a:t>
+                      </a:r>
+                    </a:p>
+                  </a:txBody>
+                  <a:tcPr marL="45720" marR="45720" horzOverflow="overflow"/>
+                </a:tc>
+                <a:tc>
+                  <a:txBody>
+                    <a:bodyPr/>
+                    <a:lstStyle/>
+                    <a:p>
+                      <a:pPr algn="l">
+                        <a:defRPr sz="1800"/>
+                      </a:pPr>
+                      <a:r>
+                        <a:rPr sz="1600"/>
+                        <a:t>Hagen von Eitzen</a:t>
+                      </a:r>
+                    </a:p>
+                  </a:txBody>
+                  <a:tcPr marL="45720" marR="45720" horzOverflow="overflow"/>
+                </a:tc>
+              </a:tr>
+              <a:tr h="345440">
+                <a:tc>
+                  <a:txBody>
+                    <a:bodyPr/>
+                    <a:lstStyle/>
+                    <a:p>
+                      <a:pPr algn="l">
+                        <a:defRPr sz="1800"/>
+                      </a:pPr>
+                      <a:r>
+                        <a:rPr sz="1600"/>
+                        <a:t>5</a:t>
+                      </a:r>
+                    </a:p>
+                  </a:txBody>
+                  <a:tcPr marL="45720" marR="45720" horzOverflow="overflow"/>
+                </a:tc>
+                <a:tc>
+                  <a:txBody>
+                    <a:bodyPr/>
+                    <a:lstStyle/>
+                    <a:p>
+                      <a:pPr algn="l">
+                        <a:defRPr sz="1800"/>
+                      </a:pPr>
+                      <a:r>
+                        <a:rPr sz="1600"/>
+                        <a:t>Arturo Magidin</a:t>
+                      </a:r>
+                    </a:p>
+                  </a:txBody>
+                  <a:tcPr marL="45720" marR="45720" horzOverflow="overflow"/>
+                </a:tc>
+                <a:tc>
+                  <a:txBody>
+                    <a:bodyPr/>
+                    <a:lstStyle/>
+                    <a:p>
+                      <a:pPr algn="l">
+                        <a:defRPr sz="1800"/>
+                      </a:pPr>
+                      <a:r>
+                        <a:rPr sz="1600"/>
+                        <a:t>Christian  Blatter</a:t>
+                      </a:r>
+                    </a:p>
+                  </a:txBody>
+                  <a:tcPr marL="45720" marR="45720" horzOverflow="overflow"/>
+                </a:tc>
+                <a:tc>
+                  <a:txBody>
+                    <a:bodyPr/>
+                    <a:lstStyle/>
+                    <a:p>
+                      <a:pPr algn="l">
+                        <a:defRPr sz="1800"/>
+                      </a:pPr>
+                      <a:r>
+                        <a:rPr sz="1600"/>
+                        <a:t>Ihf</a:t>
+                      </a:r>
+                    </a:p>
+                  </a:txBody>
+                  <a:tcPr marL="45720" marR="45720" horzOverflow="overflow"/>
+                </a:tc>
+                <a:tc>
+                  <a:txBody>
+                    <a:bodyPr/>
+                    <a:lstStyle/>
+                    <a:p>
+                      <a:pPr algn="l">
+                        <a:defRPr sz="1800"/>
+                      </a:pPr>
+                      <a:r>
+                        <a:rPr sz="1600"/>
+                        <a:t>Christian Blatter</a:t>
+                      </a:r>
+                    </a:p>
+                  </a:txBody>
+                  <a:tcPr marL="45720" marR="45720" horzOverflow="overflow"/>
+                </a:tc>
+                <a:tc>
+                  <a:txBody>
+                    <a:bodyPr/>
+                    <a:lstStyle/>
+                    <a:p>
+                      <a:pPr algn="l">
+                        <a:defRPr sz="1800"/>
+                      </a:pPr>
+                      <a:r>
+                        <a:rPr sz="1600"/>
+                        <a:t>Andre’ Nicolas</a:t>
+                      </a:r>
+                    </a:p>
+                  </a:txBody>
+                  <a:tcPr marL="45720" marR="45720" horzOverflow="overflow"/>
+                </a:tc>
+                <a:tc>
+                  <a:txBody>
+                    <a:bodyPr/>
+                    <a:lstStyle/>
+                    <a:p>
+                      <a:pPr algn="l">
+                        <a:defRPr sz="1800"/>
+                      </a:pPr>
+                      <a:r>
+                        <a:rPr sz="1600"/>
+                        <a:t>robkohn</a:t>
+                      </a:r>
+                    </a:p>
+                  </a:txBody>
+                  <a:tcPr marL="45720" marR="45720" horzOverflow="overflow"/>
+                </a:tc>
+              </a:tr>
+              <a:tr h="345440">
+                <a:tc>
+                  <a:txBody>
+                    <a:bodyPr/>
+                    <a:lstStyle/>
+                    <a:p>
+                      <a:pPr algn="l">
+                        <a:defRPr sz="1800"/>
+                      </a:pPr>
+                      <a:r>
+                        <a:rPr sz="1600"/>
+                        <a:t>6</a:t>
+                      </a:r>
+                    </a:p>
+                  </a:txBody>
+                  <a:tcPr marL="45720" marR="45720" horzOverflow="overflow"/>
+                </a:tc>
+                <a:tc>
+                  <a:txBody>
+                    <a:bodyPr/>
+                    <a:lstStyle/>
+                    <a:p>
+                      <a:pPr algn="l">
+                        <a:defRPr sz="1800"/>
+                      </a:pPr>
+                      <a:r>
+                        <a:rPr sz="1600"/>
+                        <a:t>Qiaochu Yuan</a:t>
+                      </a:r>
+                    </a:p>
+                  </a:txBody>
+                  <a:tcPr marL="45720" marR="45720" horzOverflow="overflow"/>
+                </a:tc>
+                <a:tc>
+                  <a:txBody>
+                    <a:bodyPr/>
+                    <a:lstStyle/>
+                    <a:p>
+                      <a:pPr algn="l">
+                        <a:defRPr sz="1800"/>
+                      </a:pPr>
+                      <a:r>
+                        <a:rPr sz="1600"/>
+                        <a:t>Hagen von Eitzen</a:t>
+                      </a:r>
+                    </a:p>
+                  </a:txBody>
+                  <a:tcPr marL="45720" marR="45720" horzOverflow="overflow"/>
+                </a:tc>
+                <a:tc>
+                  <a:txBody>
+                    <a:bodyPr/>
+                    <a:lstStyle/>
+                    <a:p>
+                      <a:pPr algn="l">
+                        <a:defRPr sz="1800"/>
+                      </a:pPr>
+                      <a:r>
+                        <a:rPr sz="1600"/>
+                        <a:t>Robjohn</a:t>
+                      </a:r>
+                    </a:p>
+                  </a:txBody>
+                  <a:tcPr marL="45720" marR="45720" horzOverflow="overflow"/>
+                </a:tc>
+                <a:tc>
+                  <a:txBody>
+                    <a:bodyPr/>
+                    <a:lstStyle/>
+                    <a:p>
+                      <a:pPr algn="l">
+                        <a:defRPr sz="1800"/>
+                      </a:pPr>
+                      <a:r>
+                        <a:rPr sz="1600"/>
+                        <a:t>Mick</a:t>
+                      </a:r>
+                    </a:p>
+                  </a:txBody>
+                  <a:tcPr marL="45720" marR="45720" horzOverflow="overflow"/>
+                </a:tc>
+                <a:tc>
+                  <a:txBody>
+                    <a:bodyPr/>
+                    <a:lstStyle/>
+                    <a:p>
+                      <a:pPr algn="l">
+                        <a:defRPr sz="1800"/>
+                      </a:pPr>
+                      <a:r>
+                        <a:rPr sz="1600"/>
+                        <a:t>Mick</a:t>
+                      </a:r>
+                    </a:p>
+                  </a:txBody>
+                  <a:tcPr marL="45720" marR="45720" horzOverflow="overflow"/>
+                </a:tc>
+                <a:tc>
+                  <a:txBody>
+                    <a:bodyPr/>
+                    <a:lstStyle/>
+                    <a:p>
+                      <a:pPr algn="l">
+                        <a:defRPr sz="1800"/>
+                      </a:pPr>
+                      <a:r>
+                        <a:rPr sz="1600"/>
+                        <a:t>joriki</a:t>
+                      </a:r>
+                    </a:p>
+                  </a:txBody>
+                  <a:tcPr marL="45720" marR="45720" horzOverflow="overflow"/>
+                </a:tc>
+              </a:tr>
+              <a:tr h="345440">
+                <a:tc>
+                  <a:txBody>
+                    <a:bodyPr/>
+                    <a:lstStyle/>
+                    <a:p>
+                      <a:pPr algn="l">
+                        <a:defRPr sz="1800"/>
+                      </a:pPr>
+                      <a:r>
+                        <a:rPr sz="1600"/>
+                        <a:t>7</a:t>
+                      </a:r>
+                    </a:p>
+                  </a:txBody>
+                  <a:tcPr marL="45720" marR="45720" horzOverflow="overflow"/>
+                </a:tc>
+                <a:tc>
+                  <a:txBody>
+                    <a:bodyPr/>
+                    <a:lstStyle/>
+                    <a:p>
+                      <a:pPr algn="l">
+                        <a:defRPr sz="1800"/>
+                      </a:pPr>
+                      <a:r>
+                        <a:rPr sz="1600"/>
+                        <a:t>Robert Isreal</a:t>
+                      </a:r>
+                    </a:p>
+                  </a:txBody>
+                  <a:tcPr marL="45720" marR="45720" horzOverflow="overflow"/>
+                </a:tc>
+                <a:tc>
+                  <a:txBody>
+                    <a:bodyPr/>
+                    <a:lstStyle/>
+                    <a:p>
+                      <a:pPr algn="l">
+                        <a:defRPr sz="1800"/>
+                      </a:pPr>
+                      <a:r>
+                        <a:rPr sz="1600"/>
+                        <a:t>Jack D’Aurizio</a:t>
+                      </a:r>
+                    </a:p>
+                  </a:txBody>
+                  <a:tcPr marL="45720" marR="45720" horzOverflow="overflow"/>
+                </a:tc>
+                <a:tc>
+                  <a:txBody>
+                    <a:bodyPr/>
+                    <a:lstStyle/>
+                    <a:p>
+                      <a:pPr algn="l">
+                        <a:defRPr sz="1800"/>
+                      </a:pPr>
+                      <a:r>
+                        <a:rPr sz="1600"/>
+                        <a:t>Hagen von Eitzen</a:t>
+                      </a:r>
+                    </a:p>
+                  </a:txBody>
+                  <a:tcPr marL="45720" marR="45720" horzOverflow="overflow"/>
+                </a:tc>
+                <a:tc>
+                  <a:txBody>
+                    <a:bodyPr/>
+                    <a:lstStyle/>
+                    <a:p>
+                      <a:pPr algn="l">
+                        <a:defRPr sz="1800"/>
+                      </a:pPr>
+                      <a:r>
+                        <a:rPr sz="1600"/>
+                        <a:t>Hagen von Eitzen</a:t>
+                      </a:r>
+                    </a:p>
+                  </a:txBody>
+                  <a:tcPr marL="45720" marR="45720" horzOverflow="overflow"/>
+                </a:tc>
+                <a:tc>
+                  <a:txBody>
+                    <a:bodyPr/>
+                    <a:lstStyle/>
+                    <a:p>
+                      <a:pPr algn="l">
+                        <a:defRPr sz="1800"/>
+                      </a:pPr>
+                      <a:r>
+                        <a:rPr sz="1600"/>
+                        <a:t>Jack D’Aurizio</a:t>
+                      </a:r>
+                    </a:p>
+                  </a:txBody>
+                  <a:tcPr marL="45720" marR="45720" horzOverflow="overflow"/>
+                </a:tc>
+                <a:tc>
+                  <a:txBody>
+                    <a:bodyPr/>
+                    <a:lstStyle/>
+                    <a:p>
+                      <a:pPr algn="l">
+                        <a:defRPr sz="1800"/>
+                      </a:pPr>
+                      <a:r>
+                        <a:rPr sz="1600"/>
+                        <a:t>Blue</a:t>
+                      </a:r>
+                    </a:p>
+                  </a:txBody>
+                  <a:tcPr marL="45720" marR="45720" horzOverflow="overflow"/>
+                </a:tc>
+              </a:tr>
+              <a:tr h="345440">
+                <a:tc>
+                  <a:txBody>
+                    <a:bodyPr/>
+                    <a:lstStyle/>
+                    <a:p>
+                      <a:pPr algn="l">
+                        <a:defRPr sz="1800"/>
+                      </a:pPr>
+                      <a:r>
+                        <a:rPr sz="1600"/>
+                        <a:t>8</a:t>
+                      </a:r>
+                    </a:p>
+                  </a:txBody>
+                  <a:tcPr marL="45720" marR="45720" horzOverflow="overflow"/>
+                </a:tc>
+                <a:tc>
+                  <a:txBody>
+                    <a:bodyPr/>
+                    <a:lstStyle/>
+                    <a:p>
+                      <a:pPr algn="l">
+                        <a:defRPr sz="1800"/>
+                      </a:pPr>
+                      <a:r>
+                        <a:rPr sz="1600"/>
+                        <a:t>Robjohn</a:t>
+                      </a:r>
+                    </a:p>
+                  </a:txBody>
+                  <a:tcPr marL="45720" marR="45720" horzOverflow="overflow"/>
+                </a:tc>
+                <a:tc>
+                  <a:txBody>
+                    <a:bodyPr/>
+                    <a:lstStyle/>
+                    <a:p>
+                      <a:pPr algn="l">
+                        <a:defRPr sz="1800"/>
+                      </a:pPr>
+                      <a:r>
+                        <a:rPr sz="1600"/>
+                        <a:t>Joriki</a:t>
+                      </a:r>
+                    </a:p>
+                  </a:txBody>
+                  <a:tcPr marL="45720" marR="45720" horzOverflow="overflow"/>
+                </a:tc>
+                <a:tc>
+                  <a:txBody>
+                    <a:bodyPr/>
+                    <a:lstStyle/>
+                    <a:p>
+                      <a:pPr algn="l">
+                        <a:defRPr sz="1800"/>
+                      </a:pPr>
+                      <a:r>
+                        <a:rPr sz="1600"/>
+                        <a:t>Gerry Myerson</a:t>
+                      </a:r>
+                    </a:p>
+                  </a:txBody>
+                  <a:tcPr marL="45720" marR="45720" horzOverflow="overflow"/>
+                </a:tc>
+                <a:tc>
+                  <a:txBody>
+                    <a:bodyPr/>
+                    <a:lstStyle/>
+                    <a:p>
+                      <a:pPr algn="l">
+                        <a:defRPr sz="1800"/>
+                      </a:pPr>
+                      <a:r>
+                        <a:rPr sz="1600"/>
+                        <a:t>Joseph O’Rourke</a:t>
+                      </a:r>
+                    </a:p>
+                  </a:txBody>
+                  <a:tcPr marL="45720" marR="45720" horzOverflow="overflow"/>
+                </a:tc>
+                <a:tc>
+                  <a:txBody>
+                    <a:bodyPr/>
+                    <a:lstStyle/>
+                    <a:p>
+                      <a:pPr algn="l">
+                        <a:defRPr sz="1800"/>
+                      </a:pPr>
+                      <a:r>
+                        <a:rPr sz="1600"/>
+                        <a:t>Hagen von Eitzen</a:t>
+                      </a:r>
+                    </a:p>
+                  </a:txBody>
+                  <a:tcPr marL="45720" marR="45720" horzOverflow="overflow"/>
+                </a:tc>
+                <a:tc>
+                  <a:txBody>
+                    <a:bodyPr/>
+                    <a:lstStyle/>
+                    <a:p>
+                      <a:pPr algn="l">
+                        <a:defRPr sz="1800"/>
+                      </a:pPr>
+                      <a:r>
+                        <a:rPr sz="1600"/>
+                        <a:t>Jack D’Aurisio</a:t>
+                      </a:r>
+                    </a:p>
+                  </a:txBody>
+                  <a:tcPr marL="45720" marR="45720" horzOverflow="overflow"/>
+                </a:tc>
+              </a:tr>
+              <a:tr h="345440">
+                <a:tc>
+                  <a:txBody>
+                    <a:bodyPr/>
+                    <a:lstStyle/>
+                    <a:p>
+                      <a:pPr algn="l">
+                        <a:defRPr sz="1800"/>
+                      </a:pPr>
+                      <a:r>
+                        <a:rPr sz="1600"/>
+                        <a:t>9</a:t>
+                      </a:r>
+                    </a:p>
+                  </a:txBody>
+                  <a:tcPr marL="45720" marR="45720" horzOverflow="overflow"/>
+                </a:tc>
+                <a:tc>
+                  <a:txBody>
+                    <a:bodyPr/>
+                    <a:lstStyle/>
+                    <a:p>
+                      <a:pPr algn="l">
+                        <a:defRPr sz="1800"/>
+                      </a:pPr>
+                      <a:r>
+                        <a:rPr sz="1600"/>
+                        <a:t>Ross Millikan</a:t>
+                      </a:r>
+                    </a:p>
+                  </a:txBody>
+                  <a:tcPr marL="45720" marR="45720" horzOverflow="overflow"/>
+                </a:tc>
+                <a:tc>
+                  <a:txBody>
+                    <a:bodyPr/>
+                    <a:lstStyle/>
+                    <a:p>
+                      <a:pPr algn="l">
+                        <a:defRPr sz="1800"/>
+                      </a:pPr>
+                      <a:r>
+                        <a:rPr sz="1600"/>
+                        <a:t>Mick</a:t>
+                      </a:r>
+                    </a:p>
+                  </a:txBody>
+                  <a:tcPr marL="45720" marR="45720" horzOverflow="overflow"/>
+                </a:tc>
+                <a:tc>
+                  <a:txBody>
+                    <a:bodyPr/>
+                    <a:lstStyle/>
+                    <a:p>
+                      <a:pPr algn="l">
+                        <a:defRPr sz="1800"/>
+                      </a:pPr>
+                      <a:r>
+                        <a:rPr sz="1600"/>
+                        <a:t>Guess who it is.</a:t>
+                      </a:r>
+                    </a:p>
+                  </a:txBody>
+                  <a:tcPr marL="45720" marR="45720" horzOverflow="overflow"/>
+                </a:tc>
+                <a:tc>
+                  <a:txBody>
+                    <a:bodyPr/>
+                    <a:lstStyle/>
+                    <a:p>
+                      <a:pPr algn="l">
+                        <a:defRPr sz="1800"/>
+                      </a:pPr>
+                      <a:r>
+                        <a:rPr sz="1600"/>
+                        <a:t>Bubba</a:t>
+                      </a:r>
+                    </a:p>
+                  </a:txBody>
+                  <a:tcPr marL="45720" marR="45720" horzOverflow="overflow"/>
+                </a:tc>
+                <a:tc>
+                  <a:txBody>
+                    <a:bodyPr/>
+                    <a:lstStyle/>
+                    <a:p>
+                      <a:pPr algn="l">
+                        <a:defRPr sz="1800"/>
+                      </a:pPr>
+                      <a:r>
+                        <a:rPr sz="1600"/>
+                        <a:t>Bubba</a:t>
+                      </a:r>
+                    </a:p>
+                  </a:txBody>
+                  <a:tcPr marL="45720" marR="45720" horzOverflow="overflow"/>
+                </a:tc>
+                <a:tc>
+                  <a:txBody>
+                    <a:bodyPr/>
+                    <a:lstStyle/>
+                    <a:p>
+                      <a:pPr algn="l">
+                        <a:defRPr sz="1800"/>
+                      </a:pPr>
+                      <a:r>
+                        <a:rPr sz="1600"/>
+                        <a:t>MvG</a:t>
+                      </a:r>
+                    </a:p>
+                  </a:txBody>
+                  <a:tcPr marL="45720" marR="45720" horzOverflow="overflow"/>
+                </a:tc>
+              </a:tr>
+              <a:tr h="345440">
+                <a:tc>
+                  <a:txBody>
+                    <a:bodyPr/>
+                    <a:lstStyle/>
+                    <a:p>
+                      <a:pPr algn="l">
+                        <a:defRPr sz="1800"/>
+                      </a:pPr>
+                      <a:r>
+                        <a:rPr sz="1600"/>
+                        <a:t>10</a:t>
+                      </a:r>
+                    </a:p>
+                  </a:txBody>
+                  <a:tcPr marL="45720" marR="45720" horzOverflow="overflow"/>
+                </a:tc>
+                <a:tc>
+                  <a:txBody>
+                    <a:bodyPr/>
+                    <a:lstStyle/>
+                    <a:p>
+                      <a:pPr algn="l">
+                        <a:defRPr sz="1800"/>
+                      </a:pPr>
+                      <a:r>
+                        <a:rPr sz="1600" dirty="0"/>
+                        <a:t>Bill Dubuque</a:t>
+                      </a:r>
+                    </a:p>
+                  </a:txBody>
+                  <a:tcPr marL="45720" marR="45720" horzOverflow="overflow"/>
+                </a:tc>
+                <a:tc>
+                  <a:txBody>
+                    <a:bodyPr/>
+                    <a:lstStyle/>
+                    <a:p>
+                      <a:pPr algn="l">
+                        <a:defRPr sz="1800"/>
+                      </a:pPr>
+                      <a:r>
+                        <a:rPr sz="1600"/>
+                        <a:t>Lab bhatta…</a:t>
+                      </a:r>
+                    </a:p>
+                  </a:txBody>
+                  <a:tcPr marL="45720" marR="45720" horzOverflow="overflow"/>
+                </a:tc>
+                <a:tc>
+                  <a:txBody>
+                    <a:bodyPr/>
+                    <a:lstStyle/>
+                    <a:p>
+                      <a:pPr algn="l">
+                        <a:defRPr sz="1800"/>
+                      </a:pPr>
+                      <a:r>
+                        <a:rPr sz="1600"/>
+                        <a:t>Christian Blatter</a:t>
+                      </a:r>
+                    </a:p>
+                  </a:txBody>
+                  <a:tcPr marL="45720" marR="45720" horzOverflow="overflow"/>
+                </a:tc>
+                <a:tc>
+                  <a:txBody>
+                    <a:bodyPr/>
+                    <a:lstStyle/>
+                    <a:p>
+                      <a:pPr algn="l">
+                        <a:defRPr sz="1800"/>
+                      </a:pPr>
+                      <a:r>
+                        <a:rPr sz="1600"/>
+                        <a:t>Jack D/Aurizio</a:t>
+                      </a:r>
+                    </a:p>
+                  </a:txBody>
+                  <a:tcPr marL="45720" marR="45720" horzOverflow="overflow"/>
+                </a:tc>
+                <a:tc>
+                  <a:txBody>
+                    <a:bodyPr/>
+                    <a:lstStyle/>
+                    <a:p>
+                      <a:pPr algn="l">
+                        <a:defRPr sz="1800"/>
+                      </a:pPr>
+                      <a:r>
+                        <a:rPr sz="1600"/>
+                        <a:t>Harasimham</a:t>
+                      </a:r>
+                    </a:p>
+                  </a:txBody>
+                  <a:tcPr marL="45720" marR="45720" horzOverflow="overflow"/>
+                </a:tc>
+                <a:tc>
+                  <a:txBody>
+                    <a:bodyPr/>
+                    <a:lstStyle/>
+                    <a:p>
+                      <a:pPr algn="l">
+                        <a:defRPr sz="1800"/>
+                      </a:pPr>
+                      <a:r>
+                        <a:rPr sz="1600" dirty="0"/>
+                        <a:t>Robert Isreal</a:t>
+                      </a:r>
+                    </a:p>
+                  </a:txBody>
+                  <a:tcPr marL="45720" marR="45720" horzOverflow="overflow"/>
+                </a:tc>
+              </a:tr>
+            </a:tbl>
+          </a:graphicData>
+        </a:graphic>
+      </p:graphicFrame>
+      <p:sp>
+        <p:nvSpPr>
+          <p:cNvPr id="124" name="Shape 124"/>
+          <p:cNvSpPr/>
+          <p:nvPr/>
+        </p:nvSpPr>
+        <p:spPr>
+          <a:xfrm>
+            <a:off x="11033061" y="17395083"/>
+            <a:ext cx="10505145" cy="707886"/>
+          </a:xfrm>
+          <a:prstGeom prst="rect">
+            <a:avLst/>
+          </a:prstGeom>
+          <a:ln w="12700">
+            <a:miter lim="400000"/>
+          </a:ln>
+          <a:extLst>
+            <a:ext uri="{C572A759-6A51-4108-AA02-DFA0A04FC94B}">
+              <ma14:wrappingTextBoxFlag xmlns:ma14="http://schemas.microsoft.com/office/mac/drawingml/2011/main" val="1"/>
+            </a:ext>
+          </a:extLst>
+        </p:spPr>
+        <p:txBody>
+          <a:bodyPr wrap="square" lIns="45719" rIns="45719">
+            <a:spAutoFit/>
+          </a:bodyPr>
+          <a:lstStyle>
+            <a:lvl1pPr algn="ctr">
+              <a:defRPr sz="3000"/>
+            </a:lvl1pPr>
+          </a:lstStyle>
+          <a:p>
+            <a:pPr algn="l"/>
+            <a:r>
+              <a:rPr lang="en-US" sz="2000" b="1" dirty="0" smtClean="0"/>
+              <a:t>Figure 3.</a:t>
+            </a:r>
+            <a:r>
+              <a:rPr lang="en-US" sz="2000" dirty="0" smtClean="0"/>
+              <a:t> </a:t>
+            </a:r>
+            <a:r>
+              <a:rPr sz="2000" dirty="0" smtClean="0"/>
+              <a:t>Given </a:t>
+            </a:r>
+            <a:r>
+              <a:rPr sz="2000" dirty="0"/>
+              <a:t>the silhouette values of 0.973 for 2 clusters, 0.959 for 3 cluster, 0.911 for 4 clusters, and 0.887 for 5 clusters, the peak clustering number is at 2 clusters. </a:t>
+            </a:r>
+          </a:p>
+        </p:txBody>
+      </p:sp>
+      <p:sp>
+        <p:nvSpPr>
+          <p:cNvPr id="126" name="Shape 126"/>
+          <p:cNvSpPr/>
+          <p:nvPr/>
+        </p:nvSpPr>
+        <p:spPr>
+          <a:xfrm>
+            <a:off x="378243" y="25721826"/>
+            <a:ext cx="10483373" cy="553998"/>
+          </a:xfrm>
+          <a:prstGeom prst="rect">
+            <a:avLst/>
+          </a:prstGeom>
+          <a:ln w="12700">
+            <a:miter lim="400000"/>
+          </a:ln>
+          <a:extLst>
+            <a:ext uri="{C572A759-6A51-4108-AA02-DFA0A04FC94B}">
+              <ma14:wrappingTextBoxFlag xmlns:ma14="http://schemas.microsoft.com/office/mac/drawingml/2011/main" val="1"/>
+            </a:ext>
+          </a:extLst>
+        </p:spPr>
+        <p:txBody>
+          <a:bodyPr wrap="square" lIns="45719" rIns="45719">
+            <a:spAutoFit/>
+          </a:bodyPr>
+          <a:lstStyle>
+            <a:lvl1pPr algn="ctr">
+              <a:defRPr sz="3000"/>
+            </a:lvl1pPr>
+          </a:lstStyle>
+          <a:p>
+            <a:pPr algn="l"/>
+            <a:endParaRPr dirty="0"/>
+          </a:p>
+        </p:txBody>
+      </p:sp>
+      <p:sp>
+        <p:nvSpPr>
+          <p:cNvPr id="24" name="Rectangle 23"/>
+          <p:cNvSpPr/>
+          <p:nvPr/>
+        </p:nvSpPr>
+        <p:spPr>
+          <a:xfrm>
+            <a:off x="10949203" y="18102969"/>
+            <a:ext cx="10501419" cy="677108"/>
+          </a:xfrm>
+          <a:prstGeom prst="rect">
+            <a:avLst/>
+          </a:prstGeom>
+        </p:spPr>
+        <p:txBody>
+          <a:bodyPr wrap="square">
+            <a:spAutoFit/>
+          </a:bodyPr>
+          <a:lstStyle/>
+          <a:p>
+            <a:pPr algn="ctr"/>
+            <a:r>
+              <a:rPr lang="en-US" sz="3800" dirty="0" smtClean="0"/>
+              <a:t>3.4. Supervised Learning</a:t>
+            </a:r>
+          </a:p>
+        </p:txBody>
+      </p:sp>
+      <p:graphicFrame>
+        <p:nvGraphicFramePr>
+          <p:cNvPr id="25" name="Table 24"/>
+          <p:cNvGraphicFramePr>
+            <a:graphicFrameLocks noGrp="1"/>
+          </p:cNvGraphicFramePr>
+          <p:nvPr>
+            <p:extLst>
+              <p:ext uri="{D42A27DB-BD31-4B8C-83A1-F6EECF244321}">
+                <p14:modId xmlns:p14="http://schemas.microsoft.com/office/powerpoint/2010/main" val="2165751055"/>
+              </p:ext>
+            </p:extLst>
+          </p:nvPr>
+        </p:nvGraphicFramePr>
+        <p:xfrm>
+          <a:off x="11033061" y="24637873"/>
+          <a:ext cx="10417560" cy="1188720"/>
+        </p:xfrm>
+        <a:graphic>
+          <a:graphicData uri="http://schemas.openxmlformats.org/drawingml/2006/table">
+            <a:tbl>
+              <a:tblPr firstRow="1" bandRow="1">
+                <a:tableStyleId>{69CF1AB2-1976-4502-BF36-3FF5EA218861}</a:tableStyleId>
+              </a:tblPr>
+              <a:tblGrid>
+                <a:gridCol w="2604390"/>
+                <a:gridCol w="2604390"/>
+                <a:gridCol w="2604390"/>
+                <a:gridCol w="2604390"/>
+              </a:tblGrid>
+              <a:tr h="370840">
+                <a:tc>
+                  <a:txBody>
+                    <a:bodyPr/>
+                    <a:lstStyle/>
+                    <a:p>
+                      <a:r>
+                        <a:rPr lang="en-US" sz="2000" dirty="0" smtClean="0">
+                          <a:latin typeface="Courier New"/>
+                          <a:cs typeface="Courier New"/>
+                        </a:rPr>
+                        <a:t>Models</a:t>
+                      </a:r>
+                      <a:endParaRPr lang="en-US" sz="2000" dirty="0">
+                        <a:latin typeface="Courier New"/>
+                        <a:cs typeface="Courier New"/>
+                      </a:endParaRPr>
+                    </a:p>
+                  </a:txBody>
+                  <a:tcPr/>
+                </a:tc>
+                <a:tc>
+                  <a:txBody>
+                    <a:bodyPr/>
+                    <a:lstStyle/>
+                    <a:p>
+                      <a:r>
+                        <a:rPr lang="en-US" sz="2000" dirty="0" smtClean="0">
+                          <a:latin typeface="Courier New"/>
+                          <a:cs typeface="Courier New"/>
+                        </a:rPr>
+                        <a:t>Linear</a:t>
+                      </a:r>
+                      <a:endParaRPr lang="en-US" sz="2000" dirty="0">
+                        <a:latin typeface="Courier New"/>
+                        <a:cs typeface="Courier New"/>
+                      </a:endParaRPr>
+                    </a:p>
+                  </a:txBody>
+                  <a:tcPr/>
+                </a:tc>
+                <a:tc>
+                  <a:txBody>
+                    <a:bodyPr/>
+                    <a:lstStyle/>
+                    <a:p>
+                      <a:r>
+                        <a:rPr lang="en-US" sz="2000" dirty="0" smtClean="0">
+                          <a:latin typeface="Courier New"/>
+                          <a:cs typeface="Courier New"/>
+                        </a:rPr>
+                        <a:t>Ridge</a:t>
+                      </a:r>
+                      <a:r>
+                        <a:rPr lang="en-US" sz="2000" baseline="0" dirty="0" smtClean="0">
+                          <a:latin typeface="Courier New"/>
+                          <a:cs typeface="Courier New"/>
+                        </a:rPr>
+                        <a:t> Linear</a:t>
+                      </a:r>
+                      <a:endParaRPr lang="en-US" sz="2000" dirty="0">
+                        <a:latin typeface="Courier New"/>
+                        <a:cs typeface="Courier New"/>
+                      </a:endParaRPr>
+                    </a:p>
+                  </a:txBody>
+                  <a:tcPr/>
+                </a:tc>
+                <a:tc>
+                  <a:txBody>
+                    <a:bodyPr/>
+                    <a:lstStyle/>
+                    <a:p>
+                      <a:r>
+                        <a:rPr lang="en-US" sz="2000" dirty="0" smtClean="0">
+                          <a:latin typeface="Courier New"/>
+                          <a:cs typeface="Courier New"/>
+                        </a:rPr>
+                        <a:t>Testing</a:t>
+                      </a:r>
+                      <a:r>
+                        <a:rPr lang="en-US" sz="2000" baseline="0" dirty="0" smtClean="0">
+                          <a:latin typeface="Courier New"/>
+                          <a:cs typeface="Courier New"/>
+                        </a:rPr>
+                        <a:t> Error</a:t>
+                      </a:r>
+                      <a:endParaRPr lang="en-US" sz="2000" dirty="0">
+                        <a:latin typeface="Courier New"/>
+                        <a:cs typeface="Courier New"/>
+                      </a:endParaRPr>
+                    </a:p>
+                  </a:txBody>
+                  <a:tcPr/>
+                </a:tc>
+              </a:tr>
+              <a:tr h="370840">
+                <a:tc>
+                  <a:txBody>
+                    <a:bodyPr/>
+                    <a:lstStyle/>
+                    <a:p>
+                      <a:r>
+                        <a:rPr lang="en-US" sz="2000" dirty="0" smtClean="0">
+                          <a:latin typeface="Courier New"/>
+                          <a:cs typeface="Courier New"/>
+                        </a:rPr>
+                        <a:t>Training Error</a:t>
+                      </a:r>
+                      <a:endParaRPr lang="en-US" sz="2000" dirty="0">
+                        <a:latin typeface="Courier New"/>
+                        <a:cs typeface="Courier New"/>
+                      </a:endParaRPr>
+                    </a:p>
+                  </a:txBody>
+                  <a:tcPr/>
+                </a:tc>
+                <a:tc>
+                  <a:txBody>
+                    <a:bodyPr/>
+                    <a:lstStyle/>
+                    <a:p>
+                      <a:r>
+                        <a:rPr lang="en-US" sz="2000" dirty="0" smtClean="0">
+                          <a:latin typeface="Courier New"/>
+                          <a:cs typeface="Courier New"/>
+                        </a:rPr>
+                        <a:t>7.20</a:t>
+                      </a:r>
+                      <a:endParaRPr lang="en-US" sz="2000" dirty="0">
+                        <a:latin typeface="Courier New"/>
+                        <a:cs typeface="Courier New"/>
+                      </a:endParaRPr>
+                    </a:p>
+                  </a:txBody>
+                  <a:tcPr/>
+                </a:tc>
+                <a:tc>
+                  <a:txBody>
+                    <a:bodyPr/>
+                    <a:lstStyle/>
+                    <a:p>
+                      <a:r>
+                        <a:rPr lang="en-US" sz="2000" dirty="0" smtClean="0">
+                          <a:latin typeface="Courier New"/>
+                          <a:cs typeface="Courier New"/>
+                        </a:rPr>
+                        <a:t>7.21</a:t>
+                      </a:r>
+                      <a:endParaRPr lang="en-US" sz="2000" dirty="0">
+                        <a:latin typeface="Courier New"/>
+                        <a:cs typeface="Courier New"/>
+                      </a:endParaRPr>
+                    </a:p>
+                  </a:txBody>
+                  <a:tcPr/>
+                </a:tc>
+                <a:tc>
+                  <a:txBody>
+                    <a:bodyPr/>
+                    <a:lstStyle/>
+                    <a:p>
+                      <a:r>
+                        <a:rPr lang="en-US" sz="2000" dirty="0" smtClean="0">
+                          <a:latin typeface="Courier New"/>
+                          <a:cs typeface="Courier New"/>
+                        </a:rPr>
+                        <a:t>2.25</a:t>
+                      </a:r>
+                      <a:endParaRPr lang="en-US" sz="2000" dirty="0">
+                        <a:latin typeface="Courier New"/>
+                        <a:cs typeface="Courier New"/>
+                      </a:endParaRPr>
+                    </a:p>
+                  </a:txBody>
+                  <a:tcPr/>
+                </a:tc>
+              </a:tr>
+              <a:tr h="370840">
+                <a:tc>
+                  <a:txBody>
+                    <a:bodyPr/>
+                    <a:lstStyle/>
+                    <a:p>
+                      <a:r>
+                        <a:rPr lang="en-US" sz="2000" dirty="0" smtClean="0">
+                          <a:latin typeface="Courier New"/>
+                          <a:cs typeface="Courier New"/>
+                        </a:rPr>
+                        <a:t>Testing</a:t>
+                      </a:r>
+                      <a:r>
+                        <a:rPr lang="en-US" sz="2000" baseline="0" dirty="0" smtClean="0">
+                          <a:latin typeface="Courier New"/>
+                          <a:cs typeface="Courier New"/>
+                        </a:rPr>
+                        <a:t> Error</a:t>
+                      </a:r>
+                      <a:endParaRPr lang="en-US" sz="2000" dirty="0">
+                        <a:latin typeface="Courier New"/>
+                        <a:cs typeface="Courier New"/>
+                      </a:endParaRPr>
+                    </a:p>
+                  </a:txBody>
+                  <a:tcPr/>
+                </a:tc>
+                <a:tc>
+                  <a:txBody>
+                    <a:bodyPr/>
+                    <a:lstStyle/>
+                    <a:p>
+                      <a:r>
+                        <a:rPr lang="en-US" sz="2000" dirty="0" smtClean="0">
+                          <a:latin typeface="Courier New"/>
+                          <a:cs typeface="Courier New"/>
+                        </a:rPr>
+                        <a:t>8.74</a:t>
+                      </a:r>
+                      <a:endParaRPr lang="en-US" sz="2000" dirty="0">
+                        <a:latin typeface="Courier New"/>
+                        <a:cs typeface="Courier New"/>
+                      </a:endParaRPr>
+                    </a:p>
+                  </a:txBody>
+                  <a:tcPr/>
+                </a:tc>
+                <a:tc>
+                  <a:txBody>
+                    <a:bodyPr/>
+                    <a:lstStyle/>
+                    <a:p>
+                      <a:r>
+                        <a:rPr lang="en-US" sz="2000" dirty="0" smtClean="0">
+                          <a:latin typeface="Courier New"/>
+                          <a:cs typeface="Courier New"/>
+                        </a:rPr>
+                        <a:t>8.59</a:t>
+                      </a:r>
+                      <a:endParaRPr lang="en-US" sz="2000" dirty="0">
+                        <a:latin typeface="Courier New"/>
+                        <a:cs typeface="Courier New"/>
+                      </a:endParaRPr>
+                    </a:p>
+                  </a:txBody>
+                  <a:tcPr/>
+                </a:tc>
+                <a:tc>
+                  <a:txBody>
+                    <a:bodyPr/>
+                    <a:lstStyle/>
+                    <a:p>
+                      <a:r>
+                        <a:rPr lang="en-US" sz="2000" dirty="0" smtClean="0">
+                          <a:latin typeface="Courier New"/>
+                          <a:cs typeface="Courier New"/>
+                        </a:rPr>
+                        <a:t>9.02</a:t>
+                      </a:r>
+                      <a:endParaRPr lang="en-US" sz="2000" dirty="0">
+                        <a:latin typeface="Courier New"/>
+                        <a:cs typeface="Courier New"/>
+                      </a:endParaRPr>
+                    </a:p>
+                  </a:txBody>
+                  <a:tcPr/>
+                </a:tc>
+              </a:tr>
+            </a:tbl>
+          </a:graphicData>
+        </a:graphic>
+      </p:graphicFrame>
+      <p:pic>
+        <p:nvPicPr>
+          <p:cNvPr id="26" name="Picture 25"/>
+          <p:cNvPicPr>
+            <a:picLocks noChangeAspect="1"/>
+          </p:cNvPicPr>
+          <p:nvPr/>
+        </p:nvPicPr>
+        <p:blipFill>
+          <a:blip r:embed="rId4"/>
+          <a:stretch>
+            <a:fillRect/>
+          </a:stretch>
+        </p:blipFill>
+        <p:spPr>
+          <a:xfrm>
+            <a:off x="15025635" y="18687152"/>
+            <a:ext cx="6424987" cy="5163448"/>
+          </a:xfrm>
+          <a:prstGeom prst="rect">
+            <a:avLst/>
+          </a:prstGeom>
+        </p:spPr>
+      </p:pic>
+      <p:sp>
+        <p:nvSpPr>
+          <p:cNvPr id="27" name="Rectangle 26"/>
+          <p:cNvSpPr/>
+          <p:nvPr/>
+        </p:nvSpPr>
+        <p:spPr>
+          <a:xfrm>
+            <a:off x="10977234" y="18679904"/>
+            <a:ext cx="4386235" cy="5632311"/>
+          </a:xfrm>
+          <a:prstGeom prst="rect">
+            <a:avLst/>
+          </a:prstGeom>
+        </p:spPr>
+        <p:txBody>
+          <a:bodyPr wrap="square">
+            <a:spAutoFit/>
+          </a:bodyPr>
+          <a:lstStyle/>
+          <a:p>
+            <a:r>
+              <a:rPr lang="en-US" sz="3000" dirty="0" smtClean="0"/>
+              <a:t>Ten </a:t>
+            </a:r>
+            <a:r>
+              <a:rPr lang="en-US" sz="3000" dirty="0"/>
+              <a:t>fold cross validation is our training and testing framework. We minimize </a:t>
+            </a:r>
+            <a:r>
+              <a:rPr lang="en-US" sz="3000" dirty="0" smtClean="0"/>
+              <a:t>RMS error. Ridge Linear Regression performed best in test. Given reputation scores 1-100k+, the </a:t>
+            </a:r>
+            <a:r>
+              <a:rPr lang="en-US" sz="3000" dirty="0" err="1" smtClean="0"/>
+              <a:t>regressor</a:t>
+            </a:r>
+            <a:r>
+              <a:rPr lang="en-US" sz="3000" dirty="0" smtClean="0"/>
+              <a:t> performs quite well. We also do correlation analysis to examine the most predictive features.</a:t>
+            </a:r>
+            <a:endParaRPr lang="en-US" sz="3000" dirty="0"/>
+          </a:p>
+        </p:txBody>
+      </p:sp>
+      <p:sp>
+        <p:nvSpPr>
+          <p:cNvPr id="28" name="Shape 124"/>
+          <p:cNvSpPr/>
+          <p:nvPr/>
+        </p:nvSpPr>
+        <p:spPr>
+          <a:xfrm>
+            <a:off x="15794464" y="23622210"/>
+            <a:ext cx="5656157" cy="1015663"/>
+          </a:xfrm>
+          <a:prstGeom prst="rect">
+            <a:avLst/>
+          </a:prstGeom>
+          <a:ln w="12700">
+            <a:miter lim="400000"/>
+          </a:ln>
+          <a:extLst>
+            <a:ext uri="{C572A759-6A51-4108-AA02-DFA0A04FC94B}">
+              <ma14:wrappingTextBoxFlag xmlns:ma14="http://schemas.microsoft.com/office/mac/drawingml/2011/main" val="1"/>
+            </a:ext>
+          </a:extLst>
+        </p:spPr>
+        <p:txBody>
+          <a:bodyPr wrap="square" lIns="45719" rIns="45719">
+            <a:spAutoFit/>
+          </a:bodyPr>
+          <a:lstStyle>
+            <a:lvl1pPr algn="ctr">
+              <a:defRPr sz="3000"/>
+            </a:lvl1pPr>
+          </a:lstStyle>
+          <a:p>
+            <a:pPr algn="l"/>
+            <a:r>
+              <a:rPr lang="en-US" sz="2000" b="1" dirty="0" smtClean="0"/>
+              <a:t>Figure 4.</a:t>
+            </a:r>
+            <a:r>
+              <a:rPr lang="en-US" sz="2000" dirty="0" smtClean="0"/>
+              <a:t> Correlation </a:t>
+            </a:r>
+            <a:r>
+              <a:rPr lang="en-US" sz="2000" dirty="0" err="1" smtClean="0"/>
+              <a:t>matrixamong</a:t>
+            </a:r>
+            <a:r>
+              <a:rPr lang="en-US" sz="2000" dirty="0" smtClean="0"/>
+              <a:t> various network level features, </a:t>
+            </a:r>
+            <a:r>
+              <a:rPr lang="en-US" sz="2000" dirty="0" err="1" smtClean="0"/>
+              <a:t>StackExchange</a:t>
+            </a:r>
+            <a:r>
+              <a:rPr lang="en-US" sz="2000" dirty="0" smtClean="0"/>
+              <a:t> constructed features, and the reputation score.</a:t>
+            </a:r>
+            <a:endParaRPr sz="2000" dirty="0"/>
+          </a:p>
+        </p:txBody>
+      </p:sp>
+      <p:sp>
+        <p:nvSpPr>
+          <p:cNvPr id="29" name="Shape 124"/>
+          <p:cNvSpPr/>
+          <p:nvPr/>
+        </p:nvSpPr>
+        <p:spPr>
+          <a:xfrm>
+            <a:off x="11033061" y="25826593"/>
+            <a:ext cx="10417561" cy="707886"/>
+          </a:xfrm>
+          <a:prstGeom prst="rect">
+            <a:avLst/>
+          </a:prstGeom>
+          <a:ln w="12700">
+            <a:miter lim="400000"/>
+          </a:ln>
+          <a:extLst>
+            <a:ext uri="{C572A759-6A51-4108-AA02-DFA0A04FC94B}">
+              <ma14:wrappingTextBoxFlag xmlns:ma14="http://schemas.microsoft.com/office/mac/drawingml/2011/main" val="1"/>
+            </a:ext>
+          </a:extLst>
+        </p:spPr>
+        <p:txBody>
+          <a:bodyPr wrap="square" lIns="45719" rIns="45719">
+            <a:spAutoFit/>
+          </a:bodyPr>
+          <a:lstStyle>
+            <a:lvl1pPr algn="ctr">
+              <a:defRPr sz="3000"/>
+            </a:lvl1pPr>
+          </a:lstStyle>
+          <a:p>
+            <a:pPr algn="l"/>
+            <a:r>
+              <a:rPr lang="en-US" sz="2000" b="1" dirty="0" smtClean="0"/>
+              <a:t>Table 2.</a:t>
+            </a:r>
+            <a:r>
+              <a:rPr lang="en-US" sz="2000" dirty="0" smtClean="0"/>
+              <a:t> Summary of supervised learning models and their respective training and testing set errors, where we train and test with 10k examples through cross validation.</a:t>
+            </a:r>
+            <a:endParaRPr sz="2000" dirty="0"/>
+          </a:p>
+        </p:txBody>
+      </p:sp>
+      <p:sp>
+        <p:nvSpPr>
+          <p:cNvPr id="30" name="Shape 124"/>
+          <p:cNvSpPr/>
+          <p:nvPr/>
+        </p:nvSpPr>
+        <p:spPr>
+          <a:xfrm>
+            <a:off x="395691" y="25308026"/>
+            <a:ext cx="10417561" cy="1631216"/>
+          </a:xfrm>
+          <a:prstGeom prst="rect">
+            <a:avLst/>
+          </a:prstGeom>
+          <a:ln w="12700">
+            <a:miter lim="400000"/>
+          </a:ln>
+          <a:extLst>
+            <a:ext uri="{C572A759-6A51-4108-AA02-DFA0A04FC94B}">
+              <ma14:wrappingTextBoxFlag xmlns:ma14="http://schemas.microsoft.com/office/mac/drawingml/2011/main" val="1"/>
+            </a:ext>
+          </a:extLst>
+        </p:spPr>
+        <p:txBody>
+          <a:bodyPr wrap="square" lIns="45719" rIns="45719">
+            <a:spAutoFit/>
+          </a:bodyPr>
+          <a:lstStyle>
+            <a:lvl1pPr algn="ctr">
+              <a:defRPr sz="3000"/>
+            </a:lvl1pPr>
+          </a:lstStyle>
+          <a:p>
+            <a:pPr algn="l"/>
+            <a:r>
+              <a:rPr lang="en-US" sz="2000" b="1" dirty="0" smtClean="0"/>
+              <a:t>Table 1. TODO</a:t>
+            </a:r>
+            <a:r>
+              <a:rPr lang="en-US" sz="2000" dirty="0"/>
+              <a:t> </a:t>
+            </a:r>
+            <a:r>
+              <a:rPr lang="en-US" sz="2000" dirty="0" smtClean="0"/>
+              <a:t>These heuristic functions were developed through the User Graph specific to Geometry. This allows us to focus attention on expertise in the Geometry domain. Note these functions </a:t>
+            </a:r>
+            <a:r>
+              <a:rPr lang="en-US" sz="2000" dirty="0"/>
+              <a:t>had low Spearman Rank correlation to the baseline (0.0545), while they had high Spearman Rank correlation to each other (0.412).</a:t>
+            </a:r>
+          </a:p>
+          <a:p>
+            <a:pPr algn="l"/>
+            <a:endParaRPr sz="2000" dirty="0"/>
+          </a:p>
+        </p:txBody>
+      </p:sp>
+      <p:sp>
+        <p:nvSpPr>
+          <p:cNvPr id="34" name="Shape 124"/>
+          <p:cNvSpPr/>
+          <p:nvPr/>
+        </p:nvSpPr>
+        <p:spPr>
+          <a:xfrm>
+            <a:off x="502743" y="17395083"/>
+            <a:ext cx="10002401" cy="707886"/>
+          </a:xfrm>
+          <a:prstGeom prst="rect">
+            <a:avLst/>
+          </a:prstGeom>
+          <a:ln w="12700">
+            <a:miter lim="400000"/>
+          </a:ln>
+          <a:extLst>
+            <a:ext uri="{C572A759-6A51-4108-AA02-DFA0A04FC94B}">
+              <ma14:wrappingTextBoxFlag xmlns:ma14="http://schemas.microsoft.com/office/mac/drawingml/2011/main" val="1"/>
+            </a:ext>
+          </a:extLst>
+        </p:spPr>
+        <p:txBody>
+          <a:bodyPr wrap="square" lIns="45719" rIns="45719">
+            <a:spAutoFit/>
+          </a:bodyPr>
+          <a:lstStyle>
+            <a:lvl1pPr algn="ctr">
+              <a:defRPr sz="3000"/>
+            </a:lvl1pPr>
+          </a:lstStyle>
+          <a:p>
+            <a:pPr algn="l"/>
+            <a:r>
+              <a:rPr lang="en-US" sz="2000" b="1" dirty="0" smtClean="0"/>
+              <a:t>Figure 2.</a:t>
+            </a:r>
+            <a:r>
+              <a:rPr lang="en-US" sz="2000" dirty="0" smtClean="0"/>
+              <a:t> Triads were counted by assign a code each group of linked node sand then mapping those codes to the Triad ids on the left. Note Triad id 38 and id12 occur fairly frequently.</a:t>
+            </a:r>
+            <a:endParaRPr sz="2000" dirty="0"/>
+          </a:p>
+        </p:txBody>
+      </p:sp>
+      <p:pic>
+        <p:nvPicPr>
+          <p:cNvPr id="36" name="Picture 35"/>
+          <p:cNvPicPr>
+            <a:picLocks noChangeAspect="1"/>
+          </p:cNvPicPr>
+          <p:nvPr/>
+        </p:nvPicPr>
+        <p:blipFill rotWithShape="1">
+          <a:blip r:embed="rId5"/>
+          <a:srcRect l="9308" r="8885" b="26220"/>
+          <a:stretch/>
+        </p:blipFill>
+        <p:spPr>
+          <a:xfrm>
+            <a:off x="2565358" y="13412162"/>
+            <a:ext cx="6807895" cy="3837488"/>
+          </a:xfrm>
+          <a:prstGeom prst="rect">
+            <a:avLst/>
+          </a:prstGeom>
+        </p:spPr>
+      </p:pic>
+      <p:sp>
+        <p:nvSpPr>
+          <p:cNvPr id="37" name="Shape 110"/>
           <p:cNvSpPr/>
           <p:nvPr/>
         </p:nvSpPr>
@@ -2698,8 +5305,8 @@
             </a:lvl1pPr>
           </a:lstStyle>
           <a:p>
-            <a:pPr/>
-            <a:r>
+            <a:r>
+              <a:rPr dirty="0"/>
               <a:t>Dan Guo (dguo1113), Vani Khosla (vkhosla), Vignesh Venkataraman (viggy)</a:t>
             </a:r>
           </a:p>
@@ -2707,1932 +5314,14 @@
       </p:sp>
       <p:sp>
         <p:nvSpPr>
-          <p:cNvPr id="111" name="Shape 111"/>
+          <p:cNvPr id="38" name="Shape 109"/>
           <p:cNvSpPr/>
           <p:nvPr/>
         </p:nvSpPr>
         <p:spPr>
           <a:xfrm>
-            <a:off x="0" y="0"/>
-            <a:ext cx="21945600" cy="2163162"/>
-          </a:xfrm>
-          <a:prstGeom prst="rect">
-            <a:avLst/>
-          </a:prstGeom>
-          <a:ln w="76200">
-            <a:solidFill>
-              <a:srgbClr val="000000"/>
-            </a:solidFill>
-          </a:ln>
-        </p:spPr>
-        <p:txBody>
-          <a:bodyPr lIns="45719" rIns="45719"/>
-          <a:lstStyle/>
-          <a:p>
-            <a:pPr/>
-          </a:p>
-        </p:txBody>
-      </p:sp>
-      <p:sp>
-        <p:nvSpPr>
-          <p:cNvPr id="112" name="Shape 112"/>
-          <p:cNvSpPr/>
-          <p:nvPr/>
-        </p:nvSpPr>
-        <p:spPr>
-          <a:xfrm>
-            <a:off x="497920" y="2531259"/>
-            <a:ext cx="8683851" cy="5590541"/>
-          </a:xfrm>
-          <a:prstGeom prst="rect">
-            <a:avLst/>
-          </a:prstGeom>
-          <a:ln w="12700">
-            <a:miter lim="400000"/>
-          </a:ln>
-          <a:extLst>
-            <a:ext uri="{C572A759-6A51-4108-AA02-DFA0A04FC94B}">
-              <ma14:wrappingTextBoxFlag xmlns:ma14="http://schemas.microsoft.com/office/mac/drawingml/2011/main" val="1"/>
-            </a:ext>
-          </a:extLst>
-        </p:spPr>
-        <p:txBody>
-          <a:bodyPr lIns="45719" rIns="45719">
-            <a:spAutoFit/>
-          </a:bodyPr>
-          <a:lstStyle/>
-          <a:p>
-            <a:pPr algn="ctr">
-              <a:defRPr sz="4200" u="sng"/>
-            </a:pPr>
-            <a:r>
-              <a:t>1. Problem Statement</a:t>
-            </a:r>
-          </a:p>
-          <a:p>
-            <a:pPr>
-              <a:defRPr sz="3000"/>
-            </a:pPr>
-            <a:r>
-              <a:t>We aim to identify, understand, and designate experts and expertise within StackExchange data.</a:t>
-            </a:r>
-          </a:p>
-          <a:p>
-            <a:pPr>
-              <a:defRPr b="1" sz="3000"/>
-            </a:pPr>
-            <a:r>
-              <a:t>Key Goals:</a:t>
-            </a:r>
-          </a:p>
-          <a:p>
-            <a:pPr marL="300789" indent="-300789">
-              <a:buSzPct val="100000"/>
-              <a:buChar char="•"/>
-              <a:defRPr sz="3000"/>
-            </a:pPr>
-            <a:r>
-              <a:t>Analyze experts globally and over subsets of data to extract patterns and trends</a:t>
-            </a:r>
-          </a:p>
-          <a:p>
-            <a:pPr marL="300789" indent="-300789">
-              <a:buSzPct val="100000"/>
-              <a:buChar char="•"/>
-              <a:defRPr sz="3000"/>
-            </a:pPr>
-            <a:r>
-              <a:t>Better define experts and expertise, particularly in finely granular subdomains</a:t>
-            </a:r>
-          </a:p>
-          <a:p>
-            <a:pPr lvl="1" marL="681789" indent="-300789">
-              <a:buSzPct val="100000"/>
-              <a:buChar char="•"/>
-              <a:defRPr sz="3000"/>
-            </a:pPr>
-            <a:r>
-              <a:t>Help distribute and manage knowledge for an entire community</a:t>
-            </a:r>
-          </a:p>
-          <a:p>
-            <a:pPr marL="300789" indent="-300789">
-              <a:buSzPct val="100000"/>
-              <a:buChar char="•"/>
-              <a:defRPr sz="3000"/>
-            </a:pPr>
-            <a:r>
-              <a:t>Create credibility scores that supersede StackExchange’s global reputation catch-all</a:t>
-            </a:r>
-          </a:p>
-        </p:txBody>
-      </p:sp>
-      <p:sp>
-        <p:nvSpPr>
-          <p:cNvPr id="113" name="Shape 113"/>
-          <p:cNvSpPr/>
-          <p:nvPr/>
-        </p:nvSpPr>
-        <p:spPr>
-          <a:xfrm>
-            <a:off x="9198703" y="2505779"/>
-            <a:ext cx="12251919" cy="5146041"/>
-          </a:xfrm>
-          <a:prstGeom prst="rect">
-            <a:avLst/>
-          </a:prstGeom>
-          <a:ln w="12700">
-            <a:miter lim="400000"/>
-          </a:ln>
-          <a:extLst>
-            <a:ext uri="{C572A759-6A51-4108-AA02-DFA0A04FC94B}">
-              <ma14:wrappingTextBoxFlag xmlns:ma14="http://schemas.microsoft.com/office/mac/drawingml/2011/main" val="1"/>
-            </a:ext>
-          </a:extLst>
-        </p:spPr>
-        <p:txBody>
-          <a:bodyPr lIns="45719" rIns="45719">
-            <a:spAutoFit/>
-          </a:bodyPr>
-          <a:lstStyle/>
-          <a:p>
-            <a:pPr algn="ctr">
-              <a:defRPr sz="4200" u="sng"/>
-            </a:pPr>
-            <a:r>
-              <a:t>2. Datasets</a:t>
-            </a:r>
-          </a:p>
-          <a:p>
-            <a:pPr marL="685800" indent="-685800">
-              <a:buSzPct val="100000"/>
-              <a:buFont typeface="Arial"/>
-              <a:buChar char="•"/>
-              <a:defRPr sz="3000"/>
-            </a:pPr>
-            <a:r>
-              <a:t>The math subdomain of StackExchange, which has 560K Badges, 2M Comments, 1M Posts, 200K Users, and 4M votes.</a:t>
-            </a:r>
-          </a:p>
-          <a:p>
-            <a:pPr marL="685800" indent="-685800">
-              <a:buSzPct val="100000"/>
-              <a:buFont typeface="Arial"/>
-              <a:buChar char="•"/>
-              <a:defRPr sz="3000"/>
-            </a:pPr>
-          </a:p>
-          <a:p>
-            <a:pPr marL="685800" indent="-685800">
-              <a:buSzPct val="100000"/>
-              <a:buFont typeface="Arial"/>
-              <a:buChar char="•"/>
-              <a:defRPr sz="3000"/>
-            </a:pPr>
-          </a:p>
-          <a:p>
-            <a:pPr marL="685800" indent="-685800">
-              <a:buSzPct val="100000"/>
-              <a:buFont typeface="Arial"/>
-              <a:buChar char="•"/>
-              <a:defRPr sz="3000"/>
-            </a:pPr>
-          </a:p>
-          <a:p>
-            <a:pPr marL="685800" indent="-685800">
-              <a:buSzPct val="100000"/>
-              <a:buFont typeface="Arial"/>
-              <a:buChar char="•"/>
-              <a:defRPr sz="3000"/>
-            </a:pPr>
-          </a:p>
-          <a:p>
-            <a:pPr>
-              <a:defRPr sz="3000"/>
-            </a:pPr>
-          </a:p>
-          <a:p>
-            <a:pPr>
-              <a:defRPr sz="3000"/>
-            </a:pPr>
-          </a:p>
-          <a:p>
-            <a:pPr marL="685800" indent="-685800">
-              <a:buSzPct val="100000"/>
-              <a:buFont typeface="Arial"/>
-              <a:buChar char="•"/>
-              <a:defRPr sz="3000"/>
-            </a:pPr>
-          </a:p>
-        </p:txBody>
-      </p:sp>
-      <p:sp>
-        <p:nvSpPr>
-          <p:cNvPr id="114" name="Shape 114"/>
-          <p:cNvSpPr/>
-          <p:nvPr/>
-        </p:nvSpPr>
-        <p:spPr>
-          <a:xfrm>
-            <a:off x="6861210" y="8482332"/>
-            <a:ext cx="6999013" cy="701041"/>
-          </a:xfrm>
-          <a:prstGeom prst="rect">
-            <a:avLst/>
-          </a:prstGeom>
-          <a:ln w="12700">
-            <a:miter lim="400000"/>
-          </a:ln>
-          <a:extLst>
-            <a:ext uri="{C572A759-6A51-4108-AA02-DFA0A04FC94B}">
-              <ma14:wrappingTextBoxFlag xmlns:ma14="http://schemas.microsoft.com/office/mac/drawingml/2011/main" val="1"/>
-            </a:ext>
-          </a:extLst>
-        </p:spPr>
-        <p:txBody>
-          <a:bodyPr wrap="none" lIns="45719" rIns="45719">
-            <a:spAutoFit/>
-          </a:bodyPr>
-          <a:lstStyle>
-            <a:lvl1pPr>
-              <a:defRPr sz="4200" u="sng"/>
-            </a:lvl1pPr>
-          </a:lstStyle>
-          <a:p>
-            <a:pPr/>
-            <a:r>
-              <a:t>3. Methods, Models, Findings</a:t>
-            </a:r>
-          </a:p>
-        </p:txBody>
-      </p:sp>
-      <p:sp>
-        <p:nvSpPr>
-          <p:cNvPr id="115" name="Shape 115"/>
-          <p:cNvSpPr/>
-          <p:nvPr/>
-        </p:nvSpPr>
-        <p:spPr>
-          <a:xfrm>
-            <a:off x="481318" y="9347135"/>
-            <a:ext cx="10434349" cy="3736341"/>
-          </a:xfrm>
-          <a:prstGeom prst="rect">
-            <a:avLst/>
-          </a:prstGeom>
-          <a:ln w="12700">
-            <a:miter lim="400000"/>
-          </a:ln>
-          <a:extLst>
-            <a:ext uri="{C572A759-6A51-4108-AA02-DFA0A04FC94B}">
-              <ma14:wrappingTextBoxFlag xmlns:ma14="http://schemas.microsoft.com/office/mac/drawingml/2011/main" val="1"/>
-            </a:ext>
-          </a:extLst>
-        </p:spPr>
-        <p:txBody>
-          <a:bodyPr lIns="45719" rIns="45719">
-            <a:spAutoFit/>
-          </a:bodyPr>
-          <a:lstStyle/>
-          <a:p>
-            <a:pPr algn="ctr">
-              <a:defRPr i="1" sz="3600"/>
-            </a:pPr>
-            <a:r>
-              <a:t>3.1. Micro-level Structure</a:t>
-            </a:r>
-          </a:p>
-          <a:p>
-            <a:pPr>
-              <a:defRPr sz="3000"/>
-            </a:pPr>
-            <a:r>
-              <a:t>experts are and what it means to be an expert, especially in a particularly granular field, would allow knowledge to be managed and distributed more judiciously throughout the community. Rating the reputation of users through the use of network properties would create a credibility system that supersedes the StackExchange sites’ generic user-specific reputation scores.</a:t>
-            </a:r>
-          </a:p>
-        </p:txBody>
-      </p:sp>
-      <p:sp>
-        <p:nvSpPr>
-          <p:cNvPr id="116" name="Shape 116"/>
-          <p:cNvSpPr/>
-          <p:nvPr/>
-        </p:nvSpPr>
-        <p:spPr>
-          <a:xfrm>
-            <a:off x="10949201" y="9347135"/>
-            <a:ext cx="10501421" cy="2402841"/>
-          </a:xfrm>
-          <a:prstGeom prst="rect">
-            <a:avLst/>
-          </a:prstGeom>
-          <a:ln w="12700">
-            <a:miter lim="400000"/>
-          </a:ln>
-          <a:extLst>
-            <a:ext uri="{C572A759-6A51-4108-AA02-DFA0A04FC94B}">
-              <ma14:wrappingTextBoxFlag xmlns:ma14="http://schemas.microsoft.com/office/mac/drawingml/2011/main" val="1"/>
-            </a:ext>
-          </a:extLst>
-        </p:spPr>
-        <p:txBody>
-          <a:bodyPr lIns="45719" rIns="45719">
-            <a:spAutoFit/>
-          </a:bodyPr>
-          <a:lstStyle/>
-          <a:p>
-            <a:pPr algn="ctr">
-              <a:defRPr i="1" sz="3600"/>
-            </a:pPr>
-            <a:r>
-              <a:t>3.2. Clustering</a:t>
-            </a:r>
-          </a:p>
-          <a:p>
-            <a:pPr algn="ctr">
-              <a:defRPr sz="3000"/>
-            </a:pPr>
-            <a:r>
-              <a:t>In order to identify particular network traits to different personas of people, </a:t>
-            </a:r>
-            <a:r>
-              <a:rPr i="1"/>
-              <a:t>k-</a:t>
-            </a:r>
-            <a:r>
-              <a:t>means clustering was done using the following features: views, up/down votes, in/out degree, and closeness/eigenvector/PageRank centrality.</a:t>
-            </a:r>
-          </a:p>
-        </p:txBody>
-      </p:sp>
-      <p:sp>
-        <p:nvSpPr>
-          <p:cNvPr id="117" name="Shape 117"/>
-          <p:cNvSpPr/>
-          <p:nvPr/>
-        </p:nvSpPr>
-        <p:spPr>
-          <a:xfrm>
-            <a:off x="378244" y="17832643"/>
-            <a:ext cx="10501421" cy="2402841"/>
-          </a:xfrm>
-          <a:prstGeom prst="rect">
-            <a:avLst/>
-          </a:prstGeom>
-          <a:ln w="12700">
-            <a:miter lim="400000"/>
-          </a:ln>
-          <a:extLst>
-            <a:ext uri="{C572A759-6A51-4108-AA02-DFA0A04FC94B}">
-              <ma14:wrappingTextBoxFlag xmlns:ma14="http://schemas.microsoft.com/office/mac/drawingml/2011/main" val="1"/>
-            </a:ext>
-          </a:extLst>
-        </p:spPr>
-        <p:txBody>
-          <a:bodyPr lIns="45719" rIns="45719">
-            <a:spAutoFit/>
-          </a:bodyPr>
-          <a:lstStyle/>
-          <a:p>
-            <a:pPr algn="ctr">
-              <a:defRPr i="1" sz="3600"/>
-            </a:pPr>
-            <a:r>
-              <a:t>3.3. Heuristic Approaches to Ranking</a:t>
-            </a:r>
-          </a:p>
-          <a:p>
-            <a:pPr algn="ctr">
-              <a:defRPr sz="3000"/>
-            </a:pPr>
-            <a:r>
-              <a:t>A series of increasingly complex heuristic functions successfully prioritized domain expertise over total StackExchange reputation, making these function valid baseline replacements for generic reputation scores.</a:t>
-            </a:r>
-          </a:p>
-        </p:txBody>
-      </p:sp>
-      <p:sp>
-        <p:nvSpPr>
-          <p:cNvPr id="118" name="Shape 118"/>
-          <p:cNvSpPr/>
-          <p:nvPr/>
-        </p:nvSpPr>
-        <p:spPr>
-          <a:xfrm>
-            <a:off x="10949201" y="17680243"/>
-            <a:ext cx="10501421" cy="3736341"/>
-          </a:xfrm>
-          <a:prstGeom prst="rect">
-            <a:avLst/>
-          </a:prstGeom>
-          <a:ln w="12700">
-            <a:miter lim="400000"/>
-          </a:ln>
-          <a:extLst>
-            <a:ext uri="{C572A759-6A51-4108-AA02-DFA0A04FC94B}">
-              <ma14:wrappingTextBoxFlag xmlns:ma14="http://schemas.microsoft.com/office/mac/drawingml/2011/main" val="1"/>
-            </a:ext>
-          </a:extLst>
-        </p:spPr>
-        <p:txBody>
-          <a:bodyPr lIns="45719" rIns="45719">
-            <a:spAutoFit/>
-          </a:bodyPr>
-          <a:lstStyle/>
-          <a:p>
-            <a:pPr algn="ctr">
-              <a:defRPr i="1" sz="3600"/>
-            </a:pPr>
-            <a:r>
-              <a:t>3.4. Supervised Learning</a:t>
-            </a:r>
-          </a:p>
-          <a:p>
-            <a:pPr>
-              <a:defRPr sz="3000"/>
-            </a:pPr>
-            <a:r>
-              <a:t>experts are and what it means to be an expert, especially in a particularly granular field, would allow knowledge to be managed and distributed more judiciously throughout the community. Rating the reputation of users through the use of network properties would create a credibility system that supersedes the StackExchange sites’ generic user-specific reputation scores.</a:t>
-            </a:r>
-          </a:p>
-        </p:txBody>
-      </p:sp>
-      <p:pic>
-        <p:nvPicPr>
-          <p:cNvPr id="119" name="image1.png"/>
-          <p:cNvPicPr>
-            <a:picLocks noChangeAspect="1"/>
-          </p:cNvPicPr>
-          <p:nvPr/>
-        </p:nvPicPr>
-        <p:blipFill>
-          <a:blip r:embed="rId2">
-            <a:extLst/>
-          </a:blip>
-          <a:stretch>
-            <a:fillRect/>
-          </a:stretch>
-        </p:blipFill>
-        <p:spPr>
-          <a:xfrm>
-            <a:off x="10861617" y="12332838"/>
-            <a:ext cx="5049111" cy="3885559"/>
-          </a:xfrm>
-          <a:prstGeom prst="rect">
-            <a:avLst/>
-          </a:prstGeom>
-          <a:ln w="12700">
-            <a:miter lim="400000"/>
-          </a:ln>
-        </p:spPr>
-      </p:pic>
-      <p:pic>
-        <p:nvPicPr>
-          <p:cNvPr id="120" name="image3.png"/>
-          <p:cNvPicPr>
-            <a:picLocks noChangeAspect="1"/>
-          </p:cNvPicPr>
-          <p:nvPr/>
-        </p:nvPicPr>
-        <p:blipFill>
-          <a:blip r:embed="rId3">
-            <a:extLst/>
-          </a:blip>
-          <a:stretch>
-            <a:fillRect/>
-          </a:stretch>
-        </p:blipFill>
-        <p:spPr>
-          <a:xfrm>
-            <a:off x="16230394" y="12332838"/>
-            <a:ext cx="5307812" cy="3848940"/>
-          </a:xfrm>
-          <a:prstGeom prst="rect">
-            <a:avLst/>
-          </a:prstGeom>
-          <a:ln w="12700">
-            <a:miter lim="400000"/>
-          </a:ln>
-        </p:spPr>
-      </p:pic>
-      <p:graphicFrame>
-        <p:nvGraphicFramePr>
-          <p:cNvPr id="121" name="Table 121"/>
-          <p:cNvGraphicFramePr/>
-          <p:nvPr/>
-        </p:nvGraphicFramePr>
-        <p:xfrm>
-          <a:off x="381175" y="20425467"/>
-          <a:ext cx="10844655" cy="5493087"/>
-        </p:xfrm>
-        <a:graphic xmlns:a="http://schemas.openxmlformats.org/drawingml/2006/main">
-          <a:graphicData uri="http://schemas.openxmlformats.org/drawingml/2006/table">
-            <a:tbl>
-              <a:tblPr firstCol="0" firstRow="1" lastCol="0" lastRow="0" bandCol="0" bandRow="1" rtl="0">
-                <a:tableStyleId>{4C3C2611-4C71-4FC5-86AE-919BDF0F9419}</a:tableStyleId>
-              </a:tblPr>
-              <a:tblGrid>
-                <a:gridCol w="317500"/>
-                <a:gridCol w="1447800"/>
-                <a:gridCol w="1676400"/>
-                <a:gridCol w="1676400"/>
-                <a:gridCol w="1694788"/>
-                <a:gridCol w="1682353"/>
-                <a:gridCol w="2000316"/>
-              </a:tblGrid>
-              <a:tr h="599440">
-                <a:tc>
-                  <a:txBody>
-                    <a:bodyPr/>
-                    <a:lstStyle/>
-                    <a:p>
-                      <a:pPr algn="l">
-                        <a:defRPr sz="1600" u="sng"/>
-                      </a:pPr>
-                    </a:p>
-                  </a:txBody>
-                  <a:tcPr marL="45720" marR="45720" marT="45720" marB="45720" anchor="t" anchorCtr="0" horzOverflow="overflow"/>
-                </a:tc>
-                <a:tc>
-                  <a:txBody>
-                    <a:bodyPr/>
-                    <a:lstStyle/>
-                    <a:p>
-                      <a:pPr algn="l">
-                        <a:defRPr b="0" sz="1800">
-                          <a:solidFill>
-                            <a:srgbClr val="000000"/>
-                          </a:solidFill>
-                        </a:defRPr>
-                      </a:pPr>
-                      <a:r>
-                        <a:rPr b="1" sz="1600" u="sng">
-                          <a:solidFill>
-                            <a:srgbClr val="FFFFFF"/>
-                          </a:solidFill>
-                        </a:rPr>
-                        <a:t>Reputation</a:t>
-                      </a:r>
-                    </a:p>
-                  </a:txBody>
-                  <a:tcPr marL="45720" marR="45720" marT="45720" marB="45720" anchor="t" anchorCtr="0" horzOverflow="overflow"/>
-                </a:tc>
-                <a:tc>
-                  <a:txBody>
-                    <a:bodyPr/>
-                    <a:lstStyle/>
-                    <a:p>
-                      <a:pPr algn="l">
-                        <a:defRPr b="0" sz="1800">
-                          <a:solidFill>
-                            <a:srgbClr val="000000"/>
-                          </a:solidFill>
-                        </a:defRPr>
-                      </a:pPr>
-                      <a:r>
-                        <a:rPr b="1" sz="1600" u="sng">
-                          <a:solidFill>
-                            <a:srgbClr val="FFFFFF"/>
-                          </a:solidFill>
-                        </a:rPr>
-                        <a:t>Degree</a:t>
-                      </a:r>
-                    </a:p>
-                  </a:txBody>
-                  <a:tcPr marL="45720" marR="45720" marT="45720" marB="45720" anchor="t" anchorCtr="0" horzOverflow="overflow"/>
-                </a:tc>
-                <a:tc>
-                  <a:txBody>
-                    <a:bodyPr/>
-                    <a:lstStyle/>
-                    <a:p>
-                      <a:pPr algn="l">
-                        <a:defRPr b="0" sz="1800">
-                          <a:solidFill>
-                            <a:srgbClr val="000000"/>
-                          </a:solidFill>
-                        </a:defRPr>
-                      </a:pPr>
-                      <a:r>
-                        <a:rPr b="1" sz="1600" u="sng">
-                          <a:solidFill>
-                            <a:srgbClr val="FFFFFF"/>
-                          </a:solidFill>
-                        </a:rPr>
-                        <a:t>Degree * Votes</a:t>
-                      </a:r>
-                    </a:p>
-                  </a:txBody>
-                  <a:tcPr marL="45720" marR="45720" marT="45720" marB="45720" anchor="t" anchorCtr="0" horzOverflow="overflow"/>
-                </a:tc>
-                <a:tc>
-                  <a:txBody>
-                    <a:bodyPr/>
-                    <a:lstStyle/>
-                    <a:p>
-                      <a:pPr algn="l">
-                        <a:defRPr b="0" sz="1800">
-                          <a:solidFill>
-                            <a:srgbClr val="000000"/>
-                          </a:solidFill>
-                        </a:defRPr>
-                      </a:pPr>
-                      <a:r>
-                        <a:rPr b="1" sz="1600" u="sng">
-                          <a:solidFill>
-                            <a:srgbClr val="FFFFFF"/>
-                          </a:solidFill>
-                        </a:rPr>
-                        <a:t>Betweenness</a:t>
-                      </a:r>
-                    </a:p>
-                  </a:txBody>
-                  <a:tcPr marL="45720" marR="45720" marT="45720" marB="45720" anchor="t" anchorCtr="0" horzOverflow="overflow"/>
-                </a:tc>
-                <a:tc>
-                  <a:txBody>
-                    <a:bodyPr/>
-                    <a:lstStyle/>
-                    <a:p>
-                      <a:pPr algn="l">
-                        <a:defRPr b="0" sz="1800">
-                          <a:solidFill>
-                            <a:srgbClr val="000000"/>
-                          </a:solidFill>
-                        </a:defRPr>
-                      </a:pPr>
-                      <a:r>
-                        <a:rPr b="1" sz="1600" u="sng">
-                          <a:solidFill>
-                            <a:srgbClr val="FFFFFF"/>
-                          </a:solidFill>
-                        </a:rPr>
-                        <a:t>Eigenvector</a:t>
-                      </a:r>
-                    </a:p>
-                  </a:txBody>
-                  <a:tcPr marL="45720" marR="45720" marT="45720" marB="45720" anchor="t" anchorCtr="0" horzOverflow="overflow"/>
-                </a:tc>
-                <a:tc>
-                  <a:txBody>
-                    <a:bodyPr/>
-                    <a:lstStyle/>
-                    <a:p>
-                      <a:pPr algn="l">
-                        <a:defRPr b="0" sz="1800">
-                          <a:solidFill>
-                            <a:srgbClr val="000000"/>
-                          </a:solidFill>
-                        </a:defRPr>
-                      </a:pPr>
-                      <a:r>
-                        <a:rPr b="1" sz="1600" u="sng">
-                          <a:solidFill>
-                            <a:srgbClr val="FFFFFF"/>
-                          </a:solidFill>
-                        </a:rPr>
-                        <a:t>PageRank * Badges</a:t>
-                      </a:r>
-                    </a:p>
-                  </a:txBody>
-                  <a:tcPr marL="45720" marR="45720" marT="45720" marB="45720" anchor="t" anchorCtr="0" horzOverflow="overflow"/>
-                </a:tc>
-              </a:tr>
-              <a:tr h="358140">
-                <a:tc>
-                  <a:txBody>
-                    <a:bodyPr/>
-                    <a:lstStyle/>
-                    <a:p>
-                      <a:pPr algn="l">
-                        <a:defRPr sz="1800"/>
-                      </a:pPr>
-                      <a:r>
-                        <a:rPr sz="1600"/>
-                        <a:t>1</a:t>
-                      </a:r>
-                    </a:p>
-                  </a:txBody>
-                  <a:tcPr marL="45720" marR="45720" marT="45720" marB="45720" anchor="t" anchorCtr="0" horzOverflow="overflow"/>
-                </a:tc>
-                <a:tc>
-                  <a:txBody>
-                    <a:bodyPr/>
-                    <a:lstStyle/>
-                    <a:p>
-                      <a:pPr algn="l">
-                        <a:defRPr sz="1800"/>
-                      </a:pPr>
-                      <a:r>
-                        <a:rPr sz="1600"/>
-                        <a:t>Andre’ Nicolas</a:t>
-                      </a:r>
-                    </a:p>
-                  </a:txBody>
-                  <a:tcPr marL="45720" marR="45720" marT="45720" marB="45720" anchor="t" anchorCtr="0" horzOverflow="overflow"/>
-                </a:tc>
-                <a:tc>
-                  <a:txBody>
-                    <a:bodyPr/>
-                    <a:lstStyle/>
-                    <a:p>
-                      <a:pPr algn="l">
-                        <a:defRPr sz="1800"/>
-                      </a:pPr>
-                      <a:r>
-                        <a:rPr sz="1600"/>
-                        <a:t>MvG</a:t>
-                      </a:r>
-                    </a:p>
-                  </a:txBody>
-                  <a:tcPr marL="45720" marR="45720" marT="45720" marB="45720" anchor="t" anchorCtr="0" horzOverflow="overflow"/>
-                </a:tc>
-                <a:tc>
-                  <a:txBody>
-                    <a:bodyPr/>
-                    <a:lstStyle/>
-                    <a:p>
-                      <a:pPr algn="l">
-                        <a:defRPr sz="1800"/>
-                      </a:pPr>
-                      <a:r>
-                        <a:rPr sz="1600"/>
-                        <a:t>Ross Millikan</a:t>
-                      </a:r>
-                    </a:p>
-                  </a:txBody>
-                  <a:tcPr marL="45720" marR="45720" marT="45720" marB="45720" anchor="t" anchorCtr="0" horzOverflow="overflow"/>
-                </a:tc>
-                <a:tc>
-                  <a:txBody>
-                    <a:bodyPr/>
-                    <a:lstStyle/>
-                    <a:p>
-                      <a:pPr algn="l">
-                        <a:defRPr sz="1800"/>
-                      </a:pPr>
-                      <a:r>
-                        <a:rPr sz="1600"/>
-                        <a:t>MvG</a:t>
-                      </a:r>
-                    </a:p>
-                  </a:txBody>
-                  <a:tcPr marL="45720" marR="45720" marT="45720" marB="45720" anchor="t" anchorCtr="0" horzOverflow="overflow"/>
-                </a:tc>
-                <a:tc>
-                  <a:txBody>
-                    <a:bodyPr/>
-                    <a:lstStyle/>
-                    <a:p>
-                      <a:pPr algn="l">
-                        <a:defRPr sz="1800"/>
-                      </a:pPr>
-                      <a:r>
-                        <a:rPr sz="1600"/>
-                        <a:t>MvG</a:t>
-                      </a:r>
-                    </a:p>
-                  </a:txBody>
-                  <a:tcPr marL="45720" marR="45720" marT="45720" marB="45720" anchor="t" anchorCtr="0" horzOverflow="overflow"/>
-                </a:tc>
-                <a:tc>
-                  <a:txBody>
-                    <a:bodyPr/>
-                    <a:lstStyle/>
-                    <a:p>
-                      <a:pPr algn="l">
-                        <a:defRPr sz="1800"/>
-                      </a:pPr>
-                      <a:r>
-                        <a:rPr sz="1600"/>
-                        <a:t>Henning Makholm</a:t>
-                      </a:r>
-                    </a:p>
-                  </a:txBody>
-                  <a:tcPr marL="45720" marR="45720" marT="45720" marB="45720" anchor="t" anchorCtr="0" horzOverflow="overflow"/>
-                </a:tc>
-              </a:tr>
-              <a:tr h="345440">
-                <a:tc>
-                  <a:txBody>
-                    <a:bodyPr/>
-                    <a:lstStyle/>
-                    <a:p>
-                      <a:pPr algn="l">
-                        <a:defRPr sz="1800"/>
-                      </a:pPr>
-                      <a:r>
-                        <a:rPr sz="1600"/>
-                        <a:t>2</a:t>
-                      </a:r>
-                    </a:p>
-                  </a:txBody>
-                  <a:tcPr marL="45720" marR="45720" marT="45720" marB="45720" anchor="t" anchorCtr="0" horzOverflow="overflow"/>
-                </a:tc>
-                <a:tc>
-                  <a:txBody>
-                    <a:bodyPr/>
-                    <a:lstStyle/>
-                    <a:p>
-                      <a:pPr algn="l">
-                        <a:defRPr sz="1800"/>
-                      </a:pPr>
-                      <a:r>
-                        <a:rPr sz="1600"/>
-                        <a:t>Brian M. Scott</a:t>
-                      </a:r>
-                    </a:p>
-                  </a:txBody>
-                  <a:tcPr marL="45720" marR="45720" marT="45720" marB="45720" anchor="t" anchorCtr="0" horzOverflow="overflow"/>
-                </a:tc>
-                <a:tc>
-                  <a:txBody>
-                    <a:bodyPr/>
-                    <a:lstStyle/>
-                    <a:p>
-                      <a:pPr algn="l">
-                        <a:defRPr sz="1800"/>
-                      </a:pPr>
-                      <a:r>
-                        <a:rPr sz="1600"/>
-                        <a:t>Ross Millikan</a:t>
-                      </a:r>
-                    </a:p>
-                  </a:txBody>
-                  <a:tcPr marL="45720" marR="45720" marT="45720" marB="45720" anchor="t" anchorCtr="0" horzOverflow="overflow"/>
-                </a:tc>
-                <a:tc>
-                  <a:txBody>
-                    <a:bodyPr/>
-                    <a:lstStyle/>
-                    <a:p>
-                      <a:pPr algn="l">
-                        <a:defRPr sz="1800"/>
-                      </a:pPr>
-                      <a:r>
-                        <a:rPr sz="1600"/>
-                        <a:t>Andre/ Nicolas</a:t>
-                      </a:r>
-                    </a:p>
-                  </a:txBody>
-                  <a:tcPr marL="45720" marR="45720" marT="45720" marB="45720" anchor="t" anchorCtr="0" horzOverflow="overflow"/>
-                </a:tc>
-                <a:tc>
-                  <a:txBody>
-                    <a:bodyPr/>
-                    <a:lstStyle/>
-                    <a:p>
-                      <a:pPr algn="l">
-                        <a:defRPr sz="1800"/>
-                      </a:pPr>
-                      <a:r>
-                        <a:rPr sz="1600"/>
-                        <a:t>Ross Millikan</a:t>
-                      </a:r>
-                    </a:p>
-                  </a:txBody>
-                  <a:tcPr marL="45720" marR="45720" marT="45720" marB="45720" anchor="t" anchorCtr="0" horzOverflow="overflow"/>
-                </a:tc>
-                <a:tc>
-                  <a:txBody>
-                    <a:bodyPr/>
-                    <a:lstStyle/>
-                    <a:p>
-                      <a:pPr algn="l">
-                        <a:defRPr sz="1800"/>
-                      </a:pPr>
-                      <a:r>
-                        <a:rPr sz="1600"/>
-                        <a:t>Ross Millikan</a:t>
-                      </a:r>
-                    </a:p>
-                  </a:txBody>
-                  <a:tcPr marL="45720" marR="45720" marT="45720" marB="45720" anchor="t" anchorCtr="0" horzOverflow="overflow"/>
-                </a:tc>
-                <a:tc>
-                  <a:txBody>
-                    <a:bodyPr/>
-                    <a:lstStyle/>
-                    <a:p>
-                      <a:pPr algn="l">
-                        <a:defRPr sz="1800"/>
-                      </a:pPr>
-                      <a:r>
-                        <a:rPr sz="1600"/>
-                        <a:t>Andre’ Nicolas</a:t>
-                      </a:r>
-                    </a:p>
-                  </a:txBody>
-                  <a:tcPr marL="45720" marR="45720" marT="45720" marB="45720" anchor="t" anchorCtr="0" horzOverflow="overflow"/>
-                </a:tc>
-              </a:tr>
-              <a:tr h="345440">
-                <a:tc>
-                  <a:txBody>
-                    <a:bodyPr/>
-                    <a:lstStyle/>
-                    <a:p>
-                      <a:pPr algn="l">
-                        <a:defRPr sz="1800"/>
-                      </a:pPr>
-                      <a:r>
-                        <a:rPr sz="1600"/>
-                        <a:t>3</a:t>
-                      </a:r>
-                    </a:p>
-                  </a:txBody>
-                  <a:tcPr marL="45720" marR="45720" marT="45720" marB="45720" anchor="t" anchorCtr="0" horzOverflow="overflow"/>
-                </a:tc>
-                <a:tc>
-                  <a:txBody>
-                    <a:bodyPr/>
-                    <a:lstStyle/>
-                    <a:p>
-                      <a:pPr algn="l">
-                        <a:defRPr sz="1800"/>
-                      </a:pPr>
-                      <a:r>
-                        <a:rPr sz="1600"/>
-                        <a:t>Asaf Karagila</a:t>
-                      </a:r>
-                    </a:p>
-                  </a:txBody>
-                  <a:tcPr marL="45720" marR="45720" marT="45720" marB="45720" anchor="t" anchorCtr="0" horzOverflow="overflow"/>
-                </a:tc>
-                <a:tc>
-                  <a:txBody>
-                    <a:bodyPr/>
-                    <a:lstStyle/>
-                    <a:p>
-                      <a:pPr algn="l">
-                        <a:defRPr sz="1800"/>
-                      </a:pPr>
-                      <a:r>
-                        <a:rPr sz="1600"/>
-                        <a:t>Andre’ Nicolas</a:t>
-                      </a:r>
-                    </a:p>
-                  </a:txBody>
-                  <a:tcPr marL="45720" marR="45720" marT="45720" marB="45720" anchor="t" anchorCtr="0" horzOverflow="overflow"/>
-                </a:tc>
-                <a:tc>
-                  <a:txBody>
-                    <a:bodyPr/>
-                    <a:lstStyle/>
-                    <a:p>
-                      <a:pPr algn="l">
-                        <a:defRPr sz="1800"/>
-                      </a:pPr>
-                      <a:r>
-                        <a:rPr sz="1600"/>
-                        <a:t>amWhy</a:t>
-                      </a:r>
-                    </a:p>
-                  </a:txBody>
-                  <a:tcPr marL="45720" marR="45720" marT="45720" marB="45720" anchor="t" anchorCtr="0" horzOverflow="overflow"/>
-                </a:tc>
-                <a:tc>
-                  <a:txBody>
-                    <a:bodyPr/>
-                    <a:lstStyle/>
-                    <a:p>
-                      <a:pPr algn="l">
-                        <a:defRPr sz="1800"/>
-                      </a:pPr>
-                      <a:r>
-                        <a:rPr sz="1600"/>
-                        <a:t>Blue</a:t>
-                      </a:r>
-                    </a:p>
-                  </a:txBody>
-                  <a:tcPr marL="45720" marR="45720" marT="45720" marB="45720" anchor="t" anchorCtr="0" horzOverflow="overflow"/>
-                </a:tc>
-                <a:tc>
-                  <a:txBody>
-                    <a:bodyPr/>
-                    <a:lstStyle/>
-                    <a:p>
-                      <a:pPr algn="l">
-                        <a:defRPr sz="1800"/>
-                      </a:pPr>
-                      <a:r>
-                        <a:rPr sz="1600"/>
-                        <a:t>Blue</a:t>
-                      </a:r>
-                    </a:p>
-                  </a:txBody>
-                  <a:tcPr marL="45720" marR="45720" marT="45720" marB="45720" anchor="t" anchorCtr="0" horzOverflow="overflow"/>
-                </a:tc>
-                <a:tc>
-                  <a:txBody>
-                    <a:bodyPr/>
-                    <a:lstStyle/>
-                    <a:p>
-                      <a:pPr algn="l">
-                        <a:defRPr sz="1800"/>
-                      </a:pPr>
-                      <a:r>
-                        <a:rPr sz="1600"/>
-                        <a:t>Ross Millikan</a:t>
-                      </a:r>
-                    </a:p>
-                  </a:txBody>
-                  <a:tcPr marL="45720" marR="45720" marT="45720" marB="45720" anchor="t" anchorCtr="0" horzOverflow="overflow"/>
-                </a:tc>
-              </a:tr>
-              <a:tr h="345440">
-                <a:tc>
-                  <a:txBody>
-                    <a:bodyPr/>
-                    <a:lstStyle/>
-                    <a:p>
-                      <a:pPr algn="l">
-                        <a:defRPr sz="1800"/>
-                      </a:pPr>
-                      <a:r>
-                        <a:rPr sz="1600"/>
-                        <a:t>4</a:t>
-                      </a:r>
-                    </a:p>
-                  </a:txBody>
-                  <a:tcPr marL="45720" marR="45720" marT="45720" marB="45720" anchor="t" anchorCtr="0" horzOverflow="overflow"/>
-                </a:tc>
-                <a:tc>
-                  <a:txBody>
-                    <a:bodyPr/>
-                    <a:lstStyle/>
-                    <a:p>
-                      <a:pPr algn="l">
-                        <a:defRPr sz="1800"/>
-                      </a:pPr>
-                      <a:r>
-                        <a:rPr sz="1600"/>
-                        <a:t>Did</a:t>
-                      </a:r>
-                    </a:p>
-                  </a:txBody>
-                  <a:tcPr marL="45720" marR="45720" marT="45720" marB="45720" anchor="t" anchorCtr="0" horzOverflow="overflow"/>
-                </a:tc>
-                <a:tc>
-                  <a:txBody>
-                    <a:bodyPr/>
-                    <a:lstStyle/>
-                    <a:p>
-                      <a:pPr algn="l">
-                        <a:defRPr sz="1800"/>
-                      </a:pPr>
-                      <a:r>
-                        <a:rPr sz="1600"/>
-                        <a:t>Blue</a:t>
-                      </a:r>
-                    </a:p>
-                  </a:txBody>
-                  <a:tcPr marL="45720" marR="45720" marT="45720" marB="45720" anchor="t" anchorCtr="0" horzOverflow="overflow"/>
-                </a:tc>
-                <a:tc>
-                  <a:txBody>
-                    <a:bodyPr/>
-                    <a:lstStyle/>
-                    <a:p>
-                      <a:pPr algn="l">
-                        <a:defRPr sz="1800"/>
-                      </a:pPr>
-                      <a:r>
-                        <a:rPr sz="1600"/>
-                        <a:t>Michael Hardy</a:t>
-                      </a:r>
-                    </a:p>
-                  </a:txBody>
-                  <a:tcPr marL="45720" marR="45720" marT="45720" marB="45720" anchor="t" anchorCtr="0" horzOverflow="overflow"/>
-                </a:tc>
-                <a:tc>
-                  <a:txBody>
-                    <a:bodyPr/>
-                    <a:lstStyle/>
-                    <a:p>
-                      <a:pPr algn="l">
-                        <a:defRPr sz="1800"/>
-                      </a:pPr>
-                      <a:r>
-                        <a:rPr sz="1600"/>
-                        <a:t>Andre’ Nicolas</a:t>
-                      </a:r>
-                    </a:p>
-                  </a:txBody>
-                  <a:tcPr marL="45720" marR="45720" marT="45720" marB="45720" anchor="t" anchorCtr="0" horzOverflow="overflow"/>
-                </a:tc>
-                <a:tc>
-                  <a:txBody>
-                    <a:bodyPr/>
-                    <a:lstStyle/>
-                    <a:p>
-                      <a:pPr algn="l">
-                        <a:defRPr sz="1800"/>
-                      </a:pPr>
-                      <a:r>
-                        <a:rPr sz="1600"/>
-                        <a:t>Christian Blatter</a:t>
-                      </a:r>
-                    </a:p>
-                  </a:txBody>
-                  <a:tcPr marL="45720" marR="45720" marT="45720" marB="45720" anchor="t" anchorCtr="0" horzOverflow="overflow"/>
-                </a:tc>
-                <a:tc>
-                  <a:txBody>
-                    <a:bodyPr/>
-                    <a:lstStyle/>
-                    <a:p>
-                      <a:pPr algn="l">
-                        <a:defRPr sz="1800"/>
-                      </a:pPr>
-                      <a:r>
-                        <a:rPr sz="1600"/>
-                        <a:t>Hagen von Eitzen</a:t>
-                      </a:r>
-                    </a:p>
-                  </a:txBody>
-                  <a:tcPr marL="45720" marR="45720" marT="45720" marB="45720" anchor="t" anchorCtr="0" horzOverflow="overflow"/>
-                </a:tc>
-              </a:tr>
-              <a:tr h="345440">
-                <a:tc>
-                  <a:txBody>
-                    <a:bodyPr/>
-                    <a:lstStyle/>
-                    <a:p>
-                      <a:pPr algn="l">
-                        <a:defRPr sz="1800"/>
-                      </a:pPr>
-                      <a:r>
-                        <a:rPr sz="1600"/>
-                        <a:t>5</a:t>
-                      </a:r>
-                    </a:p>
-                  </a:txBody>
-                  <a:tcPr marL="45720" marR="45720" marT="45720" marB="45720" anchor="t" anchorCtr="0" horzOverflow="overflow"/>
-                </a:tc>
-                <a:tc>
-                  <a:txBody>
-                    <a:bodyPr/>
-                    <a:lstStyle/>
-                    <a:p>
-                      <a:pPr algn="l">
-                        <a:defRPr sz="1800"/>
-                      </a:pPr>
-                      <a:r>
-                        <a:rPr sz="1600"/>
-                        <a:t>Arturo Magidin</a:t>
-                      </a:r>
-                    </a:p>
-                  </a:txBody>
-                  <a:tcPr marL="45720" marR="45720" marT="45720" marB="45720" anchor="t" anchorCtr="0" horzOverflow="overflow"/>
-                </a:tc>
-                <a:tc>
-                  <a:txBody>
-                    <a:bodyPr/>
-                    <a:lstStyle/>
-                    <a:p>
-                      <a:pPr algn="l">
-                        <a:defRPr sz="1800"/>
-                      </a:pPr>
-                      <a:r>
-                        <a:rPr sz="1600"/>
-                        <a:t>Christian  Blatter</a:t>
-                      </a:r>
-                    </a:p>
-                  </a:txBody>
-                  <a:tcPr marL="45720" marR="45720" marT="45720" marB="45720" anchor="t" anchorCtr="0" horzOverflow="overflow"/>
-                </a:tc>
-                <a:tc>
-                  <a:txBody>
-                    <a:bodyPr/>
-                    <a:lstStyle/>
-                    <a:p>
-                      <a:pPr algn="l">
-                        <a:defRPr sz="1800"/>
-                      </a:pPr>
-                      <a:r>
-                        <a:rPr sz="1600"/>
-                        <a:t>Ihf</a:t>
-                      </a:r>
-                    </a:p>
-                  </a:txBody>
-                  <a:tcPr marL="45720" marR="45720" marT="45720" marB="45720" anchor="t" anchorCtr="0" horzOverflow="overflow"/>
-                </a:tc>
-                <a:tc>
-                  <a:txBody>
-                    <a:bodyPr/>
-                    <a:lstStyle/>
-                    <a:p>
-                      <a:pPr algn="l">
-                        <a:defRPr sz="1800"/>
-                      </a:pPr>
-                      <a:r>
-                        <a:rPr sz="1600"/>
-                        <a:t>Christian Blatter</a:t>
-                      </a:r>
-                    </a:p>
-                  </a:txBody>
-                  <a:tcPr marL="45720" marR="45720" marT="45720" marB="45720" anchor="t" anchorCtr="0" horzOverflow="overflow"/>
-                </a:tc>
-                <a:tc>
-                  <a:txBody>
-                    <a:bodyPr/>
-                    <a:lstStyle/>
-                    <a:p>
-                      <a:pPr algn="l">
-                        <a:defRPr sz="1800"/>
-                      </a:pPr>
-                      <a:r>
-                        <a:rPr sz="1600"/>
-                        <a:t>Andre’ Nicolas</a:t>
-                      </a:r>
-                    </a:p>
-                  </a:txBody>
-                  <a:tcPr marL="45720" marR="45720" marT="45720" marB="45720" anchor="t" anchorCtr="0" horzOverflow="overflow"/>
-                </a:tc>
-                <a:tc>
-                  <a:txBody>
-                    <a:bodyPr/>
-                    <a:lstStyle/>
-                    <a:p>
-                      <a:pPr algn="l">
-                        <a:defRPr sz="1800"/>
-                      </a:pPr>
-                      <a:r>
-                        <a:rPr sz="1600"/>
-                        <a:t>robkohn</a:t>
-                      </a:r>
-                    </a:p>
-                  </a:txBody>
-                  <a:tcPr marL="45720" marR="45720" marT="45720" marB="45720" anchor="t" anchorCtr="0" horzOverflow="overflow"/>
-                </a:tc>
-              </a:tr>
-              <a:tr h="345440">
-                <a:tc>
-                  <a:txBody>
-                    <a:bodyPr/>
-                    <a:lstStyle/>
-                    <a:p>
-                      <a:pPr algn="l">
-                        <a:defRPr sz="1800"/>
-                      </a:pPr>
-                      <a:r>
-                        <a:rPr sz="1600"/>
-                        <a:t>6</a:t>
-                      </a:r>
-                    </a:p>
-                  </a:txBody>
-                  <a:tcPr marL="45720" marR="45720" marT="45720" marB="45720" anchor="t" anchorCtr="0" horzOverflow="overflow"/>
-                </a:tc>
-                <a:tc>
-                  <a:txBody>
-                    <a:bodyPr/>
-                    <a:lstStyle/>
-                    <a:p>
-                      <a:pPr algn="l">
-                        <a:defRPr sz="1800"/>
-                      </a:pPr>
-                      <a:r>
-                        <a:rPr sz="1600"/>
-                        <a:t>Qiaochu Yuan</a:t>
-                      </a:r>
-                    </a:p>
-                  </a:txBody>
-                  <a:tcPr marL="45720" marR="45720" marT="45720" marB="45720" anchor="t" anchorCtr="0" horzOverflow="overflow"/>
-                </a:tc>
-                <a:tc>
-                  <a:txBody>
-                    <a:bodyPr/>
-                    <a:lstStyle/>
-                    <a:p>
-                      <a:pPr algn="l">
-                        <a:defRPr sz="1800"/>
-                      </a:pPr>
-                      <a:r>
-                        <a:rPr sz="1600"/>
-                        <a:t>Hagen von Eitzen</a:t>
-                      </a:r>
-                    </a:p>
-                  </a:txBody>
-                  <a:tcPr marL="45720" marR="45720" marT="45720" marB="45720" anchor="t" anchorCtr="0" horzOverflow="overflow"/>
-                </a:tc>
-                <a:tc>
-                  <a:txBody>
-                    <a:bodyPr/>
-                    <a:lstStyle/>
-                    <a:p>
-                      <a:pPr algn="l">
-                        <a:defRPr sz="1800"/>
-                      </a:pPr>
-                      <a:r>
-                        <a:rPr sz="1600"/>
-                        <a:t>Robjohn</a:t>
-                      </a:r>
-                    </a:p>
-                  </a:txBody>
-                  <a:tcPr marL="45720" marR="45720" marT="45720" marB="45720" anchor="t" anchorCtr="0" horzOverflow="overflow"/>
-                </a:tc>
-                <a:tc>
-                  <a:txBody>
-                    <a:bodyPr/>
-                    <a:lstStyle/>
-                    <a:p>
-                      <a:pPr algn="l">
-                        <a:defRPr sz="1800"/>
-                      </a:pPr>
-                      <a:r>
-                        <a:rPr sz="1600"/>
-                        <a:t>Mick</a:t>
-                      </a:r>
-                    </a:p>
-                  </a:txBody>
-                  <a:tcPr marL="45720" marR="45720" marT="45720" marB="45720" anchor="t" anchorCtr="0" horzOverflow="overflow"/>
-                </a:tc>
-                <a:tc>
-                  <a:txBody>
-                    <a:bodyPr/>
-                    <a:lstStyle/>
-                    <a:p>
-                      <a:pPr algn="l">
-                        <a:defRPr sz="1800"/>
-                      </a:pPr>
-                      <a:r>
-                        <a:rPr sz="1600"/>
-                        <a:t>Mick</a:t>
-                      </a:r>
-                    </a:p>
-                  </a:txBody>
-                  <a:tcPr marL="45720" marR="45720" marT="45720" marB="45720" anchor="t" anchorCtr="0" horzOverflow="overflow"/>
-                </a:tc>
-                <a:tc>
-                  <a:txBody>
-                    <a:bodyPr/>
-                    <a:lstStyle/>
-                    <a:p>
-                      <a:pPr algn="l">
-                        <a:defRPr sz="1800"/>
-                      </a:pPr>
-                      <a:r>
-                        <a:rPr sz="1600"/>
-                        <a:t>joriki</a:t>
-                      </a:r>
-                    </a:p>
-                  </a:txBody>
-                  <a:tcPr marL="45720" marR="45720" marT="45720" marB="45720" anchor="t" anchorCtr="0" horzOverflow="overflow"/>
-                </a:tc>
-              </a:tr>
-              <a:tr h="345440">
-                <a:tc>
-                  <a:txBody>
-                    <a:bodyPr/>
-                    <a:lstStyle/>
-                    <a:p>
-                      <a:pPr algn="l">
-                        <a:defRPr sz="1800"/>
-                      </a:pPr>
-                      <a:r>
-                        <a:rPr sz="1600"/>
-                        <a:t>7</a:t>
-                      </a:r>
-                    </a:p>
-                  </a:txBody>
-                  <a:tcPr marL="45720" marR="45720" marT="45720" marB="45720" anchor="t" anchorCtr="0" horzOverflow="overflow"/>
-                </a:tc>
-                <a:tc>
-                  <a:txBody>
-                    <a:bodyPr/>
-                    <a:lstStyle/>
-                    <a:p>
-                      <a:pPr algn="l">
-                        <a:defRPr sz="1800"/>
-                      </a:pPr>
-                      <a:r>
-                        <a:rPr sz="1600"/>
-                        <a:t>Robert Isreal</a:t>
-                      </a:r>
-                    </a:p>
-                  </a:txBody>
-                  <a:tcPr marL="45720" marR="45720" marT="45720" marB="45720" anchor="t" anchorCtr="0" horzOverflow="overflow"/>
-                </a:tc>
-                <a:tc>
-                  <a:txBody>
-                    <a:bodyPr/>
-                    <a:lstStyle/>
-                    <a:p>
-                      <a:pPr algn="l">
-                        <a:defRPr sz="1800"/>
-                      </a:pPr>
-                      <a:r>
-                        <a:rPr sz="1600"/>
-                        <a:t>Jack D’Aurizio</a:t>
-                      </a:r>
-                    </a:p>
-                  </a:txBody>
-                  <a:tcPr marL="45720" marR="45720" marT="45720" marB="45720" anchor="t" anchorCtr="0" horzOverflow="overflow"/>
-                </a:tc>
-                <a:tc>
-                  <a:txBody>
-                    <a:bodyPr/>
-                    <a:lstStyle/>
-                    <a:p>
-                      <a:pPr algn="l">
-                        <a:defRPr sz="1800"/>
-                      </a:pPr>
-                      <a:r>
-                        <a:rPr sz="1600"/>
-                        <a:t>Hagen von Eitzen</a:t>
-                      </a:r>
-                    </a:p>
-                  </a:txBody>
-                  <a:tcPr marL="45720" marR="45720" marT="45720" marB="45720" anchor="t" anchorCtr="0" horzOverflow="overflow"/>
-                </a:tc>
-                <a:tc>
-                  <a:txBody>
-                    <a:bodyPr/>
-                    <a:lstStyle/>
-                    <a:p>
-                      <a:pPr algn="l">
-                        <a:defRPr sz="1800"/>
-                      </a:pPr>
-                      <a:r>
-                        <a:rPr sz="1600"/>
-                        <a:t>Hagen von Eitzen</a:t>
-                      </a:r>
-                    </a:p>
-                  </a:txBody>
-                  <a:tcPr marL="45720" marR="45720" marT="45720" marB="45720" anchor="t" anchorCtr="0" horzOverflow="overflow"/>
-                </a:tc>
-                <a:tc>
-                  <a:txBody>
-                    <a:bodyPr/>
-                    <a:lstStyle/>
-                    <a:p>
-                      <a:pPr algn="l">
-                        <a:defRPr sz="1800"/>
-                      </a:pPr>
-                      <a:r>
-                        <a:rPr sz="1600"/>
-                        <a:t>Jack D’Aurizio</a:t>
-                      </a:r>
-                    </a:p>
-                  </a:txBody>
-                  <a:tcPr marL="45720" marR="45720" marT="45720" marB="45720" anchor="t" anchorCtr="0" horzOverflow="overflow"/>
-                </a:tc>
-                <a:tc>
-                  <a:txBody>
-                    <a:bodyPr/>
-                    <a:lstStyle/>
-                    <a:p>
-                      <a:pPr algn="l">
-                        <a:defRPr sz="1800"/>
-                      </a:pPr>
-                      <a:r>
-                        <a:rPr sz="1600"/>
-                        <a:t>Blue</a:t>
-                      </a:r>
-                    </a:p>
-                  </a:txBody>
-                  <a:tcPr marL="45720" marR="45720" marT="45720" marB="45720" anchor="t" anchorCtr="0" horzOverflow="overflow"/>
-                </a:tc>
-              </a:tr>
-              <a:tr h="345440">
-                <a:tc>
-                  <a:txBody>
-                    <a:bodyPr/>
-                    <a:lstStyle/>
-                    <a:p>
-                      <a:pPr algn="l">
-                        <a:defRPr sz="1800"/>
-                      </a:pPr>
-                      <a:r>
-                        <a:rPr sz="1600"/>
-                        <a:t>8</a:t>
-                      </a:r>
-                    </a:p>
-                  </a:txBody>
-                  <a:tcPr marL="45720" marR="45720" marT="45720" marB="45720" anchor="t" anchorCtr="0" horzOverflow="overflow"/>
-                </a:tc>
-                <a:tc>
-                  <a:txBody>
-                    <a:bodyPr/>
-                    <a:lstStyle/>
-                    <a:p>
-                      <a:pPr algn="l">
-                        <a:defRPr sz="1800"/>
-                      </a:pPr>
-                      <a:r>
-                        <a:rPr sz="1600"/>
-                        <a:t>Robjohn</a:t>
-                      </a:r>
-                    </a:p>
-                  </a:txBody>
-                  <a:tcPr marL="45720" marR="45720" marT="45720" marB="45720" anchor="t" anchorCtr="0" horzOverflow="overflow"/>
-                </a:tc>
-                <a:tc>
-                  <a:txBody>
-                    <a:bodyPr/>
-                    <a:lstStyle/>
-                    <a:p>
-                      <a:pPr algn="l">
-                        <a:defRPr sz="1800"/>
-                      </a:pPr>
-                      <a:r>
-                        <a:rPr sz="1600"/>
-                        <a:t>Joriki</a:t>
-                      </a:r>
-                    </a:p>
-                  </a:txBody>
-                  <a:tcPr marL="45720" marR="45720" marT="45720" marB="45720" anchor="t" anchorCtr="0" horzOverflow="overflow"/>
-                </a:tc>
-                <a:tc>
-                  <a:txBody>
-                    <a:bodyPr/>
-                    <a:lstStyle/>
-                    <a:p>
-                      <a:pPr algn="l">
-                        <a:defRPr sz="1800"/>
-                      </a:pPr>
-                      <a:r>
-                        <a:rPr sz="1600"/>
-                        <a:t>Gerry Myerson</a:t>
-                      </a:r>
-                    </a:p>
-                  </a:txBody>
-                  <a:tcPr marL="45720" marR="45720" marT="45720" marB="45720" anchor="t" anchorCtr="0" horzOverflow="overflow"/>
-                </a:tc>
-                <a:tc>
-                  <a:txBody>
-                    <a:bodyPr/>
-                    <a:lstStyle/>
-                    <a:p>
-                      <a:pPr algn="l">
-                        <a:defRPr sz="1800"/>
-                      </a:pPr>
-                      <a:r>
-                        <a:rPr sz="1600"/>
-                        <a:t>Joseph O’Rourke</a:t>
-                      </a:r>
-                    </a:p>
-                  </a:txBody>
-                  <a:tcPr marL="45720" marR="45720" marT="45720" marB="45720" anchor="t" anchorCtr="0" horzOverflow="overflow"/>
-                </a:tc>
-                <a:tc>
-                  <a:txBody>
-                    <a:bodyPr/>
-                    <a:lstStyle/>
-                    <a:p>
-                      <a:pPr algn="l">
-                        <a:defRPr sz="1800"/>
-                      </a:pPr>
-                      <a:r>
-                        <a:rPr sz="1600"/>
-                        <a:t>Hagen von Eitzen</a:t>
-                      </a:r>
-                    </a:p>
-                  </a:txBody>
-                  <a:tcPr marL="45720" marR="45720" marT="45720" marB="45720" anchor="t" anchorCtr="0" horzOverflow="overflow"/>
-                </a:tc>
-                <a:tc>
-                  <a:txBody>
-                    <a:bodyPr/>
-                    <a:lstStyle/>
-                    <a:p>
-                      <a:pPr algn="l">
-                        <a:defRPr sz="1800"/>
-                      </a:pPr>
-                      <a:r>
-                        <a:rPr sz="1600"/>
-                        <a:t>Jack D’Aurisio</a:t>
-                      </a:r>
-                    </a:p>
-                  </a:txBody>
-                  <a:tcPr marL="45720" marR="45720" marT="45720" marB="45720" anchor="t" anchorCtr="0" horzOverflow="overflow"/>
-                </a:tc>
-              </a:tr>
-              <a:tr h="345440">
-                <a:tc>
-                  <a:txBody>
-                    <a:bodyPr/>
-                    <a:lstStyle/>
-                    <a:p>
-                      <a:pPr algn="l">
-                        <a:defRPr sz="1800"/>
-                      </a:pPr>
-                      <a:r>
-                        <a:rPr sz="1600"/>
-                        <a:t>9</a:t>
-                      </a:r>
-                    </a:p>
-                  </a:txBody>
-                  <a:tcPr marL="45720" marR="45720" marT="45720" marB="45720" anchor="t" anchorCtr="0" horzOverflow="overflow"/>
-                </a:tc>
-                <a:tc>
-                  <a:txBody>
-                    <a:bodyPr/>
-                    <a:lstStyle/>
-                    <a:p>
-                      <a:pPr algn="l">
-                        <a:defRPr sz="1800"/>
-                      </a:pPr>
-                      <a:r>
-                        <a:rPr sz="1600"/>
-                        <a:t>Ross Millikan</a:t>
-                      </a:r>
-                    </a:p>
-                  </a:txBody>
-                  <a:tcPr marL="45720" marR="45720" marT="45720" marB="45720" anchor="t" anchorCtr="0" horzOverflow="overflow"/>
-                </a:tc>
-                <a:tc>
-                  <a:txBody>
-                    <a:bodyPr/>
-                    <a:lstStyle/>
-                    <a:p>
-                      <a:pPr algn="l">
-                        <a:defRPr sz="1800"/>
-                      </a:pPr>
-                      <a:r>
-                        <a:rPr sz="1600"/>
-                        <a:t>Mick</a:t>
-                      </a:r>
-                    </a:p>
-                  </a:txBody>
-                  <a:tcPr marL="45720" marR="45720" marT="45720" marB="45720" anchor="t" anchorCtr="0" horzOverflow="overflow"/>
-                </a:tc>
-                <a:tc>
-                  <a:txBody>
-                    <a:bodyPr/>
-                    <a:lstStyle/>
-                    <a:p>
-                      <a:pPr algn="l">
-                        <a:defRPr sz="1800"/>
-                      </a:pPr>
-                      <a:r>
-                        <a:rPr sz="1600"/>
-                        <a:t>Guess who it is.</a:t>
-                      </a:r>
-                    </a:p>
-                  </a:txBody>
-                  <a:tcPr marL="45720" marR="45720" marT="45720" marB="45720" anchor="t" anchorCtr="0" horzOverflow="overflow"/>
-                </a:tc>
-                <a:tc>
-                  <a:txBody>
-                    <a:bodyPr/>
-                    <a:lstStyle/>
-                    <a:p>
-                      <a:pPr algn="l">
-                        <a:defRPr sz="1800"/>
-                      </a:pPr>
-                      <a:r>
-                        <a:rPr sz="1600"/>
-                        <a:t>Bubba</a:t>
-                      </a:r>
-                    </a:p>
-                  </a:txBody>
-                  <a:tcPr marL="45720" marR="45720" marT="45720" marB="45720" anchor="t" anchorCtr="0" horzOverflow="overflow"/>
-                </a:tc>
-                <a:tc>
-                  <a:txBody>
-                    <a:bodyPr/>
-                    <a:lstStyle/>
-                    <a:p>
-                      <a:pPr algn="l">
-                        <a:defRPr sz="1800"/>
-                      </a:pPr>
-                      <a:r>
-                        <a:rPr sz="1600"/>
-                        <a:t>Bubba</a:t>
-                      </a:r>
-                    </a:p>
-                  </a:txBody>
-                  <a:tcPr marL="45720" marR="45720" marT="45720" marB="45720" anchor="t" anchorCtr="0" horzOverflow="overflow"/>
-                </a:tc>
-                <a:tc>
-                  <a:txBody>
-                    <a:bodyPr/>
-                    <a:lstStyle/>
-                    <a:p>
-                      <a:pPr algn="l">
-                        <a:defRPr sz="1800"/>
-                      </a:pPr>
-                      <a:r>
-                        <a:rPr sz="1600"/>
-                        <a:t>MvG</a:t>
-                      </a:r>
-                    </a:p>
-                  </a:txBody>
-                  <a:tcPr marL="45720" marR="45720" marT="45720" marB="45720" anchor="t" anchorCtr="0" horzOverflow="overflow"/>
-                </a:tc>
-              </a:tr>
-              <a:tr h="345440">
-                <a:tc>
-                  <a:txBody>
-                    <a:bodyPr/>
-                    <a:lstStyle/>
-                    <a:p>
-                      <a:pPr algn="l">
-                        <a:defRPr sz="1800"/>
-                      </a:pPr>
-                      <a:r>
-                        <a:rPr sz="1600"/>
-                        <a:t>10</a:t>
-                      </a:r>
-                    </a:p>
-                  </a:txBody>
-                  <a:tcPr marL="45720" marR="45720" marT="45720" marB="45720" anchor="t" anchorCtr="0" horzOverflow="overflow"/>
-                </a:tc>
-                <a:tc>
-                  <a:txBody>
-                    <a:bodyPr/>
-                    <a:lstStyle/>
-                    <a:p>
-                      <a:pPr algn="l">
-                        <a:defRPr sz="1800"/>
-                      </a:pPr>
-                      <a:r>
-                        <a:rPr sz="1600"/>
-                        <a:t>Bill Dubuque</a:t>
-                      </a:r>
-                    </a:p>
-                  </a:txBody>
-                  <a:tcPr marL="45720" marR="45720" marT="45720" marB="45720" anchor="t" anchorCtr="0" horzOverflow="overflow"/>
-                </a:tc>
-                <a:tc>
-                  <a:txBody>
-                    <a:bodyPr/>
-                    <a:lstStyle/>
-                    <a:p>
-                      <a:pPr algn="l">
-                        <a:defRPr sz="1800"/>
-                      </a:pPr>
-                      <a:r>
-                        <a:rPr sz="1600"/>
-                        <a:t>Lab bhatta…</a:t>
-                      </a:r>
-                    </a:p>
-                  </a:txBody>
-                  <a:tcPr marL="45720" marR="45720" marT="45720" marB="45720" anchor="t" anchorCtr="0" horzOverflow="overflow"/>
-                </a:tc>
-                <a:tc>
-                  <a:txBody>
-                    <a:bodyPr/>
-                    <a:lstStyle/>
-                    <a:p>
-                      <a:pPr algn="l">
-                        <a:defRPr sz="1800"/>
-                      </a:pPr>
-                      <a:r>
-                        <a:rPr sz="1600"/>
-                        <a:t>Christian Blatter</a:t>
-                      </a:r>
-                    </a:p>
-                  </a:txBody>
-                  <a:tcPr marL="45720" marR="45720" marT="45720" marB="45720" anchor="t" anchorCtr="0" horzOverflow="overflow"/>
-                </a:tc>
-                <a:tc>
-                  <a:txBody>
-                    <a:bodyPr/>
-                    <a:lstStyle/>
-                    <a:p>
-                      <a:pPr algn="l">
-                        <a:defRPr sz="1800"/>
-                      </a:pPr>
-                      <a:r>
-                        <a:rPr sz="1600"/>
-                        <a:t>Jack D/Aurizio</a:t>
-                      </a:r>
-                    </a:p>
-                  </a:txBody>
-                  <a:tcPr marL="45720" marR="45720" marT="45720" marB="45720" anchor="t" anchorCtr="0" horzOverflow="overflow"/>
-                </a:tc>
-                <a:tc>
-                  <a:txBody>
-                    <a:bodyPr/>
-                    <a:lstStyle/>
-                    <a:p>
-                      <a:pPr algn="l">
-                        <a:defRPr sz="1800"/>
-                      </a:pPr>
-                      <a:r>
-                        <a:rPr sz="1600"/>
-                        <a:t>Harasimham</a:t>
-                      </a:r>
-                    </a:p>
-                  </a:txBody>
-                  <a:tcPr marL="45720" marR="45720" marT="45720" marB="45720" anchor="t" anchorCtr="0" horzOverflow="overflow"/>
-                </a:tc>
-                <a:tc>
-                  <a:txBody>
-                    <a:bodyPr/>
-                    <a:lstStyle/>
-                    <a:p>
-                      <a:pPr algn="l">
-                        <a:defRPr sz="1800"/>
-                      </a:pPr>
-                      <a:r>
-                        <a:rPr sz="1600"/>
-                        <a:t>Robert Isreal</a:t>
-                      </a:r>
-                    </a:p>
-                  </a:txBody>
-                  <a:tcPr marL="45720" marR="45720" marT="45720" marB="45720" anchor="t" anchorCtr="0" horzOverflow="overflow"/>
-                </a:tc>
-              </a:tr>
-            </a:tbl>
-          </a:graphicData>
-        </a:graphic>
-      </p:graphicFrame>
-      <p:pic>
-        <p:nvPicPr>
-          <p:cNvPr id="122" name="image2.png"/>
-          <p:cNvPicPr>
-            <a:picLocks noChangeAspect="1"/>
-          </p:cNvPicPr>
-          <p:nvPr/>
-        </p:nvPicPr>
-        <p:blipFill>
-          <a:blip r:embed="rId4">
-            <a:extLst/>
-          </a:blip>
-          <a:stretch>
-            <a:fillRect/>
-          </a:stretch>
-        </p:blipFill>
-        <p:spPr>
-          <a:xfrm>
-            <a:off x="9617175" y="4450295"/>
-            <a:ext cx="4081387" cy="3569881"/>
-          </a:xfrm>
-          <a:prstGeom prst="rect">
-            <a:avLst/>
-          </a:prstGeom>
-          <a:ln w="12700">
-            <a:miter lim="400000"/>
-          </a:ln>
-        </p:spPr>
-      </p:pic>
-      <p:sp>
-        <p:nvSpPr>
-          <p:cNvPr id="123" name="Shape 123"/>
-          <p:cNvSpPr/>
-          <p:nvPr/>
-        </p:nvSpPr>
-        <p:spPr>
-          <a:xfrm>
-            <a:off x="13563943" y="4817235"/>
-            <a:ext cx="8003098" cy="3202941"/>
-          </a:xfrm>
-          <a:prstGeom prst="rect">
-            <a:avLst/>
-          </a:prstGeom>
-          <a:ln w="12700">
-            <a:miter lim="400000"/>
-          </a:ln>
-          <a:extLst>
-            <a:ext uri="{C572A759-6A51-4108-AA02-DFA0A04FC94B}">
-              <ma14:wrappingTextBoxFlag xmlns:ma14="http://schemas.microsoft.com/office/mac/drawingml/2011/main" val="1"/>
-            </a:ext>
-          </a:extLst>
-        </p:spPr>
-        <p:txBody>
-          <a:bodyPr lIns="45719" rIns="45719">
-            <a:spAutoFit/>
-          </a:bodyPr>
-          <a:lstStyle/>
-          <a:p>
-            <a:pPr marL="457200" indent="-457200">
-              <a:buSzPct val="100000"/>
-              <a:buFont typeface="Arial"/>
-              <a:buChar char="•"/>
-              <a:defRPr sz="3000"/>
-            </a:pPr>
-            <a:r>
-              <a:t>Post Graph: A directed graph where nodes are posts and edges are from a post and the post it is responding to.</a:t>
-            </a:r>
-          </a:p>
-          <a:p>
-            <a:pPr marL="457200" indent="-457200">
-              <a:buSzPct val="100000"/>
-              <a:buFont typeface="Arial"/>
-              <a:buChar char="•"/>
-              <a:defRPr sz="3000"/>
-            </a:pPr>
-            <a:r>
-              <a:t>User Graph: A directed graph where nodes are users and edges are directed from commenter to original poster.</a:t>
-            </a:r>
-          </a:p>
-        </p:txBody>
-      </p:sp>
-      <p:sp>
-        <p:nvSpPr>
-          <p:cNvPr id="124" name="Shape 124"/>
-          <p:cNvSpPr/>
-          <p:nvPr/>
-        </p:nvSpPr>
-        <p:spPr>
-          <a:xfrm>
-            <a:off x="11379111" y="16294740"/>
-            <a:ext cx="9641601" cy="1424941"/>
+            <a:off x="0" y="312782"/>
+            <a:ext cx="21945600" cy="1031051"/>
           </a:xfrm>
           <a:prstGeom prst="rect">
             <a:avLst/>
@@ -4652,26 +5341,822 @@
           </a:bodyPr>
           <a:lstStyle>
             <a:lvl1pPr algn="ctr">
-              <a:defRPr sz="3000"/>
+              <a:defRPr u="sng"/>
             </a:lvl1pPr>
           </a:lstStyle>
           <a:p>
-            <a:pPr/>
-            <a:r>
-              <a:t>Given the silhouette values of 0.973 for 2 clusters, 0.959 for 3 cluster, 0.911 for 4 clusters, and 0.887 for 5 clusters, the peak clustering number is at 2 clusters. </a:t>
+            <a:r>
+              <a:rPr u="none" dirty="0"/>
+              <a:t>Expertise &amp; Network Properties in StackExchange Sites</a:t>
             </a:r>
           </a:p>
         </p:txBody>
       </p:sp>
+      <p:pic>
+        <p:nvPicPr>
+          <p:cNvPr id="40" name="Picture 39"/>
+          <p:cNvPicPr>
+            <a:picLocks noChangeAspect="1"/>
+          </p:cNvPicPr>
+          <p:nvPr/>
+        </p:nvPicPr>
+        <p:blipFill rotWithShape="1">
+          <a:blip r:embed="rId5"/>
+          <a:srcRect l="9308" t="76266" r="67432" b="-1"/>
+          <a:stretch/>
+        </p:blipFill>
+        <p:spPr>
+          <a:xfrm>
+            <a:off x="1137743" y="15792680"/>
+            <a:ext cx="1935615" cy="1234490"/>
+          </a:xfrm>
+          <a:prstGeom prst="rect">
+            <a:avLst/>
+          </a:prstGeom>
+        </p:spPr>
+      </p:pic>
       <p:sp>
         <p:nvSpPr>
-          <p:cNvPr id="125" name="Shape 125"/>
+          <p:cNvPr id="41" name="Shape 112"/>
           <p:cNvSpPr/>
           <p:nvPr/>
         </p:nvSpPr>
         <p:spPr>
           <a:xfrm>
-            <a:off x="502743" y="28031865"/>
+            <a:off x="213937" y="2418529"/>
+            <a:ext cx="10291207" cy="6555640"/>
+          </a:xfrm>
+          <a:prstGeom prst="rect">
+            <a:avLst/>
+          </a:prstGeom>
+          <a:solidFill>
+            <a:srgbClr val="FFFFFF"/>
+          </a:solidFill>
+          <a:ln w="76200" cmpd="sng">
+            <a:solidFill>
+              <a:schemeClr val="accent1"/>
+            </a:solidFill>
+            <a:miter lim="400000"/>
+          </a:ln>
+          <a:extLst>
+            <a:ext uri="{C572A759-6A51-4108-AA02-DFA0A04FC94B}">
+              <ma14:wrappingTextBoxFlag xmlns:ma14="http://schemas.microsoft.com/office/mac/drawingml/2011/main" val="1"/>
+            </a:ext>
+          </a:extLst>
+        </p:spPr>
+        <p:txBody>
+          <a:bodyPr wrap="square" lIns="45719" rIns="45719">
+            <a:spAutoFit/>
+          </a:bodyPr>
+          <a:lstStyle/>
+          <a:p>
+            <a:pPr algn="ctr">
+              <a:defRPr sz="4200" u="sng"/>
+            </a:pPr>
+            <a:endParaRPr lang="en-US" dirty="0" smtClean="0"/>
+          </a:p>
+          <a:p>
+            <a:pPr algn="ctr">
+              <a:defRPr sz="4200" u="sng"/>
+            </a:pPr>
+            <a:endParaRPr lang="en-US" dirty="0"/>
+          </a:p>
+          <a:p>
+            <a:pPr algn="ctr">
+              <a:defRPr sz="4200" u="sng"/>
+            </a:pPr>
+            <a:endParaRPr lang="en-US" dirty="0" smtClean="0"/>
+          </a:p>
+          <a:p>
+            <a:pPr algn="ctr">
+              <a:defRPr sz="4200" u="sng"/>
+            </a:pPr>
+            <a:endParaRPr lang="en-US" dirty="0"/>
+          </a:p>
+          <a:p>
+            <a:pPr algn="ctr">
+              <a:defRPr sz="4200" u="sng"/>
+            </a:pPr>
+            <a:endParaRPr lang="en-US" dirty="0" smtClean="0"/>
+          </a:p>
+          <a:p>
+            <a:pPr algn="ctr">
+              <a:defRPr sz="4200" u="sng"/>
+            </a:pPr>
+            <a:endParaRPr lang="en-US" dirty="0"/>
+          </a:p>
+          <a:p>
+            <a:pPr algn="ctr">
+              <a:defRPr sz="4200" u="sng"/>
+            </a:pPr>
+            <a:endParaRPr lang="en-US" dirty="0" smtClean="0"/>
+          </a:p>
+          <a:p>
+            <a:pPr algn="ctr">
+              <a:defRPr sz="4200" u="sng"/>
+            </a:pPr>
+            <a:endParaRPr lang="en-US" dirty="0"/>
+          </a:p>
+          <a:p>
+            <a:pPr algn="ctr">
+              <a:defRPr sz="4200" u="sng"/>
+            </a:pPr>
+            <a:endParaRPr lang="en-US" dirty="0" smtClean="0"/>
+          </a:p>
+          <a:p>
+            <a:pPr algn="ctr">
+              <a:defRPr sz="4200" u="sng"/>
+            </a:pPr>
+            <a:endParaRPr lang="en-US" dirty="0"/>
+          </a:p>
+        </p:txBody>
+      </p:sp>
+      <p:sp>
+        <p:nvSpPr>
+          <p:cNvPr id="42" name="Shape 112"/>
+          <p:cNvSpPr/>
+          <p:nvPr/>
+        </p:nvSpPr>
+        <p:spPr>
+          <a:xfrm>
+            <a:off x="10813253" y="2434627"/>
+            <a:ext cx="10794132" cy="6555640"/>
+          </a:xfrm>
+          <a:prstGeom prst="rect">
+            <a:avLst/>
+          </a:prstGeom>
+          <a:solidFill>
+            <a:srgbClr val="FFFFFF"/>
+          </a:solidFill>
+          <a:ln w="76200" cmpd="sng">
+            <a:solidFill>
+              <a:schemeClr val="accent1"/>
+            </a:solidFill>
+            <a:miter lim="400000"/>
+          </a:ln>
+          <a:extLst>
+            <a:ext uri="{C572A759-6A51-4108-AA02-DFA0A04FC94B}">
+              <ma14:wrappingTextBoxFlag xmlns:ma14="http://schemas.microsoft.com/office/mac/drawingml/2011/main" val="1"/>
+            </a:ext>
+          </a:extLst>
+        </p:spPr>
+        <p:txBody>
+          <a:bodyPr wrap="square" lIns="45719" rIns="45719">
+            <a:spAutoFit/>
+          </a:bodyPr>
+          <a:lstStyle/>
+          <a:p>
+            <a:pPr algn="ctr">
+              <a:defRPr sz="4200" u="sng"/>
+            </a:pPr>
+            <a:endParaRPr lang="en-US" dirty="0" smtClean="0"/>
+          </a:p>
+          <a:p>
+            <a:pPr algn="ctr">
+              <a:defRPr sz="4200" u="sng"/>
+            </a:pPr>
+            <a:endParaRPr lang="en-US" dirty="0"/>
+          </a:p>
+          <a:p>
+            <a:pPr algn="ctr">
+              <a:defRPr sz="4200" u="sng"/>
+            </a:pPr>
+            <a:endParaRPr lang="en-US" dirty="0" smtClean="0"/>
+          </a:p>
+          <a:p>
+            <a:pPr algn="ctr">
+              <a:defRPr sz="4200" u="sng"/>
+            </a:pPr>
+            <a:endParaRPr lang="en-US" dirty="0"/>
+          </a:p>
+          <a:p>
+            <a:pPr algn="ctr">
+              <a:defRPr sz="4200" u="sng"/>
+            </a:pPr>
+            <a:endParaRPr lang="en-US" dirty="0" smtClean="0"/>
+          </a:p>
+          <a:p>
+            <a:pPr algn="ctr">
+              <a:defRPr sz="4200" u="sng"/>
+            </a:pPr>
+            <a:endParaRPr lang="en-US" dirty="0"/>
+          </a:p>
+          <a:p>
+            <a:pPr algn="ctr">
+              <a:defRPr sz="4200" u="sng"/>
+            </a:pPr>
+            <a:endParaRPr lang="en-US" dirty="0" smtClean="0"/>
+          </a:p>
+          <a:p>
+            <a:pPr algn="ctr">
+              <a:defRPr sz="4200" u="sng"/>
+            </a:pPr>
+            <a:endParaRPr lang="en-US" dirty="0"/>
+          </a:p>
+          <a:p>
+            <a:pPr algn="ctr">
+              <a:defRPr sz="4200" u="sng"/>
+            </a:pPr>
+            <a:endParaRPr lang="en-US" dirty="0" smtClean="0"/>
+          </a:p>
+          <a:p>
+            <a:pPr algn="ctr">
+              <a:defRPr sz="4200" u="sng"/>
+            </a:pPr>
+            <a:endParaRPr lang="en-US" dirty="0"/>
+          </a:p>
+        </p:txBody>
+      </p:sp>
+      <p:sp>
+        <p:nvSpPr>
+          <p:cNvPr id="44" name="Shape 112"/>
+          <p:cNvSpPr/>
+          <p:nvPr/>
+        </p:nvSpPr>
+        <p:spPr>
+          <a:xfrm>
+            <a:off x="387503" y="2420817"/>
+            <a:ext cx="9899498" cy="6278642"/>
+          </a:xfrm>
+          <a:prstGeom prst="rect">
+            <a:avLst/>
+          </a:prstGeom>
+          <a:ln w="76200" cmpd="sng">
+            <a:noFill/>
+            <a:miter lim="400000"/>
+          </a:ln>
+          <a:extLst>
+            <a:ext uri="{C572A759-6A51-4108-AA02-DFA0A04FC94B}">
+              <ma14:wrappingTextBoxFlag xmlns:ma14="http://schemas.microsoft.com/office/mac/drawingml/2011/main" val="1"/>
+            </a:ext>
+          </a:extLst>
+        </p:spPr>
+        <p:txBody>
+          <a:bodyPr wrap="square" lIns="45719" rIns="45719">
+            <a:spAutoFit/>
+          </a:bodyPr>
+          <a:lstStyle/>
+          <a:p>
+            <a:pPr algn="ctr">
+              <a:defRPr sz="4200" u="sng"/>
+            </a:pPr>
+            <a:r>
+              <a:rPr dirty="0"/>
+              <a:t>1. Problem </a:t>
+            </a:r>
+            <a:r>
+              <a:rPr dirty="0" smtClean="0"/>
+              <a:t>Statement</a:t>
+            </a:r>
+            <a:endParaRPr dirty="0"/>
+          </a:p>
+          <a:p>
+            <a:pPr>
+              <a:defRPr sz="3000"/>
+            </a:pPr>
+            <a:r>
+              <a:rPr dirty="0"/>
+              <a:t>We aim to identify, understand, and designate experts and expertise within StackExchange data</a:t>
+            </a:r>
+            <a:r>
+              <a:rPr dirty="0" smtClean="0"/>
+              <a:t>.</a:t>
+            </a:r>
+            <a:r>
+              <a:rPr lang="en-US" dirty="0" smtClean="0"/>
+              <a:t> Specifically, our goals:</a:t>
+            </a:r>
+            <a:endParaRPr dirty="0"/>
+          </a:p>
+          <a:p>
+            <a:pPr marL="457200" indent="-457200">
+              <a:buSzPct val="100000"/>
+              <a:buFont typeface="Arial"/>
+              <a:buChar char="•"/>
+              <a:defRPr sz="3000"/>
+            </a:pPr>
+            <a:r>
+              <a:rPr lang="en-US" dirty="0" smtClean="0"/>
+              <a:t>Better define and identify  </a:t>
+            </a:r>
+            <a:r>
+              <a:rPr lang="en-US" dirty="0"/>
+              <a:t>experts and expertise, particularly in </a:t>
+            </a:r>
+            <a:r>
+              <a:rPr lang="en-US" dirty="0" smtClean="0"/>
+              <a:t>specific domains,</a:t>
+            </a:r>
+            <a:r>
+              <a:rPr lang="en-US" dirty="0"/>
+              <a:t> </a:t>
+            </a:r>
+            <a:r>
+              <a:rPr lang="en-US" dirty="0" smtClean="0"/>
+              <a:t>such as geometry.</a:t>
+            </a:r>
+          </a:p>
+          <a:p>
+            <a:pPr marL="457200" indent="-457200">
+              <a:buSzPct val="100000"/>
+              <a:buFont typeface="Arial"/>
+              <a:buChar char="•"/>
+              <a:defRPr sz="3000"/>
+            </a:pPr>
+            <a:r>
+              <a:rPr lang="en-US" dirty="0" smtClean="0"/>
+              <a:t>Provide structure for knowledge management within an </a:t>
+            </a:r>
+            <a:r>
+              <a:rPr lang="en-US" dirty="0"/>
+              <a:t>entire </a:t>
+            </a:r>
+            <a:r>
+              <a:rPr lang="en-US" dirty="0" smtClean="0"/>
+              <a:t>online community.</a:t>
+            </a:r>
+          </a:p>
+          <a:p>
+            <a:pPr marL="457200" lvl="2" indent="-457200">
+              <a:buSzPct val="100000"/>
+              <a:buFont typeface="Arial"/>
+              <a:buChar char="•"/>
+              <a:defRPr sz="3000"/>
+            </a:pPr>
+            <a:r>
+              <a:rPr lang="en-US" dirty="0"/>
+              <a:t>Create credibility scores that supersede </a:t>
+            </a:r>
+            <a:r>
+              <a:rPr lang="en-US" dirty="0" err="1"/>
+              <a:t>StackExchange’s</a:t>
+            </a:r>
+            <a:r>
+              <a:rPr lang="en-US" dirty="0"/>
+              <a:t> global reputation catch-</a:t>
+            </a:r>
+            <a:r>
+              <a:rPr lang="en-US" dirty="0" smtClean="0"/>
+              <a:t>all. </a:t>
+            </a:r>
+          </a:p>
+          <a:p>
+            <a:pPr lvl="2" indent="0">
+              <a:buSzPct val="100000"/>
+              <a:defRPr sz="3000"/>
+            </a:pPr>
+            <a:r>
+              <a:rPr lang="en-US" dirty="0" smtClean="0"/>
+              <a:t>Prior work in this area include applying network analysis to different question answer forums (</a:t>
+            </a:r>
+            <a:r>
+              <a:rPr lang="en-US" dirty="0" err="1" smtClean="0"/>
+              <a:t>Lada</a:t>
+            </a:r>
+            <a:r>
+              <a:rPr lang="en-US" dirty="0" smtClean="0"/>
+              <a:t>), invoking machine learning to predict reputation (</a:t>
+            </a:r>
+            <a:r>
+              <a:rPr lang="en-US" dirty="0" err="1" smtClean="0"/>
+              <a:t>Movshovitz</a:t>
+            </a:r>
+            <a:r>
+              <a:rPr lang="en-US" dirty="0" smtClean="0"/>
+              <a:t>), and different perspectives on modeling (Zhang).</a:t>
+            </a:r>
+            <a:endParaRPr lang="en-US" dirty="0"/>
+          </a:p>
+        </p:txBody>
+      </p:sp>
+      <p:sp>
+        <p:nvSpPr>
+          <p:cNvPr id="45" name="Shape 113"/>
+          <p:cNvSpPr/>
+          <p:nvPr/>
+        </p:nvSpPr>
+        <p:spPr>
+          <a:xfrm>
+            <a:off x="10941979" y="2503604"/>
+            <a:ext cx="10545427" cy="6278642"/>
+          </a:xfrm>
+          <a:prstGeom prst="rect">
+            <a:avLst/>
+          </a:prstGeom>
+          <a:ln w="76200" cmpd="sng">
+            <a:solidFill>
+              <a:srgbClr val="FFFFFF"/>
+            </a:solidFill>
+            <a:miter lim="400000"/>
+          </a:ln>
+          <a:extLst>
+            <a:ext uri="{C572A759-6A51-4108-AA02-DFA0A04FC94B}">
+              <ma14:wrappingTextBoxFlag xmlns:ma14="http://schemas.microsoft.com/office/mac/drawingml/2011/main" val="1"/>
+            </a:ext>
+          </a:extLst>
+        </p:spPr>
+        <p:txBody>
+          <a:bodyPr wrap="square" lIns="45719" rIns="45719">
+            <a:spAutoFit/>
+          </a:bodyPr>
+          <a:lstStyle/>
+          <a:p>
+            <a:pPr algn="ctr">
+              <a:defRPr sz="4200" u="sng"/>
+            </a:pPr>
+            <a:r>
+              <a:rPr dirty="0"/>
+              <a:t>2. </a:t>
+            </a:r>
+            <a:r>
+              <a:rPr dirty="0" smtClean="0"/>
+              <a:t>Datasets</a:t>
+            </a:r>
+            <a:endParaRPr dirty="0"/>
+          </a:p>
+          <a:p>
+            <a:pPr>
+              <a:buSzPct val="100000"/>
+              <a:defRPr sz="3000"/>
+            </a:pPr>
+            <a:r>
+              <a:rPr lang="en-US" dirty="0" smtClean="0"/>
+              <a:t>This study looks at the </a:t>
+            </a:r>
+            <a:r>
+              <a:rPr dirty="0" smtClean="0"/>
+              <a:t>math </a:t>
+            </a:r>
+            <a:r>
+              <a:rPr dirty="0"/>
+              <a:t>subdomain of StackExchange, which has 560K Badges, 2M Comments, 1M Posts, 200K Users, and 4M votes</a:t>
+            </a:r>
+            <a:r>
+              <a:rPr dirty="0" smtClean="0"/>
+              <a:t>.</a:t>
+            </a:r>
+            <a:endParaRPr lang="en-US" dirty="0" smtClean="0"/>
+          </a:p>
+          <a:p>
+            <a:pPr>
+              <a:buSzPct val="100000"/>
+              <a:defRPr sz="3000"/>
+            </a:pPr>
+            <a:endParaRPr sz="1500" dirty="0"/>
+          </a:p>
+          <a:p>
+            <a:pPr marL="685800" indent="-685800">
+              <a:buSzPct val="100000"/>
+              <a:buFont typeface="Arial"/>
+              <a:buChar char="•"/>
+              <a:defRPr sz="3000"/>
+            </a:pPr>
+            <a:endParaRPr dirty="0"/>
+          </a:p>
+          <a:p>
+            <a:pPr marL="685800" lvl="2" indent="-685800">
+              <a:buSzPct val="100000"/>
+              <a:buFont typeface="Arial"/>
+              <a:buChar char="•"/>
+              <a:defRPr sz="3000"/>
+            </a:pPr>
+            <a:endParaRPr dirty="0"/>
+          </a:p>
+          <a:p>
+            <a:pPr marL="685800" indent="-685800">
+              <a:buSzPct val="100000"/>
+              <a:buFont typeface="Arial"/>
+              <a:buChar char="•"/>
+              <a:defRPr sz="3000"/>
+            </a:pPr>
+            <a:endParaRPr dirty="0"/>
+          </a:p>
+          <a:p>
+            <a:pPr marL="685800" indent="-685800">
+              <a:buSzPct val="100000"/>
+              <a:buFont typeface="Arial"/>
+              <a:buChar char="•"/>
+              <a:defRPr sz="3000"/>
+            </a:pPr>
+            <a:endParaRPr dirty="0"/>
+          </a:p>
+          <a:p>
+            <a:pPr>
+              <a:defRPr sz="3000"/>
+            </a:pPr>
+            <a:endParaRPr dirty="0"/>
+          </a:p>
+          <a:p>
+            <a:pPr>
+              <a:defRPr sz="3000"/>
+            </a:pPr>
+            <a:endParaRPr dirty="0"/>
+          </a:p>
+          <a:p>
+            <a:pPr marL="685800" indent="-685800">
+              <a:buSzPct val="100000"/>
+              <a:buFont typeface="Arial"/>
+              <a:buChar char="•"/>
+              <a:defRPr sz="3000"/>
+            </a:pPr>
+            <a:endParaRPr lang="en-US" dirty="0" smtClean="0"/>
+          </a:p>
+          <a:p>
+            <a:pPr marL="685800" indent="-685800">
+              <a:buSzPct val="100000"/>
+              <a:buFont typeface="Arial"/>
+              <a:buChar char="•"/>
+              <a:defRPr sz="3000"/>
+            </a:pPr>
+            <a:endParaRPr lang="en-US" dirty="0" smtClean="0"/>
+          </a:p>
+          <a:p>
+            <a:pPr marL="685800" indent="-685800">
+              <a:buSzPct val="100000"/>
+              <a:buFont typeface="Arial"/>
+              <a:buChar char="•"/>
+              <a:defRPr sz="3000"/>
+            </a:pPr>
+            <a:endParaRPr lang="en-US" sz="1500" dirty="0"/>
+          </a:p>
+        </p:txBody>
+      </p:sp>
+      <p:pic>
+        <p:nvPicPr>
+          <p:cNvPr id="47" name="image2.png"/>
+          <p:cNvPicPr>
+            <a:picLocks noChangeAspect="1"/>
+          </p:cNvPicPr>
+          <p:nvPr/>
+        </p:nvPicPr>
+        <p:blipFill>
+          <a:blip r:embed="rId6">
+            <a:extLst/>
+          </a:blip>
+          <a:stretch>
+            <a:fillRect/>
+          </a:stretch>
+        </p:blipFill>
+        <p:spPr>
+          <a:xfrm>
+            <a:off x="11185462" y="4726853"/>
+            <a:ext cx="4081387" cy="3569881"/>
+          </a:xfrm>
+          <a:prstGeom prst="rect">
+            <a:avLst/>
+          </a:prstGeom>
+          <a:ln w="12700">
+            <a:miter lim="400000"/>
+          </a:ln>
+        </p:spPr>
+      </p:pic>
+      <p:sp>
+        <p:nvSpPr>
+          <p:cNvPr id="48" name="Shape 124"/>
+          <p:cNvSpPr/>
+          <p:nvPr/>
+        </p:nvSpPr>
+        <p:spPr>
+          <a:xfrm>
+            <a:off x="15363469" y="7988149"/>
+            <a:ext cx="3873160" cy="400110"/>
+          </a:xfrm>
+          <a:prstGeom prst="rect">
+            <a:avLst/>
+          </a:prstGeom>
+          <a:ln w="12700">
+            <a:miter lim="400000"/>
+          </a:ln>
+          <a:extLst>
+            <a:ext uri="{C572A759-6A51-4108-AA02-DFA0A04FC94B}">
+              <ma14:wrappingTextBoxFlag xmlns:ma14="http://schemas.microsoft.com/office/mac/drawingml/2011/main" val="1"/>
+            </a:ext>
+          </a:extLst>
+        </p:spPr>
+        <p:txBody>
+          <a:bodyPr wrap="square" lIns="45719" rIns="45719">
+            <a:spAutoFit/>
+          </a:bodyPr>
+          <a:lstStyle>
+            <a:lvl1pPr algn="ctr">
+              <a:defRPr sz="3000"/>
+            </a:lvl1pPr>
+          </a:lstStyle>
+          <a:p>
+            <a:pPr algn="l"/>
+            <a:r>
+              <a:rPr lang="en-US" sz="2000" b="1" dirty="0" smtClean="0"/>
+              <a:t>Figure 1. </a:t>
+            </a:r>
+            <a:r>
+              <a:rPr lang="en-US" sz="2000" dirty="0" smtClean="0"/>
+              <a:t>Geometry tag post links.</a:t>
+            </a:r>
+            <a:endParaRPr sz="2000" dirty="0"/>
+          </a:p>
+        </p:txBody>
+      </p:sp>
+      <p:sp>
+        <p:nvSpPr>
+          <p:cNvPr id="49" name="Shape 123"/>
+          <p:cNvSpPr/>
+          <p:nvPr/>
+        </p:nvSpPr>
+        <p:spPr>
+          <a:xfrm>
+            <a:off x="15363469" y="4202497"/>
+            <a:ext cx="6203571" cy="3785652"/>
+          </a:xfrm>
+          <a:prstGeom prst="rect">
+            <a:avLst/>
+          </a:prstGeom>
+          <a:ln w="12700">
+            <a:miter lim="400000"/>
+          </a:ln>
+          <a:extLst>
+            <a:ext uri="{C572A759-6A51-4108-AA02-DFA0A04FC94B}">
+              <ma14:wrappingTextBoxFlag xmlns:ma14="http://schemas.microsoft.com/office/mac/drawingml/2011/main" val="1"/>
+            </a:ext>
+          </a:extLst>
+        </p:spPr>
+        <p:txBody>
+          <a:bodyPr wrap="square" lIns="45719" rIns="45719">
+            <a:spAutoFit/>
+          </a:bodyPr>
+          <a:lstStyle/>
+          <a:p>
+            <a:pPr marL="457200" indent="-457200">
+              <a:buSzPct val="100000"/>
+              <a:buFont typeface="Arial"/>
+              <a:buChar char="•"/>
+              <a:defRPr sz="3000"/>
+            </a:pPr>
+            <a:r>
+              <a:rPr dirty="0"/>
+              <a:t>Post </a:t>
+            </a:r>
+            <a:r>
+              <a:rPr dirty="0" smtClean="0"/>
+              <a:t>Graph:</a:t>
+            </a:r>
+            <a:r>
+              <a:rPr lang="en-US" dirty="0" smtClean="0"/>
+              <a:t> D</a:t>
+            </a:r>
+            <a:r>
+              <a:rPr dirty="0" smtClean="0"/>
+              <a:t>irected </a:t>
+            </a:r>
+            <a:r>
+              <a:rPr dirty="0"/>
+              <a:t>graph where nodes are posts and edges are from </a:t>
+            </a:r>
+            <a:r>
+              <a:rPr lang="en-US" dirty="0" smtClean="0"/>
+              <a:t>response to original post.</a:t>
+            </a:r>
+            <a:endParaRPr dirty="0"/>
+          </a:p>
+          <a:p>
+            <a:pPr marL="457200" indent="-457200">
+              <a:buSzPct val="100000"/>
+              <a:buFont typeface="Arial"/>
+              <a:buChar char="•"/>
+              <a:defRPr sz="3000"/>
+            </a:pPr>
+            <a:r>
+              <a:rPr dirty="0"/>
+              <a:t>User </a:t>
+            </a:r>
+            <a:r>
+              <a:rPr dirty="0" smtClean="0"/>
+              <a:t>Graph:</a:t>
+            </a:r>
+            <a:r>
+              <a:rPr lang="en-US" dirty="0" smtClean="0"/>
+              <a:t> D</a:t>
+            </a:r>
+            <a:r>
+              <a:rPr dirty="0" smtClean="0"/>
+              <a:t>irected </a:t>
+            </a:r>
+            <a:r>
+              <a:rPr dirty="0"/>
+              <a:t>graph where nodes are users and edges are </a:t>
+            </a:r>
+            <a:r>
+              <a:rPr dirty="0" smtClean="0"/>
+              <a:t>from </a:t>
+            </a:r>
+            <a:r>
+              <a:rPr dirty="0"/>
+              <a:t>commenter to original poster</a:t>
+            </a:r>
+            <a:r>
+              <a:rPr dirty="0" smtClean="0"/>
+              <a:t>.</a:t>
+            </a:r>
+            <a:r>
+              <a:rPr lang="en-US" dirty="0" smtClean="0"/>
+              <a:t> We use this specific for Geometry tag to focus attention on expertise.</a:t>
+            </a:r>
+            <a:endParaRPr dirty="0"/>
+          </a:p>
+        </p:txBody>
+      </p:sp>
+      <p:sp>
+        <p:nvSpPr>
+          <p:cNvPr id="50" name="Shape 112"/>
+          <p:cNvSpPr/>
+          <p:nvPr/>
+        </p:nvSpPr>
+        <p:spPr>
+          <a:xfrm>
+            <a:off x="213937" y="27076824"/>
+            <a:ext cx="12816263" cy="5262979"/>
+          </a:xfrm>
+          <a:prstGeom prst="rect">
+            <a:avLst/>
+          </a:prstGeom>
+          <a:solidFill>
+            <a:srgbClr val="FFFFFF"/>
+          </a:solidFill>
+          <a:ln w="76200" cmpd="sng">
+            <a:solidFill>
+              <a:schemeClr val="accent1"/>
+            </a:solidFill>
+            <a:miter lim="400000"/>
+          </a:ln>
+          <a:extLst>
+            <a:ext uri="{C572A759-6A51-4108-AA02-DFA0A04FC94B}">
+              <ma14:wrappingTextBoxFlag xmlns:ma14="http://schemas.microsoft.com/office/mac/drawingml/2011/main" val="1"/>
+            </a:ext>
+          </a:extLst>
+        </p:spPr>
+        <p:txBody>
+          <a:bodyPr wrap="square" lIns="45719" rIns="45719">
+            <a:spAutoFit/>
+          </a:bodyPr>
+          <a:lstStyle/>
+          <a:p>
+            <a:pPr algn="ctr">
+              <a:defRPr sz="4200" u="sng"/>
+            </a:pPr>
+            <a:endParaRPr lang="en-US" dirty="0" smtClean="0"/>
+          </a:p>
+          <a:p>
+            <a:pPr algn="ctr">
+              <a:defRPr sz="4200" u="sng"/>
+            </a:pPr>
+            <a:endParaRPr lang="en-US" dirty="0"/>
+          </a:p>
+          <a:p>
+            <a:pPr algn="ctr">
+              <a:defRPr sz="4200" u="sng"/>
+            </a:pPr>
+            <a:endParaRPr lang="en-US" dirty="0" smtClean="0"/>
+          </a:p>
+          <a:p>
+            <a:pPr algn="ctr">
+              <a:defRPr sz="4200" u="sng"/>
+            </a:pPr>
+            <a:endParaRPr lang="en-US" dirty="0"/>
+          </a:p>
+          <a:p>
+            <a:pPr algn="ctr">
+              <a:defRPr sz="4200" u="sng"/>
+            </a:pPr>
+            <a:endParaRPr lang="en-US" dirty="0" smtClean="0"/>
+          </a:p>
+          <a:p>
+            <a:pPr algn="ctr">
+              <a:defRPr sz="4200" u="sng"/>
+            </a:pPr>
+            <a:endParaRPr lang="en-US" dirty="0"/>
+          </a:p>
+          <a:p>
+            <a:pPr algn="ctr">
+              <a:defRPr sz="4200" u="sng"/>
+            </a:pPr>
+            <a:endParaRPr lang="en-US" dirty="0" smtClean="0"/>
+          </a:p>
+          <a:p>
+            <a:pPr algn="ctr">
+              <a:defRPr sz="4200" u="sng"/>
+            </a:pPr>
+            <a:endParaRPr lang="en-US" dirty="0"/>
+          </a:p>
+        </p:txBody>
+      </p:sp>
+      <p:sp>
+        <p:nvSpPr>
+          <p:cNvPr id="51" name="Shape 125"/>
+          <p:cNvSpPr/>
+          <p:nvPr/>
+        </p:nvSpPr>
+        <p:spPr>
+          <a:xfrm>
+            <a:off x="243249" y="27330824"/>
             <a:ext cx="7135488" cy="701041"/>
           </a:xfrm>
           <a:prstGeom prst="rect">
@@ -4696,8 +6181,8 @@
             </a:lvl1pPr>
           </a:lstStyle>
           <a:p>
-            <a:pPr/>
-            <a:r>
+            <a:r>
+              <a:rPr dirty="0"/>
               <a:t>4. Conclusions &amp; Future Work</a:t>
             </a:r>
           </a:p>
@@ -4705,14 +6190,98 @@
       </p:sp>
       <p:sp>
         <p:nvSpPr>
-          <p:cNvPr id="126" name="Shape 126"/>
+          <p:cNvPr id="52" name="Shape 112"/>
           <p:cNvSpPr/>
           <p:nvPr/>
         </p:nvSpPr>
         <p:spPr>
           <a:xfrm>
-            <a:off x="1124864" y="24681990"/>
-            <a:ext cx="9008180" cy="1424941"/>
+            <a:off x="13360400" y="27076824"/>
+            <a:ext cx="8169791" cy="5262979"/>
+          </a:xfrm>
+          <a:prstGeom prst="rect">
+            <a:avLst/>
+          </a:prstGeom>
+          <a:solidFill>
+            <a:srgbClr val="FFFFFF"/>
+          </a:solidFill>
+          <a:ln w="76200" cmpd="sng">
+            <a:solidFill>
+              <a:schemeClr val="accent1"/>
+            </a:solidFill>
+            <a:miter lim="400000"/>
+          </a:ln>
+          <a:extLst>
+            <a:ext uri="{C572A759-6A51-4108-AA02-DFA0A04FC94B}">
+              <ma14:wrappingTextBoxFlag xmlns:ma14="http://schemas.microsoft.com/office/mac/drawingml/2011/main" val="1"/>
+            </a:ext>
+          </a:extLst>
+        </p:spPr>
+        <p:txBody>
+          <a:bodyPr wrap="square" lIns="45719" rIns="45719">
+            <a:spAutoFit/>
+          </a:bodyPr>
+          <a:lstStyle/>
+          <a:p>
+            <a:pPr algn="ctr">
+              <a:defRPr sz="4200" u="sng"/>
+            </a:pPr>
+            <a:endParaRPr lang="en-US" dirty="0" smtClean="0"/>
+          </a:p>
+          <a:p>
+            <a:pPr algn="ctr">
+              <a:defRPr sz="4200" u="sng"/>
+            </a:pPr>
+            <a:endParaRPr lang="en-US" dirty="0"/>
+          </a:p>
+          <a:p>
+            <a:pPr algn="ctr">
+              <a:defRPr sz="4200" u="sng"/>
+            </a:pPr>
+            <a:endParaRPr lang="en-US" dirty="0" smtClean="0"/>
+          </a:p>
+          <a:p>
+            <a:pPr algn="ctr">
+              <a:defRPr sz="4200" u="sng"/>
+            </a:pPr>
+            <a:endParaRPr lang="en-US" dirty="0"/>
+          </a:p>
+          <a:p>
+            <a:pPr algn="ctr">
+              <a:defRPr sz="4200" u="sng"/>
+            </a:pPr>
+            <a:endParaRPr lang="en-US" dirty="0" smtClean="0"/>
+          </a:p>
+          <a:p>
+            <a:pPr algn="ctr">
+              <a:defRPr sz="4200" u="sng"/>
+            </a:pPr>
+            <a:endParaRPr lang="en-US" dirty="0"/>
+          </a:p>
+          <a:p>
+            <a:pPr algn="ctr">
+              <a:defRPr sz="4200" u="sng"/>
+            </a:pPr>
+            <a:endParaRPr lang="en-US" dirty="0" smtClean="0"/>
+          </a:p>
+          <a:p>
+            <a:pPr algn="ctr">
+              <a:defRPr sz="4200" u="sng"/>
+            </a:pPr>
+            <a:endParaRPr lang="en-US" dirty="0"/>
+          </a:p>
+        </p:txBody>
+      </p:sp>
+      <p:sp>
+        <p:nvSpPr>
+          <p:cNvPr id="53" name="Shape 125"/>
+          <p:cNvSpPr/>
+          <p:nvPr/>
+        </p:nvSpPr>
+        <p:spPr>
+          <a:xfrm>
+            <a:off x="13495139" y="27275368"/>
+            <a:ext cx="3060992" cy="738664"/>
           </a:xfrm>
           <a:prstGeom prst="rect">
             <a:avLst/>
@@ -4727,19 +6296,20 @@
           </a:extLst>
         </p:spPr>
         <p:txBody>
-          <a:bodyPr lIns="45719" rIns="45719">
+          <a:bodyPr wrap="none" lIns="45719" rIns="45719">
             <a:spAutoFit/>
           </a:bodyPr>
           <a:lstStyle>
-            <a:lvl1pPr algn="ctr">
-              <a:defRPr sz="3000"/>
+            <a:lvl1pPr>
+              <a:defRPr sz="4200" u="sng"/>
             </a:lvl1pPr>
           </a:lstStyle>
           <a:p>
-            <a:pPr/>
-            <a:r>
-              <a:t>These functions had low Spearman Rank correlation to the baseline (0.0545), while they had high Spearman Rank correlation to each other (0.412).</a:t>
-            </a:r>
+            <a:r>
+              <a:rPr lang="en-US" dirty="0" smtClean="0"/>
+              <a:t>5. References</a:t>
+            </a:r>
+            <a:endParaRPr dirty="0"/>
           </a:p>
         </p:txBody>
       </p:sp>
@@ -4748,12 +6318,19 @@
   <p:clrMapOvr>
     <a:masterClrMapping/>
   </p:clrMapOvr>
-  <p:transition xmlns:p14="http://schemas.microsoft.com/office/powerpoint/2010/main" spd="med" advClick="1"/>
+  <p:transition xmlns:p14="http://schemas.microsoft.com/office/powerpoint/2010/main" spd="med"/>
+  <p:timing>
+    <p:tnLst>
+      <p:par>
+        <p:cTn xmlns:p14="http://schemas.microsoft.com/office/powerpoint/2010/main" id="1" dur="indefinite" restart="never" nodeType="tmRoot"/>
+      </p:par>
+    </p:tnLst>
+  </p:timing>
 </p:sld>
 </file>
 
 <file path=ppt/theme/theme1.xml><?xml version="1.0" encoding="utf-8"?>
-<a:theme xmlns:a="http://schemas.openxmlformats.org/drawingml/2006/main" xmlns:r="http://schemas.openxmlformats.org/officeDocument/2006/relationships" name="Office Theme">
+<a:theme xmlns:a="http://schemas.openxmlformats.org/drawingml/2006/main" name="Office Theme">
   <a:themeElements>
     <a:clrScheme name="Office Theme">
       <a:dk1>
@@ -4879,7 +6456,7 @@
       <a:effectStyleLst>
         <a:effectStyle>
           <a:effectLst>
-            <a:outerShdw sx="100000" sy="100000" kx="0" ky="0" algn="b" rotWithShape="0" blurRad="38100" dist="23000" dir="5400000">
+            <a:outerShdw blurRad="38100" dist="23000" dir="5400000" rotWithShape="0">
               <a:srgbClr val="000000">
                 <a:alpha val="35000"/>
               </a:srgbClr>
@@ -4888,7 +6465,7 @@
         </a:effectStyle>
         <a:effectStyle>
           <a:effectLst>
-            <a:outerShdw sx="100000" sy="100000" kx="0" ky="0" algn="b" rotWithShape="0" blurRad="38100" dist="23000" dir="5400000">
+            <a:outerShdw blurRad="38100" dist="23000" dir="5400000" rotWithShape="0">
               <a:srgbClr val="000000">
                 <a:alpha val="35000"/>
               </a:srgbClr>
@@ -4897,7 +6474,7 @@
         </a:effectStyle>
         <a:effectStyle>
           <a:effectLst>
-            <a:outerShdw sx="100000" sy="100000" kx="0" ky="0" algn="b" rotWithShape="0" blurRad="38100" dist="20000" dir="5400000">
+            <a:outerShdw blurRad="38100" dist="20000" dir="5400000" rotWithShape="0">
               <a:srgbClr val="000000">
                 <a:alpha val="38000"/>
               </a:srgbClr>
@@ -4971,7 +6548,7 @@
           <a:round/>
         </a:ln>
         <a:effectLst>
-          <a:outerShdw sx="100000" sy="100000" kx="0" ky="0" algn="b" rotWithShape="0" blurRad="38100" dist="23000" dir="5400000">
+          <a:outerShdw blurRad="38100" dist="23000" dir="5400000" rotWithShape="0">
             <a:srgbClr val="000000">
               <a:alpha val="35000"/>
             </a:srgbClr>
@@ -4979,7 +6556,7 @@
         </a:effectLst>
         <a:sp3d/>
       </a:spPr>
-      <a:bodyPr rot="0" spcFirstLastPara="1" vertOverflow="overflow" horzOverflow="overflow" vert="horz" wrap="square" lIns="45719" tIns="45719" rIns="45719" bIns="45719" numCol="1" spcCol="38100" rtlCol="0" anchor="ctr" upright="0">
+      <a:bodyPr rot="0" spcFirstLastPara="1" vertOverflow="overflow" horzOverflow="overflow" vert="horz" wrap="square" lIns="45719" tIns="45719" rIns="45719" bIns="45719" numCol="1" spcCol="38100" rtlCol="0" anchor="ctr">
         <a:spAutoFit/>
       </a:bodyPr>
       <a:lstStyle>
@@ -4998,7 +6575,7 @@
           <a:buFontTx/>
           <a:buNone/>
           <a:tabLst/>
-          <a:defRPr b="0" baseline="0" cap="none" i="0" spc="0" strike="noStrike" sz="6100" u="none" kumimoji="0" normalizeH="0">
+          <a:defRPr kumimoji="0" sz="6100" b="0" i="0" u="none" strike="noStrike" cap="none" spc="0" normalizeH="0" baseline="0">
             <a:ln>
               <a:noFill/>
             </a:ln>
@@ -5028,7 +6605,7 @@
           <a:buFontTx/>
           <a:buNone/>
           <a:tabLst/>
-          <a:defRPr b="0" baseline="0" cap="none" i="0" spc="0" strike="noStrike" sz="1800" u="none" kumimoji="0" normalizeH="0">
+          <a:defRPr kumimoji="0" sz="1800" b="0" i="0" u="none" strike="noStrike" cap="none" spc="0" normalizeH="0" baseline="0">
             <a:ln>
               <a:noFill/>
             </a:ln>
@@ -5054,7 +6631,7 @@
           <a:buFontTx/>
           <a:buNone/>
           <a:tabLst/>
-          <a:defRPr b="0" baseline="0" cap="none" i="0" spc="0" strike="noStrike" sz="1800" u="none" kumimoji="0" normalizeH="0">
+          <a:defRPr kumimoji="0" sz="1800" b="0" i="0" u="none" strike="noStrike" cap="none" spc="0" normalizeH="0" baseline="0">
             <a:ln>
               <a:noFill/>
             </a:ln>
@@ -5080,7 +6657,7 @@
           <a:buFontTx/>
           <a:buNone/>
           <a:tabLst/>
-          <a:defRPr b="0" baseline="0" cap="none" i="0" spc="0" strike="noStrike" sz="1800" u="none" kumimoji="0" normalizeH="0">
+          <a:defRPr kumimoji="0" sz="1800" b="0" i="0" u="none" strike="noStrike" cap="none" spc="0" normalizeH="0" baseline="0">
             <a:ln>
               <a:noFill/>
             </a:ln>
@@ -5106,7 +6683,7 @@
           <a:buFontTx/>
           <a:buNone/>
           <a:tabLst/>
-          <a:defRPr b="0" baseline="0" cap="none" i="0" spc="0" strike="noStrike" sz="1800" u="none" kumimoji="0" normalizeH="0">
+          <a:defRPr kumimoji="0" sz="1800" b="0" i="0" u="none" strike="noStrike" cap="none" spc="0" normalizeH="0" baseline="0">
             <a:ln>
               <a:noFill/>
             </a:ln>
@@ -5132,7 +6709,7 @@
           <a:buFontTx/>
           <a:buNone/>
           <a:tabLst/>
-          <a:defRPr b="0" baseline="0" cap="none" i="0" spc="0" strike="noStrike" sz="1800" u="none" kumimoji="0" normalizeH="0">
+          <a:defRPr kumimoji="0" sz="1800" b="0" i="0" u="none" strike="noStrike" cap="none" spc="0" normalizeH="0" baseline="0">
             <a:ln>
               <a:noFill/>
             </a:ln>
@@ -5158,7 +6735,7 @@
           <a:buFontTx/>
           <a:buNone/>
           <a:tabLst/>
-          <a:defRPr b="0" baseline="0" cap="none" i="0" spc="0" strike="noStrike" sz="1800" u="none" kumimoji="0" normalizeH="0">
+          <a:defRPr kumimoji="0" sz="1800" b="0" i="0" u="none" strike="noStrike" cap="none" spc="0" normalizeH="0" baseline="0">
             <a:ln>
               <a:noFill/>
             </a:ln>
@@ -5184,7 +6761,7 @@
           <a:buFontTx/>
           <a:buNone/>
           <a:tabLst/>
-          <a:defRPr b="0" baseline="0" cap="none" i="0" spc="0" strike="noStrike" sz="1800" u="none" kumimoji="0" normalizeH="0">
+          <a:defRPr kumimoji="0" sz="1800" b="0" i="0" u="none" strike="noStrike" cap="none" spc="0" normalizeH="0" baseline="0">
             <a:ln>
               <a:noFill/>
             </a:ln>
@@ -5210,7 +6787,7 @@
           <a:buFontTx/>
           <a:buNone/>
           <a:tabLst/>
-          <a:defRPr b="0" baseline="0" cap="none" i="0" spc="0" strike="noStrike" sz="1800" u="none" kumimoji="0" normalizeH="0">
+          <a:defRPr kumimoji="0" sz="1800" b="0" i="0" u="none" strike="noStrike" cap="none" spc="0" normalizeH="0" baseline="0">
             <a:ln>
               <a:noFill/>
             </a:ln>
@@ -5236,7 +6813,7 @@
           <a:buFontTx/>
           <a:buNone/>
           <a:tabLst/>
-          <a:defRPr b="0" baseline="0" cap="none" i="0" spc="0" strike="noStrike" sz="1800" u="none" kumimoji="0" normalizeH="0">
+          <a:defRPr kumimoji="0" sz="1800" b="0" i="0" u="none" strike="noStrike" cap="none" spc="0" normalizeH="0" baseline="0">
             <a:ln>
               <a:noFill/>
             </a:ln>
@@ -5249,9 +6826,15 @@
         </a:lvl9pPr>
       </a:lstStyle>
       <a:style>
-        <a:lnRef idx="0"/>
-        <a:fillRef idx="0"/>
-        <a:effectRef idx="0"/>
+        <a:lnRef idx="0">
+          <a:scrgbClr r="0" g="0" b="0"/>
+        </a:lnRef>
+        <a:fillRef idx="0">
+          <a:scrgbClr r="0" g="0" b="0"/>
+        </a:fillRef>
+        <a:effectRef idx="0">
+          <a:scrgbClr r="0" g="0" b="0"/>
+        </a:effectRef>
         <a:fontRef idx="none"/>
       </a:style>
     </a:spDef>
@@ -5266,7 +6849,7 @@
           <a:round/>
         </a:ln>
         <a:effectLst>
-          <a:outerShdw sx="100000" sy="100000" kx="0" ky="0" algn="b" rotWithShape="0" blurRad="38100" dist="20000" dir="5400000">
+          <a:outerShdw blurRad="38100" dist="20000" dir="5400000" rotWithShape="0">
             <a:srgbClr val="000000">
               <a:alpha val="38000"/>
             </a:srgbClr>
@@ -5274,7 +6857,7 @@
         </a:effectLst>
         <a:sp3d/>
       </a:spPr>
-      <a:bodyPr rot="0" spcFirstLastPara="1" vertOverflow="overflow" horzOverflow="overflow" vert="horz" wrap="square" lIns="91439" tIns="45719" rIns="91439" bIns="45719" numCol="1" spcCol="38100" rtlCol="0" anchor="t" upright="0">
+      <a:bodyPr rot="0" spcFirstLastPara="1" vertOverflow="overflow" horzOverflow="overflow" vert="horz" wrap="square" lIns="91439" tIns="45719" rIns="91439" bIns="45719" numCol="1" spcCol="38100" rtlCol="0" anchor="t">
         <a:noAutofit/>
       </a:bodyPr>
       <a:lstStyle>
@@ -5293,7 +6876,7 @@
           <a:buFontTx/>
           <a:buNone/>
           <a:tabLst/>
-          <a:defRPr b="0" baseline="0" cap="none" i="0" spc="0" strike="noStrike" sz="1800" u="none" kumimoji="0" normalizeH="0">
+          <a:defRPr kumimoji="0" sz="1800" b="0" i="0" u="none" strike="noStrike" cap="none" spc="0" normalizeH="0" baseline="0">
             <a:ln>
               <a:noFill/>
             </a:ln>
@@ -5319,7 +6902,7 @@
           <a:buFontTx/>
           <a:buNone/>
           <a:tabLst/>
-          <a:defRPr b="0" baseline="0" cap="none" i="0" spc="0" strike="noStrike" sz="1800" u="none" kumimoji="0" normalizeH="0">
+          <a:defRPr kumimoji="0" sz="1800" b="0" i="0" u="none" strike="noStrike" cap="none" spc="0" normalizeH="0" baseline="0">
             <a:ln>
               <a:noFill/>
             </a:ln>
@@ -5345,7 +6928,7 @@
           <a:buFontTx/>
           <a:buNone/>
           <a:tabLst/>
-          <a:defRPr b="0" baseline="0" cap="none" i="0" spc="0" strike="noStrike" sz="1800" u="none" kumimoji="0" normalizeH="0">
+          <a:defRPr kumimoji="0" sz="1800" b="0" i="0" u="none" strike="noStrike" cap="none" spc="0" normalizeH="0" baseline="0">
             <a:ln>
               <a:noFill/>
             </a:ln>
@@ -5371,7 +6954,7 @@
           <a:buFontTx/>
           <a:buNone/>
           <a:tabLst/>
-          <a:defRPr b="0" baseline="0" cap="none" i="0" spc="0" strike="noStrike" sz="1800" u="none" kumimoji="0" normalizeH="0">
+          <a:defRPr kumimoji="0" sz="1800" b="0" i="0" u="none" strike="noStrike" cap="none" spc="0" normalizeH="0" baseline="0">
             <a:ln>
               <a:noFill/>
             </a:ln>
@@ -5397,7 +6980,7 @@
           <a:buFontTx/>
           <a:buNone/>
           <a:tabLst/>
-          <a:defRPr b="0" baseline="0" cap="none" i="0" spc="0" strike="noStrike" sz="1800" u="none" kumimoji="0" normalizeH="0">
+          <a:defRPr kumimoji="0" sz="1800" b="0" i="0" u="none" strike="noStrike" cap="none" spc="0" normalizeH="0" baseline="0">
             <a:ln>
               <a:noFill/>
             </a:ln>
@@ -5423,7 +7006,7 @@
           <a:buFontTx/>
           <a:buNone/>
           <a:tabLst/>
-          <a:defRPr b="0" baseline="0" cap="none" i="0" spc="0" strike="noStrike" sz="1800" u="none" kumimoji="0" normalizeH="0">
+          <a:defRPr kumimoji="0" sz="1800" b="0" i="0" u="none" strike="noStrike" cap="none" spc="0" normalizeH="0" baseline="0">
             <a:ln>
               <a:noFill/>
             </a:ln>
@@ -5449,7 +7032,7 @@
           <a:buFontTx/>
           <a:buNone/>
           <a:tabLst/>
-          <a:defRPr b="0" baseline="0" cap="none" i="0" spc="0" strike="noStrike" sz="1800" u="none" kumimoji="0" normalizeH="0">
+          <a:defRPr kumimoji="0" sz="1800" b="0" i="0" u="none" strike="noStrike" cap="none" spc="0" normalizeH="0" baseline="0">
             <a:ln>
               <a:noFill/>
             </a:ln>
@@ -5475,7 +7058,7 @@
           <a:buFontTx/>
           <a:buNone/>
           <a:tabLst/>
-          <a:defRPr b="0" baseline="0" cap="none" i="0" spc="0" strike="noStrike" sz="1800" u="none" kumimoji="0" normalizeH="0">
+          <a:defRPr kumimoji="0" sz="1800" b="0" i="0" u="none" strike="noStrike" cap="none" spc="0" normalizeH="0" baseline="0">
             <a:ln>
               <a:noFill/>
             </a:ln>
@@ -5501,7 +7084,7 @@
           <a:buFontTx/>
           <a:buNone/>
           <a:tabLst/>
-          <a:defRPr b="0" baseline="0" cap="none" i="0" spc="0" strike="noStrike" sz="1800" u="none" kumimoji="0" normalizeH="0">
+          <a:defRPr kumimoji="0" sz="1800" b="0" i="0" u="none" strike="noStrike" cap="none" spc="0" normalizeH="0" baseline="0">
             <a:ln>
               <a:noFill/>
             </a:ln>
@@ -5527,7 +7110,7 @@
           <a:buFontTx/>
           <a:buNone/>
           <a:tabLst/>
-          <a:defRPr b="0" baseline="0" cap="none" i="0" spc="0" strike="noStrike" sz="1800" u="none" kumimoji="0" normalizeH="0">
+          <a:defRPr kumimoji="0" sz="1800" b="0" i="0" u="none" strike="noStrike" cap="none" spc="0" normalizeH="0" baseline="0">
             <a:ln>
               <a:noFill/>
             </a:ln>
@@ -5540,9 +7123,15 @@
         </a:lvl9pPr>
       </a:lstStyle>
       <a:style>
-        <a:lnRef idx="0"/>
-        <a:fillRef idx="0"/>
-        <a:effectRef idx="0"/>
+        <a:lnRef idx="0">
+          <a:scrgbClr r="0" g="0" b="0"/>
+        </a:lnRef>
+        <a:fillRef idx="0">
+          <a:scrgbClr r="0" g="0" b="0"/>
+        </a:fillRef>
+        <a:effectRef idx="0">
+          <a:scrgbClr r="0" g="0" b="0"/>
+        </a:effectRef>
         <a:fontRef idx="none"/>
       </a:style>
     </a:lnDef>
@@ -5556,7 +7145,7 @@
         <a:effectLst/>
         <a:sp3d/>
       </a:spPr>
-      <a:bodyPr rot="0" spcFirstLastPara="1" vertOverflow="overflow" horzOverflow="overflow" vert="horz" wrap="square" lIns="45719" tIns="45719" rIns="45719" bIns="45719" numCol="1" spcCol="38100" rtlCol="0" anchor="t" upright="0">
+      <a:bodyPr rot="0" spcFirstLastPara="1" vertOverflow="overflow" horzOverflow="overflow" vert="horz" wrap="square" lIns="45719" tIns="45719" rIns="45719" bIns="45719" numCol="1" spcCol="38100" rtlCol="0" anchor="t">
         <a:spAutoFit/>
       </a:bodyPr>
       <a:lstStyle>
@@ -5575,7 +7164,7 @@
           <a:buFontTx/>
           <a:buNone/>
           <a:tabLst/>
-          <a:defRPr b="0" baseline="0" cap="none" i="0" spc="0" strike="noStrike" sz="6100" u="none" kumimoji="0" normalizeH="0">
+          <a:defRPr kumimoji="0" sz="6100" b="0" i="0" u="none" strike="noStrike" cap="none" spc="0" normalizeH="0" baseline="0">
             <a:ln>
               <a:noFill/>
             </a:ln>
@@ -5605,7 +7194,7 @@
           <a:buFontTx/>
           <a:buNone/>
           <a:tabLst/>
-          <a:defRPr b="0" baseline="0" cap="none" i="0" spc="0" strike="noStrike" sz="1800" u="none" kumimoji="0" normalizeH="0">
+          <a:defRPr kumimoji="0" sz="1800" b="0" i="0" u="none" strike="noStrike" cap="none" spc="0" normalizeH="0" baseline="0">
             <a:ln>
               <a:noFill/>
             </a:ln>
@@ -5631,7 +7220,7 @@
           <a:buFontTx/>
           <a:buNone/>
           <a:tabLst/>
-          <a:defRPr b="0" baseline="0" cap="none" i="0" spc="0" strike="noStrike" sz="1800" u="none" kumimoji="0" normalizeH="0">
+          <a:defRPr kumimoji="0" sz="1800" b="0" i="0" u="none" strike="noStrike" cap="none" spc="0" normalizeH="0" baseline="0">
             <a:ln>
               <a:noFill/>
             </a:ln>
@@ -5657,7 +7246,7 @@
           <a:buFontTx/>
           <a:buNone/>
           <a:tabLst/>
-          <a:defRPr b="0" baseline="0" cap="none" i="0" spc="0" strike="noStrike" sz="1800" u="none" kumimoji="0" normalizeH="0">
+          <a:defRPr kumimoji="0" sz="1800" b="0" i="0" u="none" strike="noStrike" cap="none" spc="0" normalizeH="0" baseline="0">
             <a:ln>
               <a:noFill/>
             </a:ln>
@@ -5683,7 +7272,7 @@
           <a:buFontTx/>
           <a:buNone/>
           <a:tabLst/>
-          <a:defRPr b="0" baseline="0" cap="none" i="0" spc="0" strike="noStrike" sz="1800" u="none" kumimoji="0" normalizeH="0">
+          <a:defRPr kumimoji="0" sz="1800" b="0" i="0" u="none" strike="noStrike" cap="none" spc="0" normalizeH="0" baseline="0">
             <a:ln>
               <a:noFill/>
             </a:ln>
@@ -5709,7 +7298,7 @@
           <a:buFontTx/>
           <a:buNone/>
           <a:tabLst/>
-          <a:defRPr b="0" baseline="0" cap="none" i="0" spc="0" strike="noStrike" sz="1800" u="none" kumimoji="0" normalizeH="0">
+          <a:defRPr kumimoji="0" sz="1800" b="0" i="0" u="none" strike="noStrike" cap="none" spc="0" normalizeH="0" baseline="0">
             <a:ln>
               <a:noFill/>
             </a:ln>
@@ -5735,7 +7324,7 @@
           <a:buFontTx/>
           <a:buNone/>
           <a:tabLst/>
-          <a:defRPr b="0" baseline="0" cap="none" i="0" spc="0" strike="noStrike" sz="1800" u="none" kumimoji="0" normalizeH="0">
+          <a:defRPr kumimoji="0" sz="1800" b="0" i="0" u="none" strike="noStrike" cap="none" spc="0" normalizeH="0" baseline="0">
             <a:ln>
               <a:noFill/>
             </a:ln>
@@ -5761,7 +7350,7 @@
           <a:buFontTx/>
           <a:buNone/>
           <a:tabLst/>
-          <a:defRPr b="0" baseline="0" cap="none" i="0" spc="0" strike="noStrike" sz="1800" u="none" kumimoji="0" normalizeH="0">
+          <a:defRPr kumimoji="0" sz="1800" b="0" i="0" u="none" strike="noStrike" cap="none" spc="0" normalizeH="0" baseline="0">
             <a:ln>
               <a:noFill/>
             </a:ln>
@@ -5787,7 +7376,7 @@
           <a:buFontTx/>
           <a:buNone/>
           <a:tabLst/>
-          <a:defRPr b="0" baseline="0" cap="none" i="0" spc="0" strike="noStrike" sz="1800" u="none" kumimoji="0" normalizeH="0">
+          <a:defRPr kumimoji="0" sz="1800" b="0" i="0" u="none" strike="noStrike" cap="none" spc="0" normalizeH="0" baseline="0">
             <a:ln>
               <a:noFill/>
             </a:ln>
@@ -5813,7 +7402,7 @@
           <a:buFontTx/>
           <a:buNone/>
           <a:tabLst/>
-          <a:defRPr b="0" baseline="0" cap="none" i="0" spc="0" strike="noStrike" sz="1800" u="none" kumimoji="0" normalizeH="0">
+          <a:defRPr kumimoji="0" sz="1800" b="0" i="0" u="none" strike="noStrike" cap="none" spc="0" normalizeH="0" baseline="0">
             <a:ln>
               <a:noFill/>
             </a:ln>
@@ -5826,18 +7415,25 @@
         </a:lvl9pPr>
       </a:lstStyle>
       <a:style>
-        <a:lnRef idx="0"/>
-        <a:fillRef idx="0"/>
-        <a:effectRef idx="0"/>
+        <a:lnRef idx="0">
+          <a:scrgbClr r="0" g="0" b="0"/>
+        </a:lnRef>
+        <a:fillRef idx="0">
+          <a:scrgbClr r="0" g="0" b="0"/>
+        </a:fillRef>
+        <a:effectRef idx="0">
+          <a:scrgbClr r="0" g="0" b="0"/>
+        </a:effectRef>
         <a:fontRef idx="none"/>
       </a:style>
     </a:txDef>
   </a:objectDefaults>
+  <a:extraClrSchemeLst/>
 </a:theme>
 </file>
 
 <file path=ppt/theme/theme2.xml><?xml version="1.0" encoding="utf-8"?>
-<a:theme xmlns:a="http://schemas.openxmlformats.org/drawingml/2006/main" xmlns:r="http://schemas.openxmlformats.org/officeDocument/2006/relationships" name="Office Theme">
+<a:theme xmlns:a="http://schemas.openxmlformats.org/drawingml/2006/main" name="Office Theme">
   <a:themeElements>
     <a:clrScheme name="Office Theme">
       <a:dk1>
@@ -5963,7 +7559,7 @@
       <a:effectStyleLst>
         <a:effectStyle>
           <a:effectLst>
-            <a:outerShdw sx="100000" sy="100000" kx="0" ky="0" algn="b" rotWithShape="0" blurRad="38100" dist="23000" dir="5400000">
+            <a:outerShdw blurRad="38100" dist="23000" dir="5400000" rotWithShape="0">
               <a:srgbClr val="000000">
                 <a:alpha val="35000"/>
               </a:srgbClr>
@@ -5972,7 +7568,7 @@
         </a:effectStyle>
         <a:effectStyle>
           <a:effectLst>
-            <a:outerShdw sx="100000" sy="100000" kx="0" ky="0" algn="b" rotWithShape="0" blurRad="38100" dist="23000" dir="5400000">
+            <a:outerShdw blurRad="38100" dist="23000" dir="5400000" rotWithShape="0">
               <a:srgbClr val="000000">
                 <a:alpha val="35000"/>
               </a:srgbClr>
@@ -5981,7 +7577,7 @@
         </a:effectStyle>
         <a:effectStyle>
           <a:effectLst>
-            <a:outerShdw sx="100000" sy="100000" kx="0" ky="0" algn="b" rotWithShape="0" blurRad="38100" dist="20000" dir="5400000">
+            <a:outerShdw blurRad="38100" dist="20000" dir="5400000" rotWithShape="0">
               <a:srgbClr val="000000">
                 <a:alpha val="38000"/>
               </a:srgbClr>
@@ -6055,7 +7651,7 @@
           <a:round/>
         </a:ln>
         <a:effectLst>
-          <a:outerShdw sx="100000" sy="100000" kx="0" ky="0" algn="b" rotWithShape="0" blurRad="38100" dist="23000" dir="5400000">
+          <a:outerShdw blurRad="38100" dist="23000" dir="5400000" rotWithShape="0">
             <a:srgbClr val="000000">
               <a:alpha val="35000"/>
             </a:srgbClr>
@@ -6063,7 +7659,7 @@
         </a:effectLst>
         <a:sp3d/>
       </a:spPr>
-      <a:bodyPr rot="0" spcFirstLastPara="1" vertOverflow="overflow" horzOverflow="overflow" vert="horz" wrap="square" lIns="45719" tIns="45719" rIns="45719" bIns="45719" numCol="1" spcCol="38100" rtlCol="0" anchor="ctr" upright="0">
+      <a:bodyPr rot="0" spcFirstLastPara="1" vertOverflow="overflow" horzOverflow="overflow" vert="horz" wrap="square" lIns="45719" tIns="45719" rIns="45719" bIns="45719" numCol="1" spcCol="38100" rtlCol="0" anchor="ctr">
         <a:spAutoFit/>
       </a:bodyPr>
       <a:lstStyle>
@@ -6082,7 +7678,7 @@
           <a:buFontTx/>
           <a:buNone/>
           <a:tabLst/>
-          <a:defRPr b="0" baseline="0" cap="none" i="0" spc="0" strike="noStrike" sz="6100" u="none" kumimoji="0" normalizeH="0">
+          <a:defRPr kumimoji="0" sz="6100" b="0" i="0" u="none" strike="noStrike" cap="none" spc="0" normalizeH="0" baseline="0">
             <a:ln>
               <a:noFill/>
             </a:ln>
@@ -6112,7 +7708,7 @@
           <a:buFontTx/>
           <a:buNone/>
           <a:tabLst/>
-          <a:defRPr b="0" baseline="0" cap="none" i="0" spc="0" strike="noStrike" sz="1800" u="none" kumimoji="0" normalizeH="0">
+          <a:defRPr kumimoji="0" sz="1800" b="0" i="0" u="none" strike="noStrike" cap="none" spc="0" normalizeH="0" baseline="0">
             <a:ln>
               <a:noFill/>
             </a:ln>
@@ -6138,7 +7734,7 @@
           <a:buFontTx/>
           <a:buNone/>
           <a:tabLst/>
-          <a:defRPr b="0" baseline="0" cap="none" i="0" spc="0" strike="noStrike" sz="1800" u="none" kumimoji="0" normalizeH="0">
+          <a:defRPr kumimoji="0" sz="1800" b="0" i="0" u="none" strike="noStrike" cap="none" spc="0" normalizeH="0" baseline="0">
             <a:ln>
               <a:noFill/>
             </a:ln>
@@ -6164,7 +7760,7 @@
           <a:buFontTx/>
           <a:buNone/>
           <a:tabLst/>
-          <a:defRPr b="0" baseline="0" cap="none" i="0" spc="0" strike="noStrike" sz="1800" u="none" kumimoji="0" normalizeH="0">
+          <a:defRPr kumimoji="0" sz="1800" b="0" i="0" u="none" strike="noStrike" cap="none" spc="0" normalizeH="0" baseline="0">
             <a:ln>
               <a:noFill/>
             </a:ln>
@@ -6190,7 +7786,7 @@
           <a:buFontTx/>
           <a:buNone/>
           <a:tabLst/>
-          <a:defRPr b="0" baseline="0" cap="none" i="0" spc="0" strike="noStrike" sz="1800" u="none" kumimoji="0" normalizeH="0">
+          <a:defRPr kumimoji="0" sz="1800" b="0" i="0" u="none" strike="noStrike" cap="none" spc="0" normalizeH="0" baseline="0">
             <a:ln>
               <a:noFill/>
             </a:ln>
@@ -6216,7 +7812,7 @@
           <a:buFontTx/>
           <a:buNone/>
           <a:tabLst/>
-          <a:defRPr b="0" baseline="0" cap="none" i="0" spc="0" strike="noStrike" sz="1800" u="none" kumimoji="0" normalizeH="0">
+          <a:defRPr kumimoji="0" sz="1800" b="0" i="0" u="none" strike="noStrike" cap="none" spc="0" normalizeH="0" baseline="0">
             <a:ln>
               <a:noFill/>
             </a:ln>
@@ -6242,7 +7838,7 @@
           <a:buFontTx/>
           <a:buNone/>
           <a:tabLst/>
-          <a:defRPr b="0" baseline="0" cap="none" i="0" spc="0" strike="noStrike" sz="1800" u="none" kumimoji="0" normalizeH="0">
+          <a:defRPr kumimoji="0" sz="1800" b="0" i="0" u="none" strike="noStrike" cap="none" spc="0" normalizeH="0" baseline="0">
             <a:ln>
               <a:noFill/>
             </a:ln>
@@ -6268,7 +7864,7 @@
           <a:buFontTx/>
           <a:buNone/>
           <a:tabLst/>
-          <a:defRPr b="0" baseline="0" cap="none" i="0" spc="0" strike="noStrike" sz="1800" u="none" kumimoji="0" normalizeH="0">
+          <a:defRPr kumimoji="0" sz="1800" b="0" i="0" u="none" strike="noStrike" cap="none" spc="0" normalizeH="0" baseline="0">
             <a:ln>
               <a:noFill/>
             </a:ln>
@@ -6294,7 +7890,7 @@
           <a:buFontTx/>
           <a:buNone/>
           <a:tabLst/>
-          <a:defRPr b="0" baseline="0" cap="none" i="0" spc="0" strike="noStrike" sz="1800" u="none" kumimoji="0" normalizeH="0">
+          <a:defRPr kumimoji="0" sz="1800" b="0" i="0" u="none" strike="noStrike" cap="none" spc="0" normalizeH="0" baseline="0">
             <a:ln>
               <a:noFill/>
             </a:ln>
@@ -6320,7 +7916,7 @@
           <a:buFontTx/>
           <a:buNone/>
           <a:tabLst/>
-          <a:defRPr b="0" baseline="0" cap="none" i="0" spc="0" strike="noStrike" sz="1800" u="none" kumimoji="0" normalizeH="0">
+          <a:defRPr kumimoji="0" sz="1800" b="0" i="0" u="none" strike="noStrike" cap="none" spc="0" normalizeH="0" baseline="0">
             <a:ln>
               <a:noFill/>
             </a:ln>
@@ -6333,9 +7929,15 @@
         </a:lvl9pPr>
       </a:lstStyle>
       <a:style>
-        <a:lnRef idx="0"/>
-        <a:fillRef idx="0"/>
-        <a:effectRef idx="0"/>
+        <a:lnRef idx="0">
+          <a:scrgbClr r="0" g="0" b="0"/>
+        </a:lnRef>
+        <a:fillRef idx="0">
+          <a:scrgbClr r="0" g="0" b="0"/>
+        </a:fillRef>
+        <a:effectRef idx="0">
+          <a:scrgbClr r="0" g="0" b="0"/>
+        </a:effectRef>
         <a:fontRef idx="none"/>
       </a:style>
     </a:spDef>
@@ -6350,7 +7952,7 @@
           <a:round/>
         </a:ln>
         <a:effectLst>
-          <a:outerShdw sx="100000" sy="100000" kx="0" ky="0" algn="b" rotWithShape="0" blurRad="38100" dist="20000" dir="5400000">
+          <a:outerShdw blurRad="38100" dist="20000" dir="5400000" rotWithShape="0">
             <a:srgbClr val="000000">
               <a:alpha val="38000"/>
             </a:srgbClr>
@@ -6358,7 +7960,7 @@
         </a:effectLst>
         <a:sp3d/>
       </a:spPr>
-      <a:bodyPr rot="0" spcFirstLastPara="1" vertOverflow="overflow" horzOverflow="overflow" vert="horz" wrap="square" lIns="91439" tIns="45719" rIns="91439" bIns="45719" numCol="1" spcCol="38100" rtlCol="0" anchor="t" upright="0">
+      <a:bodyPr rot="0" spcFirstLastPara="1" vertOverflow="overflow" horzOverflow="overflow" vert="horz" wrap="square" lIns="91439" tIns="45719" rIns="91439" bIns="45719" numCol="1" spcCol="38100" rtlCol="0" anchor="t">
         <a:noAutofit/>
       </a:bodyPr>
       <a:lstStyle>
@@ -6377,7 +7979,7 @@
           <a:buFontTx/>
           <a:buNone/>
           <a:tabLst/>
-          <a:defRPr b="0" baseline="0" cap="none" i="0" spc="0" strike="noStrike" sz="1800" u="none" kumimoji="0" normalizeH="0">
+          <a:defRPr kumimoji="0" sz="1800" b="0" i="0" u="none" strike="noStrike" cap="none" spc="0" normalizeH="0" baseline="0">
             <a:ln>
               <a:noFill/>
             </a:ln>
@@ -6403,7 +8005,7 @@
           <a:buFontTx/>
           <a:buNone/>
           <a:tabLst/>
-          <a:defRPr b="0" baseline="0" cap="none" i="0" spc="0" strike="noStrike" sz="1800" u="none" kumimoji="0" normalizeH="0">
+          <a:defRPr kumimoji="0" sz="1800" b="0" i="0" u="none" strike="noStrike" cap="none" spc="0" normalizeH="0" baseline="0">
             <a:ln>
               <a:noFill/>
             </a:ln>
@@ -6429,7 +8031,7 @@
           <a:buFontTx/>
           <a:buNone/>
           <a:tabLst/>
-          <a:defRPr b="0" baseline="0" cap="none" i="0" spc="0" strike="noStrike" sz="1800" u="none" kumimoji="0" normalizeH="0">
+          <a:defRPr kumimoji="0" sz="1800" b="0" i="0" u="none" strike="noStrike" cap="none" spc="0" normalizeH="0" baseline="0">
             <a:ln>
               <a:noFill/>
             </a:ln>
@@ -6455,7 +8057,7 @@
           <a:buFontTx/>
           <a:buNone/>
           <a:tabLst/>
-          <a:defRPr b="0" baseline="0" cap="none" i="0" spc="0" strike="noStrike" sz="1800" u="none" kumimoji="0" normalizeH="0">
+          <a:defRPr kumimoji="0" sz="1800" b="0" i="0" u="none" strike="noStrike" cap="none" spc="0" normalizeH="0" baseline="0">
             <a:ln>
               <a:noFill/>
             </a:ln>
@@ -6481,7 +8083,7 @@
           <a:buFontTx/>
           <a:buNone/>
           <a:tabLst/>
-          <a:defRPr b="0" baseline="0" cap="none" i="0" spc="0" strike="noStrike" sz="1800" u="none" kumimoji="0" normalizeH="0">
+          <a:defRPr kumimoji="0" sz="1800" b="0" i="0" u="none" strike="noStrike" cap="none" spc="0" normalizeH="0" baseline="0">
             <a:ln>
               <a:noFill/>
             </a:ln>
@@ -6507,7 +8109,7 @@
           <a:buFontTx/>
           <a:buNone/>
           <a:tabLst/>
-          <a:defRPr b="0" baseline="0" cap="none" i="0" spc="0" strike="noStrike" sz="1800" u="none" kumimoji="0" normalizeH="0">
+          <a:defRPr kumimoji="0" sz="1800" b="0" i="0" u="none" strike="noStrike" cap="none" spc="0" normalizeH="0" baseline="0">
             <a:ln>
               <a:noFill/>
             </a:ln>
@@ -6533,7 +8135,7 @@
           <a:buFontTx/>
           <a:buNone/>
           <a:tabLst/>
-          <a:defRPr b="0" baseline="0" cap="none" i="0" spc="0" strike="noStrike" sz="1800" u="none" kumimoji="0" normalizeH="0">
+          <a:defRPr kumimoji="0" sz="1800" b="0" i="0" u="none" strike="noStrike" cap="none" spc="0" normalizeH="0" baseline="0">
             <a:ln>
               <a:noFill/>
             </a:ln>
@@ -6559,7 +8161,7 @@
           <a:buFontTx/>
           <a:buNone/>
           <a:tabLst/>
-          <a:defRPr b="0" baseline="0" cap="none" i="0" spc="0" strike="noStrike" sz="1800" u="none" kumimoji="0" normalizeH="0">
+          <a:defRPr kumimoji="0" sz="1800" b="0" i="0" u="none" strike="noStrike" cap="none" spc="0" normalizeH="0" baseline="0">
             <a:ln>
               <a:noFill/>
             </a:ln>
@@ -6585,7 +8187,7 @@
           <a:buFontTx/>
           <a:buNone/>
           <a:tabLst/>
-          <a:defRPr b="0" baseline="0" cap="none" i="0" spc="0" strike="noStrike" sz="1800" u="none" kumimoji="0" normalizeH="0">
+          <a:defRPr kumimoji="0" sz="1800" b="0" i="0" u="none" strike="noStrike" cap="none" spc="0" normalizeH="0" baseline="0">
             <a:ln>
               <a:noFill/>
             </a:ln>
@@ -6611,7 +8213,7 @@
           <a:buFontTx/>
           <a:buNone/>
           <a:tabLst/>
-          <a:defRPr b="0" baseline="0" cap="none" i="0" spc="0" strike="noStrike" sz="1800" u="none" kumimoji="0" normalizeH="0">
+          <a:defRPr kumimoji="0" sz="1800" b="0" i="0" u="none" strike="noStrike" cap="none" spc="0" normalizeH="0" baseline="0">
             <a:ln>
               <a:noFill/>
             </a:ln>
@@ -6624,9 +8226,15 @@
         </a:lvl9pPr>
       </a:lstStyle>
       <a:style>
-        <a:lnRef idx="0"/>
-        <a:fillRef idx="0"/>
-        <a:effectRef idx="0"/>
+        <a:lnRef idx="0">
+          <a:scrgbClr r="0" g="0" b="0"/>
+        </a:lnRef>
+        <a:fillRef idx="0">
+          <a:scrgbClr r="0" g="0" b="0"/>
+        </a:fillRef>
+        <a:effectRef idx="0">
+          <a:scrgbClr r="0" g="0" b="0"/>
+        </a:effectRef>
         <a:fontRef idx="none"/>
       </a:style>
     </a:lnDef>
@@ -6640,7 +8248,7 @@
         <a:effectLst/>
         <a:sp3d/>
       </a:spPr>
-      <a:bodyPr rot="0" spcFirstLastPara="1" vertOverflow="overflow" horzOverflow="overflow" vert="horz" wrap="square" lIns="45719" tIns="45719" rIns="45719" bIns="45719" numCol="1" spcCol="38100" rtlCol="0" anchor="t" upright="0">
+      <a:bodyPr rot="0" spcFirstLastPara="1" vertOverflow="overflow" horzOverflow="overflow" vert="horz" wrap="square" lIns="45719" tIns="45719" rIns="45719" bIns="45719" numCol="1" spcCol="38100" rtlCol="0" anchor="t">
         <a:spAutoFit/>
       </a:bodyPr>
       <a:lstStyle>
@@ -6659,7 +8267,7 @@
           <a:buFontTx/>
           <a:buNone/>
           <a:tabLst/>
-          <a:defRPr b="0" baseline="0" cap="none" i="0" spc="0" strike="noStrike" sz="6100" u="none" kumimoji="0" normalizeH="0">
+          <a:defRPr kumimoji="0" sz="6100" b="0" i="0" u="none" strike="noStrike" cap="none" spc="0" normalizeH="0" baseline="0">
             <a:ln>
               <a:noFill/>
             </a:ln>
@@ -6689,7 +8297,7 @@
           <a:buFontTx/>
           <a:buNone/>
           <a:tabLst/>
-          <a:defRPr b="0" baseline="0" cap="none" i="0" spc="0" strike="noStrike" sz="1800" u="none" kumimoji="0" normalizeH="0">
+          <a:defRPr kumimoji="0" sz="1800" b="0" i="0" u="none" strike="noStrike" cap="none" spc="0" normalizeH="0" baseline="0">
             <a:ln>
               <a:noFill/>
             </a:ln>
@@ -6715,7 +8323,7 @@
           <a:buFontTx/>
           <a:buNone/>
           <a:tabLst/>
-          <a:defRPr b="0" baseline="0" cap="none" i="0" spc="0" strike="noStrike" sz="1800" u="none" kumimoji="0" normalizeH="0">
+          <a:defRPr kumimoji="0" sz="1800" b="0" i="0" u="none" strike="noStrike" cap="none" spc="0" normalizeH="0" baseline="0">
             <a:ln>
               <a:noFill/>
             </a:ln>
@@ -6741,7 +8349,7 @@
           <a:buFontTx/>
           <a:buNone/>
           <a:tabLst/>
-          <a:defRPr b="0" baseline="0" cap="none" i="0" spc="0" strike="noStrike" sz="1800" u="none" kumimoji="0" normalizeH="0">
+          <a:defRPr kumimoji="0" sz="1800" b="0" i="0" u="none" strike="noStrike" cap="none" spc="0" normalizeH="0" baseline="0">
             <a:ln>
               <a:noFill/>
             </a:ln>
@@ -6767,7 +8375,7 @@
           <a:buFontTx/>
           <a:buNone/>
           <a:tabLst/>
-          <a:defRPr b="0" baseline="0" cap="none" i="0" spc="0" strike="noStrike" sz="1800" u="none" kumimoji="0" normalizeH="0">
+          <a:defRPr kumimoji="0" sz="1800" b="0" i="0" u="none" strike="noStrike" cap="none" spc="0" normalizeH="0" baseline="0">
             <a:ln>
               <a:noFill/>
             </a:ln>
@@ -6793,7 +8401,7 @@
           <a:buFontTx/>
           <a:buNone/>
           <a:tabLst/>
-          <a:defRPr b="0" baseline="0" cap="none" i="0" spc="0" strike="noStrike" sz="1800" u="none" kumimoji="0" normalizeH="0">
+          <a:defRPr kumimoji="0" sz="1800" b="0" i="0" u="none" strike="noStrike" cap="none" spc="0" normalizeH="0" baseline="0">
             <a:ln>
               <a:noFill/>
             </a:ln>
@@ -6819,7 +8427,7 @@
           <a:buFontTx/>
           <a:buNone/>
           <a:tabLst/>
-          <a:defRPr b="0" baseline="0" cap="none" i="0" spc="0" strike="noStrike" sz="1800" u="none" kumimoji="0" normalizeH="0">
+          <a:defRPr kumimoji="0" sz="1800" b="0" i="0" u="none" strike="noStrike" cap="none" spc="0" normalizeH="0" baseline="0">
             <a:ln>
               <a:noFill/>
             </a:ln>
@@ -6845,7 +8453,7 @@
           <a:buFontTx/>
           <a:buNone/>
           <a:tabLst/>
-          <a:defRPr b="0" baseline="0" cap="none" i="0" spc="0" strike="noStrike" sz="1800" u="none" kumimoji="0" normalizeH="0">
+          <a:defRPr kumimoji="0" sz="1800" b="0" i="0" u="none" strike="noStrike" cap="none" spc="0" normalizeH="0" baseline="0">
             <a:ln>
               <a:noFill/>
             </a:ln>
@@ -6871,7 +8479,7 @@
           <a:buFontTx/>
           <a:buNone/>
           <a:tabLst/>
-          <a:defRPr b="0" baseline="0" cap="none" i="0" spc="0" strike="noStrike" sz="1800" u="none" kumimoji="0" normalizeH="0">
+          <a:defRPr kumimoji="0" sz="1800" b="0" i="0" u="none" strike="noStrike" cap="none" spc="0" normalizeH="0" baseline="0">
             <a:ln>
               <a:noFill/>
             </a:ln>
@@ -6897,7 +8505,7 @@
           <a:buFontTx/>
           <a:buNone/>
           <a:tabLst/>
-          <a:defRPr b="0" baseline="0" cap="none" i="0" spc="0" strike="noStrike" sz="1800" u="none" kumimoji="0" normalizeH="0">
+          <a:defRPr kumimoji="0" sz="1800" b="0" i="0" u="none" strike="noStrike" cap="none" spc="0" normalizeH="0" baseline="0">
             <a:ln>
               <a:noFill/>
             </a:ln>
@@ -6910,12 +8518,19 @@
         </a:lvl9pPr>
       </a:lstStyle>
       <a:style>
-        <a:lnRef idx="0"/>
-        <a:fillRef idx="0"/>
-        <a:effectRef idx="0"/>
+        <a:lnRef idx="0">
+          <a:scrgbClr r="0" g="0" b="0"/>
+        </a:lnRef>
+        <a:fillRef idx="0">
+          <a:scrgbClr r="0" g="0" b="0"/>
+        </a:fillRef>
+        <a:effectRef idx="0">
+          <a:scrgbClr r="0" g="0" b="0"/>
+        </a:effectRef>
         <a:fontRef idx="none"/>
       </a:style>
     </a:txDef>
   </a:objectDefaults>
+  <a:extraClrSchemeLst/>
 </a:theme>
 </file>
--- a/Poster.pptx
+++ b/Poster.pptx
@@ -3044,7 +3044,7 @@
         <p:spPr>
           <a:xfrm>
             <a:off x="10949201" y="10032870"/>
-            <a:ext cx="10501421" cy="2985433"/>
+            <a:ext cx="10501421" cy="2954655"/>
           </a:xfrm>
           <a:prstGeom prst="rect">
             <a:avLst/>
@@ -3089,7 +3089,19 @@
             </a:r>
             <a:r>
               <a:rPr dirty="0"/>
-              <a:t>means clustering was done using the following features: views, up/down votes, in/out degree, and closeness/eigenvector/PageRank </a:t>
+              <a:t>means clustering was </a:t>
+            </a:r>
+            <a:r>
+              <a:rPr lang="en-US" dirty="0" smtClean="0"/>
+              <a:t>performed, on the User Graph with Geometry tag, </a:t>
+            </a:r>
+            <a:r>
+              <a:rPr dirty="0" smtClean="0"/>
+              <a:t>using </a:t>
+            </a:r>
+            <a:r>
+              <a:rPr dirty="0"/>
+              <a:t>the following features: views, up/down votes, in/out degree, and closeness/eigenvector/PageRank </a:t>
             </a:r>
             <a:r>
               <a:rPr dirty="0" smtClean="0"/>
@@ -3097,7 +3109,7 @@
             </a:r>
             <a:r>
               <a:rPr lang="en-US" dirty="0" smtClean="0"/>
-              <a:t>. TODO what graph are we clustering?</a:t>
+              <a:t>. </a:t>
             </a:r>
             <a:endParaRPr dirty="0"/>
           </a:p>

--- a/Poster.pptx
+++ b/Poster.pptx
@@ -6325,6 +6325,217 @@
           </a:p>
         </p:txBody>
       </p:sp>
+      <p:sp>
+        <p:nvSpPr>
+          <p:cNvPr id="2" name="TextBox 1"/>
+          <p:cNvSpPr txBox="1"/>
+          <p:nvPr/>
+        </p:nvSpPr>
+        <p:spPr>
+          <a:xfrm>
+            <a:off x="13495139" y="28031865"/>
+            <a:ext cx="7955482" cy="3970316"/>
+          </a:xfrm>
+          <a:prstGeom prst="rect">
+            <a:avLst/>
+          </a:prstGeom>
+          <a:noFill/>
+          <a:ln w="12700" cap="flat">
+            <a:noFill/>
+            <a:miter lim="400000"/>
+          </a:ln>
+          <a:effectLst/>
+          <a:sp3d/>
+        </p:spPr>
+        <p:style>
+          <a:lnRef idx="0">
+            <a:scrgbClr r="0" g="0" b="0"/>
+          </a:lnRef>
+          <a:fillRef idx="0">
+            <a:scrgbClr r="0" g="0" b="0"/>
+          </a:fillRef>
+          <a:effectRef idx="0">
+            <a:scrgbClr r="0" g="0" b="0"/>
+          </a:effectRef>
+          <a:fontRef idx="none"/>
+        </p:style>
+        <p:txBody>
+          <a:bodyPr rot="0" spcFirstLastPara="1" vertOverflow="overflow" horzOverflow="overflow" vert="horz" wrap="square" lIns="45719" tIns="45719" rIns="45719" bIns="45719" numCol="1" spcCol="38100" rtlCol="0" anchor="t">
+            <a:spAutoFit/>
+          </a:bodyPr>
+          <a:lstStyle/>
+          <a:p>
+            <a:r>
+              <a:rPr lang="en-US" sz="1800" dirty="0" smtClean="0"/>
+              <a:t>[1] D</a:t>
+            </a:r>
+            <a:r>
+              <a:rPr lang="en-US" sz="1800" dirty="0"/>
+              <a:t>. </a:t>
+            </a:r>
+            <a:r>
+              <a:rPr lang="en-US" sz="1800" dirty="0" err="1"/>
+              <a:t>Movshovitz-Attias</a:t>
+            </a:r>
+            <a:r>
+              <a:rPr lang="en-US" sz="1800" dirty="0"/>
+              <a:t>, Y. </a:t>
+            </a:r>
+            <a:r>
+              <a:rPr lang="en-US" sz="1800" dirty="0" err="1"/>
+              <a:t>Movshovitz-Attias</a:t>
+            </a:r>
+            <a:r>
+              <a:rPr lang="en-US" sz="1800" dirty="0"/>
+              <a:t>, P. </a:t>
+            </a:r>
+            <a:r>
+              <a:rPr lang="en-US" sz="1800" dirty="0" err="1"/>
+              <a:t>Steenkiste</a:t>
+            </a:r>
+            <a:r>
+              <a:rPr lang="en-US" sz="1800" dirty="0"/>
+              <a:t>, and C. </a:t>
+            </a:r>
+            <a:r>
+              <a:rPr lang="en-US" sz="1800" dirty="0" err="1"/>
+              <a:t>Faloutsos</a:t>
+            </a:r>
+            <a:r>
+              <a:rPr lang="en-US" sz="1800" dirty="0"/>
+              <a:t>. “Analysis of the Reputation System and User Contributions on a Question Answering Website: </a:t>
+            </a:r>
+            <a:r>
+              <a:rPr lang="en-US" sz="1800" dirty="0" err="1"/>
+              <a:t>StackOverflow</a:t>
+            </a:r>
+            <a:r>
+              <a:rPr lang="en-US" sz="1800" dirty="0"/>
+              <a:t>.” ASONAM, 2013, pp. 886–893</a:t>
+            </a:r>
+            <a:r>
+              <a:rPr lang="en-US" sz="1800" dirty="0" smtClean="0"/>
+              <a:t>.</a:t>
+            </a:r>
+          </a:p>
+          <a:p>
+            <a:endParaRPr lang="en-US" sz="1800" dirty="0"/>
+          </a:p>
+          <a:p>
+            <a:r>
+              <a:rPr lang="en-US" sz="1800" dirty="0" smtClean="0"/>
+              <a:t>[2] Jun </a:t>
+            </a:r>
+            <a:r>
+              <a:rPr lang="en-US" sz="1800" dirty="0"/>
+              <a:t>Zhang, Mark S. Ackerman, </a:t>
+            </a:r>
+            <a:r>
+              <a:rPr lang="en-US" sz="1800" dirty="0" err="1"/>
+              <a:t>Lada</a:t>
+            </a:r>
+            <a:r>
+              <a:rPr lang="en-US" sz="1800" dirty="0"/>
+              <a:t> </a:t>
+            </a:r>
+            <a:r>
+              <a:rPr lang="en-US" sz="1800" dirty="0" err="1"/>
+              <a:t>Adamic</a:t>
+            </a:r>
+            <a:r>
+              <a:rPr lang="en-US" sz="1800" dirty="0"/>
+              <a:t>. “Expertise Networks in Online Communities: Structure and Algorithms.” 16th International Conference on World Wide Web, May 08-12, 2007, Banff, Alberta, Canada</a:t>
+            </a:r>
+            <a:r>
+              <a:rPr lang="en-US" sz="1800" dirty="0" smtClean="0"/>
+              <a:t>.</a:t>
+            </a:r>
+          </a:p>
+          <a:p>
+            <a:endParaRPr lang="en-US" sz="1800" dirty="0"/>
+          </a:p>
+          <a:p>
+            <a:r>
+              <a:rPr lang="en-US" sz="1800" dirty="0" smtClean="0"/>
+              <a:t>[3] </a:t>
+            </a:r>
+            <a:r>
+              <a:rPr lang="en-US" sz="1800" dirty="0" err="1" smtClean="0"/>
+              <a:t>Lada</a:t>
+            </a:r>
+            <a:r>
+              <a:rPr lang="en-US" sz="1800" dirty="0" smtClean="0"/>
+              <a:t> </a:t>
+            </a:r>
+            <a:r>
+              <a:rPr lang="en-US" sz="1800" dirty="0" err="1"/>
+              <a:t>Adamic</a:t>
+            </a:r>
+            <a:r>
+              <a:rPr lang="en-US" sz="1800" dirty="0"/>
+              <a:t>, Jun Zhang, </a:t>
+            </a:r>
+            <a:r>
+              <a:rPr lang="en-US" sz="1800" dirty="0" err="1"/>
+              <a:t>Eytan</a:t>
+            </a:r>
+            <a:r>
+              <a:rPr lang="en-US" sz="1800" dirty="0"/>
+              <a:t> </a:t>
+            </a:r>
+            <a:r>
+              <a:rPr lang="en-US" sz="1800" dirty="0" err="1"/>
+              <a:t>Bakshy</a:t>
+            </a:r>
+            <a:r>
+              <a:rPr lang="en-US" sz="1800" dirty="0"/>
+              <a:t>, Mark S. Ackerman. “Knowledge Sharing and Yahoo Answers: Everyone Knows Something.” 17th International Conference on World Wide Web, April 21-25, 2008, Beijing, China</a:t>
+            </a:r>
+            <a:r>
+              <a:rPr lang="en-US" sz="1800" dirty="0" smtClean="0"/>
+              <a:t>.</a:t>
+            </a:r>
+          </a:p>
+          <a:p>
+            <a:endParaRPr lang="en-US" sz="1800" dirty="0"/>
+          </a:p>
+          <a:p>
+            <a:r>
+              <a:rPr lang="en-US" sz="1800" dirty="0" smtClean="0"/>
+              <a:t>[4] </a:t>
+            </a:r>
+            <a:r>
+              <a:rPr lang="en-US" sz="1800" dirty="0" err="1" smtClean="0"/>
+              <a:t>StackExchange</a:t>
+            </a:r>
+            <a:r>
+              <a:rPr lang="en-US" sz="1800" dirty="0" smtClean="0"/>
+              <a:t> </a:t>
+            </a:r>
+            <a:r>
+              <a:rPr lang="en-US" sz="1800" dirty="0"/>
+              <a:t>Data Dump (Published August 18, 2015). Retrieved 12 October 2015. https://</a:t>
+            </a:r>
+            <a:r>
+              <a:rPr lang="en-US" sz="1800" dirty="0" err="1"/>
+              <a:t>archive.org</a:t>
+            </a:r>
+            <a:r>
+              <a:rPr lang="en-US" sz="1800" dirty="0"/>
+              <a:t>/details/</a:t>
+            </a:r>
+            <a:r>
+              <a:rPr lang="en-US" sz="1800" dirty="0" err="1"/>
+              <a:t>stackexchange</a:t>
+            </a:r>
+            <a:r>
+              <a:rPr lang="en-US" sz="1800" dirty="0"/>
+              <a:t>.</a:t>
+            </a:r>
+            <a:endParaRPr lang="en-US" sz="1800" dirty="0"/>
+          </a:p>
+        </p:txBody>
+      </p:sp>
     </p:spTree>
   </p:cSld>
   <p:clrMapOvr>

--- a/Poster.pptx
+++ b/Poster.pptx
@@ -6532,7 +6532,102 @@
               <a:rPr lang="en-US" sz="1800" dirty="0"/>
               <a:t>.</a:t>
             </a:r>
-            <a:endParaRPr lang="en-US" sz="1800" dirty="0"/>
+          </a:p>
+        </p:txBody>
+      </p:sp>
+      <p:sp>
+        <p:nvSpPr>
+          <p:cNvPr id="3" name="TextBox 2"/>
+          <p:cNvSpPr txBox="1"/>
+          <p:nvPr/>
+        </p:nvSpPr>
+        <p:spPr>
+          <a:xfrm>
+            <a:off x="366990" y="28158865"/>
+            <a:ext cx="12460010" cy="4339648"/>
+          </a:xfrm>
+          <a:prstGeom prst="rect">
+            <a:avLst/>
+          </a:prstGeom>
+          <a:noFill/>
+          <a:ln w="12700" cap="flat">
+            <a:noFill/>
+            <a:miter lim="400000"/>
+          </a:ln>
+          <a:effectLst/>
+          <a:sp3d/>
+        </p:spPr>
+        <p:style>
+          <a:lnRef idx="0">
+            <a:scrgbClr r="0" g="0" b="0"/>
+          </a:lnRef>
+          <a:fillRef idx="0">
+            <a:scrgbClr r="0" g="0" b="0"/>
+          </a:fillRef>
+          <a:effectRef idx="0">
+            <a:scrgbClr r="0" g="0" b="0"/>
+          </a:effectRef>
+          <a:fontRef idx="none"/>
+        </p:style>
+        <p:txBody>
+          <a:bodyPr rot="0" spcFirstLastPara="1" vertOverflow="overflow" horzOverflow="overflow" vert="horz" wrap="square" lIns="45719" tIns="45719" rIns="45719" bIns="45719" numCol="1" spcCol="38100" rtlCol="0" anchor="t">
+            <a:spAutoFit/>
+          </a:bodyPr>
+          <a:lstStyle/>
+          <a:p>
+            <a:r>
+              <a:rPr lang="en-US" sz="3000" dirty="0"/>
+              <a:t>The results from the k-means clustering </a:t>
+            </a:r>
+            <a:r>
+              <a:rPr lang="en-US" sz="3000" dirty="0" smtClean="0"/>
+              <a:t>indicate that </a:t>
+            </a:r>
+            <a:r>
+              <a:rPr lang="en-US" sz="3000" dirty="0"/>
+              <a:t>there is a strong contingent of one type of user (the causal question asker/answerer), and a small contingent of the expert users. </a:t>
+            </a:r>
+            <a:endParaRPr lang="en-US" sz="3000" dirty="0" smtClean="0"/>
+          </a:p>
+          <a:p>
+            <a:endParaRPr lang="en-US" sz="3000" dirty="0"/>
+          </a:p>
+          <a:p>
+            <a:r>
+              <a:rPr lang="en-US" sz="3200" dirty="0" smtClean="0"/>
+              <a:t>Our </a:t>
+            </a:r>
+            <a:r>
+              <a:rPr lang="en-US" sz="3200" dirty="0"/>
+              <a:t>heuristic analysis showed both feasibility and actual results with regard to the task of predicting and evaluating domain expertise using a data-driven approach that draws from the question-answer graph model.</a:t>
+            </a:r>
+            <a:endParaRPr lang="en-US" sz="3000" dirty="0" smtClean="0"/>
+          </a:p>
+          <a:p>
+            <a:endParaRPr kumimoji="0" lang="en-US" sz="3000" b="0" i="0" u="none" strike="noStrike" cap="none" spc="0" normalizeH="0" baseline="0" dirty="0">
+              <a:ln>
+                <a:noFill/>
+              </a:ln>
+              <a:solidFill>
+                <a:srgbClr val="000000"/>
+              </a:solidFill>
+              <a:effectLst/>
+              <a:uFillTx/>
+              <a:sym typeface="Calibri"/>
+            </a:endParaRPr>
+          </a:p>
+          <a:p>
+            <a:endParaRPr kumimoji="0" lang="en-US" sz="3000" b="0" i="0" u="none" strike="noStrike" cap="none" spc="0" normalizeH="0" baseline="0" dirty="0">
+              <a:ln>
+                <a:noFill/>
+              </a:ln>
+              <a:solidFill>
+                <a:srgbClr val="000000"/>
+              </a:solidFill>
+              <a:effectLst/>
+              <a:uFillTx/>
+              <a:sym typeface="Calibri"/>
+            </a:endParaRPr>
           </a:p>
         </p:txBody>
       </p:sp>

--- a/Poster.pptx
+++ b/Poster.pptx
@@ -3180,7 +3180,7 @@
         </p:blipFill>
         <p:spPr>
           <a:xfrm>
-            <a:off x="10789127" y="13207739"/>
+            <a:off x="10789127" y="12902939"/>
             <a:ext cx="5441267" cy="4187344"/>
           </a:xfrm>
           <a:prstGeom prst="rect">
@@ -3209,7 +3209,7 @@
         </p:blipFill>
         <p:spPr>
           <a:xfrm>
-            <a:off x="15763724" y="13207739"/>
+            <a:off x="15763724" y="12902939"/>
             <a:ext cx="5774482" cy="4187344"/>
           </a:xfrm>
           <a:prstGeom prst="rect">
@@ -4568,7 +4568,7 @@
         </p:nvSpPr>
         <p:spPr>
           <a:xfrm>
-            <a:off x="11033061" y="17395083"/>
+            <a:off x="11033061" y="17090283"/>
             <a:ext cx="10505145" cy="707886"/>
           </a:xfrm>
           <a:prstGeom prst="rect">
@@ -5223,7 +5223,7 @@
         </p:nvSpPr>
         <p:spPr>
           <a:xfrm>
-            <a:off x="502743" y="17395083"/>
+            <a:off x="502743" y="17090283"/>
             <a:ext cx="10002401" cy="707886"/>
           </a:xfrm>
           <a:prstGeom prst="rect">
@@ -5276,7 +5276,7 @@
         </p:blipFill>
         <p:spPr>
           <a:xfrm>
-            <a:off x="2565358" y="13412162"/>
+            <a:off x="2565358" y="13107362"/>
             <a:ext cx="6807895" cy="3837488"/>
           </a:xfrm>
           <a:prstGeom prst="rect">
@@ -5379,7 +5379,7 @@
         </p:blipFill>
         <p:spPr>
           <a:xfrm>
-            <a:off x="1137743" y="15792680"/>
+            <a:off x="1137743" y="15487880"/>
             <a:ext cx="1935615" cy="1234490"/>
           </a:xfrm>
           <a:prstGeom prst="rect">
@@ -6085,7 +6085,7 @@
         <p:spPr>
           <a:xfrm>
             <a:off x="213937" y="27076824"/>
-            <a:ext cx="12816263" cy="5262979"/>
+            <a:ext cx="17362863" cy="5262979"/>
           </a:xfrm>
           <a:prstGeom prst="rect">
             <a:avLst/>
@@ -6168,7 +6168,7 @@
         </p:nvSpPr>
         <p:spPr>
           <a:xfrm>
-            <a:off x="243249" y="27330824"/>
+            <a:off x="5323249" y="26978243"/>
             <a:ext cx="7135488" cy="701041"/>
           </a:xfrm>
           <a:prstGeom prst="rect">
@@ -6208,8 +6208,8 @@
         </p:nvSpPr>
         <p:spPr>
           <a:xfrm>
-            <a:off x="13360400" y="27076824"/>
-            <a:ext cx="8169791" cy="5262979"/>
+            <a:off x="17907000" y="27076824"/>
+            <a:ext cx="3623191" cy="5262979"/>
           </a:xfrm>
           <a:prstGeom prst="rect">
             <a:avLst/>
@@ -6292,7 +6292,7 @@
         </p:nvSpPr>
         <p:spPr>
           <a:xfrm>
-            <a:off x="13495139" y="27275368"/>
+            <a:off x="18078304" y="27166201"/>
             <a:ext cx="3060992" cy="738664"/>
           </a:xfrm>
           <a:prstGeom prst="rect">
@@ -6333,8 +6333,8 @@
         </p:nvSpPr>
         <p:spPr>
           <a:xfrm>
-            <a:off x="13495139" y="28031865"/>
-            <a:ext cx="7955482" cy="3970316"/>
+            <a:off x="17983200" y="28031865"/>
+            <a:ext cx="3467420" cy="3970315"/>
           </a:xfrm>
           <a:prstGeom prst="rect">
             <a:avLst/>
@@ -6366,170 +6366,170 @@
           <a:lstStyle/>
           <a:p>
             <a:r>
-              <a:rPr lang="en-US" sz="1800" dirty="0" smtClean="0"/>
+              <a:rPr lang="en-US" sz="1200" dirty="0" smtClean="0"/>
               <a:t>[1] D</a:t>
             </a:r>
             <a:r>
-              <a:rPr lang="en-US" sz="1800" dirty="0"/>
+              <a:rPr lang="en-US" sz="1200" dirty="0"/>
               <a:t>. </a:t>
             </a:r>
             <a:r>
-              <a:rPr lang="en-US" sz="1800" dirty="0" err="1"/>
+              <a:rPr lang="en-US" sz="1200" dirty="0" err="1"/>
               <a:t>Movshovitz-Attias</a:t>
             </a:r>
             <a:r>
-              <a:rPr lang="en-US" sz="1800" dirty="0"/>
+              <a:rPr lang="en-US" sz="1200" dirty="0"/>
               <a:t>, Y. </a:t>
             </a:r>
             <a:r>
-              <a:rPr lang="en-US" sz="1800" dirty="0" err="1"/>
+              <a:rPr lang="en-US" sz="1200" dirty="0" err="1"/>
               <a:t>Movshovitz-Attias</a:t>
             </a:r>
             <a:r>
-              <a:rPr lang="en-US" sz="1800" dirty="0"/>
+              <a:rPr lang="en-US" sz="1200" dirty="0"/>
               <a:t>, P. </a:t>
             </a:r>
             <a:r>
-              <a:rPr lang="en-US" sz="1800" dirty="0" err="1"/>
+              <a:rPr lang="en-US" sz="1200" dirty="0" err="1"/>
               <a:t>Steenkiste</a:t>
             </a:r>
             <a:r>
-              <a:rPr lang="en-US" sz="1800" dirty="0"/>
+              <a:rPr lang="en-US" sz="1200" dirty="0"/>
               <a:t>, and C. </a:t>
             </a:r>
             <a:r>
-              <a:rPr lang="en-US" sz="1800" dirty="0" err="1"/>
+              <a:rPr lang="en-US" sz="1200" dirty="0" err="1"/>
               <a:t>Faloutsos</a:t>
             </a:r>
             <a:r>
-              <a:rPr lang="en-US" sz="1800" dirty="0"/>
+              <a:rPr lang="en-US" sz="1200" dirty="0"/>
               <a:t>. “Analysis of the Reputation System and User Contributions on a Question Answering Website: </a:t>
             </a:r>
             <a:r>
-              <a:rPr lang="en-US" sz="1800" dirty="0" err="1"/>
+              <a:rPr lang="en-US" sz="1200" dirty="0" err="1"/>
               <a:t>StackOverflow</a:t>
             </a:r>
             <a:r>
-              <a:rPr lang="en-US" sz="1800" dirty="0"/>
+              <a:rPr lang="en-US" sz="1200" dirty="0"/>
               <a:t>.” ASONAM, 2013, pp. 886–893</a:t>
             </a:r>
             <a:r>
-              <a:rPr lang="en-US" sz="1800" dirty="0" smtClean="0"/>
+              <a:rPr lang="en-US" sz="1200" dirty="0" smtClean="0"/>
               <a:t>.</a:t>
             </a:r>
           </a:p>
           <a:p>
-            <a:endParaRPr lang="en-US" sz="1800" dirty="0"/>
-          </a:p>
-          <a:p>
-            <a:r>
-              <a:rPr lang="en-US" sz="1800" dirty="0" smtClean="0"/>
+            <a:endParaRPr lang="en-US" sz="1200" dirty="0"/>
+          </a:p>
+          <a:p>
+            <a:r>
+              <a:rPr lang="en-US" sz="1200" dirty="0" smtClean="0"/>
               <a:t>[2] Jun </a:t>
             </a:r>
             <a:r>
-              <a:rPr lang="en-US" sz="1800" dirty="0"/>
+              <a:rPr lang="en-US" sz="1200" dirty="0"/>
               <a:t>Zhang, Mark S. Ackerman, </a:t>
             </a:r>
             <a:r>
-              <a:rPr lang="en-US" sz="1800" dirty="0" err="1"/>
+              <a:rPr lang="en-US" sz="1200" dirty="0" err="1"/>
               <a:t>Lada</a:t>
             </a:r>
             <a:r>
-              <a:rPr lang="en-US" sz="1800" dirty="0"/>
+              <a:rPr lang="en-US" sz="1200" dirty="0"/>
               <a:t> </a:t>
             </a:r>
             <a:r>
-              <a:rPr lang="en-US" sz="1800" dirty="0" err="1"/>
+              <a:rPr lang="en-US" sz="1200" dirty="0" err="1"/>
               <a:t>Adamic</a:t>
             </a:r>
             <a:r>
-              <a:rPr lang="en-US" sz="1800" dirty="0"/>
+              <a:rPr lang="en-US" sz="1200" dirty="0"/>
               <a:t>. “Expertise Networks in Online Communities: Structure and Algorithms.” 16th International Conference on World Wide Web, May 08-12, 2007, Banff, Alberta, Canada</a:t>
             </a:r>
             <a:r>
-              <a:rPr lang="en-US" sz="1800" dirty="0" smtClean="0"/>
+              <a:rPr lang="en-US" sz="1200" dirty="0" smtClean="0"/>
               <a:t>.</a:t>
             </a:r>
           </a:p>
           <a:p>
-            <a:endParaRPr lang="en-US" sz="1800" dirty="0"/>
-          </a:p>
-          <a:p>
-            <a:r>
-              <a:rPr lang="en-US" sz="1800" dirty="0" smtClean="0"/>
+            <a:endParaRPr lang="en-US" sz="1200" dirty="0"/>
+          </a:p>
+          <a:p>
+            <a:r>
+              <a:rPr lang="en-US" sz="1200" dirty="0" smtClean="0"/>
               <a:t>[3] </a:t>
             </a:r>
             <a:r>
-              <a:rPr lang="en-US" sz="1800" dirty="0" err="1" smtClean="0"/>
+              <a:rPr lang="en-US" sz="1200" dirty="0" err="1" smtClean="0"/>
               <a:t>Lada</a:t>
             </a:r>
             <a:r>
-              <a:rPr lang="en-US" sz="1800" dirty="0" smtClean="0"/>
+              <a:rPr lang="en-US" sz="1200" dirty="0" smtClean="0"/>
               <a:t> </a:t>
             </a:r>
             <a:r>
-              <a:rPr lang="en-US" sz="1800" dirty="0" err="1"/>
+              <a:rPr lang="en-US" sz="1200" dirty="0" err="1"/>
               <a:t>Adamic</a:t>
             </a:r>
             <a:r>
-              <a:rPr lang="en-US" sz="1800" dirty="0"/>
+              <a:rPr lang="en-US" sz="1200" dirty="0"/>
               <a:t>, Jun Zhang, </a:t>
             </a:r>
             <a:r>
-              <a:rPr lang="en-US" sz="1800" dirty="0" err="1"/>
+              <a:rPr lang="en-US" sz="1200" dirty="0" err="1"/>
               <a:t>Eytan</a:t>
             </a:r>
             <a:r>
-              <a:rPr lang="en-US" sz="1800" dirty="0"/>
+              <a:rPr lang="en-US" sz="1200" dirty="0"/>
               <a:t> </a:t>
             </a:r>
             <a:r>
-              <a:rPr lang="en-US" sz="1800" dirty="0" err="1"/>
+              <a:rPr lang="en-US" sz="1200" dirty="0" err="1"/>
               <a:t>Bakshy</a:t>
             </a:r>
             <a:r>
-              <a:rPr lang="en-US" sz="1800" dirty="0"/>
+              <a:rPr lang="en-US" sz="1200" dirty="0"/>
               <a:t>, Mark S. Ackerman. “Knowledge Sharing and Yahoo Answers: Everyone Knows Something.” 17th International Conference on World Wide Web, April 21-25, 2008, Beijing, China</a:t>
             </a:r>
             <a:r>
-              <a:rPr lang="en-US" sz="1800" dirty="0" smtClean="0"/>
+              <a:rPr lang="en-US" sz="1200" dirty="0" smtClean="0"/>
               <a:t>.</a:t>
             </a:r>
           </a:p>
           <a:p>
-            <a:endParaRPr lang="en-US" sz="1800" dirty="0"/>
-          </a:p>
-          <a:p>
-            <a:r>
-              <a:rPr lang="en-US" sz="1800" dirty="0" smtClean="0"/>
+            <a:endParaRPr lang="en-US" sz="1200" dirty="0"/>
+          </a:p>
+          <a:p>
+            <a:r>
+              <a:rPr lang="en-US" sz="1200" dirty="0" smtClean="0"/>
               <a:t>[4] </a:t>
             </a:r>
             <a:r>
-              <a:rPr lang="en-US" sz="1800" dirty="0" err="1" smtClean="0"/>
+              <a:rPr lang="en-US" sz="1200" dirty="0" err="1" smtClean="0"/>
               <a:t>StackExchange</a:t>
             </a:r>
             <a:r>
-              <a:rPr lang="en-US" sz="1800" dirty="0" smtClean="0"/>
+              <a:rPr lang="en-US" sz="1200" dirty="0" smtClean="0"/>
               <a:t> </a:t>
             </a:r>
             <a:r>
-              <a:rPr lang="en-US" sz="1800" dirty="0"/>
+              <a:rPr lang="en-US" sz="1200" dirty="0"/>
               <a:t>Data Dump (Published August 18, 2015). Retrieved 12 October 2015. https://</a:t>
             </a:r>
             <a:r>
-              <a:rPr lang="en-US" sz="1800" dirty="0" err="1"/>
+              <a:rPr lang="en-US" sz="1200" dirty="0" err="1"/>
               <a:t>archive.org</a:t>
             </a:r>
             <a:r>
-              <a:rPr lang="en-US" sz="1800" dirty="0"/>
+              <a:rPr lang="en-US" sz="1200" dirty="0"/>
               <a:t>/details/</a:t>
             </a:r>
             <a:r>
-              <a:rPr lang="en-US" sz="1800" dirty="0" err="1"/>
+              <a:rPr lang="en-US" sz="1200" dirty="0" err="1"/>
               <a:t>stackexchange</a:t>
             </a:r>
             <a:r>
-              <a:rPr lang="en-US" sz="1800" dirty="0"/>
+              <a:rPr lang="en-US" sz="1200" dirty="0"/>
               <a:t>.</a:t>
             </a:r>
           </a:p>
@@ -6543,8 +6543,8 @@
         </p:nvSpPr>
         <p:spPr>
           <a:xfrm>
-            <a:off x="366990" y="28158865"/>
-            <a:ext cx="12460010" cy="4339648"/>
+            <a:off x="323938" y="27593180"/>
+            <a:ext cx="17209810" cy="4801312"/>
           </a:xfrm>
           <a:prstGeom prst="rect">
             <a:avLst/>
@@ -6575,9 +6575,27 @@
           </a:bodyPr>
           <a:lstStyle/>
           <a:p>
+            <a:pPr marL="457200" indent="-457200">
+              <a:buFont typeface="Arial"/>
+              <a:buChar char="•"/>
+            </a:pPr>
+            <a:r>
+              <a:rPr lang="en-US" sz="3000" dirty="0" smtClean="0"/>
+              <a:t>Triad Analysis suggests that the question asker usually reads the answer without any further follow up or discussion, evidenced by the most frequent triads having only unidirectional edges.</a:t>
+            </a:r>
+          </a:p>
+          <a:p>
+            <a:pPr marL="457200" indent="-457200">
+              <a:buFont typeface="Arial"/>
+              <a:buChar char="•"/>
+            </a:pPr>
+            <a:r>
+              <a:rPr lang="en-US" sz="3000" dirty="0" smtClean="0"/>
+              <a:t>The </a:t>
+            </a:r>
             <a:r>
               <a:rPr lang="en-US" sz="3000" dirty="0"/>
-              <a:t>The results from the k-means clustering </a:t>
+              <a:t>results from the k-means clustering </a:t>
             </a:r>
             <a:r>
               <a:rPr lang="en-US" sz="3000" dirty="0" smtClean="0"/>
@@ -6587,47 +6605,47 @@
               <a:rPr lang="en-US" sz="3000" dirty="0"/>
               <a:t>there is a strong contingent of one type of user (the causal question asker/answerer), and a small contingent of the expert users. </a:t>
             </a:r>
-            <a:endParaRPr lang="en-US" sz="3000" dirty="0" smtClean="0"/>
-          </a:p>
-          <a:p>
-            <a:endParaRPr lang="en-US" sz="3000" dirty="0"/>
-          </a:p>
-          <a:p>
+          </a:p>
+          <a:p>
+            <a:pPr marL="457200" indent="-457200">
+              <a:buFont typeface="Arial"/>
+              <a:buChar char="•"/>
+            </a:pPr>
             <a:r>
               <a:rPr lang="en-US" sz="3200" dirty="0" smtClean="0"/>
               <a:t>Our </a:t>
             </a:r>
             <a:r>
               <a:rPr lang="en-US" sz="3200" dirty="0"/>
-              <a:t>heuristic analysis showed both feasibility and actual results with regard to the task of predicting and evaluating domain expertise using a data-driven approach that draws from the question-answer graph model.</a:t>
+              <a:t>heuristic analysis </a:t>
+            </a:r>
+            <a:r>
+              <a:rPr lang="en-US" sz="3200" dirty="0" smtClean="0"/>
+              <a:t>shows both </a:t>
+            </a:r>
+            <a:r>
+              <a:rPr lang="en-US" sz="3200" dirty="0"/>
+              <a:t>feasibility and actual results with regard to the task of predicting and evaluating domain expertise using a data-driven approach that draws from the question-answer graph model</a:t>
+            </a:r>
+            <a:r>
+              <a:rPr lang="en-US" sz="3200" dirty="0" smtClean="0"/>
+              <a:t>.</a:t>
+            </a:r>
+          </a:p>
+          <a:p>
+            <a:pPr marL="457200" indent="-457200">
+              <a:buFont typeface="Arial"/>
+              <a:buChar char="•"/>
+            </a:pPr>
+            <a:r>
+              <a:rPr lang="en-US" sz="3000" dirty="0" smtClean="0"/>
+              <a:t>Supervised learning demonstrates a low correlation between reputation and number of questions asked, but a positive correlation between reputation and number of questions answered, suggesting a “just better” model of people answering questions of those just slightly less informed.</a:t>
+            </a:r>
+            <a:r>
+              <a:rPr lang="en-US" sz="3000" dirty="0"/>
+              <a:t> </a:t>
             </a:r>
             <a:endParaRPr lang="en-US" sz="3000" dirty="0" smtClean="0"/>
-          </a:p>
-          <a:p>
-            <a:endParaRPr kumimoji="0" lang="en-US" sz="3000" b="0" i="0" u="none" strike="noStrike" cap="none" spc="0" normalizeH="0" baseline="0" dirty="0">
-              <a:ln>
-                <a:noFill/>
-              </a:ln>
-              <a:solidFill>
-                <a:srgbClr val="000000"/>
-              </a:solidFill>
-              <a:effectLst/>
-              <a:uFillTx/>
-              <a:sym typeface="Calibri"/>
-            </a:endParaRPr>
-          </a:p>
-          <a:p>
-            <a:endParaRPr kumimoji="0" lang="en-US" sz="3000" b="0" i="0" u="none" strike="noStrike" cap="none" spc="0" normalizeH="0" baseline="0" dirty="0">
-              <a:ln>
-                <a:noFill/>
-              </a:ln>
-              <a:solidFill>
-                <a:srgbClr val="000000"/>
-              </a:solidFill>
-              <a:effectLst/>
-              <a:uFillTx/>
-              <a:sym typeface="Calibri"/>
-            </a:endParaRPr>
           </a:p>
         </p:txBody>
       </p:sp>

--- a/Poster.pptx
+++ b/Poster.pptx
@@ -5194,15 +5194,15 @@
             <a:pPr algn="l"/>
             <a:r>
               <a:rPr lang="en-US" sz="2000" b="1" dirty="0" smtClean="0"/>
-              <a:t>Table 1. TODO</a:t>
-            </a:r>
-            <a:r>
-              <a:rPr lang="en-US" sz="2000" dirty="0"/>
-              <a:t> </a:t>
+              <a:t>Table 1. </a:t>
             </a:r>
             <a:r>
               <a:rPr lang="en-US" sz="2000" dirty="0" smtClean="0"/>
-              <a:t>These heuristic functions were developed through the User Graph specific to Geometry. This allows us to focus attention on expertise in the Geometry domain. Note these functions </a:t>
+              <a:t>These </a:t>
+            </a:r>
+            <a:r>
+              <a:rPr lang="en-US" sz="2000" dirty="0" smtClean="0"/>
+              <a:t>heuristic functions were developed through the User Graph specific to Geometry. This allows us to focus attention on expertise in the Geometry domain. Note these functions </a:t>
             </a:r>
             <a:r>
               <a:rPr lang="en-US" sz="2000" dirty="0"/>

--- a/Poster.pptx
+++ b/Poster.pptx
@@ -3029,7 +3029,15 @@
             </a:pPr>
             <a:r>
               <a:rPr lang="en-US" dirty="0" smtClean="0"/>
-              <a:t>To gain insight in how users interact in a micro setting, we do a Triad Frequency Analysis. This is performed on the User Graph with Geometry tag. The frequency of all possible Triads are tallied up. Triad id38 is very common and maps usually to a highly reputable user shining light on to novice users who are discussing.</a:t>
+              <a:t>To gain insight in how users interact in a micro setting, we do a Triad Frequency Analysis. This is performed on the User Graph with Geometry tag. The frequency of all possible Triads are tallied up. Triad id38 is very common and maps usually to a highly reputable user </a:t>
+            </a:r>
+            <a:r>
+              <a:rPr lang="en-US" dirty="0" smtClean="0"/>
+              <a:t>shedding light </a:t>
+            </a:r>
+            <a:r>
+              <a:rPr lang="en-US" dirty="0" smtClean="0"/>
+              <a:t>on to novice users who are discussing.</a:t>
             </a:r>
             <a:endParaRPr dirty="0"/>
           </a:p>
@@ -5194,10 +5202,18 @@
             <a:pPr algn="l"/>
             <a:r>
               <a:rPr lang="en-US" sz="2000" b="1" dirty="0" smtClean="0"/>
-              <a:t>Table 1. TODO</a:t>
-            </a:r>
-            <a:r>
-              <a:rPr lang="en-US" sz="2000" dirty="0"/>
+              <a:t>Table </a:t>
+            </a:r>
+            <a:r>
+              <a:rPr lang="en-US" sz="2000" b="1" smtClean="0"/>
+              <a:t>1</a:t>
+            </a:r>
+            <a:r>
+              <a:rPr lang="en-US" sz="2000" b="1" smtClean="0"/>
+              <a:t>.</a:t>
+            </a:r>
+            <a:r>
+              <a:rPr lang="en-US" sz="2000" smtClean="0"/>
               <a:t> </a:t>
             </a:r>
             <a:r>
@@ -5359,7 +5375,19 @@
           <a:p>
             <a:r>
               <a:rPr u="none" dirty="0"/>
-              <a:t>Expertise &amp; Network Properties in StackExchange Sites</a:t>
+              <a:t>Expertise </a:t>
+            </a:r>
+            <a:r>
+              <a:rPr lang="en-US" u="none" dirty="0" smtClean="0"/>
+              <a:t>and</a:t>
+            </a:r>
+            <a:r>
+              <a:rPr u="none" dirty="0" smtClean="0"/>
+              <a:t> </a:t>
+            </a:r>
+            <a:r>
+              <a:rPr u="none" dirty="0"/>
+              <a:t>Network Properties in StackExchange Sites</a:t>
             </a:r>
           </a:p>
         </p:txBody>
@@ -5628,15 +5656,19 @@
             </a:pPr>
             <a:r>
               <a:rPr dirty="0"/>
-              <a:t>We aim to identify, understand, and designate experts and expertise within StackExchange data</a:t>
+              <a:t>We aim to identify, understand, and designate experts and expertise within </a:t>
             </a:r>
             <a:r>
               <a:rPr dirty="0" smtClean="0"/>
-              <a:t>.</a:t>
+              <a:t>StackExchange.</a:t>
             </a:r>
             <a:r>
               <a:rPr lang="en-US" dirty="0" smtClean="0"/>
-              <a:t> Specifically, our goals:</a:t>
+              <a:t> </a:t>
+            </a:r>
+            <a:r>
+              <a:rPr lang="en-US" dirty="0" smtClean="0"/>
+              <a:t>Specifically, our goals:</a:t>
             </a:r>
             <a:endParaRPr dirty="0"/>
           </a:p>
@@ -5697,7 +5729,15 @@
             </a:pPr>
             <a:r>
               <a:rPr lang="en-US" dirty="0"/>
-              <a:t>Create credibility scores that supersede </a:t>
+              <a:t>Create </a:t>
+            </a:r>
+            <a:r>
+              <a:rPr lang="en-US" dirty="0" smtClean="0"/>
+              <a:t>credibility, more  granular, </a:t>
+            </a:r>
+            <a:r>
+              <a:rPr lang="en-US" dirty="0"/>
+              <a:t>scores that supersede </a:t>
             </a:r>
             <a:r>
               <a:rPr lang="en-US" dirty="0" err="1"/>
@@ -5806,6 +5846,14 @@
             <a:r>
               <a:rPr dirty="0" smtClean="0"/>
               <a:t>.</a:t>
+            </a:r>
+            <a:r>
+              <a:rPr lang="en-US" dirty="0" smtClean="0"/>
+              <a:t> </a:t>
+            </a:r>
+            <a:r>
+              <a:rPr lang="en-US" dirty="0" smtClean="0"/>
+              <a:t>The two main graphs of our study are:</a:t>
             </a:r>
             <a:endParaRPr lang="en-US" dirty="0" smtClean="0"/>
           </a:p>
@@ -5930,8 +5978,8 @@
         </p:nvSpPr>
         <p:spPr>
           <a:xfrm>
-            <a:off x="15363469" y="7988149"/>
-            <a:ext cx="3873160" cy="400110"/>
+            <a:off x="11185462" y="8258357"/>
+            <a:ext cx="3873160" cy="707886"/>
           </a:xfrm>
           <a:prstGeom prst="rect">
             <a:avLst/>
@@ -5962,7 +6010,11 @@
             </a:r>
             <a:r>
               <a:rPr lang="en-US" sz="2000" dirty="0" smtClean="0"/>
-              <a:t>Geometry tag post links.</a:t>
+              <a:t>Geometry </a:t>
+            </a:r>
+            <a:r>
+              <a:rPr lang="en-US" sz="2000" dirty="0" smtClean="0"/>
+              <a:t>tagged Post Graph.</a:t>
             </a:r>
             <a:endParaRPr sz="2000" dirty="0"/>
           </a:p>
@@ -5976,7 +6028,7 @@
         </p:nvSpPr>
         <p:spPr>
           <a:xfrm>
-            <a:off x="15363469" y="4202497"/>
+            <a:off x="15363469" y="4726853"/>
             <a:ext cx="6203571" cy="3785652"/>
           </a:xfrm>
           <a:prstGeom prst="rect">
